--- a/3-Machine Learning/2-No supervisado/1-PCA/Teoria/MOD_Machine Learning - PCA.pptx
+++ b/3-Machine Learning/2-No supervisado/1-PCA/Teoria/MOD_Machine Learning - PCA.pptx
@@ -153,7 +153,7 @@
     </inkml:brush>
   </inkml:definitions>
   <inkml:trace contextRef="#ctx0" brushRef="#br0">708 1371 447 0,'-11'-4'31'16,"4"0"15"-16,-6-1-35 16,2-2 7-16,-5-3 9 15,16 8 9-15,0-1-18 0,0 0 3 16,0 2-8-16,2-2-8 15,2 7 4-15,-4-4-9 16,0 3 1-16,3 0 0 16,4 7 0-16,6 6 8 15,3 8-5-15,57 95-2 16,-50-97 1-16,-10 0-1 16,1 0-2-16,-1-4 0 15,11 17 3-15,-4-2-3 16,27 15 1-16,-43-48 1 15,-4-1 1-15,2-2 4 16,-2 1 17-16,3-8 5 16,1-62-28-16,-2 46 2 15,-2 2-3-15,0 0 0 0,0-1 0 16,3-25 0-16,-1 0 1 16,18-119-3-16,-14 150-4 15,0-1 1-15,-2 6-14 16,0 2-31-16,7-12-39 15,1 6-75-15</inkml:trace>
-  <inkml:trace contextRef="#ctx0" brushRef="#br0" timeOffset="353.49">1672 1285 638 0,'-2'0'4'16,"0"0"-4"-16,4 0-24 0,-4 0 23 15,9 0 0-15,38 3 2 16,-21-12-2-16,2-3 0 16,1-3-5-16,-2 4-11 15,24-13-13-15,72-42-72 16,-111 61-88-16</inkml:trace>
+  <inkml:trace contextRef="#ctx0" brushRef="#br0" timeOffset="353.48">1672 1285 638 0,'-2'0'4'16,"0"0"-4"-16,4 0-24 0,-4 0 23 15,9 0 0-15,38 3 2 16,-21-12-2-16,2-3 0 16,1-3-5-16,-2 4-11 15,24-13-13-15,72-42-72 16,-111 61-88-16</inkml:trace>
   <inkml:trace contextRef="#ctx0" brushRef="#br0" timeOffset="563.16">1811 1482 529 0,'-4'6'56'0,"-2"4"-56"15,6 6-11-15,6-14 11 16,-2 2 0-16,5-3 2 16,-1 2 0-16,13-1-2 15,3-4-1-15,74-26-30 16,-79 15-67-16,-4 6-85 16</inkml:trace>
   <inkml:trace contextRef="#ctx0" brushRef="#br0" timeOffset="993.44">2617 494 600 0,'-18'-6'13'0,"5"3"7"0,-16-7-15 15,9 6 13 1,-29 22-4-16,38 6-12 0,6 7 10 15,-1 6-5-15,2 5 1 16,-9 41 18-16,3 9-5 16,-1 217-15-16,11-264 1 15,5-1-4-15,5-2 0 16,4-5-3-16,9 37-4 16,90 101 4-16,-89-155-13 15,5-2-30-15,3-3-7 16,-1 2-37-16,31 9-116 15</inkml:trace>
   <inkml:trace contextRef="#ctx0" brushRef="#br0" timeOffset="2138.53">3106 924 440 0,'-17'-14'91'16,"17"12"-65"-16,0 1-4 15,0 1 8-15,0 0-7 16,0-3-6-16,0 6-15 16,5 4-2-16,-2-2 0 15,1 3 9-15,5 7 1 16,0 4-3-16,7 16-6 16,1 11 6-16,47 123-5 15,-52-142 0-15,1-4-1 0,1-1 5 16,-1-4-6-1,12 19 1-15,46 28 1 16,-62-65 2-16,-4 0-2 0,-1-4 3 16,2 0 20-16,5-9-1 15,-1-14-23-15,19-105 0 16,-27 105 2-16,-2 4-1 16,0-1-2-16,0 2-1 15,0-22 1-15,-2 3 1 16,-10-51-1-16,10 86-2 15,2 4-16-15,-2-2-15 16,2 4-44-16,0-2-108 0</inkml:trace>
@@ -183,7 +183,7 @@
   <inkml:trace contextRef="#ctx0" brushRef="#br0" timeOffset="30391.98">10677 465 385 0,'-5'0'99'0,"2"0"-49"15,-3 0-30-15,-1-2-2 16,7 4 12-16,0-4-8 15,0 0-1-15,0-1-7 16,2 0-2-16,-2-3-3 16,5-14-5-16,-5 14-2 15,0-4-4-15,0-1 4 16,-2 3-1-16,2-13-1 16,0 3-4-16,-5-18 4 15,5 28 2-15,0 3-2 0,0 1 0 16,0 4 0-16,0-5 2 15,0 3-2-15,0 4-5 16,0-2 5-16,0 0 0 16,0 1-4-16,-2 3 0 15,4 2 3-15,7 31 1 16,-7-30 0-16,3 2-3 16,-2-1 3-16,-1 1 1 15,4 8-1-15,-1-1 0 16,-1 24-13-16,-4-36-22 15,0-1-18-15,2 4-62 16,0-5-76-16</inkml:trace>
   <inkml:trace contextRef="#ctx0" brushRef="#br0" timeOffset="30718.25">10799 206 489 0,'5'0'100'15,"-5"-2"-96"1,-3-2-4-16,3 10-3 0,3 1-3 15,1 6 6-15,0 5 9 16,7 21-9-16,-1 9 7 16,11 136-2-16,-21-153 11 15,-2-6-10-15,2-4-5 16,-2-2-1-16,0 21 0 16,-13 47-1-16,10-76-17 15,0 0-78-15,3-2-131 16</inkml:trace>
   <inkml:trace contextRef="#ctx0" brushRef="#br0" timeOffset="33026.25">11319 273 262 0,'0'-10'62'0,"0"-20"-26"16,0 27-2-16,-4-1 9 16,4 1-18-16,-2 0 33 15,0 0-26-15,-2-1-10 16,2 2 0-16,-5 2 2 16,3 0 0-16,0 2-10 15,-6-2-9-15,1 1 0 16,-18 8-2-16,23-6-3 0,-2 5 0 15,-1 2-2-15,-2 2 2 16,-4 12 0-16,-1 9-3 16,-22 83 3-16,34-94 0 15,2-2 1-15,-2-3-2 16,2-6 0-16,2 15 1 16,21 30 0-16,-17-49-4 15,1-3 3-15,4-1-4 16,0 1-23-16,12 2-13 15,6-6-17-15,64-24-8 16,-76 18 3-16,2-2-33 16,-4-4-25-16</inkml:trace>
-  <inkml:trace contextRef="#ctx0" brushRef="#br0" timeOffset="33416.66">11541 419 204 0,'4'-13'29'0,"-1"6"67"16,-1 2-68-16,-2 0 9 15,2-6 0-15,-9 0-11 16,3 8 25-16,0 3-17 15,2 0-6-15,-1 3-10 16,-2-3-14-16,1 2 2 16,2 10-6-16,0-6 2 15,-1 3-4-15,3 0 3 16,-2 0-1-16,2 12 0 16,2-1 0-16,21 50 0 15,-19-56 3-15,3-1-3 0,-1 0 0 16,4-5-1-1,7 13 1-15,35 6 0 0,-42-27-4 16,1-2 4-16,-1-2 2 16,-4-2-2-16,13-7 0 15,-6-6 0-15,16-70 0 16,-34 68 0-16,3 5 2 16,-8 2-2-16,2 0 3 15,-7-10 1-15,-8 3 4 16,-50-6-7-16,59 27 3 15,3 0-4-15,0 0-7 16,4 0-8-16,-8 4-14 16,-12 18-34-16,27-18-2 15,0 4-27-15,4-3-32 16</inkml:trace>
+  <inkml:trace contextRef="#ctx0" brushRef="#br0" timeOffset="33416.65">11541 419 204 0,'4'-13'29'0,"-1"6"67"16,-1 2-68-16,-2 0 9 15,2-6 0-15,-9 0-11 16,3 8 25-16,0 3-17 15,2 0-6-15,-1 3-10 16,-2-3-14-16,1 2 2 16,2 10-6-16,0-6 2 15,-1 3-4-15,3 0 3 16,-2 0-1-16,2 12 0 16,2-1 0-16,21 50 0 15,-19-56 3-15,3-1-3 0,-1 0 0 16,4-5-1-1,7 13 1-15,35 6 0 0,-42-27-4 16,1-2 4-16,-1-2 2 16,-4-2-2-16,13-7 0 15,-6-6 0-15,16-70 0 16,-34 68 0-16,3 5 2 16,-8 2-2-16,2 0 3 15,-7-10 1-15,-8 3 4 16,-50-6-7-16,59 27 3 15,3 0-4-15,0 0-7 16,4 0-8-16,-8 4-14 16,-12 18-34-16,27-18-2 15,0 4-27-15,4-3-32 16</inkml:trace>
   <inkml:trace contextRef="#ctx0" brushRef="#br0" timeOffset="33926.64">11928 320 358 0,'-2'-6'68'16,"-15"3"-38"-16,7 6 4 0,4-3 3 15,1 5-18-15,-3 0-13 16,-6 8-4-16,3 2-2 16,-11 50 2-16,24-53-2 15,0 4 0-15,2-5 0 16,1 4 0-16,6 9 0 16,39 33 1-16,-42-50-2 15,3-3 2-15,3-2-1 16,-3-2 0-16,11 0 2 15,-2-4-2-15,29-30 2 16,-42 22-1-16,-3-1-1 16,1 0 3-16,0-1-3 15,1-15 8-15,-6 4-6 0,-27-51 5 16,19 69-2-16,-2 2 10 16,-1 0 6-16,3 1-16 15,-9-3 3-15,-35-2-8 16,44 15-3-16,2-1-3 15,-3-1-3-15,3 1-10 16,-6 5-14-16,3 3-35 16,7 21 17-16,9-30-38 15,1 1-1-15</inkml:trace>
   <inkml:trace contextRef="#ctx0" brushRef="#br0" timeOffset="34261.41">12243 295 85 0,'5'2'226'0,"3"3"-201"15,-1 6-9-15,22 23-1 16,-25-29 10-16,0 1 0 16,2 5-20-16,-2-2 2 15,4 12 3-15,-1-1-6 16,7 42 13-16,-16-55 11 15,2-6-1-15,-2-1 3 16,2 0 0-16,-4 3 9 16,-2-22-9-16,2 7-21 0,-3 0 6 15,3-2-9 1,0 0-2-16,-4-16-4 0,2 2-2 16,6-55 0-16,4 73 2 15,0 3-18-15,6-1-5 16,-4 4-6-16,13-9-6 15,-2 5-34-15,54 2-6 16,-55 8-29-16</inkml:trace>
   <inkml:trace contextRef="#ctx0" brushRef="#br0" timeOffset="35510.37">12749 223 320 0,'-36'-6'32'0,"32"2"56"15,-2 2-60-15,-2 2 12 16,1-3 17-16,-11 3-23 15,-1 0-31-15,-46 9 7 16,58-6-5-16,0 1-4 16,1 5-2-16,-1-2 1 15,-4 11 0-15,2 4 0 0,-10 72-1 16,15-79 1-16,8 4 0 16,0-2-2-16,0-1 2 15,5 16 1-15,38 51-1 16,-41-76 0-16,3-5-5 15,0 0 5-15,-2-4 0 16,10 0-2-16,2-10 2 16,37-84-4-16,-46 72 2 15,-1-2 0-15,-3 4-4 16,2-3 6-16,5-22 0 16,-5 0-2-16,13-90 2 15,-21 118 0-15,0 3 1 0,2 1-1 16,-2 4 2-16,2-13-2 15,7-18 0-15,-11 42-1 16,0 0 0-16,2 0 1 16,0 0-9-16,-3 3 2 15,1 6 6-15,-4 49 1 16,6-42 0-16,0 2 0 16,0 1 0-16,2 0 0 15,4 19 2-15,1 1-2 16,29 73 2-16,-29-98-2 15,1-1 0-15,1-2 1 16,1-2-1-16,7 12 0 16,47 15 0-16,-52-34 0 15,1-4-1-15,-1-4 1 16,-1 0 0-16,9-4-2 0,-1-7-2 16,24-48 1-16,-43 48-2 15,0 0-1-15,3-2-5 16,-6 2 11-16,1-16 0 15,-1 3-1-15,-16-37 1 16,17 60 3-16,-3 6 4 16,2-2-2-16,1 3-5 15,-2-1-1-15,-7 12 0 16,9-1-3-16,0 4 4 16,2 1 0-16,2 0 1 15,0 15-1-15,2 4 2 16,25 74-2-16,-20-90 0 0,3-1 1 15,-6-6-1-15,3 0 0 16,9 11 1-16,-5-6-1 16,25-6 1-16,-38-13 1 15,5-4 9-15,1-3-10 16,1 0 1-16,1-15-2 16,31-76 0-16,-35 84-1 15,3 2-4-15,-1-2 3 16,1 8 2-16,7-14-7 15,-4 5 6-15,13-7 0 16,-23 25-1-16,2 0-3 16,0 5-2-16,-2 1 7 15,7 6 0-15,-1 7 2 0,33 66-2 16,-30-70 1-16,-3 0 0 16,0 2-1-16,2-5 1 15,9 12 1-15,30 18 2 16,-44-42-2-16,1-2 2 15,0-2 6-15,3 0 4 16,7-11-14-16,1-2 4 16,38-72-4-16,-44 79 0 15,-5 2-2-15,-1 2 2 16,0 2 0-16,3-3-1 16,-2 4-2-16,-4 15-3 15,3-4 6-15,1 0 0 16,2 2 0-16,-1 1 0 0,7 9 0 15,32 49-8-15,-33-58-47 16,2-1-61-16</inkml:trace>
@@ -202,7 +202,7 @@
   <inkml:trace contextRef="#ctx0" brushRef="#br0" timeOffset="169774.97">13682 4196 469 0,'-7'0'11'15,"-11"-1"-9"-15,18 1-1 16,0 1 9-16,0-1 18 16,3 0 4-16,-1 2-17 15,-2-2-1-15,9-6 2 16,-9 6 1-16,0 0-9 15,-2 0 1-15,2 0 1 16,0 3 8-16,-2-2-6 16,-3 16-5-16,5-11 1 15,-2 9 5-15,2-4-6 16,-3 5 1-16,-1 15 0 16,-13 90 6-16,14-95-6 0,3 2-4 15,-2 3-3 1,2-3-1-16,0 28-6 0,2-2-8 15,18 70-14-15,-16-118-14 16,4-2-41-16,-2 2-56 16</inkml:trace>
   <inkml:trace contextRef="#ctx0" brushRef="#br0" timeOffset="169993.65">13477 4871 613 0,'-60'27'18'0,"62"-28"-12"15,-2-1-1-15,3 2 2 0,-1 0-3 16,4 0 5-16,3 0-9 16,45 8 1-16,-38-13-1 15,-1 4 0-15,5-4-8 16,-3-1-26-16,22-6-61 15,94-48-36-15</inkml:trace>
   <inkml:trace contextRef="#ctx0" brushRef="#br0" timeOffset="170224.08">13451 4453 603 0,'-21'-4'0'0,"-6"-13"0"16,32 11 0-16,4 1 4 15,2 0-1-15,2 0 0 16,16-5-3-16,7 0-3 16,104-30-2-16,-113 25-11 15,0 4-59-15,2 1-65 16</inkml:trace>
-  <inkml:trace contextRef="#ctx0" brushRef="#br0" timeOffset="171576.38">13970 4367 516 0,'-12'9'85'15,"8"0"-84"-15,4 5 6 16,-7 15 9-16,9 2 16 16,34 86-6-16,-25-99-15 15,1-2-4-15,-4-3-3 16,3-2-1-16,9 11-1 16,38 10-2-16,-49-34-3 0,-3-4 0 15,4-1-3-15,-1 0-2 16,7-11-15-16,-3-8 0 15,24-80 7-15,-37 89 15 16,3 2 0-16,-1 3 0 16,-2 1 1-16,0-7 5 15,0 9 8-15,0 10-10 16,2 9 0-16,1 2 3 16,1 4-4-16,1 0-1 15,3 15 0-15,40 60 0 16,-38-79-1-16,3-3 0 15,-1-1 0-15,1-2-1 16,10 7 2-16,1-8-1 16,49-21 2-16,-61 2-1 15,-1-4-1-15,0-2 0 16,-5-3 0-16,10-16 0 0,-7-7 0 16,-20-101 2-16,0 119-1 15,-5 1 3-15,-2 2-1 16,-1-1-1-16,-19-27 5 15,-67-65-3-15,100 114-1 16,5 4 0-16,0 4 0 16,7 6-1-16,7 12 9 15,7 17-8-15,95 141 1 16,-82-144-2-16,-1 2-1 0,-2 2-2 16,-2 3-1-16,29 39 2 15,-4 4 0 1,55 177-2-16,-104-221 2 0,-10-2 1 15,-2-2 0-15,-4 0 4 16,-7 37 0-16,-80 129 9 16,78-178 3-16,-2-6-12 15,2-8 1-15,-3-6-2 16,-14 6-2-16,-1-18-2 16,-45-100-7-16,79 68 1 15,6 6-1-15,2-3-8 16,3 2 1-16,7-34 6 15,6 3 1-15,49-130 4 0,-60 163-4 16,-1 7 4 0,2 2-1-16,-1 5 0 0,6-16 2 15,26 7 1-15,-35 36 1 16,0 6 4-16,4 0-1 16,-3 2 2-16,8 14-3 15,1 2-1-15,26 59-1 16,-36-82 1-16,2 0 0 15,-2-5-1-15,-2-2 1 16,7 2-1-16,-1-6 4 16,9-56-3-16,-12 30-2 15,-2-1-1-15,-3-3-2 16,-2 0-3-16,2-24 3 16,-35-96 4-16,21 138 0 15,-3 4 0-15,-1-1 4 16,-1 5-3-16,-14-1 0 0,-8 3-1 15,-65 27-1-15,93-18-5 16,3 1-13-16,4-4-13 16,2-2-2-16,0 6-7 15,4-4 14-15,41-10 11 16,-32-2 2-16,-1-1 0 16,4-1-7-16,-1-1 6 15,12-12 15-15,62-41 2 16,-74 58 5-16,3 6 11 15,-1 4 2-15,3 6 10 16,16 8 14-16,-1 14-19 0,58 104 4 16,-80-111-16-16,-1-3-1 15,-4-2 0-15,1 0-9 16,4 14 1-16,-4-7 2 16,-3 3 3-16,-4-33 21 15,-4-2-8-15,-3-8-16 16,-2 0-4-16,-6-16 1 15,-43-97-3-15,51 98 0 16,2 6-5-16,3 2 4 16,0 2-3-16,2-20-16 15,4 7-7-15,27-37-17 16,-21 64-25-16,1 0-22 0,-1 2-152 16</inkml:trace>
+  <inkml:trace contextRef="#ctx0" brushRef="#br0" timeOffset="171576.37">13970 4367 516 0,'-12'9'85'15,"8"0"-84"-15,4 5 6 16,-7 15 9-16,9 2 16 16,34 86-6-16,-25-99-15 15,1-2-4-15,-4-3-3 16,3-2-1-16,9 11-1 16,38 10-2-16,-49-34-3 0,-3-4 0 15,4-1-3-15,-1 0-2 16,7-11-15-16,-3-8 0 15,24-80 7-15,-37 89 15 16,3 2 0-16,-1 3 0 16,-2 1 1-16,0-7 5 15,0 9 8-15,0 10-10 16,2 9 0-16,1 2 3 16,1 4-4-16,1 0-1 15,3 15 0-15,40 60 0 16,-38-79-1-16,3-3 0 15,-1-1 0-15,1-2-1 16,10 7 2-16,1-8-1 16,49-21 2-16,-61 2-1 15,-1-4-1-15,0-2 0 16,-5-3 0-16,10-16 0 0,-7-7 0 16,-20-101 2-16,0 119-1 15,-5 1 3-15,-2 2-1 16,-1-1-1-16,-19-27 5 15,-67-65-3-15,100 114-1 16,5 4 0-16,0 4 0 16,7 6-1-16,7 12 9 15,7 17-8-15,95 141 1 16,-82-144-2-16,-1 2-1 0,-2 2-2 16,-2 3-1-16,29 39 2 15,-4 4 0 1,55 177-2-16,-104-221 2 0,-10-2 1 15,-2-2 0-15,-4 0 4 16,-7 37 0-16,-80 129 9 16,78-178 3-16,-2-6-12 15,2-8 1-15,-3-6-2 16,-14 6-2-16,-1-18-2 16,-45-100-7-16,79 68 1 15,6 6-1-15,2-3-8 16,3 2 1-16,7-34 6 15,6 3 1-15,49-130 4 0,-60 163-4 16,-1 7 4 0,2 2-1-16,-1 5 0 0,6-16 2 15,26 7 1-15,-35 36 1 16,0 6 4-16,4 0-1 16,-3 2 2-16,8 14-3 15,1 2-1-15,26 59-1 16,-36-82 1-16,2 0 0 15,-2-5-1-15,-2-2 1 16,7 2-1-16,-1-6 4 16,9-56-3-16,-12 30-2 15,-2-1-1-15,-3-3-2 16,-2 0-3-16,2-24 3 16,-35-96 4-16,21 138 0 15,-3 4 0-15,-1-1 4 16,-1 5-3-16,-14-1 0 0,-8 3-1 15,-65 27-1-15,93-18-5 16,3 1-13-16,4-4-13 16,2-2-2-16,0 6-7 15,4-4 14-15,41-10 11 16,-32-2 2-16,-1-1 0 16,4-1-7-16,-1-1 6 15,12-12 15-15,62-41 2 16,-74 58 5-16,3 6 11 15,-1 4 2-15,3 6 10 16,16 8 14-16,-1 14-19 0,58 104 4 16,-80-111-16-16,-1-3-1 15,-4-2 0-15,1 0-9 16,4 14 1-16,-4-7 2 16,-3 3 3-16,-4-33 21 15,-4-2-8-15,-3-8-16 16,-2 0-4-16,-6-16 1 15,-43-97-3-15,51 98 0 16,2 6-5-16,3 2 4 16,0 2-3-16,2-20-16 15,4 7-7-15,27-37-17 16,-21 64-25-16,1 0-22 0,-1 2-152 16</inkml:trace>
   <inkml:trace contextRef="#ctx0" brushRef="#br0" timeOffset="172141.96">15134 4399 503 0,'6'6'32'0,"-4"2"-25"16,17 32 27-16,-14-30 1 15,4 3-5-15,2 3-11 16,-2 2-11-16,9 15 3 15,0 8-5-15,24 89-3 0,-40-112 0 16,2-6-2 0,3-3-1-16,-3-5-3 0,6 5 3 15,25-24 7-15,-30-4-5 16,1-4-2-16,2-6 0 16,-2 3-3-16,5-26 1 15,3 0 2-15,19-70-1 16,-31 115 1-16,0 5 0 15,1 2-9-15,-1 4 7 16,6 7 2-16,4 7 3 16,24 72-1-16,-26-75-1 15,1 1 2-15,-1-1-3 16,1-3 0-16,11 14 0 16,38 24-3-16,-51-46 0 0,-3-6 1 15,1 0 2 1,0-4 0-16,8-8 0 0,-1-6-1 15,20-81 1-15,-30 76-1 16,-2 3 1-16,3 0 0 16,-3 4 1-16,2-17 1 15,0 8 2-15,4-4-2 16,-8 33 1-16,2 2-2 16,0 2 4-16,5 3 1 15,1 6-6-15,39 64 3 16,-38-64-3-16,0 2 0 15,0-2-5-15,0 2-6 16,9 15-45-16,-3-4-102 0</inkml:trace>
   <inkml:trace contextRef="#ctx0" brushRef="#br0" timeOffset="172740.52">16240 4435 527 0,'-74'-51'124'0,"60"43"-116"15,4-1 1-15,1 5 12 16,0 0 10-16,-9-2-11 15,2 6-15-15,-15 38-5 0,22-16 1 16,1 4-1 0,1 1 0-16,-2-1 1 0,-2 25-2 15,0 98 1-15,18-132-2 16,1-6-8-16,1-3-5 16,0-2-4-16,11 8 6 15,2-11-4-15,47-38-3 16,-59 22 4-16,-4-6 9 15,1-1 7-15,-1 0 0 16,6-15 1-16,-3-7 5 16,9-58-4-16,-16 90-1 15,0 6 0-15,0 3 1 16,3 1 0-16,1 0 2 16,27 40 0-16,-24-30-3 0,3-1-1 15,-4 0-5 1,3 0-32-16,10 8-64 0,1-2-122 15</inkml:trace>
   <inkml:trace contextRef="#ctx0" brushRef="#br0" timeOffset="173157.37">16551 4241 218 0,'-8'-7'377'0,"-1"2"-342"15,3 1-6-15,-2 2 10 16,-7-4-13-16,1 8-18 0,-26 38-6 16,30-15 0-16,1 0 0 15,1 2 4-15,2 0-5 16,-5 27 2-16,7-1-3 16,8 83-2-16,3-125-4 15,-1-2-6-15,3-5-2 16,3-4 4-16,10 2-2 15,66-46-7-15,-72 26-11 16,3-2 23-16,-6 2 7 16,0-3 3-16,16-12-2 15,-9 4 6-15,20-15 4 16,-38 48-1-16,3 3 8 0,0 0 1 16,1 4 0-16,5 11 8 15,-2 4-19-15,27 68-6 16,-32-82-2-16,-2 0-2 15,5-2-4-15,-3-4-20 16,8 8-26-16,23-8-32 16,-26-19-45-16</inkml:trace>
@@ -210,7 +210,7 @@
   <inkml:trace contextRef="#ctx0" brushRef="#br0" timeOffset="174023.92">16952 4315 439 0,'10'94'11'0,"-8"-75"0"15,-2 1 18-15,0 2 13 16,0-3 10-16,2 21-2 16,16 59-41-16,-13-89-6 0,1-2 4 15,1-4-5-15,1-1 1 16,9 0-1-16,-2-5-2 15,38-41-2-15,-46 28-6 16,-3-5 3-16,1 0-5 16,-5-4-6-16,5-20 4 15,-5-5 4-15,-18-92 7 16,11 127 1-16,3-3 6 16,-5 7 11-16,2-2-2 15,-8-6-6-15,-23-5 6 16,33 23-11-16,2 7-2 0,3 3-2 15,0 4 4 1,3 8-1-16,2 7-1 0,35 80-2 16,-34-91 1-1,3-2 3-15,0-4-4 0,2-1 1 16,10 10-1-16,-2-9-5 16,57-9 1-16,-63-13 0 15,1-1 2-15,-3 1-9 16,2-2-12-16,9-14 14 15,36-74 3-15,-53 82 6 16,1 3 1-16,2 7-1 16,-4-1 9-16,7-9-5 15,-3 8-3-15,15-8 0 16,-14 18 0-16,2 4 1 16,0 3 3-16,-2 1-1 0,11 9 3 15,1 8 0-15,47 58 14 16,-59-68-21-16,3-6-4 15,-4-5 3-15,-1 0 0 16,9 4 1-16,17-20 1 16,-26 1 2-16,1 0-3 15,2 1 1-15,-3 2 0 16,8-6 1-16,-1 2-2 16,15 6 1-16,-25 11 3 15,0 2 8-15,1 0-9 16,-3 4-3-16,2 9-2 15,-2 2-12-15,-17 46-29 16,3-58-55-16,2-1-101 16</inkml:trace>
   <inkml:trace contextRef="#ctx0" brushRef="#br0" timeOffset="174193.24">17085 3776 733 0,'-19'10'0'0,"9"2"-27"0,3 0 3 16,-11 14-35 0,11 62-159-16</inkml:trace>
   <inkml:trace contextRef="#ctx0" brushRef="#br0" timeOffset="180490.73">17866 3992 591 0,'-6'-8'10'0,"-3"-6"-2"15,0-3 2-15,9-58 13 16,4 60 7-16,5-8-15 15,0-1 0-15,2 0-6 16,11-26-5-16,3-4 11 16,60-117 4-16,-72 147-15 15,-2-2-1-15,3 2-1 16,-6-1 1-16,13-20-3 16,23-68-8-16,-42 104-8 15,-2 0-14-15,0 5-14 16,-2 2-18-16,2-4-98 0</inkml:trace>
-  <inkml:trace contextRef="#ctx0" brushRef="#br0" timeOffset="180796.88">18014 4073 534 0,'-3'0'67'0,"1"-3"-61"0,0-8-3 16,21-77 24-16,-11 63-2 15,3-4-10-15,-3-2-10 16,1-1 4-16,9-30-9 15,38-127 1-15,-47 163-1 16,-1 4 0-16,2 2-4 16,-1 4-22-16,9-18-29 15,-3 8-56-15,36-35-71 16</inkml:trace>
+  <inkml:trace contextRef="#ctx0" brushRef="#br0" timeOffset="180796.87">18014 4073 534 0,'-3'0'67'0,"1"-3"-61"0,0-8-3 16,21-77 24-16,-11 63-2 15,3-4-10-15,-3-2-10 16,1-1 4-16,9-30-9 15,38-127 1-15,-47 163-1 16,-1 4 0-16,2 2-4 16,-1 4-22-16,9-18-29 15,-3 8-56-15,36-35-71 16</inkml:trace>
   <inkml:trace contextRef="#ctx0" brushRef="#br0" timeOffset="181356.83">17953 2382 620 0,'-4'-5'11'16,"2"4"-9"-16,-2-5 2 15,4 5 0-15,21 9-2 16,-5 7 7-16,9 3 9 15,1 2-6-15,1 2-10 16,22 22 4-16,3 6-1 16,96 112 2-16,-123-137-7 15,-3-3 0-15,1-2 0 16,-2 1 3-16,22 21-3 16,68 59 0-16,-101-95 0 15,-4-3 4-15,1-2-2 16,-5-1 6-16,10-4 29 0,-4-14-18 15,17-126-18 1,-23 100-1-16,-2 0 3 0,-4-2-2 16,-8-1-1-16,-3-45-3 15,-10 1 3-15,-62-162-3 16,81 219-1-16,1 7-5 16,1 7-6-16,4 6-12 15,-5-16-33-15,19 10-48 16,-3 24-92-16</inkml:trace>
   <inkml:trace contextRef="#ctx0" brushRef="#br0" timeOffset="181808.63">18916 2320 213 0,'-20'-6'310'0,"2"2"-296"16,2 1-6-16,-15 0 8 15,3 6 2-15,-49 50-5 16,69-37-6-16,-2 2-6 16,8 2 5-16,2 4-5 15,-2 20-1-15,9 2 0 16,46 97 2-16,-41-133-2 15,-1-2 0-15,-1-3 0 0,2-4 3 16,8 0-3-16,33-56 1 16,-48 27-1-16,-1-1 2 15,1 2 0-15,-3-2-4 16,3-29 4-16,-1 2 0 16,-6-101-2-16,0 144-1 15,2 2 1-15,0 7 6 16,0 4-6-16,2-5 0 15,6 10 0-15,42 55 8 16,-35-42-8-16,1-1-1 16,-1-1 1-16,-1 2 0 15,15 12-18-15,42 46-30 0,-67-70-84 16,3-5-76-16</inkml:trace>
   <inkml:trace contextRef="#ctx0" brushRef="#br0" timeOffset="182222.61">19295 2088 420 0,'-3'7'22'0,"6"3"-20"16,-1 0 2-16,3 13-2 16,34 60-2-16,-32-65 5 15,-3 0-1-15,1-1-3 16,-2-8 0-16,1 15 2 0,-2-7 19 15,-4-5 25-15,0-21-5 16,0 1-23-16,-4-5 0 16,4-4-14-16,0-12 1 15,2-10-4-15,25-111 4 16,-17 128-6-16,2 2 0 16,-4 4 0-16,3 2 2 15,7-12-1-15,30-18-2 16,-41 42 2-16,0 4-1 15,-1 4 1-15,3 0 2 16,6 10 5-16,1 6 1 16,36 100-7-16,-38-93 6 15,-3 0-7-15,-1-3 5 16,2-2-6-16,7 23 0 0,1-11-1 16,33 24-10-1,-44-66-47-15,2-2-125 0</inkml:trace>
@@ -225,10 +225,10 @@
   <inkml:trace contextRef="#ctx0" brushRef="#br0" timeOffset="-136267.8">5610 10171 277 0,'-3'0'57'16,"3"1"-47"-16,0 2-7 15,0 0 9-15,3 6 5 16,-3-12 19-16,2 1-11 15,2 2-14-15,-2 0 0 0,8 0 1 16,1 0 3-16,42 14-6 16,-42-14-5-1,1 0 3-15,1 3-4 0,2-6-2 16,17 0 3-16,4-3-3 16,108-27 0-16,-106 23-1 15,4 3 1-15,-2-4 0 16,3 3-1-16,39-9-3 15,169-27 3-15,-208 38-3 16,-1 1-3-16,-1-1-2 16,1 3 0-16,39-8 6 15,-2 3 0-15,144-4-3 16,-190 7 5-16,2 8 2 0,-4-3-2 16,0 0 0-1,31 2 1-15,-1-1-1 0,118-1 0 16,-150-3-1-16,2-1 1 15,3-2 0-15,0 0-2 16,35-6-1-16,147-26-5 16,-183 32 6-16,-2 0-3 15,-2-1 1-15,-2 4 4 16,28-6 0-16,-5 6-1 16,83-1 0-16,-115 0 2 15,1 2 0-15,-2 0-1 16,1 0-1-16,20-5 1 0,-3 2 0 15,75-23 0 1,-93 24 0-16,-1 0-4 0,-3 2-4 16,-3-2-12-16,11-3 0 15,22 3 11-15,-43 4 2 16,2 3 0-16,-2-2 4 16,3-1 3-16,-3 3 4 15,2-2-3-15,-2 3 0 16,-2-4-1-16,2 0 2 15,0 0-2-15,0 0 6 16,0 0 2-16,2 0-1 16,0-1-3-16,-4 1 1 15,0 1 0-15,4-1 3 16,-2 0-5-16,0 0 1 16,-2 3-2-16,2-3 4 0,0 0-1 15,0 0-3 1,0 0 4-16,2 0 3 0,-2 0-2 15,-2 0-5-15,2 0-1 16,-3 0 3-16,3 2-4 16,-2-1 1-16,0 3-1 15,-1 3 1-15,-6 26 1 16,7-21-2-16,0-2 1 16,0 7 1-16,0-3-2 15,-3 20 0-15,-11 98 0 16,14-104 0-16,0 2 0 15,0 2-1-15,2 3 2 16,-5 28-1-16,3 6 0 16,0 136-1-16,-2-176 1 0,2 0 2 15,-1-5-2-15,3-5 0 16,0 19-4-16,5-9 4 16,8-3-7-16,-11-28-4 15,2-1-2-15,1-3-63 16,-3-1-161-16</inkml:trace>
   <inkml:trace contextRef="#ctx0" brushRef="#br0" timeOffset="-134823.18">5527 10497 175 0,'3'0'3'15,"3"0"-3"-15,7 9-12 16,-10-9 6-16,-3 1 6 15,0-1 8-15,0 2 5 0,2 1 8 16,-2-2 5 0,7-1-5-16,-7 0-14 0,2 2 0 15,0-4 0-15,1 4-5 16,1-2-2-16,0 3 0 16,7 4-7-16,-9-7-15 15,1-1-1-15,0 1 0 16,-3 0 12-16,4 0 11 15,4 0 4-15,-8 0 22 16,0 0 11-16,0 0-2 16,0 1-7-16,0 2 6 15,0-2-8-15,0 5-9 16,0-6-4-16,3 0-4 16,-1 0-8-16,0 0-1 0,4 0 2 15,2 0-2-15,21 2 0 16,-25-2 0-16,1 0 0 15,1 0 2-15,0 0-1 16,11 0 1-16,31 2 1 16,-38-4 5-16,-2 2-2 15,1 0-2-15,3-2-1 16,9 2 0-16,4-4-1 16,64-6 3-16,-64 4-4 15,0 3 1-15,6-3-2 16,-4 1-1-16,27-5 1 15,5 4 2-15,108-10-2 16,-142 15 0-16,-1-4 1 0,0 1 3 16,1 0-1-16,27-4-2 15,98-24 1-15,-123 26-1 16,0 2 0-16,0 0-2 16,2 0 3-16,27-6-2 15,2 2 0-15,117-12-4 16,-148 16 4-16,0-2 1 15,-2 4 0-15,-3 0-2 16,24-5 2-16,-1 3-1 16,76-6 0-16,-104 5-2 15,4-1-2-15,-2 2 4 16,4 0-5-16,16-7 5 16,98-14-4-16,-115 21 4 0,4 1 0 15,1-1-2 1,-2 3 2-16,24-2 0 0,2 2 1 15,85 5-2-15,-116-4 2 16,-2-3-1-16,0 0 0 16,2-1-3-16,17-3 1 15,4-1 2-15,90-21-12 16,-108 26-6-16,4-3-1 16,-4 5 7-16,2-4-17 15,25 1 9-15,83-8 15 0,-117 8 5 16,-1 3 0-1,1-2 0-15,-1 3 2 0,16-2 1 16,1-2-3-16,57-4-1 16,-75 7-2-16,-3-2-8 15,-5 1-50-15,3 1-36 16</inkml:trace>
   <inkml:trace contextRef="#ctx0" brushRef="#br0" timeOffset="-134725.55">8801 10128 78 0,'6'-2'60'0,"5"0"-16"15,34 2-20-15,-39 2-8 16,-1 0-16-16,1 1-1 16,0-3-59-16</inkml:trace>
-  <inkml:trace contextRef="#ctx0" brushRef="#br0" timeOffset="-133407.7">5624 10912 326 0,'0'-2'48'0,"4"2"-43"16,0-2 5-16,5-2 3 15,3-1-3-15,40-18-6 16,-40 17-4-16,-1 2 2 15,2 2 1-15,1 0 2 16,13-4 3-16,66 4-3 16,-76-1 4-16,6 3-2 15,4 0 1-15,4-1-2 16,27-5-1-16,7 1-5 16,149-22 0-16,-181 19 1 15,4 3 1-15,3-4-1 16,3 1 0-16,37-6 0 0,3-1 5 15,153-10 0 1,-207 25 0-16,0 2-4 0,-2 2 0 16,-1 0-2-16,25 2-4 15,88 16 3-15,-117-18 0 16,-2-2-1-16,3 2-1 16,-2-2-1-16,29 2 2 15,-3-4-3-15,113-8-1 16,-131 8-2-16,-2-2 3 15,1 0 2-15,3-2 2 16,29 0 2-16,1-1 1 16,117-6 0-16,-155 9-2 15,-3 1 3-15,2-2 0 0,0 1-1 16,22-2 1 0,106-12-2-16,-119 7 2 0,4 3-1 15,2 2-1-15,-2-1 2 16,34-7 1-16,-2 6-2 15,103-8 4-15,-153 11-2 16,3 3 4-16,-5-2 1 16,2 2-5-16,14-4 5 15,-4 2 5-15,35-13-13 16,-56 11-1-16,-1 4-9 16,-1-3-6-16,-2 2-20 15,4-8-113-15</inkml:trace>
+  <inkml:trace contextRef="#ctx0" brushRef="#br0" timeOffset="-133407.71">5624 10912 326 0,'0'-2'48'0,"4"2"-43"16,0-2 5-16,5-2 3 15,3-1-3-15,40-18-6 16,-40 17-4-16,-1 2 2 15,2 2 1-15,1 0 2 16,13-4 3-16,66 4-3 16,-76-1 4-16,6 3-2 15,4 0 1-15,4-1-2 16,27-5-1-16,7 1-5 16,149-22 0-16,-181 19 1 15,4 3 1-15,3-4-1 16,3 1 0-16,37-6 0 0,3-1 5 15,153-10 0 1,-207 25 0-16,0 2-4 0,-2 2 0 16,-1 0-2-16,25 2-4 15,88 16 3-15,-117-18 0 16,-2-2-1-16,3 2-1 16,-2-2-1-16,29 2 2 15,-3-4-3-15,113-8-1 16,-131 8-2-16,-2-2 3 15,1 0 2-15,3-2 2 16,29 0 2-16,1-1 1 16,117-6 0-16,-155 9-2 15,-3 1 3-15,2-2 0 0,0 1-1 16,22-2 1 0,106-12-2-16,-119 7 2 0,4 3-1 15,2 2-1-15,-2-1 2 16,34-7 1-16,-2 6-2 15,103-8 4-15,-153 11-2 16,3 3 4-16,-5-2 1 16,2 2-5-16,14-4 5 15,-4 2 5-15,35-13-13 16,-56 11-1-16,-1 4-9 16,-1-3-6-16,-2 2-20 15,4-8-113-15</inkml:trace>
   <inkml:trace contextRef="#ctx0" brushRef="#br0" timeOffset="-132405.98">6127 10218 174 0,'2'-1'42'15,"-2"-4"-39"-15,2 1-2 0,5-4 19 16,-5 2 24-16,7-12-6 16,-9 14-5-16,0 4 8 15,0 0-3-15,0 0-8 16,0 0 0-16,0 4 2 16,-4 7-9-16,4-10-6 15,0 1-8-15,2 4 5 16,-2 5 0-16,4 7-8 15,16 70-2-15,-18-75 0 16,1 2-2-16,-3-3-2 16,2-2 1-16,-2 12 1 15,0 0-2-15,-2 42-3 16,-1-59-1-16,3 2-4 0,-2-3-5 16,2-2-16-16,2 4-35 15,1-6-34-15</inkml:trace>
   <inkml:trace contextRef="#ctx0" brushRef="#br0" timeOffset="-131966.58">6733 10049 345 0,'2'0'56'16,"-9"11"-44"-16,7-9 1 15,-2 6 13-15,-1-2 3 0,3 2-8 16,-2 7-2 0,14 36-8-16,-8-47 2 0,1 6-6 15,-3 1-7-15,2-2 2 16,3 11 0-16,0 2-2 15,4 46 0-15,-13-59-4 16,0-1-5-16,-1 0-15 16,1-2-30-16,0 3-131 15</inkml:trace>
-  <inkml:trace contextRef="#ctx0" brushRef="#br0" timeOffset="-131530.64">7257 10034 323 0,'2'10'50'0,"-2"-10"-35"0,0 2 15 15,0 1 3-15,2-2-3 16,0 3-14-16,7 26-7 16,-9-20-1-16,0 2-3 15,0 0 0-15,-2 2-5 16,2 14 0-16,-3 2 0 16,-3 56-9-16,6-74-8 15,0-6-29-15,4-1-61 16</inkml:trace>
+  <inkml:trace contextRef="#ctx0" brushRef="#br0" timeOffset="-131530.65">7257 10034 323 0,'2'10'50'0,"-2"-10"-35"0,0 2 15 15,0 1 3-15,2-2-3 16,0 3-14-16,7 26-7 16,-9-20-1-16,0 2-3 15,0 0 0-15,-2 2-5 16,2 14 0-16,-3 2 0 16,-3 56-9-16,6-74-8 15,0-6-29-15,4-1-61 16</inkml:trace>
   <inkml:trace contextRef="#ctx0" brushRef="#br0" timeOffset="-131123.95">7835 9976 385 0,'-2'2'36'0,"0"2"-35"15,2 2 20-15,20 30 0 16,-15-26-5-16,-3 0-6 16,0-3-4-16,2 4-2 15,2 9-4-15,9 42 0 16,-15-52-4-16,0-4-13 15,2 2-23-15,0-1-68 0</inkml:trace>
   <inkml:trace contextRef="#ctx0" brushRef="#br0" timeOffset="-130771.5">8544 9984 459 0,'9'34'5'16,"16"94"-5"-16,-18-106 2 15,-3-6-1-15,0 0-1 16,-2 1-39-16</inkml:trace>
   <inkml:trace contextRef="#ctx0" brushRef="#br0" timeOffset="-126673.08">6189 10479 55 0,'2'0'34'16,"0"0"-28"-16,-2 0-6 16,0 0-19-16</inkml:trace>
@@ -240,9 +240,9 @@
   <inkml:trace contextRef="#ctx0" brushRef="#br0" timeOffset="-72924.86">11302 10054 297 0,'-4'-4'82'0,"0"3"-22"16,-4-2-35-16,0-3-10 15,-5 4-2-15,-34 18 1 16,36-6-12-16,0 2 3 16,1 5 0-16,2-2 8 0,-10 15 2 15,-12 64-14-15,34-82 5 16,-2-2-4-16,2-2-1 15,0-3-1-15,7 4 0 16,1-6 3-16,36-25 1 16,-41 12-2-16,5-5 1 15,-4-2-3-15,1 1-1 16,7-15 1-16,-3 3 1 16,18-38 3-16,-33 64-4 15,2 2-1-15,-2 0 1 16,2 2 3-16,0 0-1 15,8 30 1-15,0-20 2 16,-2 0-2-16,1 0-3 16,-1 2 1-16,8 10-1 0,-1-3 0 15,37 19-49 1,-44-40-38-16,3-5-32 0,2-1-155 16</inkml:trace>
   <inkml:trace contextRef="#ctx0" brushRef="#br0" timeOffset="-72258.81">11579 10108 343 0,'8'-2'31'0,"26"28"-22"16,-20-15 4-16,-4 0 1 15,-1 2 6-15,1-4-8 16,5 14 4-16,1-5-10 16,9 23 2-16,-29-38 5 15,2-3 17-15,2 1 26 0,-4-2-34 16,-2-3-11-16,-3-6-1 15,-32-53 4-15,37 51 3 16,2-2-15-16,2 0 3 16,4 1 1-16,0-18-5 15,54-59-1-15,-42 73-3 16,2 0-10-16,2 4-1 16,0 4-11-16,18-13-7 15,0 8-9-15,55-5-13 16,-81 21 13-16,-3 4 18 15,-1-1 12-15,1-1 9 16,7 2-2-16,0-2 4 16,22-4 0-16,-34-2 1 15,-2 0 16-15,-2-1-4 0,0 0 1 16,-2-1 10-16,-16-2-13 16,11 6-5-16,1 3-4 15,-3 1 0-15,0 5-2 16,-6 5 1-16,-6 7 1 15,-39 79 1-15,53-79-3 16,5 1 10-16,2-5-6 16,2-3-2-16,1 15-2 15,7-7 1-15,40 4 0 16,-39-31-1-16,-4-2 4 16,2-2-4-16,-3-3 0 0,8-14-22 15,10-73-10 1,-26 87 32-16,-3 2 0 0,3 2 2 15,-2 0 8-15,-3-4 9 16,3 2-7-16,-3 0-4 16,7 10-2-16,0 0-5 15,2 4 0-15,3 0 6 16,4 7-6-16,1 0 6 16,42 35-6-16,-45-38 0 15,-1 2-2-15,4 3-41 16,-4-1-62-16</inkml:trace>
   <inkml:trace contextRef="#ctx0" brushRef="#br0" timeOffset="-72098.53">12421 10132 415 0,'14'11'17'15,"-6"10"2"-15,3 72-7 16,-15-69 14-16,-1-2-17 15,1-1 12-15,0 0-20 16,-8 19-1-16,-14 68-11 16,21-94-81-16</inkml:trace>
-  <inkml:trace contextRef="#ctx0" brushRef="#br0" timeOffset="-70874.87">12978 10076 432 0,'-7'0'89'0,"3"-2"-44"16,-5 0-37-16,5 2 18 0,2-8 11 16,2 4-16-16,4-5-9 15,0 4-4-15,-1-4-4 16,5-12-4-16,30-57 2 16,-26 59-2-16,-4 1 0 15,1 3 0-15,0 1 0 16,7-15 1-16,-5 5 0 15,15-20-1-15,-26 44-6 16,0-1 6-16,0 2 0 16,0 2-5-16,0 4 5 15,2 5 3-15,8 63 0 16,-10-55-3-16,0-3 1 16,0 0-1-16,0-1 0 15,4 18 0-15,9 54-2 16,-13-76-17-16,2 0-49 0,4 0-61 15,-2-4-60-15</inkml:trace>
+  <inkml:trace contextRef="#ctx0" brushRef="#br0" timeOffset="-70874.88">12978 10076 432 0,'-7'0'89'0,"3"-2"-44"16,-5 0-37-16,5 2 18 0,2-8 11 16,2 4-16-16,4-5-9 15,0 4-4-15,-1-4-4 16,5-12-4-16,30-57 2 16,-26 59-2-16,-4 1 0 15,1 3 0-15,0 1 0 16,7-15 1-16,-5 5 0 15,15-20-1-15,-26 44-6 16,0-1 6-16,0 2 0 16,0 2-5-16,0 4 5 15,2 5 3-15,8 63 0 16,-10-55-3-16,0-3 1 16,0 0-1-16,0-1 0 15,4 18 0-15,9 54-2 16,-13-76-17-16,2 0-49 0,4 0-61 15,-2-4-60-15</inkml:trace>
   <inkml:trace contextRef="#ctx0" brushRef="#br0" timeOffset="-70673.46">13528 10062 453 0,'18'12'45'15,"-3"36"-44"-15,-7-32 10 16,-4 2 12-16,0 2 9 16,1-2-14-16,3 22-8 0,-3 1-6 15,11 69-4-15,-14-96-9 16,0-4-28-16,0-4-62 16,3 0-105-16</inkml:trace>
-  <inkml:trace contextRef="#ctx0" brushRef="#br0" timeOffset="-69942.67">14224 9803 494 0,'-7'-10'72'16,"-5"2"-42"-16,4 1-7 16,-5-2 6-16,-10 0-10 15,-1 2-10-15,-55 28-9 16,64-3 2-16,2-3-2 15,-3 6 0-15,5 1 1 16,-13 24-1-16,5 2 0 0,0 116 2 16,23-141-2-1,3-4-6-15,-1-5 6 0,4-3 0 16,7 8-13-16,50-19 5 16,-56-16 7-16,2-2-16 15,-2-5 12-15,1-4-16 16,13-23 18-16,-4-9 3 15,42-114-10-15,-56 145 10 16,-3 6 1-16,1 4 2 16,-3 3-2-16,4-11 0 15,-4 10 1-15,3 14-2 16,-3 10 2-16,-2 7 2 16,5-2-1-16,2 1-1 15,1 14-2-15,34 79 3 16,-34-87-2-16,-4 2-1 0,0 0 0 15,1-2 0-15,5 14 1 16,0-1 1-16,28 12-2 16,-32-49-5-16,3 0 5 15,-2-2-1-15,2-2-4 16,9-8 1-16,-3-2 4 16,30-32 1-16,-40 48-1 15,-3 4-5-15,0 0 5 16,0 4 8-16,5 6-7 15,13 52 4-15,-18-52 1 16,2-4-1-16,3 0-5 16,-3 0-4-16,8 4 0 0,-1-3-57 15,20-9-96-15</inkml:trace>
+  <inkml:trace contextRef="#ctx0" brushRef="#br0" timeOffset="-69942.68">14224 9803 494 0,'-7'-10'72'16,"-5"2"-42"-16,4 1-7 16,-5-2 6-16,-10 0-10 15,-1 2-10-15,-55 28-9 16,64-3 2-16,2-3-2 15,-3 6 0-15,5 1 1 16,-13 24-1-16,5 2 0 0,0 116 2 16,23-141-2-1,3-4-6-15,-1-5 6 0,4-3 0 16,7 8-13-16,50-19 5 16,-56-16 7-16,2-2-16 15,-2-5 12-15,1-4-16 16,13-23 18-16,-4-9 3 15,42-114-10-15,-56 145 10 16,-3 6 1-16,1 4 2 16,-3 3-2-16,4-11 0 15,-4 10 1-15,3 14-2 16,-3 10 2-16,-2 7 2 16,5-2-1-16,2 1-1 15,1 14-2-15,34 79 3 16,-34-87-2-16,-4 2-1 0,0 0 0 15,1-2 0-15,5 14 1 16,0-1 1-16,28 12-2 16,-32-49-5-16,3 0 5 15,-2-2-1-15,2-2-4 16,9-8 1-16,-3-2 4 16,30-32 1-16,-40 48-1 15,-3 4-5-15,0 0 5 16,0 4 8-16,5 6-7 15,13 52 4-15,-18-52 1 16,2-4-1-16,3 0-5 16,-3 0-4-16,8 4 0 0,-1-3-57 15,20-9-96-15</inkml:trace>
   <inkml:trace contextRef="#ctx0" brushRef="#br0" timeOffset="-69810.41">14493 9703 528 0,'-9'0'0'15,"5"0"-3"-15,4 2-77 16,-7 2 15-16,9 6-74 16</inkml:trace>
   <inkml:trace contextRef="#ctx0" brushRef="#br0" timeOffset="-69276.93">14895 9801 445 0,'-12'0'52'16,"1"0"-42"-16,-12-1 9 15,4 4 11-15,-30 30-12 16,38-22 3-16,1 5-7 15,2 4-3-15,1 3-4 16,-7 17-7-16,6 2 6 0,14 80-5 16,-4-110 1-1,6-3-3-15,-2-6 1 0,1-3 0 16,9 3 0-16,43-60-9 16,-50 41-8-16,-2-2 14 15,2-4-5-15,0-1 2 16,6-16-1-16,-2-1 7 15,14-64 0-15,-27 98 1 16,-2 1 6-16,2 5 15 16,0 0-18-16,0 3 1 15,0 6 3-15,6 55 0 16,0-48-8-16,0-2 2 16,1 1-2-16,-3-1 0 15,12 14 2-15,35 40-2 16,-37-62 1-16,-4 0 1 0,4-5-2 15,-3-1 0-15,14 3-2 16,-4-6 2-16,43-30-6 16,-58 29 6-16,-2 0-5 15,1-5-15-15,-1 4 19 16,3-7-27-16,0 2-19 16,2-15-8-16,-9 22-9 15,0-1 3-15,2 2-52 16</inkml:trace>
   <inkml:trace contextRef="#ctx0" brushRef="#br0" timeOffset="-68685.78">15197 9928 55 0,'-7'-2'47'15,"3"-2"107"-15,0 4-154 16,-3-4 0-16,3 2 21 16,8 2 24-16,-4-3-6 15,2 2-8-15,-2-2 6 0,2 1 16 16,3-1-15-1,-3 0 7-15,2 3-12 0,-6 0-8 16,0 3-6-16,2 2-3 16,4 5 9-16,1 9-12 15,24 83-5-15,-25-85 6 16,5 4-7-16,2-5-4 16,-2 0-3-16,11 14 1 15,1-2 3-15,23 21-4 16,-42-51-3-16,2-1 3 15,2-2 12-15,-2-6-11 16,5-9-1-16,1-7-4 0,29-102 0 16,-28 109-3-1,0 0-2-15,0 2 9 0,0 2 0 16,12-17-1-16,27-18-1 16,-52 52 2-16,2 1 0 15,0 2-1-15,4 5 2 16,0 5 3-16,2 3-4 15,7 62 1-15,-13-66-1 16,2 2 0-16,-2-3 0 16,2 0-11-16,0 10-44 15,1-2-14-15,19 29-5 16,-18-49 38-16,4 0-261 16</inkml:trace>
@@ -261,7 +261,7 @@
   <inkml:trace contextRef="#ctx0" brushRef="#br0" timeOffset="-32493.4">14883 14534 433 0,'0'0'59'0,"-2"6"-31"15,-3 6-27-15,-3 0 5 16,-6 15-2-16,-53 115 0 16,52-109 13-16,-1 3 1 15,3 0-10-15,-3 3 10 16,-11 33-9-16,5-5 5 16,-27 103-9-16,49-157-2 15,0-3-3-15,2 3 3 0,2-3-3 16,3 7 0-16,3-3-1 15,34-1 0-15,-30-19-10 16,-1-2-17-16,5-5 21 16,-3 4 1-16,16-5 6 15,38-19 0-15,-67 33 0 16,1 3 2-16,-1-3-2 16,3 3-5-16,3 2 5 15,5-1 1-15,32 28-1 16,-30-29 0-16,-1 2 0 15,1-4 2-15,4 2-2 16,12 3-3-16,-2-6 3 0,46-31 3 16,-61 22 0-1,-5-5-2-15,-5-3-1 0,-2 7 6 16,6-8-1-16,-35-14-3 16,6 34 30-16,1 2-27 15,-2 4-5-15,-2-2 0 16,-19 10-18-16,1 7-82 15,-63 71-219-15</inkml:trace>
   <inkml:trace contextRef="#ctx0" brushRef="#br0" timeOffset="72.22">27786 8372 187 0,'-3'0'22'0,"3"0"-15"16,0 0-5-16,0-3 7 0,-2 2 6 15,4-4-7 1,-4 4 1-16,2 1 2 0,0 0 6 15,-2-2 0-15,0-1-7 16,0 2-7-16,-12-1 3 16,12-1 1-16,0 2 1 15,2 1-5-15,0 0 9 16,-3-3-10-16,3 2 0 16,0 1-2-16,0 0 6 15,0 0-1-15,0 0 5 16,0 0-5-16,3 0 4 15,-1 4-9-15,-2-4 0 16,0 0 0-16,0 1 11 16,0-1-4-16,2 5 2 15,0 1-3-15,10 33 11 0,-10-27-3 16,2 1-14-16,1 1 4 16,1 0 1-16,6 14-4 15,23 54-2-15,-28-68 3 16,-1 1 4-16,2 0-6 15,0-1 0-15,5 18 0 16,3-1 3-16,22 65-2 16,-34-82-2-16,1 2 2 15,-1-1 2-15,1 2-3 16,2 16 2-16,-1 0 0 16,8 55 6-16,-17-79-7 15,1 1-2-15,2-1 3 0,2-1 1 16,-2 9-3-1,10 29-1-15,-10-38 1 0,4 0 2 16,-2-1 0-16,0 2-4 16,5 9 4-16,-1-2 0 15,15 28-2-15,-19-40-2 16,0-1 2-16,0 0 4 16,0-1-3-16,3 4-2 15,-2-4 3-15,-3 2 1 16,2-4-3-16,-2 0-4 15,0 0 4-15,0 0 2 16,2 0-1-16,-4 0-2 16,2-2 2-16,0 2 5 15,0-2-6-15,0 0-3 16,-2-6 3-16,-4-2-1 0,-20-33 1 16,15 34-1-16,4-1 2 15,-1 2 1-15,1 0-2 16,-9-7-4-16,7 8 4 15,-11-6 0-15,18 13 0 16,2 3-1-16,-2-3-4 16,2 1 4-16,-5 8 1 15,-1 29-5-15,8-28 5 16,2-1 2-16,1 2-1 16,1-1-2-16,5 10 2 0,3-2 1 15,28 24-2 1,-38-38-2-16,4-4 2 0,-2 2 3 15,1 0-1-15,6 2-4 16,3-4 4-16,31 2 1 16,-47-4-3-16,2 2-1 15,-2-4 1-15,2 2 4 16,-2-6-4-16,4-28 0 16,-6 28 0-16,0-3 5 15,0 3-5-15,-3-1-2 16,0-9 2-16,-1 2 3 15,-5-21-2-15,11 36-2 16,0 1 0-16,-2 0-2 16,2 1-4-16,0-1-11 15,0 3 4-15,2 13 7 16,-2-12-30-16,0 0-46 16,2-1-86-16</inkml:trace>
   <inkml:trace contextRef="#ctx0" brushRef="#br0" timeOffset="780.67">28207 8297 75 0,'-2'3'65'15,"-3"9"-8"-15,5-11-7 16,0 4-5-16,3 1-9 16,-1 2-6-16,6 3-2 15,1 8-4-15,40 51-4 16,-40-56-13-16,1 2-2 0,1 2 20 15,-3 2-18-15,13 17-4 16,-4 0 6-16,24 80-1 16,-37-104-5-16,0 4 2 15,1-1-3-15,-3 0 7 16,4 13-9-16,12 54 1 16,-15-73-1-16,-1-3 3 15,2 2-2-15,-2-1-2 16,6 6 2-16,-2-3-2 15,9 4 1-15,-15-15-13 0,2 0-4 16,0 0-22 0,2 0-63-16,0-4-192 15</inkml:trace>
-  <inkml:trace contextRef="#ctx0" brushRef="#br0" timeOffset="1166.17">28517 8981 307 0,'-11'-19'53'16,"9"14"-15"-16,-1 5-18 15,0-2 22-15,1 0-18 16,-2-2-15-16,2 4-5 16,-3 0-4-16,3 2 0 15,2 0-1-15,-2 0 1 0,0 5 0 16,-2 2 0-1,-10 58-2-15,12-55 2 0,4 1 2 16,0-1-1-16,2 1-2 16,4 6 2-16,2-2 0 15,30 8-1-15,-35-30 0 16,2 1 0-16,-1-3 4 16,-1 0-4-16,3-7 0 15,2-6 0-15,-8-53 3 16,-7 64-3-16,1 0 0 15,-1 5 2-15,1-1-1 16,-3-8-1-16,-15-4-9 16,20 14-17-16,2 3-56 15,0 0-68-15</inkml:trace>
+  <inkml:trace contextRef="#ctx0" brushRef="#br0" timeOffset="1166.16">28517 8981 307 0,'-11'-19'53'16,"9"14"-15"-16,-1 5-18 15,0-2 22-15,1 0-18 16,-2-2-15-16,2 4-5 16,-3 0-4-16,3 2 0 15,2 0-1-15,-2 0 1 0,0 5 0 16,-2 2 0-1,-10 58-2-15,12-55 2 0,4 1 2 16,0-1-1-16,2 1-2 16,4 6 2-16,2-2 0 15,30 8-1-15,-35-30 0 16,2 1 0-16,-1-3 4 16,-1 0-4-16,3-7 0 15,2-6 0-15,-8-53 3 16,-7 64-3-16,1 0 0 15,-1 5 2-15,1-1-1 16,-3-8-1-16,-15-4-9 16,20 14-17-16,2 3-56 15,0 0-68-15</inkml:trace>
   <inkml:trace contextRef="#ctx0" brushRef="#br0" timeOffset="1637.26">28456 8076 222 0,'-2'-11'0'0,"-12"-1"-29"0,12 12 29 16,-2 2 0-16,2-2 34 16,0 2 7-16,-3 0-17 15,-1 10-9-15,8-12-5 16,0 0 13-16,-2 0-7 15,2 0-15-15,0 3-1 16,3-1-22-16</inkml:trace>
   <inkml:trace contextRef="#ctx0" brushRef="#br0" timeOffset="2159.79">28378 8159 305 0,'-2'2'67'16,"0"-2"-59"-16,-1 0-3 15,3 2 19-15,7 0-12 16,-7 1-10-16,3-2 2 15,-1 4-4-15,0-3 11 16,3 8-3-16,14 30 0 16,-16-27 7-16,2-1 4 15,-1 3-12-15,0-3-1 16,5 13-5-16,5 4 10 0,30 63-8 16,-40-74-3-16,4-3 5 15,-2 4 6-15,1 2-4 16,6 19 9-16,3-1-12 15,21 81 5-15,-30-108-9 16,0-2 2-16,-2 1-1 16,-1-2 2-16,4 10-2 15,17 31-2-15,-21-42 2 16,1 3 5-16,-1 4-6 16,4-1-2-16,2 13 2 15,3 3 2-15,28 53-2 16,-37-77 0-16,3 3 0 0,-5-6-2 15,0 2 2-15,2 5-22 16,-1-6 0-16,-3 2-5 16,2-9-27-16,-2-3-73 15</inkml:trace>
   <inkml:trace contextRef="#ctx0" brushRef="#br0" timeOffset="2604.29">28737 8837 281 0,'-4'-5'108'16,"-1"-1"-89"-16,3 4-4 16,0-1 15-16,-5-1-7 15,-6 2-12-15,8 2-8 16,-1 4-3-16,2 1 0 15,-4-3-4-15,0 9 4 16,-1 1 4-16,-7 32-3 16,16-34-2-16,0 2 2 15,0-2 4-15,0 0-5 16,4 10-2-16,0-1 2 16,25 13 4-16,-23-32-4 15,0 0 0-15,-1 0 0 0,-1-3 6 16,7-1-5-1,25-27 0-15,-32 12-1 0,1 2 4 16,-3 6-2-16,-2-1-2 16,0-12 4-16,-2 7 26 15,-23-14-12-15,16 31-18 16,1 0-2-16,0 1-1 16,0 2-20-16,-5 3 4 15,1 0-15-15,-5 20-22 16,21-26-43-16</inkml:trace>
@@ -341,8 +341,8 @@
   <inkml:trace contextRef="#ctx0" brushRef="#br0" timeOffset="130644.85">12435 11432 162 0,'0'0'42'15,"0"-2"-16"-15,2 0-10 16,-2 0-3-16,2 4-2 16,-4-2 3-16,2-2 0 15,0 2-3-15,0 0-6 16,0 0 12-16,2 0 13 15,0-3-10-15,-4 3 0 16,0-1-9-16,0 1-3 16,2-3 9-16,-5 0-14 15,-4-5 3-15,7 6 2 16,-1-1-4-16,1 3 5 16,0-2-4-16,-2 1-1 0,-1 1-2 15,-6 1 1-15,8-1-1 16,1 0 0-16,2 0 1 15,-2 0-3-15,2 0 4 16,0 0 1-16,-2 0 0 16,0 0-5-16,2 0 10 15,-2 0-4-15,2 0-6 16,-5-1 7-16,-9 1-2 16,12-3-1-16,2 3-4 15,0 0 4-15,-2 0-4 16,0 0 0-16,2 0 2 15,-6-1-2-15,3 2 0 16,3-2 0-16,-4 1 0 0,2 0 5 16,-2 0-5-16,-2-2 8 15,-13-2-6-15,15 4 2 16,-2-3-2-16,0 3-1 16,1-1-1-16,-5-2 1 15,-26 3-1-15,31-4 0 16,-2 4 1-16,1 0-1 15,-1 0 1-15,-6-1-1 16,0 1 0-16,-25-5 0 16,31 5 0-16,2-1 0 15,1-2 1-15,0 3-1 16,-5-1 1-16,-1-2-1 0,-11 0 0 16,13 0 1-16,4 1-1 15,-2 1 0-15,-1 1 0 16,-9-5 0-16,-42 4 1 15,49-3 0-15,1 4-1 16,-1-3 1-16,-1 3-1 16,-5-1 0-16,-1-2 1 15,-24 1-1-15,34 1 0 16,0-2 2-16,-2 3-2 16,4 0 0-16,-7 0 0 15,2 0 0-15,-20 3-1 16,22-6 1-16,3 3 1 15,-3 0 0-15,-2 0-1 0,-7 0 0 16,-34 10 0-16,38-10 0 16,1 0-1-16,-1 3 1 15,2-2 1-15,-11 3 0 16,2 1-1-16,-21 1 0 16,35-6 0-16,3 0 0 15,-1 0 0-15,1 0 0 16,-4 0 1-16,-1 0-1 15,-24 2 0-15,25-2 0 16,0 1 0-16,0 2 0 16,-1-3-1-16,-5 1 1 15,-25 9 1-15,28-10-1 16,5 0 0-16,0 3 0 16,-1-3 0-16,-6 4 0 0,0 0-1 15,-29 7 1-15,35-6 0 16,-2-2 2-16,1 2-4 15,-1-3 1-15,-4 5 1 16,0 2 0-16,-12 17-2 16,21-25 2-16,0 6 1 15,2-3 0-15,-2-2-2 16,0 6 1-16,-9 24 0 16,11-30 0-16,0 2-2 15,-2 0 2-15,2 2 2 16,0 3-2-16,-2 0 0 15,6 23-4-15,-2-26 4 16,2 0 0-16,1 4 0 0,1-2 0 16,6 8 0-16,1 3 1 15,45 36-1-15,-50-46 1 16,4 1-1-16,-1-2 0 16,0 1-2-16,11 10 2 15,45 29 0-15,-55-40 2 16,-1-1-4-16,-1-1 3 15,2 0-1-15,15 9 0 16,-3-1-1-16,54 38 1 16,-65-50 1-16,1 3 0 15,-3 4-2-15,0-1 2 16,13 6-1-16,1 4 0 0,54 40-1 16,-69-48 1-16,1 0 1 15,1-1 0-15,-1-2-2 16,11 9 2-16,36 38-1 15,-51-43 0-15,1-1-2 16,1 2 2-16,-2 2 3 16,8 10-3-16,-1 4 0 15,18 52 1-15,-30-68-1 16,2-2 0-16,-2 0-2 16,3-3 2-16,-1 14 2 15,0-5-2-15,8 34 0 16,-12-41 1-16,2 1-1 15,0-1 0-15,-2 1-1 0,0 12 1 16,-8 55 0-16,4-65 2 16,2 0-4-16,0 0 5 15,0 2-3-15,-4 10 0 16,-1 2-2-16,-13 42 2 16,18-60 2-16,-1 4-1 15,-1-2-2-15,2 0 3 16,-5 8-2-16,0 0 0 15,-19 36-2-15,23-44 2 16,-1 1 2-16,-1-1 0 16,1-1-4-16,-5 12 4 15,-11 51-2-15,14-62 0 0,1 0-2 16,1 1 2 0,-1-3 1-16,-2 13 1 0,3-3-4 15,-11 32 3-15,12-40-1 16,0-2 0-16,1 4-2 15,0-1 2-15,-2 11 2 16,-1-1 0-16,-21 59-4 16,21-65 4-16,-1 1-2 15,-1 0 0-15,0 4-3 16,-6 14 3-16,-23 76 2 16,34-101-1-16,0 0-2 15,-1 1 2-15,3-2-1 16,-2 9 0-16,0 0-5 15,13 27 5-15,-8-37 2 16,-1 0 0-16,2 0-4 0,-2-1 4 16,7 7-2-16,-5 1 0 15,14 33-3-15,-11-41 3 16,-5 0 1-16,3 1 1 16,-2-2-4-16,5 4 4 15,17 21-2-15,-21-27 0 16,3 2-4-16,1 1 4 15,2 3 1-15,5 1 0 16,3 2-2-16,38 20 0 16,-45-26 1-16,-3-2 0 0,1-2-4 15,3 0 4 1,5 4 1-16,1-2 0 0,30 1-2 16,-42-5 2-16,1-3 0 15,-3 1-1-15,2 2-1 16,8-1 1-16,24-5 2 15,-32 6 0-15,1 1-4 16,3-1 3-16,-2 2-1 16,7-2 0-16,1 0-2 15,32-3 2-15,-42-4 0 16,1 5-5-16,-1-2 5 16,-2 4 0-16,10-6 5 15,-5 4-5-15,22-7 0 16,-27 8 0-16,3-1 4 15,-2-1-2-15,-1 2-4 0,7 0 4 16,18-10 0-16,-24 9-2 16,1 0-5-16,1-4 5 15,0 2-1-15,6-4 1 16,1-4 0-16,32-20 4 16,-39 26-1-16,-2 2-3 15,-1-1-4-15,0 2 4 16,7-7 2-16,1 2 1 15,24-22-6-15,-32 21 6 16,0 6-1-16,3-4-2 16,-3 2-4-16,8-5 4 15,11-16 2-15,-19 22-1 16,0-1-2-16,0 0 2 16,1 2 0-16,3-8-1 0,2 3-5 15,13-33 5-15,-15 37 0 16,-4-4-2-16,1 0 1 15,-1 0 2-15,5-7-1 16,-2-2 0-16,10-23-4 16,-15 28 4-16,1 2 4 15,-1 0-2-15,0 2-4 16,0-10 4-16,10-22-1 16,-10 34-1-16,0 0-5 15,2 0 5-15,1 0 0 16,4-6 1-16,0-2-2 15,29-17 2-15,-32 23-3 16,2 2 2-16,-2 5-6 0,0-2 6 16,7-2 1-16,1 1 0 15,22-5-2-15,-32 8 2 16,3-3-1-16,0-1 0 16,2 1 0-16,8-4 0 15,45-21 2-15,-54 20-1 16,5 3-2-16,-5 2 2 15,4-2-1-15,8-2 0 16,-2 1-7-16,19-6 7 16,-34 9 1-16,-1 2 2 15,0 1-6-15,1-2 6 16,6-3-7-16,-3 0 4 16,25-26-6-16,-26 26 6 0,-1 0 3 15,-2 0-3-15,3 0-1 16,2-6 1-16,8-24 4 15,-15 30-4-15,0 1-3 16,0 2 3-16,0-1-1 16,-2-6 3-16,-3 4-4 15,-15-21 4-15,14 26 1 16,1-5-3-16,1 1 2 16,0 1-2-16,-6-3 1 15,1-4 1-15,-15-12-4 16,17 14 4-16,-1 5-1 15,3-1-1-15,-2-1-5 0,-4-5 5 16,-9-22 7-16,13 23-7 16,3 3 0-16,0-1 0 15,-1 2 5-15,-3-8-5 16,-2 0-2-16,-19-22 2 16,23 32 2-16,1 0 1 15,1-2-6-15,0 2 6 16,-6-3-5-16,6-2 2 15,-3-19-13-15,12 21 13 16,-5 1 1-16,2-1 1 16,0 1-4-16,2-8 5 15,10-18 0-15,-12 28-3 16,0-2-3-16,1 1 3 16,-3 2 0-16,2-6-1 0,2 3 1 15,3-9 0-15,-7 12 0 16,3-2 0-16,-1 1-5 15,2-2 5-15,3-2 1 16,1-5-1-16,19-16-1 16,-27 24 1-16,2 2 2 15,0-1-2-15,-2 1-3 16,5-4 3-16,4-21 2 16,-4 22-2-16,-3 1-5 15,2-1 5-15,-4 0 3 16,7-4-3-16,-3 0-6 15,8-12 6-15,-15 18 0 16,6 0 0-16,-1-2-1 0,-2-1 2 16,4-1-4-16,3-7 3 15,19-25-5-15,-23 32 5 16,1 2 1-16,1 2-1 16,-3 2-2-16,5-6 2 15,-1-1 2-15,-10 6-2 16,4-1-5-16,-4 3 2 15,2-6 1-15,-8-1 2 16,-1-2-1-16,-29-22 2 16,31 26 2-16,2 2-3 0,3 0-1 15,0 0 1 1,-5-7 4-16,2 5-2 0,-15-15-4 16,22 14 4-1,-4 3 2-15,0 1-4 0,2-1-5 16,-4-4 5-16,-23-21 2 15,20 22 0-15,3 1-4 16,-4 1 4-16,2 1 1 16,-10-4-3-16,2 0 0 15,-33-16 0-15,38 18 7 16,5 2-6-16,-1-2-2 16,3 0 2-16,-10-2 3 15,3-2-4-15,-16-22-2 16,23 24 2-16,2 4 5 15,0 0-3-15,-2-2-4 16,-2-1 5-16,-7-25 0 0,9 28-3 16,1 1-4-16,1-2 4 15,-1-2 3-15,-3-3-1 16,1 0-4-16,-10-24 4 16,13 28 0-16,2-4-2 15,-3 1-3-15,-1 2 3 16,-1-10 5-16,1 2-5 15,-18-28 0-15,15 36 0 16,1 1 4-16,1-1-4 16,3-1-4-16,-8-4 4 15,-13-11 4-15,21 18-4 0,-2 3 0 16,0-2 0-16,0 2 5 16,-5-6-5-16,-3 2-5 15,-34-16 5-15,38 14 6 16,-4 2-6-16,3 0 0 15,3 2 2-15,-10-9 2 16,5 5-4-16,-7-19-2 16,13 25 2-16,3 2 1 15,0-2 1-15,0 0-4 16,-5-1 4-16,-9-6 0 16,10 5-2-16,1 0-5 15,1 2 5-15,0 0 0 16,-6-2-16-16,4 0-22 15,-21-4-83-15</inkml:trace>
   <inkml:trace contextRef="#ctx0" brushRef="#br0" timeOffset="150413.29">2136 9918 238 0,'-2'0'17'15,"0"-2"-17"-15,-1 2 0 16,1 0 0-16,2 6 24 16,0-6 4-16,-2 4-14 15,2-2 6-15,0-2 7 16,0 2-1-16,-2 0-1 0,-2-2-13 16,4 2-2-16,0 4-8 15,0 4 0-15,0 6 1 16,2 17 6-16,11 146-1 15,-11-126 6-15,0 4 6 16,-2 8 5-16,0 1-8 16,0 65-6-16,-2 1 0 15,0 229 2-15,2-315-8 16,2-3 5-16,0 0-5 16,-2-3 5-16,3 34-10 15,-1-7 0-15,9 80 0 16,-7-130 4-16,-1 0-4 0,-1-4 0 15,0-1 0-15,2 13 4 16,10 28-4 0,-12-49-3-16,-4 2 3 0,2-2 1 15,0-2 1-15,0 4-4 16,0-1 4-16,4 2-1 16,-4-7-1-16,0-2-7 15,0 2 7-15,3 2 1 16,3 0-1-16,6 3 0 15,72 10 1-15,-53-15 5 16,5-2-1-16,9-3-2 16,6-3-3-16,47-6 5 15,243-49-4-15,-277 53-2 16,-1 3 2-16,-1 0 0 16,-2 3-1-16,61-4-2 0,-7 4 2 15,181 18 1-15,-261-8 1 16,-1 0-3-16,-4 1 2 15,-2 0 5-15,29 5-6 16,-7 0-5-16,64 22 5 16,-99-28 3-16,-1-2-1 15,1-2-4-15,-3 2 4 16,11 1 0-16,22 8-2 16,-39-15-4-16,-3 2 4 15,0 0 4-15,1-1-2 0,1-2-2 16,-1 3 1-1,-3-7 13-15,-5-4-11 0,0-1-1 16,1-2-2-16,-1-4 3 16,-3-13 0-16,-3-4-6 15,-26-99 6-15,27 98 0 16,-1-5-3-16,1-3-6 16,0-1 6-16,-9-46 1 15,-36-216 0-15,48 257-2 16,3 4 2-16,1 4 2 15,1 4-3-15,0-41-4 16,2 12 4-16,13-96 0 16,-10 147 1-16,-1 2-2 15,-2-1 2-15,3 5 1 0,-1-17-2 16,0-1-3-16,4-53 3 16,-6 65 1-16,0 4 0 15,-2 2-2-15,2 4 2 16,-2-12 0-16,-2-8-1 15,-1 25-5-15,3-2 5 16,-1 1 5-16,1-2-4 16,-2-2-2-16,-1 0 3 15,-24-23 0-15,25 23-2 16,-5 1-4-16,-2-1 4 16,-2 0 5-16,-16-6-2 15,-13 2 6-15,-151-12-8 16,147 22 8-16,-3-2-8 0,-2 0 2 15,-1 0-1 1,-52-4 1-16,-226-24-1 0,270 26-4 16,2 4 4-16,-5 2 2 15,5 4-4-15,-62 6-7 16,4 6 7-16,-171 58 1 16,262-69-1-16,8 4 0 15,3-3 0-15,5-2-2 16,-13 6 1-16,11-5-19 15,7-8-33-15,6 0-48 16,0-2 14-16</inkml:trace>
   <inkml:trace contextRef="#ctx0" brushRef="#br0" timeOffset="152145.69">1176 10669 335 0,'-29'-16'41'16,"27"12"-5"-16,2-1 7 15,-3 3-17-15,1-3 21 0,0-6-23 16,0-29-17-16,4 32 0 16,5 1-7-16,-3-1 2 15,0 1-2-15,8-7 1 16,1 0-1-16,38-25 0 16,-46 35-2-16,-1 4 0 15,3 2-6-15,-2 0 8 16,3 6-1-16,1 4 2 15,5 57 3-15,-16-50 1 16,-6-1-2-16,2 0-2 16,-3-1 2-16,-5 15-3 15,-19 37 0-15,35-67 0 0,-2-2-1 16,0 0 1 0,2 0-13-16,4 0 2 0,-2-2 11 15,42 0 3-15,-34 3-3 16,1-1-1-16,-2 3 0 15,-2 1 1-15,11 3-7 16,-4 3 6-16,15 30 2 16,-31-32 0-16,-2 0 2 15,0 2-1-15,-3-1 4 16,-4 10 2-16,-29 45-8 16,30-53 1-16,-2-4-1 15,1 1-3-15,3-4-23 0,-5 6-23 16,-1-4-20-1,-9-13-76-15</inkml:trace>
-  <inkml:trace contextRef="#ctx0" brushRef="#br0" timeOffset="152446.38">1443 10499 396 0,'-2'-4'29'15,"2"4"-29"-15,0-8 0 16,2 2 1-16,19-12 0 16,-17 18-1-16,3 0-2 0,-1 0 1 15,1 5 2 1,6 1 3-16,-2 3 7 0,10 58 11 16,-26-48-2-16,3 5-8 15,-1 1 1-15,-1-1 8 16,-3 20-9-16,-6 70-11 15,15-102 3-15,1-6-3 16,-1 2 0-16,2-4-2 16,7 9-7-16,1-6-18 15,46 15-13-15,-45-18-51 16</inkml:trace>
-  <inkml:trace contextRef="#ctx0" brushRef="#br0" timeOffset="153328.38">2794 12028 494 0,'-18'0'55'0,"2"-5"-38"15,-6-6-9-15,24 5-6 16,0 3 8-16,-2-1-6 16,2 0-4-16,5-4 0 15,28-24 0-15,-27 30 0 16,-2-2 0-16,-1 4 0 15,-3 0-1-15,6 0-9 16,0 2 0-16,13 23 7 16,-15-18-8-16,0 1 11 15,-4 0 1-15,3 2 0 16,-1 6-2-16,0 2 2 0,-2 22 1 16,-2-36-2-16,-2-2-4 15,2-2-6-15,0 2 5 16,0 0 1-16,5-2 3 15,0 3-5-15,-1-3 5 16,0-3 1-16,1 3 0 16,3 0 0-16,2 0 1 15,18 9 1-15,-25-5-2 16,2 2 2-16,-3 1 3 16,2 3 3-16,2 11 2 15,-3 5 2-15,-14 81-1 16,4-93-3-16,-2 3 2 15,2-3-10-15,-1-2 10 0,-6 12-10 16,-22 26 2-16,32-46-2 16,2-4 0-16,0 0-16 15,-1 0-37-15,-1-2-49 16,2-2-116-16</inkml:trace>
+  <inkml:trace contextRef="#ctx0" brushRef="#br0" timeOffset="152446.37">1443 10499 396 0,'-2'-4'29'15,"2"4"-29"-15,0-8 0 16,2 2 1-16,19-12 0 16,-17 18-1-16,3 0-2 0,-1 0 1 15,1 5 2 1,6 1 3-16,-2 3 7 0,10 58 11 16,-26-48-2-16,3 5-8 15,-1 1 1-15,-1-1 8 16,-3 20-9-16,-6 70-11 15,15-102 3-15,1-6-3 16,-1 2 0-16,2-4-2 16,7 9-7-16,1-6-18 15,46 15-13-15,-45-18-51 16</inkml:trace>
+  <inkml:trace contextRef="#ctx0" brushRef="#br0" timeOffset="153328.37">2794 12028 494 0,'-18'0'55'0,"2"-5"-38"15,-6-6-9-15,24 5-6 16,0 3 8-16,-2-1-6 16,2 0-4-16,5-4 0 15,28-24 0-15,-27 30 0 16,-2-2 0-16,-1 4 0 15,-3 0-1-15,6 0-9 16,0 2 0-16,13 23 7 16,-15-18-8-16,0 1 11 15,-4 0 1-15,3 2 0 16,-1 6-2-16,0 2 2 0,-2 22 1 16,-2-36-2-16,-2-2-4 15,2-2-6-15,0 2 5 16,0 0 1-16,5-2 3 15,0 3-5-15,-1-3 5 16,0-3 1-16,1 3 0 16,3 0 0-16,2 0 1 15,18 9 1-15,-25-5-2 16,2 2 2-16,-3 1 3 16,2 3 3-16,2 11 2 15,-3 5 2-15,-14 81-1 16,4-93-3-16,-2 3 2 15,2-3-10-15,-1-2 10 0,-6 12-10 16,-22 26 2-16,32-46-2 16,2-4 0-16,0 0-16 15,-1 0-37-15,-1-2-49 16,2-2-116-16</inkml:trace>
   <inkml:trace contextRef="#ctx0" brushRef="#br0" timeOffset="153695.6">3110 11955 107 0,'0'-10'281'16,"4"-9"-266"-16,-2 1-10 15,32-29-1-15,-30 45 5 16,-2 0-5-16,6 2 5 15,-4 2-4-15,7 0-5 16,3 3 19-16,17 43-4 16,-29-31 3-16,0 1 2 15,-2 2-4-15,0 0-1 16,2 20-1-16,-6 81-7 16,4-105 7-16,0 0-6 15,0-1-7-15,2-3 5 0,0 15-5 16,3-10 6-1,17 19-7-15,-18-35-3 0,3-2 3 16,2 1 8-16,-2-3-8 16,8-3-16-16,6-2-83 15,47-44 22-15</inkml:trace>
   <inkml:trace contextRef="#ctx0" brushRef="#br0" timeOffset="155599.6">2052 13776 125 0,'4'-4'86'0,"-4"2"-63"16,0 0-19-16,0 2 3 16,0-2 1-16,0 2-8 15,9-13 5-15,-11 12 7 0,4-4 6 16,-2 2 6 0,0-1-12-16,2-2 7 0,-2-2 6 15,6-16-6-15,-6 18 0 16,0 1-2-16,0 4 13 15,-2-3-4-15,2-5-15 16,-2 4 13-16,-4-20 11 16,1 19-11-16,-1 2 1 15,1-1-7-15,-2 0 7 16,-6-3-18-16,-51-3-7 16,48 12 9-16,-4 1 10 15,0 2-19-15,2 3 0 0,-20 7 1 16,2 3-1-1,-49 70 0-15,79-67-6 0,0 4 6 16,3-2-1-16,3-2-1 16,-2 22-3-16,7 0-7 15,32 52 9-15,-26-83 3 16,1-5-11-16,-1 0-1 16,-1-3 11-16,13 4-7 15,51-11 2-15,-61-5-1 16,-2 1 2-16,1-1 5 15,-4-1-3-15,13-13 3 16,-4-1-1-16,26-62 1 16,-41 68 0-16,0 2 0 15,0 0 0-15,0-1 0 16,3-10-5-16,-3 3 5 0,6-19 4 16,-12 39-4-16,4 4-1 15,0-2 1-15,0 2 3 16,-2-1-3-16,2 7-5 15,-2-6 5-15,2 1-1 16,-2-1-1-16,2 2-1 16,0 1 3-16,0-2-1 15,2 12 2-15,0-5 0 16,2 6 8-16,-2 8 7 16,4 1-12-16,0 22 5 15,3 12-5-15,24 153 10 16,-28-170-9-16,-1-4-4 0,1-4 3 15,-1-2 2 1,5 28-6-16,18 64-1 0,-25-114 1 16,2 1 5-16,1-5-5 15,-3-1-9-15,2 7-7 16,1-8-12-16,-2 2-19 16,-3-4-59-16,0-4-49 15</inkml:trace>
   <inkml:trace contextRef="#ctx0" brushRef="#br0" timeOffset="159469.96">2751 13479 461 0,'-15'-4'29'16,"1"1"-19"-16,-15-5-2 15,-44-7-5-15,58 11 6 16,1 0 4-16,1 2-9 15,3-2 9-15,-9 0 2 16,5 0-4-16,-4 4-7 16,16 0-2-16,2 0 7 0,-4 2-4 15,1 0-4 1,-6 6-1-16,1 6 1 0,-32 62 1 16,30-62-2-16,4 4-2 15,6-2 2-15,0 3 0 16,-2 12-4-16,28 68 4 15,-15-86 1-15,-4-3 0 16,4 3-1-16,-2-5-10 16,11 11 3-16,0-6-2 15,44 1 9-15,-54-18 0 16,1-2-1-16,1-3 1 16,-2 1 0-16,13-13-5 15,-2-7 4-15,40-62 0 16,-55 76-3-16,-1 1 4 0,-2 4 2 15,-1-2 1-15,4-9-3 16,-4-20 2-16,-4 38 2 16,2 0 10-16,-2 4-13 15,2 0 2-15,-2 1-1 16,0 3-1-16,4 53-2 16,0-33 6-16,0 5-5 15,3-5 4-15,-1 6-2 16,2 31 3-16,4-5-1 15,23 119 3-15,-28-158-4 16,-1-1 2-16,2-5-5 16,0 0 0-16,2 11 0 15,15 14 0-15,-23-38-9 0,2 0-13 16,0 0-28 0,0 0-26-16,3-2-85 0</inkml:trace>
@@ -359,7 +359,7 @@
   <inkml:trace contextRef="#ctx0" brushRef="#br0" timeOffset="-57737.76">18069 1566 133 0,'0'-2'233'15,"0"0"-199"-15,0 0-34 16,5-4 3-16,26-21 1 15,-20 21-1-15,5 1 8 16,3-1 4-16,8 2-3 16,22-8 3-16,14 1-11 0,178-14 2 15,-204 23-3-15,1-1-2 16,-3 2 0-16,1-2 0 16,36 3-1-16,-5 0-6 15,95 9-22-15,-152-8-31 16,-2 3-102-16</inkml:trace>
   <inkml:trace contextRef="#ctx0" brushRef="#br0" timeOffset="-56903.33">18036 2113 413 0,'-7'8'2'0,"4"-6"6"15,22 1-8-15,-9-3 13 16,7 0 5-16,5-5 2 15,6-1-10-15,32-4-4 16,19-6 1-16,237-54-3 16,-252 58 6-16,-1-1-4 15,3-2-5-15,0 1 0 0,63-14 0 16,239-52 0-16,-318 68-1 16,-2 1 1-16,-4 1-1 15,-4 0 0-15,44-10 0 16,-9 0 0-16,87-26 3 15,-148 42-3-15,1 0 0 16,-2 3-1-16,-1-2 1 16,7 1 0-16,-3 1 0 15,17 1 0-15,-30 0 0 16,1 0 0-16,2 1-3 16,4 4-1-16,5 0 4 15,43 44 3-15,-46-35-1 0,-1 1 8 16,0 3-5-1,-2 0-1-15,13 18-3 0,0 3 1 16,47 92 2-16,-55-112 1 16,-5 3-4-16,-1 2 3 15,2-1-1-15,9 18-2 16,-3-2-1-16,22 38 0 16,-36-72 0-16,-2-5 0 15,0 0-6-15,-2 2 6 16,-2 2 19-16,-70 25-14 15,42-18-5-15,-1-5 1 16,-2-2 2-16,-3 2-3 16,-33 2 1-16,-3-3-1 0,-151 0 0 15,173 1 4 1,0-2-4-16,-6 4 0 0,2 0 11 16,-54 5 0-16,2-2-10 15,-210 23 2-15,270-32 0 16,1 2-1-16,7-2 1 15,4 2-2-15,-32 0 3 16,-73 6-4-16,130-8 2 16,1-2-4-16,2 2 0 15,3-2-3-15,-5 0-18 16,2-2-53-16,26 6-14 16,-7-2-37-16</inkml:trace>
   <inkml:trace contextRef="#ctx0" brushRef="#br0" timeOffset="-56121.63">18359 2855 354 0,'-9'6'59'0,"9"-8"-55"16,2 0-3-1,3 0-1-15,-3 2 13 0,6-2-2 16,42 4 2-16,-28-2-9 16,3 0 4-16,-1 0 4 15,5 0-4-15,29-4 4 16,8-2-8-16,186-38 0 15,-198 34 1-15,-3-2-3 16,-2 2-2-16,-2 0 1 16,42-5 1-16,-9 0-2 15,96-7-1-15,-160 22 1 16,-5 1 1-16,0 2-1 16,-4-1-2-16,8 2 2 15,10 14 4-15,-25-15 3 0,2-2-6 16,-2 4 1-1,2-4 4-15,-2 3-4 0,0-1 7 16,5 22 0-16,-3-17 5 16,0 2 3-16,-2 2-12 15,0 2 3-15,2 11 2 16,-4 6-7-16,-2 68 1 16,2-86-4-16,4 4 4 15,0-2-4-15,0 2 0 16,3 14 0-16,15 44 1 15,-20-71 0-15,2-2-2 16,-2 0 2-16,0 0 1 16,0 4-2-16,0-2-4 0,-15 18 4 15,3-18 12-15,1 0-11 16,0-4-1-16,0 2 0 16,-13 2 3-16,-5-2-3 15,-99 6-4-15,95-8 4 16,-5 0 1-16,-4-3-1 15,-7-4 0-15,-43-5 0 16,-207-32 3-16,266 40-3 16,2 4 2-16,7-2-2 15,4 2 1-15,-22 0-1 16,9 2-1-16,-35 6-3 16,59-4-1-16,3-2-16 0,-1 0-41 15,-2 5-13-15,-4 0-26 16</inkml:trace>
-  <inkml:trace contextRef="#ctx0" brushRef="#br0" timeOffset="-55453.35">18207 3519 353 0,'2'-6'13'0,"8"0"-10"0,-2 0-3 15,3 1 6-15,7-3-2 16,5-1 7-16,59-7-1 15,-62 12 5-15,3-3-2 16,-4 3-10-16,2 1 3 16,16-3-2-16,1 2-4 15,47 4 0-15,-74 6 3 16,0-1 5-16,0 3 0 16,-2 3-7-16,11 5 1 15,36 30 2-15,-45-38-3 0,3-1-1 16,-1 0 1-1,-3-1 1-15,15 8-2 0,-4-1-2 16,28 28 2-16,-45-32 7 16,-2 0-5-16,-2 5 6 15,-2 0 5-15,2 12-5 16,-4 5-4-16,-12 63-2 16,14-86 0-16,0 0 6 15,-1-2-8-15,3-2 2 16,-2 6-1-16,-7 1 7 15,4-8 4-15,-3 0-12 16,-3 0 3-16,-3-1 4 16,-13 2-6-16,-6-2 4 0,-88 0-2 15,102-8 8 1,1 2-4-16,1-1-7 0,0 0 7 16,-18-5 1-16,4 2-7 15,-61-8 0-15,78 16-1 16,6-3 5-16,1 3-5 15,3-1-10-15,-8 1-3 16,10 0-18-16,2 6-59 16,10-2-109-16</inkml:trace>
+  <inkml:trace contextRef="#ctx0" brushRef="#br0" timeOffset="-55453.36">18207 3519 353 0,'2'-6'13'0,"8"0"-10"0,-2 0-3 15,3 1 6-15,7-3-2 16,5-1 7-16,59-7-1 15,-62 12 5-15,3-3-2 16,-4 3-10-16,2 1 3 16,16-3-2-16,1 2-4 15,47 4 0-15,-74 6 3 16,0-1 5-16,0 3 0 16,-2 3-7-16,11 5 1 15,36 30 2-15,-45-38-3 0,3-1-1 16,-1 0 1-1,-3-1 1-15,15 8-2 0,-4-1-2 16,28 28 2-16,-45-32 7 16,-2 0-5-16,-2 5 6 15,-2 0 5-15,2 12-5 16,-4 5-4-16,-12 63-2 16,14-86 0-16,0 0 6 15,-1-2-8-15,3-2 2 16,-2 6-1-16,-7 1 7 15,4-8 4-15,-3 0-12 16,-3 0 3-16,-3-1 4 16,-13 2-6-16,-6-2 4 0,-88 0-2 15,102-8 8 1,1 2-4-16,1-1-7 0,0 0 7 16,-18-5 1-16,4 2-7 15,-61-8 0-15,78 16-1 16,6-3 5-16,1 3-5 15,3-1-10-15,-8 1-3 16,10 0-18-16,2 6-59 16,10-2-109-16</inkml:trace>
   <inkml:trace contextRef="#ctx0" brushRef="#br0" timeOffset="-54839.17">18593 4023 217 0,'9'0'0'15,"1"-5"3"-15,11 3 18 16,6-4 11-16,77-16 3 0,-84 24-10 16,-1 0 7-1,-4-2-10-15,1 4-8 0,17 1-1 16,42 7-2-16,-70-11-11 16,-3 5 5-16,0-3-1 15,2 2 19-15,2 5 1 16,-2 6-10-16,2 58 0 15,-8-60 7-15,0 3-8 16,-2-3-4-16,0-1-4 16,-6 14 3-16,-1-5-8 15,-16 16 2-15,23-36-1 16,-2 1 4-16,-2-3-5 16,2 1 0-16,-10 4 0 15,-37 3 2-15,44-9-2 0,-1 1-5 16,0-2 5-16,-1-1-1 15,-9-2-1-15,-3-1 0 16,-59-35 2-16,66 30 0 16,3 5 2-16,1-2 0 15,2 0-2-15,-17-7 4 16,2 4-2-16,-55-23-4 16,67 30 4-16,2 2 0 15,0-2-2-15,3 1-3 16,-7-1 1-16,-5-6-26 15,24 5-41-15,2 0-21 16,-2-1-66-16</inkml:trace>
   <inkml:trace contextRef="#ctx0" brushRef="#br0" timeOffset="-53141.96">20912 3232 177 0,'23'19'7'0,"29"72"-6"16,-44-70-1-16,-2-2-12 0,1 1-44 15</inkml:trace>
   <inkml:trace contextRef="#ctx0" brushRef="#br0" timeOffset="-49378.73">22412 1309 344 0,'-10'0'24'15,"4"-2"-14"-15,-1 0 5 0,-3-1 5 16,-4-4 8-16,14 7-10 16,0 0 2-16,0-1-12 15,0 1 7-15,0 0-2 16,0 1-13-16,2 0 3 15,-2-1-3-15,0 0-1 16,2 3-4-16,5-3 5 16,4 2 11-16,14-2 0 15,106-7-8-15,-98 1 2 16,5-3 2-16,1-1-6 16,-2 0 0-16,41-10-1 15,158-46 5-15,-202 56-5 0,-3 2 0 16,-2-1 0-16,-2 7 1 15,29-9 0-15,-6 6-2 16,73 5 2-16,-109-1 1 16,-1 1-2-16,-2 0-2 15,5-3 2-15,10 2 2 16,1-3 0-16,53-13-4 16,-66 14 4-16,1 0-1 15,-3 2-1-15,-2 1-4 16,11-3 4-16,23 3 3 15,-38 0-2-15,-3 3-2 16,4-3 2-16,-3 0 0 16,5 4-1-16,0-2-4 0,13 18 4 15,-20-17 11-15,3 1-9 16,-3 3 5-16,3 2-4 16,4 5 11-16,-1 9-9 15,28 75-3-15,-24-75-1 16,-4 4 5-16,3 3-4 15,1 2-1-15,12 30 0 16,50 148 7-16,-61-179-6 16,1-1 0-16,-2 1 0 15,-1-3 4-15,16 26-5 16,-2-6-1-16,51 74 3 16,-63-110-1-16,0 0-2 0,-3-2 0 15,-2-2 0-15,13 10 1 16,-8-6 3-16,11 4-7 15,-24-16 6-15,2 0 0 16,-2 0-3-16,0-1 3 16,0 1-3-16,-2 1 4 15,2-1-2-15,0 0-4 16,0 0 5-16,0 0-3 16,0 0 0-16,-2 0-4 15,0 0 4-15,2 0 6 16,-4 0-2-16,-6-1-3 15,-1 1 3-15,-7-5-2 16,-11 1-1-16,-90-14 2 0,87 14 0 16,8 0 7-1,-5 0-8-15,0 0 9 0,-27-1-11 16,-113-3 7-16,142 9-6 16,-2 1 2-16,4 1-2 15,-2-2 6-15,-26 5-6 16,-2 2-1-16,-124 28 3 15,142-32-1-15,0 0-2 16,2-2 0-16,4 0 0 16,-32 2 3-16,5-2 0 15,-84 2-1-15,122-2 0 16,-1 0 4-16,0 0-6 0,0 1 1 16,-21 3-1-1,-76 11 1-15,100-13 1 0,1 0-4 16,-2 1 4-1,1-1-2-15,-17 1 0 0,1 0-2 16,-59 2 2-16,80-5 1 16,-1-2 2-16,1 0-6 15,-3 3 5-15,-13-2-2 16,1 1 0-16,-59 14-3 16,79-11 3-16,-2-1 1 15,1-3 0-15,0 2-2 16,-9 1 2-16,-24 1 0 15,28-2-1-15,3-2-4 16,3 1 4-16,-2 1 2 16,-9 1 0-16,3-2-4 15,-42 10 3-15,40-11-1 0,4 4 0 16,-1-3-4-16,-1 1 4 16,-15 6 1-16,4-2 1 15,-42 22-4-15,59-29 3 16,2 0-1-16,0 0 0 15,1 4-5-15,-6-1 5 16,-28 11 0-16,31-11-1 16,3 1-2-16,0 0 2 15,-2-2-2-15,-4 4 3 16,3-2-16-16,-3-2-3 16,13-2-10-16,3 0-4 0,-1-2-19 15,0 0-48 1,4 0-70-16</inkml:trace>
@@ -416,7 +416,7 @@
   <inkml:trace contextRef="#ctx0" brushRef="#br0" timeOffset="141116.25">24377 9382 275 0,'0'-4'4'16,"0"0"0"-16,5 0 6 16,-1-3-8-16,11-19 3 15,-15 19 23-15,-4 5 11 16,4 0-13-16,-2 0-5 15,-3-2 6-15,3 2 3 16,0-2-18-16,0 4 6 16,2 0-16-16,0 0 10 15,0 2-12-15,2 4 2 16,-2 6-2-16,11 80 11 0,-7-68-8 16,0 2-6-1,2 1 7-15,-2-1 4 0,2 24-8 16,5 96 1-16,-11-129-1 15,0-2 6-15,-2-1-4 16,0-2-4-16,0 11 4 16,0-4 4-16,-3 6-6 15,3-25 0-15,2-4 1 16,-2-2-1-16,-5-5 5 16,0-11-8-16,-2-6 6 15,-33-100 4-15,33 106-7 16,2-2-5-16,-1 1 5 15,-1 4 4-15,-9-20-4 0,-32-68 0 16,42 93 0 0,1 4 3-16,1-1-3 0,2 3-7 15,-6-8 4-15,6 2-1 16,1-4 6-16,3 18-7 16,0 0 2-16,0 4 3 15,5 4 0-15,1 8-1 16,4 8 1-16,34 95 5 15,-38-95-3-15,4 2-4 16,-1-2 4-16,-1 0 3 16,11 24-5-16,27 80-6 15,-42-112 6-15,-1 3 4 0,-3-6-2 16,0-3-4 0,2 11 4-16,-2-9 3 0,-2-9-5 15,2-11-3-15,-3-6 3 16,1 0 2-16,0-3 1 15,-5-20-6-15,1-3 6 16,-23-104 1-16,22 122-4 16,3 2-7-16,2 3 7 15,-1 6 2-15,-4-11-2 16,1 2-9-16,4 26 9 16,2 8 2-16,2 6-2 15,-4 5-4-15,2 24 4 16,0 7 2-16,4 110-1 15,0-148-2-15,-2-1 2 0,1-4 5 16,2 0-6-16,-1 11-9 16,-2-5-23-16,-4 28-37 15,0-37-109-15</inkml:trace>
   <inkml:trace contextRef="#ctx0" brushRef="#br0" timeOffset="163897.5">15625 16802 239 0,'-18'-9'10'0,"-15"-8"-2"16,2-1-3-16,-43-9-3 15,63 19-1-15,2 7-2 16,2-3 2-16,3-1 2 16,-9 1-3-16,-8-1 1 15,19 6-1-15,0-2 0 0,0 1-2 16,0 0-6 0,2 1-21-16,-3 3-21 0</inkml:trace>
   <inkml:trace contextRef="#ctx0" brushRef="#br0" timeOffset="168965.81">15358 10104 138 0,'-4'-4'39'0,"-4"3"-17"0,2-2 0 16,-1 0-7 0,-7-3 2-16,1 1-2 0,-29-1 0 15,35 6-12-15,0 2-3 16,-1 0 2-16,-1 0-1 15,-5 4-2-15,-1-1 2 16,-39 6 3-16,46-5 5 16,-4-4 2-16,-1 3-1 15,-3-2 4-15,-13 5-10 16,-84 22 4-16,93-20-4 16,-3 3 4-16,4 0-4 15,0 4-3-15,-18 12 3 0,1 12 4 16,-59 121-5-1,76-129 4-15,4 6-5 0,1-3 9 16,4-1-1-16,-13 35-3 16,8-4 3-16,10 116 0 15,14-158-10-15,6 1 0 16,6-6 2-16,3 2 1 16,27 17-1-16,179 45 0 15,-184-78-1-15,4 1 3 16,-2-3-1-16,2 1-6 15,50 7 4-15,3-7-2 16,202-8 2-16,-259-4-1 16,-4-2 1-16,-1 0 5 15,-3 0-6-15,37-11-2 16,-9-4 2-16,94-73 7 0,-143 76-7 16,-3-5 0-16,-5-1 0 15,-1 0 3-15,6-29-3 16,-23-136 0-16,-2 156 0 15,-4 5 2-15,-6 2-2 16,-1 2-1-16,-22-30 1 16,-8 5 3-16,-124-104-3 15,147 128 1-15,3 3-1 16,-1 4 5-16,2 5-5 16,-22-20 0-16,5 7 0 15,-68-19 1-15,93 48-1 16,1 5-7-16,-3-1-3 0,0 2 1 15,-18 7-8-15,-79 54-18 16,98-46-2-16,0 1-55 16</inkml:trace>
-  <inkml:trace contextRef="#ctx0" brushRef="#br0" timeOffset="193848.32">14683 1894 306 0,'-27'232'45'15,"29"-173"-20"-15,2 5 17 16,-2 7-3-16,3 3 15 16,2 76-12-16,0 13-2 15,-1 360-8-15,-6-446-7 16,4-11-6-16,1-7 6 0,1-3-12 15,8 55-10-15,40 154 6 16,-43-233 0-16,0 2-8 16,0-4 2-16,-2 0-3 15,11 31 8-15,-2-8-8 16,15 78-2-16,-31-120 2 16,3 2 2-16,0-3 0 15,-1 2-4-15,0 10 4 16,1-2 0-16,1 20-2 15,-6-40-10-15,-2 2-9 16,4-2-13-16,-2 0-26 16,0-2-46-16,-4-4-115 0</inkml:trace>
+  <inkml:trace contextRef="#ctx0" brushRef="#br0" timeOffset="193848.31">14683 1894 306 0,'-27'232'45'15,"29"-173"-20"-15,2 5 17 16,-2 7-3-16,3 3 15 16,2 76-12-16,0 13-2 15,-1 360-8-15,-6-446-7 16,4-11-6-16,1-7 6 0,1-3-12 15,8 55-10-15,40 154 6 16,-43-233 0-16,0 2-8 16,0-4 2-16,-2 0-3 15,11 31 8-15,-2-8-8 16,15 78-2-16,-31-120 2 16,3 2 2-16,0-3 0 15,-1 2-4-15,0 10 4 16,1-2 0-16,1 20-2 15,-6-40-10-15,-2 2-9 16,4-2-13-16,-2 0-26 16,0-2-46-16,-4-4-115 0</inkml:trace>
   <inkml:trace contextRef="#ctx0" brushRef="#br0" timeOffset="195034.1">18448 1452 208 0,'-2'1'50'0,"2"2"-19"16,2-3-10-16,0 0 17 15,0 0-8-15,0 0 13 16,12-7-8-16,-12 3-23 16,1 3 11-16,-3 1-8 15,0 0-11-15,2-3 1 16,-2 10-4-16,-2-7 5 16,2 0-6-16,2 0 2 0,0 1 3 15,0 3 7-15,2 2-12 16,21 24 7-16,-21-21-4 15,5 5 12-15,3 4 2 16,-1 4-12-16,9 24 14 16,7 16 1-16,42 205-8 15,-59-205 1-15,-3 4-6 16,-2 2 9-16,2 0-9 16,8 65-5-16,28 274 6 15,-41-342 7-15,4 4-15 16,-1-5 7-16,-3 5-2 15,0 63 10-15,-2-3-13 16,-19 231 2-16,7-308-3 16,3-2 7-16,-2-4-5 15,2-7-6-15,-11 39 6 0,4-18-6 16,-8 28-7-16,21-88-35 16,6-4-7-16,-3 0-17 15,0 0-78-15</inkml:trace>
   <inkml:trace contextRef="#ctx0" brushRef="#br0" timeOffset="200063.48">15387 1796 171 0,'100'-26'32'0,"4"0"-24"16,197-44-7-16,-257 54 4 16,2 2 7-16,-2 0 1 15,-1 0-3-15,44-12-10 16,160-52 0-16,-209 64-6 15,-1 2-5-15,-1 0-54 16,5 0 65-16,36-11-2 16,-1 7 2-16,140-21 0 15,-182 33 4-15,-1-1 7 16,-2 1-10-16,0-2 10 16,36-3 32-16,0-4-14 15,145-31 2-15,-183 34-22 0,2 2-4 16,-2 0-2-16,-2 0-3 15,29-10 0-15,108-30 3 16,-139 41-2-16,-6 0-1 16,2 3 1-16,-3 0-1 15,19-2 0-15,-5 4 2 16,59 0-3-16,-76 0 2 16,1-1 0-16,-1 2-1 15,1-4 2-15,16-1-1 16,-1 0-1-16,42-9 3 15,-67 12-3-15,2 3 10 16,-2-1 8-16,1-2-8 16,9 0-9-16,19-5 3 0,-28 8-4 15,-3 1-1-15,0 2 1 16,3 1 6-16,5-1-2 16,-4 6 0-16,13 10-3 15,-19-16 1-15,-4-1 7 16,2-2-3-16,0 1-1 15,2 8 2-15,-2-1 0 16,6 30-6-16,-1-30 1 16,-3 0 0-16,2 2 0 15,1 0 0-15,4 10-2 16,24 60 5-16,-26-62 7 16,-5 3-2-16,2-4-9 15,4 4 11-15,3 19-8 16,-1 0-1-16,38 70-2 0,-38-94 4 15,-1 0 2-15,1-4-4 16,-4-1-1-16,9 14-1 16,-1-5-1-16,17 34 2 15,-24-46-2-15,-5-2 1 16,0 1 0-16,-2-4-1 16,4 8 1-16,2-2 0 15,-8-9 3-15,-2 0-2 16,0 0 0-16,0 0-1 15,-9 0 1-15,-8 0-2 16,-79 13-1-16,71-9 1 16,0-1 0-16,0 1-4 15,-2 3 1-15,-27 5 0 0,-4 0 3 16,-141 26 0 0,169-34 2-16,-1-1 1 0,-1 2 3 15,1-1-3-15,-38 4 11 16,-155 10-4-16,184-16-1 15,3-1-5-15,3 2-1 16,-2-1 3-16,-38 6-2 16,5-2-2-16,-145 25-2 15,180-26 2-15,-3-1 1 16,1 2-1-16,0-2 1 0,-42 8-2 16,-3 0-1-1,-151 31 1-15,200-40-1 0,0 2 1 16,3 2 0-16,2-3-1 15,-29 4 1-15,-94 9 3 16,132-19-1-16,0 2-2 16,-3 2-1-16,0-1 1 15,-21 5 0-15,-8 4-1 16,-118 40-1-16,143-42 1 16,6 1 0-16,0-1 0 15,0-3 0-15,-18 10 1 16,5-6 0-16,-63 14-1 15,82-20-1-15,-1 0 1 16,-2-3 0-16,4 1 1 16,-19 2-1-16,-57-12 1 0,77 9-1 15,-1 2 0-15,-2-2 0 16,3 0 0-16,-19 3 0 16,3-2 0-16,-56 5 0 15,69-6 0-15,1 0 1 16,1 3-1-16,-2-1 0 15,-17 0 0-15,2 0 0 16,-61-2-1-16,80 2 1 16,1-2 0-16,1 2 1 15,2-2-1-15,-15 0 0 16,-38-10 0-16,57 10 0 16,0-3 0-16,1 2-1 0,2-1 1 15,-3-1-18 1,1 2-49-16,1 7-24 0</inkml:trace>
   <inkml:trace contextRef="#ctx0" brushRef="#br0" timeOffset="201245.96">14716 1213 339 0,'-4'-8'45'0,"2"4"-12"15,-6-3 0-15,2 2 21 16,-5 11-6-16,11-5-28 16,-2 4-19-16,6 7 4 15,-2 2-2-15,5 14-2 16,30 86 2-16,-27-97-1 15,-4-2 2-15,3 0-1 16,-3-4 1-16,11 14-1 16,-7-7-1-16,13 6-1 15,-23-26 2-15,0 2 4 16,0-4 10-16,0 2-2 16,0-8 15-16,0-7-28 15,-2-75 0-15,2 70-2 0,0 2 2 16,0 2-2-1,0 0 0-15,0-19-5 0,4-46 3 16,0 72-20-16,-1 5-22 16,1 0 0-16,1 5-33 15,4-5-11-15,2 6-144 16</inkml:trace>
@@ -448,24 +448,24 @@
   <inkml:trace contextRef="#ctx0" brushRef="#br0" timeOffset="-179084.32">23327 4145 388 0,'18'0'19'16,"32"34"-12"-16,-40-22 11 16,3 4 12-16,-1 2-2 15,1-1-4-15,14 22-21 0,56 87 4 16,-73-107 3-16,1-4-8 16,1 0 7-16,-6-5-9 15,13 9 12-15,-6-6-4 16,5-13 7-16,-18-5 25 15,-2-6-10-15,0-10-28 16,-2-1-4-16,0-18 5 16,-2-13 0-16,-15-108-3 15,23 143-4-15,6 2 4 16,-4 0-1-16,5 4-9 16,9-15-11-16,53-25-42 15,-55 50-19-15,-1 2-49 0</inkml:trace>
   <inkml:trace contextRef="#ctx0" brushRef="#br0" timeOffset="-178067.51">24087 4060 367 0,'-4'-1'40'16,"-5"-1"-23"-16,2-1 14 15,-4 6 1-15,-6-3-11 16,-49 25-4-16,55-12-9 15,-2 1-7-15,2 1 6 16,2 3-5-16,-11 19 13 16,4 3-14-16,10 87 2 0,12-108-3 15,5-5 0-15,1-2 0 16,1-5-2-16,10 8-10 16,3-9 3-16,66-27 8 15,-81 2-46-15,-3-1-6 16,4 0 2-16,-6 0 32 15,10-18 19-15,4-58 18 16,-22 88 11-16,2 2-6 16,-2-1-6-16,-1 6 11 15,1-5-7-15,0 3-21 16,6 20-2-16,1-13 2 16,3 6 8-16,1-3-8 15,1 4-2-15,11 7 2 0,4 2 4 16,64 25-3-1,-71-42-2-15,-3-1 2 0,2-4 14 16,0-2-6-16,16-6-9 16,70-62 9-16,-88 50 2 15,4-2-9-15,-4-5 6 16,1-4-8-16,13-34 13 16,-2-11-13-16,37-210-2 15,-62 237 2-15,-4 11-1 16,-4 3-10-16,-6-1 8 15,-7-29 6-15,-6 12 3 16,-49-28 6-16,69 84-10 16,-1 9 0-16,-1 8 3 15,1 8-5-15,-6 20 0 0,-5 185 0 16,19-170 7-16,0 7-5 16,0-4 0-16,1 0 4 15,1 59 2-15,2-8-5 16,42 166-6-16,-33-257 6 15,3-8-6-15,1-6 3 16,2-3-5-16,19 3 1 16,3-15 0-16,65-61-20 15,-94 44-2-15,-5-2-11 16,-3 0 27-16,-1 4 10 16,6-18 7-16,0-34 10 15,-9 69 4-15,-4 6-10 16,2-3-6-16,0 3-2 0,2 6 15 15,0 7-14-15,25 64-2 16,-22-62-2-16,2 2 3 16,0-4-2-16,-1 0-2 15,9 12 2-15,1-8 0 16,38 0-1-16,-45-27 0 16,1-4 2-16,0-3 5 15,-4 0-5-15,7-18-4 16,6-97 4-16,-26 99 2 15,-3 8-4-15,0 3-6 16,-3 2 6-16,-14-16 19 16,-2 11-17-16,-71-10 1 0,82 36 0 15,5 1 0-15,1 1-3 16,1 1-12-16,-9 4-11 16,9 4-25-16,7 31-42 15,12-45-27-15,7-1-89 16</inkml:trace>
   <inkml:trace contextRef="#ctx0" brushRef="#br0" timeOffset="-177317.89">25165 4001 333 0,'29'-41'154'0,"-29"45"-110"16,0-2-39-16,0-1-2 0,3 6 17 15,1 5-4-15,8 9 3 16,48 82-9-1,-49-85-9-15,-3 7 10 0,-1-3 8 16,0 4-17-16,4 24 1 16,-13 108 0-16,-5-141 2 15,3-8-2-15,2-5-2 16,-3-2 7-16,-2 6-2 16,-2-9-6-16,-20-42-3 15,29 33-5-15,0 0 8 16,0 1 0-16,5-2-3 15,-1-8 3-15,8 2 1 16,45-28 1-16,-39 30-4 0,3 3 4 16,0 0 2-1,2 1-4-15,16-16-3 0,84-49 3 16,-111 63 3-16,-4-1-1 16,-3 2-4-16,-3-2 4 15,5-16 0-15,-4 0-2 16,-22-67-6-16,11 80 6 15,1 1 0-15,-2 1 0 16,2 2-2-16,-6-13 5 16,4 6 0-16,-9-1-3 15,18 20-5-15,0 7 5 16,0 6 0-16,2 1 2 16,1 14-4-16,19 90 4 15,-20-94 0-15,0-3-2 0,5 2-4 16,-3-1 4-16,7 18 0 15,3-7-9-15,57 26-2 16,-55-61-2-16,3-3 3 16,2-3 2-16,-3-1-4 15,18-7-3-15,-1-2 13 16,52-22 4-16,-78 38-4 16,-1 6 4-16,2 2 0 15,-3 1 10-15,10 10-2 16,34 55 4-16,-44-57 3 15,-3 4-4-15,-4-2 0 16,0 3-7-16,-4 18 10 16,-9 3-8-16,-74 90-7 15,62-112 4-15,4-3-1 0,-2-5-4 16,5-4-1-16,-18 6-25 16,9-12-7-16,-19-61-27 15,50 31-65-15,5-3-147 16</inkml:trace>
-  <inkml:trace contextRef="#ctx0" brushRef="#br0" timeOffset="-176815.71">25961 2454 225 0,'-13'-56'413'16,"-30"-54"-377"-16,45 108-6 15,0-1-4-15,-2 6-17 16,0-1-7-16,0 4-2 16,3 20 10-16,37 174-6 15,-27-128 5-15,3 13 13 16,-1 3-15-16,2 0-2 15,18 76-2-15,5-5 3 16,134 186-6-16,-136-325-5 16,-1-6 5-16,-3-4 3 0,-3-6-3 15,31 4 0-15,88-50 0 16,-130 22-2-16,-5-2-4 16,-1 2-21-16,-5 4 27 15,9-14 0-15,-5 12-20 16,14 50 17-16,-27 2 3 15,0 4 14-15,0 4-3 16,-2 8-10-16,-5 47 2 16,-3 7 6-16,-23 214-6 15,22-278-2-15,1 3 3 16,0-8-1-16,1-2-3 16,-11 31-6-16,-24 56-8 15,37-112-49-15,-2-2-58 0,-2-1-124 16</inkml:trace>
+  <inkml:trace contextRef="#ctx0" brushRef="#br0" timeOffset="-176815.72">25961 2454 225 0,'-13'-56'413'16,"-30"-54"-377"-16,45 108-6 15,0-1-4-15,-2 6-17 16,0-1-7-16,0 4-2 16,3 20 10-16,37 174-6 15,-27-128 5-15,3 13 13 16,-1 3-15-16,2 0-2 15,18 76-2-15,5-5 3 16,134 186-6-16,-136-325-5 16,-1-6 5-16,-3-4 3 0,-3-6-3 15,31 4 0-15,88-50 0 16,-130 22-2-16,-5-2-4 16,-1 2-21-16,-5 4 27 15,9-14 0-15,-5 12-20 16,14 50 17-16,-27 2 3 15,0 4 14-15,0 4-3 16,-2 8-10-16,-5 47 2 16,-3 7 6-16,-23 214-6 15,22-278-2-15,1 3 3 16,0-8-1-16,1-2-3 16,-11 31-6-16,-24 56-8 15,37-112-49-15,-2-2-58 0,-2-1-124 16</inkml:trace>
   <inkml:trace contextRef="#ctx0" brushRef="#br0" timeOffset="-176018.04">27554 2783 638 0,'0'-14'84'0,"2"4"-49"0,1-10-3 16,-6 12-21-16,-3 40-4 15,3 10 13-15,-10 12-5 16,-7 8 3-16,-9 5-7 15,-20 61-3-15,-154 285 9 16,176-357-11-16,8 0-4 16,-2-2-4-16,8-10 4 15,-18 40 1-15,13-17-3 16,1 13-13-16,19-83 8 16,0 2 4-16,-2-5 2 15,4-10-8-15,7-18 0 16,3-17 1-16,43-203-10 0,-50 198-10 15,2-8 7-15,-2 0 7 16,1 0 8-16,8-57 2 16,26-196 4-16,-40 281 2 15,2 4 7-15,-4-2-11 16,0 2 15-16,2-30 6 16,-2 6-19-16,4-63 4 15,0 117-2-15,-6 0-4 16,2 4 0-16,-2 4-10 15,6 15 10-15,1 14 14 16,42 190-12-16,-36-169 0 16,2-1 1-16,3-1 5 15,6-2-8-15,18 50-3 0,98 167 3 16,-114-238 4 0,-1 5-2-16,0-7-4 0,-6-1 4 15,20 30 1-15,-5-4-3 16,44 77-7-16,-74-123 7 15,-2-4 2-15,2-4 2 16,0 0-7-16,-2 2 6 16,-2-8 10-16,-42-44-13 15,22 33-3-15,-7 1 3 16,-7 2 4-16,-5 3 0 16,-36-14 4-16,-206-25 5 15,248 44 13-15,3 0-13 0,3 0-11 16,7 0-2-16,-25-4 0 15,11 2-6-15,-20-12-18 16,56 20-41-16,0 1-72 16,5 2-156-16</inkml:trace>
-  <inkml:trace contextRef="#ctx0" brushRef="#br0" timeOffset="-161464.23">20401 3338 128 0,'-6'0'113'0,"2"0"-92"16,-1-1-13-16,-3 1-1 16,0-3 21-16,-7-4 4 15,15 3-13-15,0 1 3 16,-2 2 0-16,2 1-16 15,0-3 1-15,0 3-6 16,-2 0 6-16,2 0-7 16,0 0-5-16,0 0 5 15,2 3 0-15,2-3 1 16,32 1 3-16,-28-2-4 16,4-2 8-16,1 0-8 0,-1-1-1 15,12-4 1-15,0-1 2 16,51-17 0-16,-67 24-4 15,-1 1 4-15,1-2 0 16,2 3-2-16,7-3-3 16,-1 3 3-16,26 0 2 15,-40 0-1-15,0 0-2 16,-2 0 2-16,3 2 1 16,-3-2 6-16,-7 4 5 15,3-4 10-15,0 0-10 16,-5 0-12-16,-3 0-2 15,-7 1 2-15,-8-1 4 16,-65-1-5-16,76 1-3 16,6 0 3-16,-2 0 0 0,5 0 0 15,-10 1-3-15,3 1-13 16,-1 8 10-16,13-6-11 16,4-2-19-16,2 0-26 15,3-2-197-15</inkml:trace>
-  <inkml:trace contextRef="#ctx0" brushRef="#br0" timeOffset="-160261.27">20948 4632 212 0,'-11'-2'61'0,"4"0"-26"0,2 0-6 16,1-1-12 0,-3 2 7-16,3-1-5 0,-5-2 3 15,7 4-4-15,4-2-7 16,-2 2 0-16,0 0 9 15,2-3-18-15,5 3-1 16,-5 0 2-16,0 0 8 16,3 0-11-16,4 0 2 15,8-1-2-15,6 1 4 16,64-8-2-16,-72 6-4 16,-3 2 4-16,-3-2 1 15,-1 2-3-15,10 0-2 16,-5 0 2-16,10 4 3 15,-25-4-1-15,0 2-2 16,2-2 2-16,0 0 12 0,-3 0-6 16,-2 2-6-16,-1-2 11 15,1-2-9-15,-1 2 2 16,-1-2-6-16,-11 0 2 16,-2 0 4-16,-66 4-6 15,72 0-6-15,1 0 6 16,1 0 0-16,3 1 0 15,-8 2-5-15,3-2-6 16,-3 6 2-16,17-9-19 16,2 0-43-16,0 0 20 15,3 0-77-15</inkml:trace>
-  <inkml:trace contextRef="#ctx0" brushRef="#br0" timeOffset="-151500.77">27975 788 117 0,'2'-8'27'0,"-2"2"18"16,3 2-8-16,-3-2 8 15,2-5-7-15,-2-12-10 16,-2 17 0-16,2-1 11 16,-3 3-18-16,3 1-1 15,-2-5-1-15,0 0 12 16,-1-13-9-16,3 19-11 16,0 2 6-16,0 0 1 15,0-1-13-15,-2 1 9 0,2-3-3 16,-4 7 10-1,2-5-7-15,2 1-13 16,-2 1 8-16,0 4 5 0,-3-1-7 16,-20 55 6-16,9-28-13 15,-3 7 12-15,-1 4-9 16,-3 2 1-16,-19 45-3 16,-5 2 7-16,-116 190-6 15,137-238-4-15,-1-8 4 16,5-1 2-16,4-5-4 15,-20 29-8-15,9-14 6 16,-16 38 1-16,43-80-14 16,2-2 1-16,2 0-6 15,1-2 19-15,-1-1-3 16,22-20 4-16,-8 1 3 0,5 0 1 16,-6-5-4-1,3 0-1-15,13-27 1 0,0-3 2 16,53-109-2-16,-72 139-8 15,-1 2 8-15,1-1-1 16,-2 0 1-16,13-26-2 16,-4-1-3-16,33-113 4 15,-46 136-2-15,3 6-7 16,-2 1 10-16,0 6 1 16,6-19 1-16,14-14-4 15,-27 50 4-15,0-3-4 16,-2 6 2-16,-1-1-15 15,1 2 14-15,2 4-3 16,0 43 7-16,2-36-5 16,1 0 4-16,3-1 3 0,2 5-5 15,4 19-2-15,7 2 2 16,47 104 7-16,-55-122-7 16,0 3-1-16,-1-1 1 15,0-2 3-15,9 24-3 16,39 87-4-16,-52-116 4 15,3 0 2-15,-3-3 0 16,1-5-4-16,4 15 4 16,-2-6-3-16,-5 11 1 15,-6-26-10-15,-2 0 10 0,-7-1 22 16,-5 2-20-16,-15 4 1 16,-13-3-2-16,-157 15 11 15,167-20-5-15,5 0-3 16,2-3-2-16,6 1 12 15,-22 0-14-15,-26-8-1 16,71 7-11-16,0 2-3 16,3-1-32-16,-1 2-44 15,10 0 14-15,3-2-90 16</inkml:trace>
-  <inkml:trace contextRef="#ctx0" brushRef="#br0" timeOffset="-151119.14">28926 934 227 0,'-6'-8'322'0,"-1"-4"-270"16,-28-10-35-16,31 24-9 16,-4 6-2-16,-5 7-6 15,-1 2 1-15,-15 23-1 0,-11 10 9 16,-105 153-8-16,124-175-2 15,0 0 3-15,4-2 0 16,1-2-2-16,-15 25-21 16,4-8-4-16,-27 42-23 15,52-79-22-15,0-4-5 16,0 0-67-16</inkml:trace>
-  <inkml:trace contextRef="#ctx0" brushRef="#br0" timeOffset="-150894.23">28427 1117 362 0,'0'-4'80'15,"5"-2"-79"1,1 0 0-16,33 7 5 0,-31 5-6 16,1 5 3-16,3 1 4 15,-1 1 7-15,13 10-10 16,63 71-1-16,-72-80 0 15,2 2 1-15,0 0-4 16,-1 0-5-16,17 16 4 16,1-1-9-16,66 42-115 15</inkml:trace>
+  <inkml:trace contextRef="#ctx0" brushRef="#br0" timeOffset="-161464.24">20401 3338 128 0,'-6'0'113'0,"2"0"-92"16,-1-1-13-16,-3 1-1 16,0-3 21-16,-7-4 4 15,15 3-13-15,0 1 3 16,-2 2 0-16,2 1-16 15,0-3 1-15,0 3-6 16,-2 0 6-16,2 0-7 16,0 0-5-16,0 0 5 15,2 3 0-15,2-3 1 16,32 1 3-16,-28-2-4 16,4-2 8-16,1 0-8 0,-1-1-1 15,12-4 1-15,0-1 2 16,51-17 0-16,-67 24-4 15,-1 1 4-15,1-2 0 16,2 3-2-16,7-3-3 16,-1 3 3-16,26 0 2 15,-40 0-1-15,0 0-2 16,-2 0 2-16,3 2 1 16,-3-2 6-16,-7 4 5 15,3-4 10-15,0 0-10 16,-5 0-12-16,-3 0-2 15,-7 1 2-15,-8-1 4 16,-65-1-5-16,76 1-3 16,6 0 3-16,-2 0 0 0,5 0 0 15,-10 1-3-15,3 1-13 16,-1 8 10-16,13-6-11 16,4-2-19-16,2 0-26 15,3-2-197-15</inkml:trace>
+  <inkml:trace contextRef="#ctx0" brushRef="#br0" timeOffset="-160261.28">20948 4632 212 0,'-11'-2'61'0,"4"0"-26"0,2 0-6 16,1-1-12 0,-3 2 7-16,3-1-5 0,-5-2 3 15,7 4-4-15,4-2-7 16,-2 2 0-16,0 0 9 15,2-3-18-15,5 3-1 16,-5 0 2-16,0 0 8 16,3 0-11-16,4 0 2 15,8-1-2-15,6 1 4 16,64-8-2-16,-72 6-4 16,-3 2 4-16,-3-2 1 15,-1 2-3-15,10 0-2 16,-5 0 2-16,10 4 3 15,-25-4-1-15,0 2-2 16,2-2 2-16,0 0 12 0,-3 0-6 16,-2 2-6-16,-1-2 11 15,1-2-9-15,-1 2 2 16,-1-2-6-16,-11 0 2 16,-2 0 4-16,-66 4-6 15,72 0-6-15,1 0 6 16,1 0 0-16,3 1 0 15,-8 2-5-15,3-2-6 16,-3 6 2-16,17-9-19 16,2 0-43-16,0 0 20 15,3 0-77-15</inkml:trace>
+  <inkml:trace contextRef="#ctx0" brushRef="#br0" timeOffset="-151500.78">27975 788 117 0,'2'-8'27'0,"-2"2"18"16,3 2-8-16,-3-2 8 15,2-5-7-15,-2-12-10 16,-2 17 0-16,2-1 11 16,-3 3-18-16,3 1-1 15,-2-5-1-15,0 0 12 16,-1-13-9-16,3 19-11 16,0 2 6-16,0 0 1 15,0-1-13-15,-2 1 9 0,2-3-3 16,-4 7 10-1,2-5-7-15,2 1-13 16,-2 1 8-16,0 4 5 0,-3-1-7 16,-20 55 6-16,9-28-13 15,-3 7 12-15,-1 4-9 16,-3 2 1-16,-19 45-3 16,-5 2 7-16,-116 190-6 15,137-238-4-15,-1-8 4 16,5-1 2-16,4-5-4 15,-20 29-8-15,9-14 6 16,-16 38 1-16,43-80-14 16,2-2 1-16,2 0-6 15,1-2 19-15,-1-1-3 16,22-20 4-16,-8 1 3 0,5 0 1 16,-6-5-4-1,3 0-1-15,13-27 1 0,0-3 2 16,53-109-2-16,-72 139-8 15,-1 2 8-15,1-1-1 16,-2 0 1-16,13-26-2 16,-4-1-3-16,33-113 4 15,-46 136-2-15,3 6-7 16,-2 1 10-16,0 6 1 16,6-19 1-16,14-14-4 15,-27 50 4-15,0-3-4 16,-2 6 2-16,-1-1-15 15,1 2 14-15,2 4-3 16,0 43 7-16,2-36-5 16,1 0 4-16,3-1 3 0,2 5-5 15,4 19-2-15,7 2 2 16,47 104 7-16,-55-122-7 16,0 3-1-16,-1-1 1 15,0-2 3-15,9 24-3 16,39 87-4-16,-52-116 4 15,3 0 2-15,-3-3 0 16,1-5-4-16,4 15 4 16,-2-6-3-16,-5 11 1 15,-6-26-10-15,-2 0 10 0,-7-1 22 16,-5 2-20-16,-15 4 1 16,-13-3-2-16,-157 15 11 15,167-20-5-15,5 0-3 16,2-3-2-16,6 1 12 15,-22 0-14-15,-26-8-1 16,71 7-11-16,0 2-3 16,3-1-32-16,-1 2-44 15,10 0 14-15,3-2-90 16</inkml:trace>
+  <inkml:trace contextRef="#ctx0" brushRef="#br0" timeOffset="-151119.15">28926 934 227 0,'-6'-8'322'0,"-1"-4"-270"16,-28-10-35-16,31 24-9 16,-4 6-2-16,-5 7-6 15,-1 2 1-15,-15 23-1 0,-11 10 9 16,-105 153-8-16,124-175-2 15,0 0 3-15,4-2 0 16,1-2-2-16,-15 25-21 16,4-8-4-16,-27 42-23 15,52-79-22-15,0-4-5 16,0 0-67-16</inkml:trace>
+  <inkml:trace contextRef="#ctx0" brushRef="#br0" timeOffset="-150894.24">28427 1117 362 0,'0'-4'80'15,"5"-2"-79"1,1 0 0-16,33 7 5 0,-31 5-6 16,1 5 3-16,3 1 4 15,-1 1 7-15,13 10-10 16,63 71-1-16,-72-80 0 15,2 2 1-15,0 0-4 16,-1 0-5-16,17 16 4 16,1-1-9-16,66 42-115 15</inkml:trace>
   <inkml:trace contextRef="#ctx0" brushRef="#br0" timeOffset="-150638.83">29329 1145 407 0,'29'-24'7'0,"-10"17"-7"16,-2 1 0-16,1 0 4 15,0 3-1-15,18-4 3 16,-3 3 13-16,65 4 5 15,-80 3-18-15,-3-3-4 16,2 0-2-16,-5 0 0 0,13 1-1 16,21 3-40-16,-43-1-83 15</inkml:trace>
   <inkml:trace contextRef="#ctx0" brushRef="#br0" timeOffset="-150467.9">29443 1338 289 0,'-4'1'131'16,"11"-1"-129"-16,1 2-2 15,4-2 9-15,5-2-9 16,64-5 1-16,-68 2-1 0,9 1 0 16,1 0-22-1,-1-2-151-15</inkml:trace>
-  <inkml:trace contextRef="#ctx0" brushRef="#br0" timeOffset="-149884.64">30137 581 385 0,'21'-68'23'16,"-16"61"-10"0,2 6-5-16,-3 1 3 0,3 6-5 15,6 2 5-15,3 15 4 16,55 98 7-16,-55-90-8 16,1 1 8-16,2 4 0 15,-2 0-5-15,17 35-16 16,57 148 2-16,-80-184-3 15,0-3 6-15,-1-8-5 16,-2-4-2-16,10 20 2 16,-2-8 3-16,15 18-4 15,-29-48-3-15,-2 0 3 0,0-2 5 16,0 0-3 0,0 2 0-16,-2-4 0 0,-7-10 7 15,2 1-9-15,0 0-1 16,-1-3 1-16,-1-2 0 15,-9-16-10-15,-38-76 8 16,47 95 1-16,3 4 1 16,-1-2 0-16,0 4-2 15,-8-11 2-15,3 3 6 16,-21-5-6-16,30 22-1 16,1-2 1-16,0 3 1 15,0 1 2-15,-4 5-2 16,-3 8-1-16,-30 75 4 15,33-72-4-15,-1 0 0 16,1 2-9-16,2-1 4 0,-8 18-15 16,-5 66-36-16,14-96-39 15</inkml:trace>
+  <inkml:trace contextRef="#ctx0" brushRef="#br0" timeOffset="-149884.65">30137 581 385 0,'21'-68'23'16,"-16"61"-10"0,2 6-5-16,-3 1 3 0,3 6-5 15,6 2 5-15,3 15 4 16,55 98 7-16,-55-90-8 16,1 1 8-16,2 4 0 15,-2 0-5-15,17 35-16 16,57 148 2-16,-80-184-3 15,0-3 6-15,-1-8-5 16,-2-4-2-16,10 20 2 16,-2-8 3-16,15 18-4 15,-29-48-3-15,-2 0 3 0,0-2 5 16,0 0-3 0,0 2 0-16,-2-4 0 0,-7-10 7 15,2 1-9-15,0 0-1 16,-1-3 1-16,-1-2 0 15,-9-16-10-15,-38-76 8 16,47 95 1-16,3 4 1 16,-1-2 0-16,0 4-2 15,-8-11 2-15,3 3 6 16,-21-5-6-16,30 22-1 16,1-2 1-16,0 3 1 15,0 1 2-15,-4 5-2 16,-3 8-1-16,-30 75 4 15,33-72-4-15,-1 0 0 16,1 2-9-16,2-1 4 0,-8 18-15 16,-5 66-36-16,14-96-39 15</inkml:trace>
   <inkml:trace contextRef="#ctx0" brushRef="#br0" timeOffset="-149513.3">31290 623 484 0,'-55'-8'70'15,"50"14"-64"-15,1 4-6 16,-2 7 0-16,-4 2 14 16,-5 20 4-16,-58 122-16 15,54-121 12-15,3-7 2 16,3-2-16-16,-3-1 0 15,-15 30-2-15,5-10 0 16,-38 60-3-16,61-106-29 0,0-2-23 16,3 0-10-16,0-6-23 15</inkml:trace>
   <inkml:trace contextRef="#ctx0" brushRef="#br0" timeOffset="-149311.09">30921 766 208 0,'-13'4'209'0,"-10"8"-209"15,27-8-4-15,1 2 4 0,3 4 20 16,4 2 9 0,15 14-18-16,6 5 4 0,96 81 0 15,-114-97-15-15,4 3 0 16,-1 4-25-16,-3-2-105 15</inkml:trace>
   <inkml:trace contextRef="#ctx0" brushRef="#br0" timeOffset="-141968.95">30615 1566 241 0,'-6'-4'41'16,"-10"-2"-10"-16,11 2 25 15,5 2-6-15,-2 0-23 16,0 0 11-16,2-2-13 16,-2 1 8-16,4-4-12 15,-4 5-15-15,2 2 3 0,0 0 9 16,0 0-13 0,0 0 3-16,-2 2-7 0,2-1 5 15,-2-1-6 1,2 3-12-16,-3-1 12 0,3 4 8 15,-2 4-4-15,2 56 5 16,-2-48-7-16,0 1 5 16,0 1-5-16,-3 3 1 15,-2 21-3-15,-4 6 5 16,-47 117 1-16,42-132-5 16,3 0 1-16,-3-5 6 15,3-2-8-15,-16 27 2 16,2-10-2-16,-60 68 8 15,68-99-5-15,-2-3-5 0,1 2 4 16,1-3 6-16,-22 10-8 16,-79 24-3-16,96-39 3 15,1-4 3-15,-4 3 1 16,3-2-8-16,-27 4 8 16,-1-4-2-16,-103-2-2 15,130-4 1-15,0 1-1 16,6 2 7-16,-2-1-5 15,-21-2-4-15,5 3 4 16,-64-5 6-16,88-1-8 16,-1 3-1-16,1 0 1 15,0-2 5-15,-16-4-4 16,-62-18-2-16,72 24 2 16,-1-2 2-16,3 0-3 15,-4 1-6-15,-16-2 6 0,-5 0 4 16,-74-14-2-16,97 15-4 15,4 2 4-15,1-1 2 16,1-1-4-16,-11-5-6 16,1-2 6-16,-28-24 8 15,46 27-5-15,-1 3-6 16,-1-1 6-16,-1 2 2 16,-11-10-5-16,-39-20-5 15,50 30 5-15,-1-2 3 16,-1 4-2-16,2 2-2 0,-5-8 2 15,1 3 2-15,-5-1-3 16,15 8-7-16,0-3 7 16,2 1 0-16,0 2-14 15,-3-1-15-15,3-2 0 16,-5 6-3-16,3-8-35 16,0 3-35-16,0-2-10 15</inkml:trace>
-  <inkml:trace contextRef="#ctx0" brushRef="#br0" timeOffset="-141334.61">28548 1958 256 0,'-5'-3'130'15,"-1"-8"-78"-15,-6-4-10 16,14 17-8-16,-2-4-17 16,0 4-17-16,0-1-3 15,3 6 3-15,2 6 10 16,14 79-1-16,-14-69-8 16,-3 4 6-16,3-4 4 15,-3 4-8-15,5 23-3 0,-3-2 2 16,7 79 3-1,-11-112-5-15,2-3-2 0,-2-4 2 16,2-2 3 0,1 5 0-16,-1-6-6 0,-2-7 6 15,3-1 6-15,-1-2 5 16,-2-3-12-16,4-10-2 16,-2-8 4-16,2-82-4 15,-8 84 0-15,0-1 0 16,0 1 4-16,-1 0-4 15,-2-22-9-15,0 6 9 16,1-45 1-16,6 78-1 16,0 5 0-16,0-2 0 15,2 0 1-15,-2 2-1 16,6 6-10-16,-6-10 10 0,5 4 3 16,2 0-2-16,2 4-2 15,8-2 2-15,6 0 2 16,62 4-3-16,-70-6 1 15,-1 4-1-15,-4 0 6 16,2 0-5-16,8 0-2 16,-4 4 2-16,15 15 0 15,-29-18-1-15,2-1-6 16,-2 0 0-16,1 0-11 16,1 4-32-16,12 8-36 15,-10-10-210-15</inkml:trace>
+  <inkml:trace contextRef="#ctx0" brushRef="#br0" timeOffset="-141334.62">28548 1958 256 0,'-5'-3'130'15,"-1"-8"-78"-15,-6-4-10 16,14 17-8-16,-2-4-17 16,0 4-17-16,0-1-3 15,3 6 3-15,2 6 10 16,14 79-1-16,-14-69-8 16,-3 4 6-16,3-4 4 15,-3 4-8-15,5 23-3 0,-3-2 2 16,7 79 3-1,-11-112-5-15,2-3-2 0,-2-4 2 16,2-2 3 0,1 5 0-16,-1-6-6 0,-2-7 6 15,3-1 6-15,-1-2 5 16,-2-3-12-16,4-10-2 16,-2-8 4-16,2-82-4 15,-8 84 0-15,0-1 0 16,0 1 4-16,-1 0-4 15,-2-22-9-15,0 6 9 16,1-45 1-16,6 78-1 16,0 5 0-16,0-2 0 15,2 0 1-15,-2 2-1 16,6 6-10-16,-6-10 10 0,5 4 3 16,2 0-2-16,2 4-2 15,8-2 2-15,6 0 2 16,62 4-3-16,-70-6 1 15,-1 4-1-15,-4 0 6 16,2 0-5-16,8 0-2 16,-4 4 2-16,15 15 0 15,-29-18-1-15,2-1-6 16,-2 0 0-16,1 0-11 16,1 4-32-16,12 8-36 15,-10-10-210-15</inkml:trace>
   <inkml:trace contextRef="#ctx0" brushRef="#br0" timeOffset="-115217.92">26881 8600 245 0,'-20'-30'0'0,"20"26"-1"16,0 4-86-16,0-2 87 15,0 2 39-15,0 0-11 16,-2 6-20-16,2-6-2 15,0 0-4-15,-2-2 10 16,2 2 22-16,0 0-3 16,-3 0-12-16,-1-4 16 0,2 4-8 15,2-4 1 1,0 4-7-16,0 0-7 16,-2-2 9-16,2-2 9 0,-4-1-13 15,0 5 6-15,2-2-4 16,2 2 5-16,0-3-9 15,-2 3-8-15,-2 5 4 16,4-3 0-16,-2-2-13 16,2 5 4-16,-3 7-1 15,-1 14 9-15,-2 15-9 16,-37 171 1-16,36-154 8 16,1 8 11-16,-3 5-12 15,2 0 4-15,-4 70-6 16,2 4 6-16,16 277-15 15,6-365 4-15,3-3-4 0,-1 2 1 16,1 2 2-16,15 56-5 16,63 239 4-16,-81-292 3 15,-4 1-5-15,0-4-3 16,-3-2 3-16,10 54 2 16,-3-12-1-16,21 135-2 15,-28-209 2-15,-1-2 4 16,-2-3-5-16,1-2-5 15,5 19 5-15,-5-6 1 16,16 47 2-16,-22-71-6 0,0-2-1 16,2-4 4-1,0 0-30-15,0 4-8 16,2-6 0-16,-2-7-5 0,-2 2-73 16,2-4-154-16</inkml:trace>
   <inkml:trace contextRef="#ctx0" brushRef="#br0" timeOffset="-111818.2">27362 8868 119 0,'0'-3'110'0,"7"1"-81"15,-7 0-19-15,0 0 9 16,3 0 7-16,-3 0-8 15,0-2 7-15,2 0 2 16,2-18-12-16,-2 18 8 0,-2 2-7 16,0-2 3-1,2 0 3-15,-2 0-7 0,-4-8 8 16,2 10 8-16,2 0-16 16,-2-1 6-16,0 3-5 15,-8-1 6-15,1-1-13 16,-39 5-4-16,34 0-1 15,3 1 5-15,-1 4-8 16,-1 0-1-16,-9 10 1 16,-3 4 3-16,-44 68-4 15,61-69-9-15,3-2 9 16,1 1 0-16,4 0-3 16,-4 16-1-16,17 56-11 15,-9-85 12-15,3-3-4 16,2-1-2-16,0-3 9 0,8 3 2 15,3-9 1 1,41-38-6-16,-53 28 6 0,4 2-1 16,-6-3-2-16,3 1-8 15,5-18 8-15,-3 4 3 16,0-50-1-16,-11 72-4 16,0 2 4-16,0 2 2 15,-3 0-3-15,3-4 3 16,-2 5-3-16,2 3 2 15,0 0-3-15,0 3-6 16,0-1 4-16,2 6 2 16,3 4 0-16,29 50 4 0,-25-50-4 15,1 1 4-15,4-2-3 16,-3 0-2-16,12 11-3 16,-2-3 3-16,33 27-6 15,-50-42-51-15,1 1-64 16,2-1-90-16</inkml:trace>
   <inkml:trace contextRef="#ctx0" brushRef="#br0" timeOffset="-111428.24">27730 9097 439 0,'-13'-7'73'0,"13"3"-54"16,0 4 6-16,0 0 8 15,0 2-16-15,0 2-15 0,8 36 2 16,-3-23 4-16,-3-3-8 16,1 1-1-16,-1-1 1 15,5 14 0-15,-3-4-18 16,21 28-36-16,-21-48-23 15,0 0-58-15</inkml:trace>
-  <inkml:trace contextRef="#ctx0" brushRef="#br0" timeOffset="-111218.87">27960 9106 464 0,'2'-9'76'15,"0"2"-61"-15,-4 7-15 16,2 0 14-16,0 3-6 16,2 5 3-16,2 3-11 15,1 7-4-15,4 3-11 16,17 58-11-16,-21-65-39 16,0-2 2-16,-3-2-61 15</inkml:trace>
+  <inkml:trace contextRef="#ctx0" brushRef="#br0" timeOffset="-111218.88">27960 9106 464 0,'2'-9'76'15,"0"2"-61"-15,-4 7-15 16,2 0 14-16,0 3-6 16,2 5 3-16,2 3-11 15,1 7-4-15,4 3-11 16,17 58-11-16,-21-65-39 16,0-2 2-16,-3-2-61 15</inkml:trace>
   <inkml:trace contextRef="#ctx0" brushRef="#br0" timeOffset="-110998.02">28203 8968 490 0,'2'-2'26'0,"13"-9"-12"16,-5 7-14-16,-2 2 1 16,1 0-1-16,3 0-2 15,9 0-16-15,4 0-45 16,55-2-72-16</inkml:trace>
   <inkml:trace contextRef="#ctx0" brushRef="#br0" timeOffset="-110500.33">28523 8494 430 0,'-4'-50'89'15,"8"55"-82"-15,0-8 0 16,4 3 0-16,-2 3-6 15,12 4 22-15,4 7 2 16,70 84-20-16,-74-75 1 16,-3 3-5-16,1-5 11 15,-1 4-12-15,12 20 0 0,35 88 0 16,-57-115 1 0,-1-3 0-16,-2-2-1 0,0-3 0 15,6 11 0-15,-4-8 0 16,0-1-7-16,-4-14 7 15,0-2 0-15,-4-2-2 16,2 0 1-16,-3-7 2 16,-4-4 3-16,-20-37-4 15,20 48-2-15,1-3 2 16,-2 4 6-16,6-1-5 16,-9-2 2-16,-10-11-3 15,21 24 6-15,0-3-5 16,-2 2 1-16,1 0-2 0,-3 6 0 15,-4 3 0 1,-11 58 0-16,15-56-4 0,2-1 3 16,2 3-8-16,2-1-60 15,-4 18-28-15,4 1-112 16</inkml:trace>
   <inkml:trace contextRef="#ctx0" brushRef="#br0" timeOffset="-109816.83">29294 9567 522 0,'-36'-2'59'0,"5"2"-47"15,-22-2-11-15,4 4-1 16,-40 30 3-16,80-18-2 16,0 0-1-16,6 0 0 15,1 0-3-15,0 14 0 0,38 44 0 16,-30-63 3-16,8-3 0 16,-3 0-7-16,5-2 6 15,11 3-2-15,1-3-7 16,57-22 9-16,-76 7 1 15,2 0-1-15,-4 1 1 16,-3-3-8-16,8-10 8 16,-4 1 4-16,3-41-2 15,-11 58 1-15,0 3-1 16,0 2 4-16,2 0-6 16,3 0-1-16,31 18 1 15,-25-8 2-15,2 0-2 16,3 3-20-16,-1-1-78 0</inkml:trace>
@@ -484,7 +484,7 @@
   <inkml:trace contextRef="#ctx0" brushRef="#br0" timeOffset="-102668.53">26318 10132 435 0,'-20'6'10'15,"-18"6"-5"-15,-1 6-3 16,-56 83-2-16,82-77 10 15,-1 2 8-15,3 0-14 16,4-2 0-16,-11 26-2 16,7 2 1-16,-3 92-3 15,14-123 4-15,4-7-4 16,-2-5 1-16,0-2 0 16,2 9 2-16,27-24 11 15,-22-16-2-15,3-11-7 16,-4-5-3-16,1-2 0 0,7-42-2 15,-1-16 0-15,10-250-1 16,-32 293-1-16,0 5 1 16,-2-1 0-16,1 9 2 15,-8-40 2-15,5 20-1 16,-7-6-2-16,18 76-2 16,-3 12 2-16,1 8 7 15,2 6-3-15,2 29-3 16,28 199 5-16,-17-200-3 15,0 3 1-15,3 3-1 16,2-4-3-16,17 58 0 16,2-6-1-16,69 151-6 0,-97-247 7 15,-2-8 0-15,-2-2-3 16,-1-6 3-16,7 8 6 16,-5-18-6-16,17-86-18 15,-25 62-26-15,-3 2 34 16,1 4 7-16,-3 5 6 15,-2-16-1-15,-18-10 4 16,23 47 3-16,-1 0-7 16,1 4 3-16,0 2-5 15,-5 6 2-15,-1 10 1 16,4 81-1-16,12-75 3 16,1 0 3-16,5-3-8 15,-4 2-8-15,15 24 3 16,-1-10-6-16,47 37-21 15,-58-76-15-15,1-7-2 0</inkml:trace>
   <inkml:trace contextRef="#ctx0" brushRef="#br0" timeOffset="-102453.6">26431 10110 168 0,'20'78'243'0,"-13"-41"-240"16,1-1 6-16,4 0 5 15,-1-2-3-15,9 38 1 0,49 126-6 16,-60-171-6 0,0-4-3-16,-2-2-3 0,-1-5-12 15,5 16-27-15,-1-8-132 16</inkml:trace>
   <inkml:trace contextRef="#ctx0" brushRef="#br0" timeOffset="-102258.05">26368 10497 487 0,'-4'-2'0'0,"6"2"11"0,-2 0-11 15,11 0 10-15,74 0-7 16,-54-8 5-16,3 4-8 16,1 0-9-16,2 1-13 15,38-2-129-15</inkml:trace>
-  <inkml:trace contextRef="#ctx0" brushRef="#br0" timeOffset="-101634.67">26765 13070 582 0,'-4'-2'39'0,"4"2"-38"16,2-2 0-16,0 0 5 15,0 0 2-15,7-2 2 16,61-7-9-16,-53 10 4 15,1 1-5-15,0-2-1 16,0 2-4-16,15 0-8 16,-2 0-43-16,38 2-46 15,-67-2-77-15</inkml:trace>
+  <inkml:trace contextRef="#ctx0" brushRef="#br0" timeOffset="-101634.68">26765 13070 582 0,'-4'-2'39'0,"4"2"-38"16,2-2 0-16,0 0 5 15,0 0 2-15,7-2 2 16,61-7-9-16,-53 10 4 15,1 1-5-15,0-2-1 16,0 2-4-16,15 0-8 16,-2 0-43-16,38 2-46 15,-67-2-77-15</inkml:trace>
   <inkml:trace contextRef="#ctx0" brushRef="#br0" timeOffset="-101468.73">26810 13284 483 0,'-5'5'19'16,"10"-3"-18"-16,4-2-1 15,6 0 6-15,18-8 2 16,126-47-8-16,-121 45-6 16,6 0-63-16,1 0-76 15</inkml:trace>
   <inkml:trace contextRef="#ctx0" brushRef="#br0" timeOffset="-101102.27">27665 12504 535 0,'-19'3'41'0,"3"1"-24"15,5 0-1-15,-16 6-8 16,4 13 4-16,-21 138-1 15,42-111 1-15,2 9-4 0,7 6 3 16,-1 4-3-16,8 63-7 16,43 333 4-16,-41-387-5 15,-1-11-6-15,6-8-14 16,3-6-31-16,28 47-60 16</inkml:trace>
   <inkml:trace contextRef="#ctx0" brushRef="#br0" timeOffset="-100136.72">28126 13008 464 0,'-13'-6'26'0,"5"1"12"0,-4-1 4 16,-1 4-15-16,-9-7 0 16,-56 1-2-16,64 16-19 15,3 2-4-15,-3 6 1 16,1 6 4-16,-11 18-7 16,1 10-2-16,-37 147 2 15,58-167-4-15,4-9 3 16,3 0-6-16,2-3-3 15,1 18 0-15,5-12-3 16,39 0 5-16,-41-41 8 16,3-6 4-16,1-4-1 15,1-2-3-15,13-23-6 0,44-106 6 16,-71 146 0-16,0 5 4 16,-2 3-4-16,0 2 2 15,2-3-2-15,2 6-7 16,2 28 7-16,1-16 5 15,-1 3-5-15,0-1-2 16,4 1-1-16,3 16-21 16,3-2-54-16,46 58-52 15</inkml:trace>
@@ -502,19 +502,19 @@
   <inkml:trace contextRef="#ctx0" brushRef="#br0" timeOffset="-95952.95">32990 12119 565 0,'5'3'75'0,"2"-3"-66"16,10 1-7-16,6 5 7 15,12 9-3-15,115 80 16 16,-128-62 7-16,-7 9-13 16,-1 4 12-16,-7 2-10 15,1 48-1-15,-18 7-17 16,-111 213-5-16,88-267-1 16,2-5-11-16,2-2-55 15,2-9-45-15,-20 36-120 16</inkml:trace>
   <inkml:trace contextRef="#ctx0" brushRef="#br0" timeOffset="-95787.2">33238 13026 603 0,'-36'-2'54'15,"36"2"-52"-15,0-2 6 16,2 2-8-16,0-2-10 15,5 2-7-15,7-2-23 16,59-8-32-16,-57 5-50 16</inkml:trace>
   <inkml:trace contextRef="#ctx0" brushRef="#br0" timeOffset="-95590.21">33808 12941 625 0,'0'-1'20'0,"7"-2"-9"16,-7 0-1-16,11-3-7 15,-7 4-2-15,3-1-2 16,0 3-11-16,-3-1-31 16,5-2-30-16,1-8-17 15,-10 11-102-15</inkml:trace>
-  <inkml:trace contextRef="#ctx0" brushRef="#br0" timeOffset="-91868.87">26647 14704 478 0,'-2'0'34'0,"4"4"-31"16,2-4-3-16,2 4 8 16,4 11 27-16,66 74-2 15,-49-46-17-15,2 9 3 16,2 3 4-16,0 4-13 15,29 52 3-15,102 239-5 16,-141-298 11-16,-1-6-6 16,0-6-13-16,-2-3 4 15,15 37 1-15,-2-11-3 16,40 75-4-16,-61-120 4 16,-6-4 4-16,3-2-6 15,-5 1-2-15,4 12 2 16,-3-7 7-16,-1 8-4 15,-4-30-2-15,-1 4 0 0,1-6 8 16,-4 2-9-16,-7-10-2 16,-41-57 2-16,46 54 9 15,-2-2-8-15,3-3-2 16,-1 4 2-16,-10-17 3 16,-2-6-4-16,-47-85-10 15,51 100 10-15,0 0-4 16,3 4 6-16,3-1-4 15,-13-13 4-15,5 5 5 16,-20-13-7-16,34 44-9 0,0 0 9 16,-1 0 3-1,-2 3-3-15,-6 3 0 0,-54 69 0 16,51-52 2-16,-1 8-2 16,-1 1-4-16,0 4 4 15,-20 37 4-15,-2 4-3 16,-78 177-2-16,105-225 2 15,3-9 1-15,6 0-2 16,2-3-10-16,-7 10 3 16,7-9-14-16,8-2-46 15,1-16 0-15,0-3-26 16,2 2-123-16</inkml:trace>
+  <inkml:trace contextRef="#ctx0" brushRef="#br0" timeOffset="-91868.88">26647 14704 478 0,'-2'0'34'0,"4"4"-31"16,2-4-3-16,2 4 8 16,4 11 27-16,66 74-2 15,-49-46-17-15,2 9 3 16,2 3 4-16,0 4-13 15,29 52 3-15,102 239-5 16,-141-298 11-16,-1-6-6 16,0-6-13-16,-2-3 4 15,15 37 1-15,-2-11-3 16,40 75-4-16,-61-120 4 16,-6-4 4-16,3-2-6 15,-5 1-2-15,4 12 2 16,-3-7 7-16,-1 8-4 15,-4-30-2-15,-1 4 0 0,1-6 8 16,-4 2-9-16,-7-10-2 16,-41-57 2-16,46 54 9 15,-2-2-8-15,3-3-2 16,-1 4 2-16,-10-17 3 16,-2-6-4-16,-47-85-10 15,51 100 10-15,0 0-4 16,3 4 6-16,3-1-4 15,-13-13 4-15,5 5 5 16,-20-13-7-16,34 44-9 0,0 0 9 16,-1 0 3-1,-2 3-3-15,-6 3 0 0,-54 69 0 16,51-52 2-16,-1 8-2 16,-1 1-4-16,0 4 4 15,-20 37 4-15,-2 4-3 16,-78 177-2-16,105-225 2 15,3-9 1-15,6 0-2 16,2-3-10-16,-7 10 3 16,7-9-14-16,8-2-46 15,1-16 0-15,0-3-26 16,2 2-123-16</inkml:trace>
   <inkml:trace contextRef="#ctx0" brushRef="#br0" timeOffset="-85580.32">26636 17231 453 0,'-8'-8'4'16,"0"-3"-4"-16,-3-4 0 0,9 13 16 15,2 2-10-15,0 0 1 16,0 0-7-16,2 0 1 16,3 0-1-16,-8 0 5 15,3 0-2-15,0 0 11 16,-2 0 15-16,2 2 10 16,0-2-17-16,-2 12-13 15,0-12 5-15,2 0 0 16,0 0-10-16,0 0-1 15,0 0 0-15,0 3-2 16,-4 34 2-16,-1-19-2 16,3 4-1-16,-3 6 7 15,3 3-6-15,-3 26 4 0,1 172-5 16,4-189 9 0,0 9-3-16,-2-10-6 0,2 7 3 15,4 43 0-15,1 9-1 16,42 229-4-16,-34-266 4 15,3-4-3-15,-1-7 1 16,3 0-6-16,18 38-1 16,1-15 4-16,86 43-8 15,-105-112 11-15,2-8 0 16,-2-2 11-16,-3-6-4 0,19-10-6 16,54-94 3-1,-80 97 5-15,1-3-7 0,-3-1 4 16,1-1-6-16,6-26 7 15,-2-9-7-15,16-174 2 16,-23 183-2-16,1 2 5 16,-3 8-4-16,-2-4-2 15,5-38 3-15,-3 3-1 16,5-119-1-16,-7 172-2 16,0 4 2-16,0 4 2 15,0 0 0-15,-2-16-4 16,-10-34 5-16,8 59 0 15,-1 3-3-15,3-2-5 16,-2 4 5-16,-3-10 3 16,3 0-1-16,-3-20-4 0,2 34-2 15,5-2 2-15,-2 2-6 16,2 0-11-16,0 0 3 16,0 0-15-16,0 0-11 15,0 0-14-15,0 0-20 16</inkml:trace>
   <inkml:trace contextRef="#ctx0" brushRef="#br0" timeOffset="-81335.8">27609 17874 382 0,'-8'-7'30'16,"-3"-12"-24"-16,9 19 19 15,0 0 5-15,2 0 19 16,0 0-4-16,-3 4-10 16,3-4-5-16,-5 9-13 15,5-9 0-15,0-5-10 16,0 10-7-16,0 1 0 15,-2 10 2-15,0 6-1 16,2 98-1-16,4-96 1 16,4 2-1-16,0 3 0 15,1-4 0-15,7 29-1 0,42 93-5 16,-49-129 4-16,-1-4-2 16,4-6-8-16,-1 2 10 15,9 2-4-15,2-12 3 16,50-44 2-16,-62 18 2 15,1-3-2-15,3-2 1 16,-5-4-3-16,11-23 2 16,-7 0 2-16,5-58 0 15,-20 102-1-15,0 6-9 16,-3-3-17-16,0 4-23 16,-1-7-37-16,-25-13-25 15,29 31-137-15</inkml:trace>
-  <inkml:trace contextRef="#ctx0" brushRef="#br0" timeOffset="-80701.85">28062 17918 508 0,'0'0'26'15,"2"5"-24"-15,2-1-2 16,4 2 16-16,0 12-4 16,3 8 1-16,34 82-8 0,-38-87-5 15,-1-2 5-15,1-7-2 16,0 2-2-16,8 12-2 16,-1-4 0-16,24 2-2 15,-32-25 0-15,1-4-3 16,-1-3-3-16,4 1 3 15,3-18-3-15,32-73 5 16,-41 80 1-16,1 6 3 16,-3-2 4-16,0 6-3 15,2-10 4-15,-2 8-5 16,5-12-2-16,-7 26-3 16,0 0-11-16,5-2 16 0,-1 6 10 15,5 6-9 1,4 8 2-16,39 66-3 0,-42-70 0 15,2-4 0-15,1-2-1 16,-3-2-2-16,11 12-5 16,33 14-6-16,-48-36 8 15,1-4-3-15,0 0-5 16,0-6 4-16,4-8 7 16,3-12-12-16,21-72-15 15,-31 84 27-15,-2 4 3 16,1 0 10-16,1 6-6 15,2-6 1-15,0 6-1 16,5 20 4-16,-9-2 13 16,4 4-5-16,2-2 9 15,-2 7-15-15,7 12-6 0,36 67-1 16,-40-82-3-16,-2-6-9 16,2-2-12-16,-2-2-1 15,8 2-46-15</inkml:trace>
+  <inkml:trace contextRef="#ctx0" brushRef="#br0" timeOffset="-80701.86">28062 17918 508 0,'0'0'26'15,"2"5"-24"-15,2-1-2 16,4 2 16-16,0 12-4 16,3 8 1-16,34 82-8 0,-38-87-5 15,-1-2 5-15,1-7-2 16,0 2-2-16,8 12-2 16,-1-4 0-16,24 2-2 15,-32-25 0-15,1-4-3 16,-1-3-3-16,4 1 3 15,3-18-3-15,32-73 5 16,-41 80 1-16,1 6 3 16,-3-2 4-16,0 6-3 15,2-10 4-15,-2 8-5 16,5-12-2-16,-7 26-3 16,0 0-11-16,5-2 16 0,-1 6 10 15,5 6-9 1,4 8 2-16,39 66-3 0,-42-70 0 15,2-4 0-15,1-2-1 16,-3-2-2-16,11 12-5 16,33 14-6-16,-48-36 8 15,1-4-3-15,0 0-5 16,0-6 4-16,4-8 7 16,3-12-12-16,21-72-15 15,-31 84 27-15,-2 4 3 16,1 0 10-16,1 6-6 15,2-6 1-15,0 6-1 16,5 20 4-16,-9-2 13 16,4 4-5-16,2-2 9 15,-2 7-15-15,7 12-6 0,36 67-1 16,-40-82-3-16,-2-6-9 16,2-2-12-16,-2-2-1 15,8 2-46-15</inkml:trace>
   <inkml:trace contextRef="#ctx0" brushRef="#br0" timeOffset="-80545.25">28654 17838 601 0,'-11'0'0'16,"7"-4"-43"-16,-12 4-36 15,14 0 41-15,35 4-91 16</inkml:trace>
   <inkml:trace contextRef="#ctx0" brushRef="#br0" timeOffset="-79853.61">29036 17642 387 0,'6'18'48'0,"3"14"-32"0,9-1-3 16,-3 4 26-16,19 27-2 16,2 6-7-16,71 145-18 15,-91-171-12-15,-3-8 2 16,-3-2-1-16,0-2 1 15,5 31-2-15,-11 68-5 16,-12-127 5-16,-1 5 0 16,-5-7-3-16,3-7 3 15,-13 5 0-15,-3-17 5 16,-28-79-1-16,55 79-4 16,0-2-1-16,2-6-5 0,2 5-2 15,3-20-2 1,4 3-8-16,51-80 9 0,-48 105-8 15,-1 4 16-15,5-2-6 16,5-2 6-16,12-4-6 16,65-14 7-16,-93 32 0 15,-1 4-4-15,2 2 1 16,-2 8 3-16,5 7 4 16,-5 10-4-16,4 99 0 15,-17-94 0-15,0-6 0 16,5 2 2-16,-2-5-2 15,-3 31 0-15,5-12 0 16,11 38 0-16,-3-86-5 0,1-2 2 16,2-3 3-1,-2-2 1-15,11-11-1 0,28-104-3 16,-39 90 3-16,-3 1 3 16,-2 1-1-16,3 6 7 15,0-21 15-15,-3 6-6 16,-2-10 4-16,0 51-14 15,-2 5-1-15,2-5-7 16,0 4-4-16,4 2 4 16,5 10 0-16,34 52-3 15,-35-56-17-15,-1-6-30 16,1 2-10-16,2-2-109 16</inkml:trace>
-  <inkml:trace contextRef="#ctx0" brushRef="#br0" timeOffset="-79403.6">29898 17914 373 0,'11'23'20'0,"-7"-5"-2"16,4 0 34-16,-2 0-17 15,3 0 9-15,7 18-8 16,46 81-21-16,-55-102 1 15,-3 0 6-15,0 2-18 16,1-3 5-16,-1 12-4 16,0-3-1-16,-4 13-4 0,0-32 2 15,0-8 0 1,0 4-2-16,-4-6-6 0,2-7-5 16,-3 0 7-16,-7-61 2 15,14 55-2-15,0 1 4 16,4 1 0-16,1-2 0 15,7-17-4-15,57-62 4 16,-58 84-2-16,1 6 0 16,-1 3 2-16,-2 4-6 15,13-4 6-15,-1 11 8 16,41 53-8-16,-56-37 5 16,-2 0 0-16,-2 0-2 0,1-4-3 15,3 22 1 1,2-4-2-16,3 39-8 0,-13-74-13 15,0-1-20-15,0 0-3 16,-2-9-61-16,-3-3-140 16</inkml:trace>
+  <inkml:trace contextRef="#ctx0" brushRef="#br0" timeOffset="-79403.61">29898 17914 373 0,'11'23'20'0,"-7"-5"-2"16,4 0 34-16,-2 0-17 15,3 0 9-15,7 18-8 16,46 81-21-16,-55-102 1 15,-3 0 6-15,0 2-18 16,1-3 5-16,-1 12-4 16,0-3-1-16,-4 13-4 0,0-32 2 15,0-8 0 1,0 4-2-16,-4-6-6 0,2-7-5 16,-3 0 7-16,-7-61 2 15,14 55-2-15,0 1 4 16,4 1 0-16,1-2 0 15,7-17-4-15,57-62 4 16,-58 84-2-16,1 6 0 16,-1 3 2-16,-2 4-6 15,13-4 6-15,-1 11 8 16,41 53-8-16,-56-37 5 16,-2 0 0-16,-2 0-2 0,1-4-3 15,3 22 1 1,2-4-2-16,3 39-8 0,-13-74-13 15,0-1-20-15,0 0-3 16,-2-9-61-16,-3-3-140 16</inkml:trace>
   <inkml:trace contextRef="#ctx0" brushRef="#br0" timeOffset="-79233.84">30345 17740 588 0,'-8'0'63'16,"-36"0"-60"-16,44 0-3 16,0 0-6-16,2 0-18 15,0 0-41-15,4 0 4 0,30 27 22 16,-25-26-72-16,1 4-74 16</inkml:trace>
   <inkml:trace contextRef="#ctx0" brushRef="#br0" timeOffset="-78835.42">30624 17830 382 0,'-7'0'101'0,"1"4"-82"16,-5 4 0-16,-27 38 13 15,31-28 6-15,3 5-13 0,2-5-14 16,2 3 6-16,-3 16-5 15,8 3-6-15,26 66-5 16,-27-95-1-16,3-4 0 16,0-3-13-16,0 0 1 15,8-4 6-15,1-8-8 16,38-78 4-16,-46 57-11 16,-1 6-15-16,-3 1-6 15,-2 0 42-15,6-24 6 16,-2-48 10-16,-4 89-6 15,-2 10-4-15,-2-4 6 16,4 12 9-16,-2 0 2 16,0 18-13-16,13 69-9 0,-11-88-1 15,0 2 0 1,1-2 0-16,0-1-12 0,1 6-29 16,-2-9-25-16,11-12-153 15</inkml:trace>
   <inkml:trace contextRef="#ctx0" brushRef="#br0" timeOffset="-78153.5">29096 15343 532 0,'-6'-2'62'16,"-2"-2"-55"-16,-3-3-7 16,3 7 4-16,-10 49-1 15,9-18-1-15,5 9-1 16,1 8 6-16,3 2 8 16,0 53-6-16,45 264 4 15,-33-305-9-15,5-11 0 0,1-3-4 16,1-9 1-16,22 45 7 15,1-21 0-15,112 53-4 16,-130-116 0-16,-2-4 1 16,-2-11 10-16,1-2-13 15,21-23-1-15,-7-14 0 16,48-168 0-16,-79 177-1 16,-4-5-4-16,-2 2-9 15,-2 4 6-15,-3-42-1 16,-29-97-12-16,23 171 8 15,6 6 0-15,-1 2-46 16,0 0-22-16,-5-2-38 16</inkml:trace>
   <inkml:trace contextRef="#ctx0" brushRef="#br0" timeOffset="-77876.33">29526 15146 571 0,'7'-31'21'0,"-1"27"-16"15,6 1-5-15,1 0 6 16,-2 0-2-16,11-6-4 16,76-1-5-16,-82 10-5 15,1 4-34-15,-1-4-81 16</inkml:trace>
   <inkml:trace contextRef="#ctx0" brushRef="#br0" timeOffset="-77652.58">29971 14855 541 0,'-22'-25'57'0,"25"24"-57"0,-3-4 6 16,0 5-1-16,2 5 0 15,2 0 4-15,5 18-1 16,35 115-6-16,-41-108-2 15,2-1 0-15,-1 0-3 16,0-4-28-16,3 26-53 16,1-6-47-16</inkml:trace>
-  <inkml:trace contextRef="#ctx0" brushRef="#br0" timeOffset="-77244.85">30406 15811 617 0,'20'-5'47'15,"-16"5"-36"-15,5-2-11 16,3 0 16-16,1-2-5 15,14-1-11-15,91-13 0 16,-93 9-1-16,-6 9-5 16,1-4-17-16,-5 1-33 15,18 0-38-15,-10 1-14 16,18 7-191-16</inkml:trace>
+  <inkml:trace contextRef="#ctx0" brushRef="#br0" timeOffset="-77244.86">30406 15811 617 0,'20'-5'47'15,"-16"5"-36"-15,5-2-11 16,3 0 16-16,1-2-5 15,14-1-11-15,91-13 0 16,-93 9-1-16,-6 9-5 16,1-4-17-16,-5 1-33 15,18 0-38-15,-10 1-14 16,18 7-191-16</inkml:trace>
   <inkml:trace contextRef="#ctx0" brushRef="#br0" timeOffset="-77084.42">30482 16096 458 0,'-20'33'140'16,"-1"11"-140"-16,31-43 3 15,1-1-2-15,-1 3 11 16,4-3-6-16,13-3-6 16,9-3-20-16,95-48-83 15,-100 32-133-15</inkml:trace>
   <inkml:trace contextRef="#ctx0" brushRef="#br0" timeOffset="-76719.26">31420 15320 630 0,'-27'-4'25'16,"-40"0"-25"-16,65 12-6 15,0 5 6-15,0 4 1 16,4 7 1-16,2 25-2 16,5 8 5-16,42 175 0 15,-40-190-5-15,3-3 2 16,-1 1-2-16,-1-4 0 0,14 26-6 16,56 63 4-1,-68-119 2-15,-1-10 5 0,-2 2 6 16,1-6-3-16,15-10 5 15,-1-16-9-15,60-133-2 16,-74 123-4-16,-5 4 3 16,1 4-2-16,-3 0 1 15,4-31-12-15,-7 13 2 16,-28-68-28-16,19 110-24 16,-3 2-39-16,4 2-186 15</inkml:trace>
   <inkml:trace contextRef="#ctx0" brushRef="#br0" timeOffset="-76391.97">32012 14841 598 0,'3'-7'38'15,"1"-3"-31"-15,-4 1 7 16,3 23 4-16,-3-6 4 16,4 10 12-16,2 4-16 0,3 6-7 15,7 25-10 1,1 1 6-16,31 111-6 0,-44-143-1 15,-2 1-2-15,2-5-9 16,2-6-7-16,-6 20-36 16,4 25-36-16,-6-61-97 15</inkml:trace>
@@ -535,12 +535,12 @@
   <inkml:trace contextRef="#ctx0" brushRef="#br0" timeOffset="-56569.04">4645 8685 418 0,'-4'-10'44'0,"2"7"-41"0,2-1-3 15,-6 0-1-15,12 8 1 16,0 3 7-16,3 0-3 16,2 10 7-16,3 1 0 15,12 18 10-15,8 16-2 16,103 200-3-16,-108-183 6 15,0 6 3-15,-2 11-6 16,-4 3-2-16,17 88-8 16,-13 21 4-16,-44 472-12 15,-6-548 3-15,-8-12-3 16,-1-10 0-16,-6-4-1 16,-29 96 0-16,-160 293-7 15,190-421-26-15,3-10-87 0,5-2-293 16</inkml:trace>
   <inkml:trace contextRef="#ctx0" brushRef="#br0" timeOffset="-48435.94">3324 10379 250 0,'0'-4'104'0,"-2"3"-70"16,0-2-1-16,-1 0-8 16,1 0-6-16,0 1-1 15,2 0-5-15,0 2 2 16,0 0-7-16,-3-2 6 16,3 0 2-16,3-2-1 15,-3 0-7-15,0 0-1 16,0 2-4-16,2 0-2 15,0-5-1-15,16-14 3 16,-11 17-3-16,0-2 0 16,-1 2 1-16,-2 2-2 15,10-2 1-15,-1-1-1 16,33 1 1-16,-38 4 2 0,-2 0-2 16,1 0 0-16,-1 0 0 15,8 0-1-15,-3 3 1 16,12 23 2-16,-21-20 12 15,0 1-5-15,-2 5-1 16,0 5-5-16,2 10-3 16,-15 92 4-16,11-96-3 15,0 0-1-15,-1 1 1 16,1-3 1-16,-3 20-2 16,1-5 0-16,0 38 1 15,4-73 1-15,0 1-1 16,0-2-1-16,0 0 2 0,0 3 2 15,2-3-3-15,2-3-1 16,-4 3 1-16,2 0-1 16,0 3 1-16,1-2-1 15,-1 2 0-15,18 8-1 16,-18-13 0-16,3 2 1 16,-1-2 0-16,1 2-4 15,6-3-8-15,2-1-24 16,43-29-45-16,-44 20-162 15</inkml:trace>
   <inkml:trace contextRef="#ctx0" brushRef="#br0" timeOffset="-41253.03">670 13387 338 0,'-6'2'69'16,"3"0"-2"-16,-2-2-30 0,-1 4 8 15,2-2-2 1,-7 0-12-16,9-2-5 0,-1 2-5 16,-2 2-16-16,-1 6-4 15,-3 14 0-15,-47 139 4 16,43-118-5-16,2 10-2 16,-5 1 2-16,0 4 3 15,-15 52-2-15,2 1-2 16,-46 160 2-16,71-248 0 15,-2-5-1-15,6-4-8 16,-2-11 0-16,0 15-8 16,4-17-7-16,8-31 23 15,-2 6 7-15,1-12 3 16,3-4-10-16,-4-4-7 16,11-38 5-16,23-203-2 15,-40 229-8-15,2 4 7 0,-4 6 2 16,2 8 3-16,0-39 0 15,1 17 1-15,-12-42-1 16,7 97 5-16,0 0 0 16,2 6-5-16,0-2-2 15,-3 1 2-15,6 3-6 16,36 52 6-16,-20-33 4 16,2 4 1-16,4 0-5 15,4 6 0-15,23 26 1 0,110 139 1 16,-135-168-2-1,-5-8-2-15,-4-5 2 0,-5-3 2 16,19 17-2 0,-13-13-1-16,10 12 1 0,-29-31 1 15,-2 0 1-15,2 0 1 16,-4 4 11-16,-9 1-4 16,-10 5-6-16,-106 37 4 15,104-37-6-15,-10-10 8 16,4 4-7-16,2-2-1 15,-25 4-2-15,-64-12 0 16,113 2-5-16,3-2-27 16,4 2-33-16,1-2-98 15,6-7-196-15</inkml:trace>
-  <inkml:trace contextRef="#ctx0" brushRef="#br0" timeOffset="-41017.87">1153 13756 459 0,'25'-3'31'16,"-7"-1"-31"-16,34 1 3 15,-37-2 0-15,-2 4 2 16,3 1-5-16,-1 1 3 0,21-1 0 15,4 5-3-15,91 7 0 16,-110-12-1-16,-4-2-4 16,-3-1-75-16,-3 3-121 15</inkml:trace>
+  <inkml:trace contextRef="#ctx0" brushRef="#br0" timeOffset="-41017.88">1153 13756 459 0,'25'-3'31'16,"-7"-1"-31"-16,34 1 3 15,-37-2 0-15,-2 4 2 16,3 1-5-16,-1 1 3 0,21-1 0 15,4 5-3-15,91 7 0 16,-110-12-1-16,-4-2-4 16,-3-1-75-16,-3 3-121 15</inkml:trace>
   <inkml:trace contextRef="#ctx0" brushRef="#br0" timeOffset="-40835.56">1383 14015 564 0,'0'15'12'0,"-4"-8"-12"15,10-10-3-15,1 2 3 0,5-2 7 16,-2 3-5 0,13-3-2-16,73-20-35 15,-77 13-87-15,1-1-63 0</inkml:trace>
   <inkml:trace contextRef="#ctx0" brushRef="#br0" timeOffset="-40302.24">1922 13297 505 0,'-9'1'56'15,"3"-1"-45"-15,1 4-6 16,1-1 3-16,-5 3 12 16,2 8-13-16,-6 80-6 15,15-64 1-15,0 2 5 16,3 1-4-16,-1 2 5 15,5 38-7-15,34 161 7 16,-33-201-8-16,7-4 0 16,-2 1 0-16,3-4 2 15,20 28 0-15,1-10-4 16,86 53 2-16,-105-94 0 0,1 2 0 16,-2-10-3-16,2-1 3 15,16-1 0-15,3-15 9 16,72-91-8-16,-103 83 3 15,7 0 0-15,-8 0-4 16,-1 0 1-16,9-33-1 16,1-134 2-16,-17 167-1 15,-2-1-2-15,-2 0 2 16,-1 2-3-16,-1-29 2 16,-8 4-3-16,-26-74 3 15,31 117-11-15,3 4-12 16,2 0-7-16,-2 6-26 0,-2-5-32 15,3 3-70 1</inkml:trace>
-  <inkml:trace contextRef="#ctx0" brushRef="#br0" timeOffset="-40000.95">2792 12953 408 0,'-6'0'126'0,"6"3"-115"16,0 3-10-16,10 40 10 15,-6-32 0-15,3 3 17 0,-3 0-18 16,0 1 1-16,8 22-9 15,-3 0 0-15,15 81-2 16,-21-109 0-16,-1-5-5 16,0 0-7-16,0-1-27 15,2 3-114-15,-1-4-170 16</inkml:trace>
+  <inkml:trace contextRef="#ctx0" brushRef="#br0" timeOffset="-40000.96">2792 12953 408 0,'-6'0'126'0,"6"3"-115"16,0 3-10-16,10 40 10 15,-6-32 0-15,3 3 17 0,-3 0-18 16,0 1 1-16,8 22-9 15,-3 0 0-15,15 81-2 16,-21-109 0-16,-1-5-5 16,0 0-7-16,0-1-27 15,2 3-114-15,-1-4-170 16</inkml:trace>
   <inkml:trace contextRef="#ctx0" brushRef="#br0" timeOffset="-39792.4">2506 13064 563 0,'-2'-4'27'16,"2"2"-20"-16,0-6 3 16,11 2-8-16,81-18 1 15,-63 18-1-15,0 0 0 16,2 1-2-16,-5 2-18 15,28-6-15-15,82 2-67 16,-121 7-136-16</inkml:trace>
-  <inkml:trace contextRef="#ctx0" brushRef="#br0" timeOffset="-38735.88">3604 13203 490 0,'-20'-13'123'0,"16"19"-115"16,-3 6 1-16,-1 10-4 15,-2 6 2-15,-9 30 18 0,-62 213-6 16,68-214-9-1,-1 2-4-15,-1 0-2 0,3-5 6 16,-14 52-10-16,4-6 0 16,-28 131 0-16,46-209 0 15,2-12 0-15,0-4-16 16,2-4-25-16,0 7-3 16,4-14 21-16,23-76 21 15,-18 42-22-15,-2-5-21 16,0-5-4-16,-1 4 7 15,7-46 14-15,12-171 28 16,-27 231 5-16,2 3-1 16,-5 3 22-16,3 0-4 15,-2-23-1-15,-1 6 9 16,0-50-17-16,5 86-1 0,3 4-12 16,2 0-1-16,-1 4 1 15,5 0 3-15,9 8-3 16,82 60 2-16,-78-52-1 15,0 3-1-15,0 0 0 16,3 2-1-16,17 21 1 16,76 101 8-16,-104-118-7 15,-1-5-2-15,-2-4 2 16,-1 0 2-16,5 20-3 16,-3-12 0-16,-22 32 0 15,3-54 6-15,-3 2-2 16,-6-2 9-16,-2-4-4 0,-18 4 11 15,-6-2-2 1,-87-8-6-16,111 2 0 0,2 3 3 16,3-2-6-16,4 3-4 15,-11-4-5-15,0-6-9 16,22 6-52-16,0 1-108 16</inkml:trace>
+  <inkml:trace contextRef="#ctx0" brushRef="#br0" timeOffset="-38735.89">3604 13203 490 0,'-20'-13'123'0,"16"19"-115"16,-3 6 1-16,-1 10-4 15,-2 6 2-15,-9 30 18 0,-62 213-6 16,68-214-9-1,-1 2-4-15,-1 0-2 0,3-5 6 16,-14 52-10-16,4-6 0 16,-28 131 0-16,46-209 0 15,2-12 0-15,0-4-16 16,2-4-25-16,0 7-3 16,4-14 21-16,23-76 21 15,-18 42-22-15,-2-5-21 16,0-5-4-16,-1 4 7 15,7-46 14-15,12-171 28 16,-27 231 5-16,2 3-1 16,-5 3 22-16,3 0-4 15,-2-23-1-15,-1 6 9 16,0-50-17-16,5 86-1 0,3 4-12 16,2 0-1-16,-1 4 1 15,5 0 3-15,9 8-3 16,82 60 2-16,-78-52-1 15,0 3-1-15,0 0 0 16,3 2-1-16,17 21 1 16,76 101 8-16,-104-118-7 15,-1-5-2-15,-2-4 2 16,-1 0 2-16,5 20-3 16,-3-12 0-16,-22 32 0 15,3-54 6-15,-3 2-2 16,-6-2 9-16,-2-4-4 0,-18 4 11 15,-6-2-2 1,-87-8-6-16,111 2 0 0,2 3 3 16,3-2-6-16,4 3-4 15,-11-4-5-15,0-6-9 16,22 6-52-16,0 1-108 16</inkml:trace>
   <inkml:trace contextRef="#ctx0" brushRef="#br0" timeOffset="-38226.23">4141 13166 581 0,'-6'-2'51'15,"-5"-4"-29"-15,0 4-22 16,8 17-4-16,6-2 4 16,1 7 5-16,5 10-4 15,2 2-1-15,9 33 2 0,78 179 9 16,-76-201 4-1,3-6-7-15,-1-1-1 0,1-1 0 16,26 29-7 0,3-13-1-16,102 41 1 0,-129-92 0 15,-4-6 0-15,2-3-19 16,-2-3 14-16,19-10 0 16,-7-6 2-16,23-98 0 15,-62 92 3-15,2 0 6 16,-3-5-6-16,1-1 0 15,-2-35 0-15,-19-155 9 16,16 203-4-16,0 6 12 16,0 3-1-16,0 2 7 15,-7-16-23-15,1 8-1 16,-23-22-18-16,33 42-33 16,1 3-27-16,6 1-202 0</inkml:trace>
   <inkml:trace contextRef="#ctx0" brushRef="#br0" timeOffset="-35942.71">3152 13381 337 0,'-2'0'51'16,"-3"0"-33"-16,3-4-6 15,0-1 17-15,-4-10 25 16,6 15-24-16,0 2-11 16,0-2-7-16,0 0-6 15,2 0-6-15,-2 5-3 16,11-3 3-16,-5 1-6 0,-1-1 5 16,4-1-25-16,-3 2-11 15,10 0 9-15,-3 2 8 16,21-1-33-16</inkml:trace>
   <inkml:trace contextRef="#ctx0" brushRef="#br0" timeOffset="-34803.29">3393 13287 232 0,'4'-10'109'0,"0"-1"-95"16,19-4-8-16,-21 11 22 15,0 4-2-15,-2 0-3 16,2 0 14-16,-2-3-1 16,0 3-7-16,-6 9 5 15,6-4-12-15,-2-1 11 16,2 5-21-16,2 4-3 16,0 18 12-16,12 133-6 15,-10-128-2-15,3 1 3 0,-3 4-8 16,0 2 6-16,4 39-13 15,-2 0 2-15,12 134-3 16,-18-195 2-16,5-3-1 16,-1-7-2-16,-2 0 2 15,3 7 2-15,-3-6-3 16,2-12-5-16,-4-6 5 16,0 2 8-16,-2-4-4 15,0-7-4-15,-3-12 3 0,-24-114 1 16,25 105-4-1,0-1 1-15,-2-2-1 0,2 5 4 16,-2-35-3-16,-1 4-2 16,-5-96 2-16,10 141 1 15,2-4-2-15,2 4-4 16,2-3 0-16,2-18 3 16,3 2-4-16,31-37 3 15,-33 72-2-15,2 4 3 16,4 3-1-16,0 3-4 15,17 1 6-15,74 61 0 16,-86-49-1-16,-1 3 0 16,2 4 2-16,-7-2 5 15,15 26-6-15,-4 4 2 16,6 117-2-16,-36-145 8 0,-2 6-6 16,0-5 3-16,-2 3-4 15,-9 26 8-15,-7-4-9 16,-64 81 1-16,70-118-1 15,2-2 3-15,-4 0-2 16,1-1-2-16,-20 12 2 16,-74 30-1-16,103-48 0 15,6-2-4-15,0-4 4 16,3 1 3-16,-5 2-3 16,5-3 0-16,4-3-6 15,0 2 6-15,2-3-5 16,0 2-5-16,0-2 8 15,5-2 2-15,2-2 0 16,56-32-1-16,-48 30 1 0,3-1 3 16,-2 3-3-16,2 1-4 15,18-11 4-15,76-46 0 16,-98 45 0-16,-3 1-2 16,0-4 4-16,-2-2 1 15,14-22-3-15,-8-8-2 16,17-124 2-16,-34 153 3 15,-2 3-3-15,-3 2 0 16,-1 4 0-16,-6-18 1 16,-3 6 0-16,-54-38-1 15,53 63 0-15,-1-2 12 16,-2 3-12-16,1 0-1 0,-15 4-3 16,-58 28-7-1,75-18-27-15,2 4-24 0,6 2 4 16,-3 4-86-16,-9 20-63 15</inkml:trace>
@@ -559,12 +559,250 @@
   <inkml:trace contextRef="#ctx0" brushRef="#br0" timeOffset="-26727.03">5717 16306 359 0,'-12'-4'351'0,"-30"0"-322"15,45 4-18-15,-3 4-9 16,2 0-2-16,0 11 2 0,6 7 4 15,4 18-4-15,51 152 1 16,-50-156-2-16,3 4 10 16,-3 1-8-16,0-10-3 15,11 39-5-15,46 77-18 16,-61-141-48-16,-3-2-25 16,-2-4-155-16</inkml:trace>
   <inkml:trace contextRef="#ctx0" brushRef="#br0" timeOffset="-26538.12">5703 16762 624 0,'-6'6'81'0,"4"-2"-79"0,-5 8 1 16,26-6 25-16,-7-12-3 15,1-2 7-15,3-5-21 16,2-1-2-16,13-13-9 15,0-3-57-15,45-75-58 16,-69 97-93-16</inkml:trace>
   <inkml:trace contextRef="#ctx0" brushRef="#br0" timeOffset="-26386.15">6048 16879 588 0,'-10'2'153'0,"1"4"-146"0,5-1-2 16,-10 3-4-16,7-8-2 16,7-4-43-16,-4 4-138 15</inkml:trace>
-  <inkml:trace contextRef="#ctx0" brushRef="#br0" timeOffset="-10270.53">1472 12664 417 0,'-2'-5'23'16,"-10"5"-19"-16,12 0 4 16,-2 0 15-16,2-1 4 15,-2 1-1-15,2 0-8 0,-2-5-3 16,0 5 9-1,2 0-9-15,0 0 1 0,0 0 9 16,0 0-8-16,2 0-12 16,4 2-4-16,0-2-1 15,5 3 4-15,2-2-3 16,3 1 3-16,13 1-4 16,8-3 3-16,92-9-3 15,-108 5 0-15,-2-2 0 16,-1 0 0-16,1 0-7 15,16-5 1-15,50-16-11 16,-79 23-19-16,-1 2-19 16,-3 0-24-16,-2 2-57 15</inkml:trace>
+  <inkml:trace contextRef="#ctx0" brushRef="#br0" timeOffset="-10270.54">1472 12664 417 0,'-2'-5'23'16,"-10"5"-19"-16,12 0 4 16,-2 0 15-16,2-1 4 15,-2 1-1-15,2 0-8 0,-2-5-3 16,0 5 9-1,2 0-9-15,0 0 1 0,0 0 9 16,0 0-8-16,2 0-12 16,4 2-4-16,0-2-1 15,5 3 4-15,2-2-3 16,3 1 3-16,13 1-4 16,8-3 3-16,92-9-3 15,-108 5 0-15,-2-2 0 16,-1 0 0-16,1 0-7 15,16-5 1-15,50-16-11 16,-79 23-19-16,-1 2-19 16,-3 0-24-16,-2 2-57 15</inkml:trace>
   <inkml:trace contextRef="#ctx0" brushRef="#br0" timeOffset="6147.13">2709 9149 206 0,'-4'1'17'15,"-3"-2"-3"-15,2 1 12 16,0-5 19-16,-5 1-17 16,-1-3-4-16,-20-19 0 15,25 16-14-15,0 3-7 16,2 0 0-16,-1 3-3 0,-1-6 0 15,-4 4 1-15,-16 3 0 16,21 3 7-16,-1-3 1 16,1 3 3-1,-3-1 0-15,-6-2-8 0,-39-8 6 16,39 7 7-16,3-1-9 16,-3 1 8-16,1 0-12 15,-13-5 11-15,-6-4-6 16,-74-35-9-16,85 40 7 15,-1 2 0-15,-1-3-3 16,4 2-1-16,-21-9-3 16,-3 0 6-16,-79-26 0 0,104 38-1 15,-4 2-4-15,-5 2 6 16,0 0 0-16,-27 2-7 16,-139 33 4-16,151-26-4 15,1 3 0-15,6 0 0 16,3-2 1-16,-34 12-1 15,8 2 0-15,-78 40-2 16,120-52 4-16,7-2 0 16,1 2-2-16,0 1-3 15,-5 11 3-15,3 0 0 16,-4 52 1-16,9-62-1 16,3 0 1-16,0 2-1 15,0 4 0-15,-2 17 0 0,-15 113 0 16,15-125 1-1,2 1 0-15,-2-5-1 0,4 1-1 16,0 18 1-16,4-5 0 16,31 63 0-16,-21-83 0 15,-1-1 1-15,2-2-1 16,1 2 0-16,20 14 1 16,-1 2 1-16,94 69-2 15,-110-89 2-15,1 3-2 16,-1 0 0-16,2-1 2 15,19 11-2-15,87 52 2 16,-105-63 0-16,3-2-1 16,0 3 1-16,-1 1-2 15,25 8 1-15,-2 1 1 0,86 50-2 16,-110-64 1-16,-6 7 0 16,6-6 0-16,1 5 0 15,18 11-1-15,3 2 1 16,95 51 0-16,-115-64-1 15,-5-3 3-15,-2 0-3 16,2 0 1-16,20 12 0 16,65 47-1-16,-90-62 1 15,1 5-1-15,2-2 0 16,-2 3 1-16,15 13-1 16,2 4 1-16,72 76 1 15,-89-92-2-15,-1 2 2 16,3 2 2-16,-5-2-4 0,18 18 3 15,0 0-1 1,67 56-2-16,-84-80 2 0,1-1-2 16,1-1 3-16,-1-2-1 15,14 10-2-15,52 28 0 16,-66-38 0-16,-1-2 1 16,-1 5 0-16,1-4-1 15,15 11 1-15,-5 0 0 16,58 39-1-16,-68-50 0 15,-1-1 0-15,0 2 0 16,1 1-1-16,15 6 1 16,2 3 1-16,56 43 0 0,-76-50-1 15,0-2-1-15,-1 1 1 16,0-3 0-16,11 12-1 16,29 19 1-16,-42-32 1 15,0-2-1-15,-1 0-1 16,-1-1-6-16,10 6 7 15,2-3 0-15,40 12-6 16,-42-18 6-16,-1 4 4 16,1-1-4-16,-1-1-3 15,14-1 3-15,2 3 4 16,54-1-4-16,-70-3-3 16,-1 0 3-16,-3 0 0 15,-1-1 0-15,9-1 0 0,33-14 0 16,-44 10 0-1,-1-2 2-15,2 0 1 0,-2 2-3 16,6-8 3 0,1 0 0-16,15-32-3 0,-25 42 2 15,-2-2-2-15,0-2 1 16,0 0-1-16,3-6 0 16,-3-7 2-16,2-48 0 15,-6 51-2-15,0-1 0 16,0-1 1-16,-3 2-1 15,1-18 4-15,-12-50-4 16,12 71 1-16,-1 4 5 16,1 2-5-16,0-2 1 15,-5-11 3-15,-5-1-1 0,-30-45 0 16,34 54-2-16,2 2 3 16,-3-3-3-16,1 0-2 15,-9-15 4-15,-1 0-3 16,-47-56 3-16,58 72-2 15,0 3 1-15,-2 1-1 16,0-1 0-16,-9-13-2 16,-40-41 2-16,49 54-2 15,1-2 2-15,2-1 1 16,-3 0-3-16,-10-12 2 16,-1-2 1-16,-43-68-3 15,52 80 3-15,-1 2-1 16,4-2 3-16,1 2-2 0,-14-14-2 15,3 2 3-15,-42-53-1 16,49 67-3-16,2 3 2 16,-3-3-2-16,-1-1 1 15,-10-9 1-15,-51-44-2 16,63 52 1-16,0 3 1 16,1 0-2-16,4-1 2 15,-15-10-1-15,3 0-1 16,-35-48 2-16,43 62-2 15,3-2 2-15,1-4 1 16,-4 3-3-16,-5-8 3 16,-1-3-3-16,-43-44 0 0,48 53 3 15,-1 3-3-15,2-3 1 16,-1 2 2-16,-14-13-3 16,-43-48 2-16,59 60-1 15,2-2-1-15,0 2 2 16,0 2-2-16,-6-8 0 15,-3 0 7-15,-32-12-7 16,40 24 0-16,1 0 5 16,0 0-3-16,-2 0 1 15,-14-10-3-15,3 0 1 16,-60-43 2-16,71 54-3 16,-1-6 2-16,-1 4-2 15,5 0 1-15,-11-7 0 16,-25-16-1-16,35 26 0 15,2-1 3-15,-2-1-3 0,0 4-3 16,-6-7 1-16,2 1-1 16,-18-4-19-16,25 12 3 15,2 0-16-15,0-2-12 16,2 0-24-16,-7-4-51 16,-1-3-235-16</inkml:trace>
 </inkml:ink>
 </file>
 
 <file path=ppt/ink/ink4.xml><?xml version="1.0" encoding="utf-8"?>
+<inkml:ink xmlns:inkml="http://www.w3.org/2003/InkML">
+  <inkml:definitions>
+    <inkml:context xml:id="ctx0">
+      <inkml:inkSource xml:id="inkSrc0">
+        <inkml:traceFormat>
+          <inkml:channel name="X" type="integer" max="32767" units="cm"/>
+          <inkml:channel name="Y" type="integer" max="32767" units="cm"/>
+          <inkml:channel name="F" type="integer" max="1023" units="deg"/>
+          <inkml:channel name="T" type="integer" max="2.14748E9" units="dev"/>
+        </inkml:traceFormat>
+        <inkml:channelProperties>
+          <inkml:channelProperty channel="X" name="resolution" value="2155.72363" units="1/cm"/>
+          <inkml:channelProperty channel="Y" name="resolution" value="3449.15796" units="1/cm"/>
+          <inkml:channelProperty channel="F" name="resolution" value="2.84167" units="1/deg"/>
+          <inkml:channelProperty channel="T" name="resolution" value="1" units="1/dev"/>
+        </inkml:channelProperties>
+      </inkml:inkSource>
+      <inkml:timestamp xml:id="ts0" timeString="2022-12-13T08:20:32.910"/>
+    </inkml:context>
+    <inkml:brush xml:id="br0">
+      <inkml:brushProperty name="width" value="0.05292" units="cm"/>
+      <inkml:brushProperty name="height" value="0.05292" units="cm"/>
+      <inkml:brushProperty name="color" value="#FF0000"/>
+    </inkml:brush>
+  </inkml:definitions>
+  <inkml:trace contextRef="#ctx0" brushRef="#br0">25614 10612 436 0,'0'0'29'0,"0"0"-25"0,0 0 4 16,0 0 20-16,0 0 3 16,0 0 0-16,0 0 8 15,0 0-8-15,-45-29-4 16,45 29-4-16,-5 0 1 15,3 0-9-15,-4 0-1 16,-3 0-3-16,-1 0 7 16,0 0-11-16,-9 0-1 15,-2 0-2-15,-8 17 7 16,-2 5-9-16,-6 5 0 0,2 2 0 16,3 6 4-1,3 1-6-15,6-1 0 0,2-1 0 16,13-1 0-16,2 3-1 15,6 2 1-15,0-1 0 16,6 0 0-16,15-4 0 16,8-6-7-16,12-8 7 15,5-6 1-15,6-11 0 16,1-2-2-16,0 0 2 16,-1-18 0-16,-10-6-1 15,-7-3-1-15,-10-7 1 16,-9-2 3-16,-9 0-2 15,-7-1-2-15,0-1 2 16,-7 1 3-16,-13 1-4 0,-5 9-3 16,4 0 3-16,-4 7 4 15,2 6-4-15,3 0 0 16,5 3 0-16,4 3 2 16,4 3-2-16,4 1-3 15,3 4 3-15,0 0 0 16,0 0-1-16,0 0-1 15,3 0 1-15,21 0 0 16,5 0 1-16,5 0-3 16,3 4 3-16,4-4 2 15,1 0-2-15,2 0 0 16,-1 0 0-16,-1-4-2 16,-6-7 2-16,-3 4-25 0,-8 0-11 15,-5 7-16-15,-7 0-46 16,-3 14-48-16</inkml:trace>
+  <inkml:trace contextRef="#ctx0" brushRef="#br0" timeOffset="341.62">26223 10932 477 0,'0'0'140'0,"0"0"-116"16,0 0-16-16,0 0 30 15,0 0 2-15,0 0-14 16,-44 44-24-16,7-8 3 15,-3 5-5-15,-1-1 0 16,3-5 1-16,9-1 5 16,2-5-6-16,8-5 0 15,1 0 1-15,5-4-6 16,1-4-12-16,8-2-56 0,4-6-63 16,0-8-91-1</inkml:trace>
+  <inkml:trace contextRef="#ctx0" brushRef="#br0" timeOffset="574.67">25870 11103 451 0,'0'0'110'16,"0"0"-85"-16,0 0-24 15,0 0 11-15,0 0 2 16,0 0 11-16,26 28 3 15,6-6-12-15,1-4-3 16,-2-4-4-16,0 0-5 0,1-4-4 16,-1-1 2-1,-2-6-7-15,-5 1-14 0,1 0-91 16,-5-4-124-16</inkml:trace>
+  <inkml:trace contextRef="#ctx0" brushRef="#br0" timeOffset="1215.98">26252 10928 524 0,'0'0'112'16,"0"0"-106"-16,0 0-1 15,0 0 15-15,0 0 10 16,0 0-25-16,-4 16-4 15,29 11 11-15,2 3 5 0,0-6-4 16,-3-1-9-16,0-4 6 16,1-5-10-16,-5-2 0 15,0-6 0-15,-4-2 3 16,0-4-2-16,-1 0 3 16,-2-4-4-16,3-11 7 15,-8 4-7-15,-3 2 0 16,-3 2 0-16,1 7 3 15,-3 0-3-15,4 0-1 16,3 4-6-16,4 22 7 16,5 8 0-16,-1 9 1 15,1 5-1-15,-1 4 3 16,-3 2-3-16,-4-4 0 0,-3-4 1 16,-5-7 5-16,0-3 1 15,0-7-2-15,-3 0 6 16,-17-2 1-16,-4-4-2 15,-10 0-4-15,-4-4-4 16,3-4 7-16,-1-5-9 16,7-3-2-16,5-7 0 15,6 0 0-15,4-3-26 16,6-21-32-16,8-2-48 16,0-12-143-16</inkml:trace>
+  <inkml:trace contextRef="#ctx0" brushRef="#br0" timeOffset="1547.71">26883 10515 645 0,'0'0'48'0,"0"0"-39"16,0 0-1-16,0 0 31 16,0 0-10-16,0 0-24 0,-2-6-4 15,31 6 5 1,7 0-2-16,4 0 1 0,0 0-4 15,-2 0 3-15,-5 0-4 16,-10 0-12-16,-6 0-56 16,-5 0-64-16,-12 0-151 15</inkml:trace>
+  <inkml:trace contextRef="#ctx0" brushRef="#br0" timeOffset="1736.22">26761 10890 525 0,'0'0'37'0,"0"0"-29"0,0 0 49 15,0 0-15-15,0 0-16 16,118 31-16-16,-74-31-9 16,4-3-1-16,-7-3-13 15,9-3-110-15,-12-4-315 16</inkml:trace>
+  <inkml:trace contextRef="#ctx0" brushRef="#br0" timeOffset="3267.13">28078 10379 507 0,'0'0'40'0,"0"0"-10"15,0 0 40 1,0 0-21-16,0 0-19 0,0 0-12 15,0 0 6-15,-20-41-12 16,20 10-9-16,0-9 4 16,2-9 1-16,6-5-3 15,0 0-5-15,0 1 2 16,-1 3 1-16,-3 9-3 16,-2 5-2-16,-2 6 2 15,0 8 2-15,0 6-2 16,0 10 0-16,0 4 0 15,0 2 1-15,0 0-1 0,0 0-4 16,0 3 3 0,-2 27 1-16,0 17 1 0,0 12-1 15,2 5 1-15,0 7 1 16,0-5-2-16,4-7-1 16,10-11 1-16,-3-6 0 15,3-10 0-15,-3-6-7 16,-3-6-19-16,4-4-20 15,-3-4-50-15,-9-2-90 16</inkml:trace>
+  <inkml:trace contextRef="#ctx0" brushRef="#br0" timeOffset="3534.97">27673 10753 358 0,'0'0'298'0,"0"0"-289"15,0 0-8-15,0 0 9 16,0 0 3-16,121 3-4 16,-71-3-2-16,5 0-4 15,1 0-3-15,-3-5 1 16,-6 3 1-16,-9-1-2 15,-7 1-7-15,-4 1-15 16,-7 1-29-16,-4 0-45 0,-10 0-67 16</inkml:trace>
+  <inkml:trace contextRef="#ctx0" brushRef="#br0" timeOffset="3986.09">27883 10928 486 0,'0'0'72'0,"0"0"-71"16,0 0 1 0,0 0 6-16,-10 125 33 0,3-77-22 15,3 2-3-15,-4-4-5 16,8-6 2-16,0-12-2 15,0-4-3-15,0-10-1 16,6-8-4-16,4-1-2 16,3-5 8-16,3 0-7 15,9-13-1-15,2-15 0 16,9-8-1-16,1-2 0 16,3 4-10-16,-7 6-3 15,-10 13 13-15,-9 11 0 16,-10 4-2-16,-4 0 2 15,0 0 7-15,0 14-2 0,0 16 2 16,0 1 7-16,0 5 1 16,0 3-8-16,0-7-4 15,2 0 0-15,3-7-1 16,3-4 0-16,-1-5-2 16,4-9-8-16,2-5-21 15,12-2-43-15,2 0-131 16</inkml:trace>
+  <inkml:trace contextRef="#ctx0" brushRef="#br0" timeOffset="4675.99">28523 10221 642 0,'0'0'25'0,"0"0"-25"16,0 0 0-16,0 0 7 15,0 0 15-15,154-54-12 16,-98 49-3-16,-3 1-7 15,-4 4 6-15,-10 0-6 0,-11 0-2 16,-4 4-25 0,-8 9-40-16,-5 2-77 0,-11-1-134 15</inkml:trace>
+  <inkml:trace contextRef="#ctx0" brushRef="#br0" timeOffset="5115.43">28481 10293 467 0,'0'0'55'0,"0"0"-55"0,0 0 0 16,0 0 13-1,0 0 2-15,150 0-4 0,-104 1-9 16,1 8 5-16,-5 7-5 15,-6 3 0-15,-7 4 2 16,-9 7 3-16,-7 0-4 16,-9 4 3-16,-4 6-5 15,0 4 15-15,-24 7-8 16,-14 5-2-16,-13 5 1 16,-7 4-3-16,-4 0 2 15,6-8-1-15,12-8 3 16,15-11 11-16,13-12-12 15,11-7-5-15,5 2 0 16,0-4 0-16,0 0 0 0,7-1-2 16,9 1 0-16,1-6 5 15,4-1-5-15,-1-4 0 16,2 0 0-16,4-4 0 16,3-2-1-16,7 0-17 15,5-4-42-15,3-13-100 16</inkml:trace>
+  <inkml:trace contextRef="#ctx0" brushRef="#br0" timeOffset="5535.04">29317 10243 440 0,'0'0'33'0,"0"0"-5"0,0 0 49 16,0 0-19-16,0 0-26 16,0 0-21-16,-132 120 7 15,103-51 13-15,0 12-2 16,11 2 10-16,7-1-24 16,7-4-8-16,4-10 2 15,0-8-9-15,6-10 0 16,17-6 0-16,3-7 0 15,6-9-9-15,4-7-31 16,-1-12-19-16,7-7-19 16,1-2-81-16</inkml:trace>
+  <inkml:trace contextRef="#ctx0" brushRef="#br0" timeOffset="5948.52">29762 10385 449 0,'0'0'88'0,"0"0"-64"16,0 0 27-16,0 0 22 16,0 0-43-16,0 0-25 15,-100 108 7-15,60-44 12 16,0 5 2-16,-1-3 0 15,8-8-19-15,8-12 3 16,8-10-10-16,7-10-3 16,2-6 1-16,1-4-5 15,3-6-33-15,4-2-31 16,0-6-75-16,0-2-98 16</inkml:trace>
+  <inkml:trace contextRef="#ctx0" brushRef="#br0" timeOffset="6168.51">29452 10553 600 0,'0'0'70'16,"0"0"-70"-16,0 0 0 15,0 0 12-15,0 0 3 16,0 0-12-16,114 109-1 15,-94-77 0-15,-2-4-2 0,2-4-11 16,3-2-30-16,0-1-80 16,2-10-102-16</inkml:trace>
+  <inkml:trace contextRef="#ctx0" brushRef="#br0" timeOffset="6386.27">29923 10692 656 0,'0'0'27'16,"0"0"-27"-16,0 0-2 0,0 0 1 16,0 0-5-1,0 0-23-15,138-26-20 0,-116 26-15 16,-3-3 24-16,-2 3-30 15,-7 0-185-15</inkml:trace>
+  <inkml:trace contextRef="#ctx0" brushRef="#br0" timeOffset="6728.14">30542 10441 462 0,'0'0'152'15,"0"0"-128"-15,0 0 21 16,0 0 1-16,0 0-12 15,0 0-14-15,-16 28-9 16,-3 4-5-16,-4 4-3 16,3-2-1-16,2 1 1 15,0-1-3-15,5 2-2 16,-3-3 1-16,-1-2-11 16,1-7-34-16,7-8-38 0,5-6-49 15,4-7-19 1</inkml:trace>
+  <inkml:trace contextRef="#ctx0" brushRef="#br0" timeOffset="6969.31">30355 10543 398 0,'0'0'163'16,"0"0"-147"-16,0 0-16 15,0 0 40-15,0 0-10 0,0 0-1 16,80 58-12 0,-53-41-5-16,-5-2-9 0,-2-2-2 15,-2-3-1-15,-4-4 0 16,-1-2-9-16,-7-2-35 16,-2 4-84-16,-4-6-171 15</inkml:trace>
+  <inkml:trace contextRef="#ctx0" brushRef="#br0" timeOffset="7217.13">30293 10321 617 0,'0'0'38'16,"0"0"-36"-16,0 0-1 15,0 0 5-15,129-30-6 16,-79 26 0-16,6-4-18 16,2-2-49-16,-4 3-41 15</inkml:trace>
+  <inkml:trace contextRef="#ctx0" brushRef="#br0" timeOffset="8019.65">29831 10971 481 0,'0'0'163'0,"0"0"-153"15,0 0-10-15,0 0 1 16,0 0 8-16,0 0 13 16,0 0-12-16,18 118-8 15,-6-92-2-15,-4-2 2 16,1-4-2-16,3-7 0 15,-4-3-27-15,5-3-75 16,-1-7-103-16</inkml:trace>
+  <inkml:trace contextRef="#ctx0" brushRef="#br0" timeOffset="8184.93">29760 10778 603 0,'0'0'0'0,"0"0"-60"15,0 0 31-15,0 0-63 16</inkml:trace>
+  <inkml:trace contextRef="#ctx0" brushRef="#br0" timeOffset="8824.65">30885 9999 509 0,'0'0'38'0,"0"0"-33"16,0 0 57-16,0 0-15 15,23 172-18-15,-17-89-4 16,-6 4-1-16,0-2 11 15,0 2-2-15,-16-4-19 0,-9-5-4 16,2-3-10-16,2-12 0 16,10-11-1-16,7-13-13 15,4-16-40-15,0-9-34 16,17-14-88-16</inkml:trace>
+  <inkml:trace contextRef="#ctx0" brushRef="#br0" timeOffset="9192.42">31251 10046 633 0,'0'0'37'0,"0"0"-37"16,0 0 2-16,0 0 7 15,-65 165 22-15,45-82-11 0,4 4-6 16,7-5 0-1,5-3 13-15,4-12-8 0,0 0-18 16,0-9 0-16,8-5-1 16,11-8-2-16,5-9-36 15,8-5-45-15,7-16-140 16</inkml:trace>
+  <inkml:trace contextRef="#ctx0" brushRef="#br0" timeOffset="9916.66">31415 10299 449 0,'0'0'228'0,"0"0"-211"16,0 0-14-16,0 0-2 16,0 0 22-16,0 0-7 15,-11 77-2-15,24-40-9 16,-2-7-2-16,3-5 2 16,1-8-3-16,3-5-2 0,5-3 1 15,-1-6 3-15,0-3-3 16,1 0 0-16,-6 0-1 15,-1 0 2-15,-5-2-2 16,-9 2 0-16,-2 0 0 16,3 0-2-16,1 6 2 15,3 24-4-15,-1 13 4 16,1 7 3-16,-3 2-2 16,1-6 1-16,2-4-2 15,-5-8 6-15,2-5-6 16,-4-6 1-16,0-4-1 15,0-7 2-15,0-1-1 0,0-1-1 16,-6-2-12 0,-8 2-51-16,-1-5-141 0</inkml:trace>
+  <inkml:trace contextRef="#ctx0" brushRef="#br0" timeOffset="10476.34">31872 10878 687 0,'0'0'16'0,"0"0"-15"16,0 0-1-16,0 0 1 16,0 0-1-16,-6 106 6 15,8-79-5-15,6-6-1 16,1-5 0-16,-1-3-3 16,2-9-29-16,3-4-83 0,3 0-84 15</inkml:trace>
+  <inkml:trace contextRef="#ctx0" brushRef="#br0" timeOffset="10666.75">31947 10525 668 0,'0'0'50'0,"0"0"-50"16,0 0-2-16,0 0 2 15,0 0 2-15,0 0-2 0,14-32-42 16,-3 32-64-16,-4 0-191 16</inkml:trace>
+  <inkml:trace contextRef="#ctx0" brushRef="#br0" timeOffset="10892.6">32159 10551 697 0,'0'0'15'0,"0"0"-15"0,0 0 0 16,0 0 5-1,0 0-5-15,116 0 0 0,-82 0-4 16,-1 0-22-16,-2 0-30 15,0-1-60-15,-4-7-387 16</inkml:trace>
+  <inkml:trace contextRef="#ctx0" brushRef="#br0" timeOffset="11332.44">32643 10215 599 0,'0'0'117'0,"0"0"-109"15,0 0-6-15,0 0 5 16,0 0 9-16,0 0-1 16,0 92-10-16,11-62-5 15,1-2 2-15,0-8 0 16,5-4-2-16,-2-5 2 15,-5-4-2-15,7-2 2 16,-2-4-2-16,14-1 0 16,0 0-8-16,9 0 6 15,2 0-2-15,-4 0-3 16,-1 0 7-16,-10 0 0 16,-3 10 1-16,-7 10 1 0,-5 6-1 15,-6 8 7-15,-4 7-5 16,0 6-2-16,-16 6 1 15,-8-2 1-15,-8 2-2 16,-1-3-1-16,-7-6 3 16,-4-5-2-16,8-10-1 15,0-11-13-15,7-4-43 16,12-11-66-16,5-3-190 16</inkml:trace>
+  <inkml:trace contextRef="#ctx0" brushRef="#br0" timeOffset="11587.65">32547 10051 526 0,'0'0'60'0,"0"0"-47"16,0 0 27-16,158-5-28 15,-102 3-7-15,2 1-4 16,-3-5-1-16,-8-3-14 0,-7 1-99 16,-17-6-243-1</inkml:trace>
+  <inkml:trace contextRef="#ctx0" brushRef="#br0" timeOffset="11848.05">33287 9999 565 0,'0'0'41'0,"118"133"-2"16,-45-33-2-1,-15 11 19-15,-26 5-9 0,-32 4-29 16,-21 1-16-16,-41-7 3 16,-16 0-5-16,4-17-126 15</inkml:trace>
+  <inkml:trace contextRef="#ctx0" brushRef="#br0" timeOffset="15074.26">25524 12918 619 0,'0'0'17'0,"0"0"-8"16,0 0-4-16,0 0 11 15,0 0 19-15,-138-50-14 16,107 50-2-16,-1 5-16 16,-3 16 0-16,-3 8 0 15,-1 7-1-15,-4 2 1 16,3 5-3-16,6 0 0 16,12 1 2-16,9 0-2 15,11-3-1-15,2 0 1 0,2-5 0 16,27-3 0-1,11-4-1-15,6-9 2 0,8-6 0 16,-1-10-1 0,6-4-2-16,-9-6 2 0,2-20 0 15,-5-12-1-15,-7-1 1 16,-5-5-6-16,-10 1-2 16,-12-2 4-16,-11 5-8 15,-2 4 10-15,-6 5 2 16,-19 4-9-16,-4 2 2 15,-2-2-3-15,2 2 2 16,1 6-1-16,7 4 0 0,3 8 9 16,9 2 0-1,3 4 1-15,4 1-2 0,2 0 2 16,0 0-2-16,0 0-2 16,15 0-8-16,16 0 11 15,14 0 9-15,15-4-4 16,11-3 4-16,10 1-3 15,-1 2 6-15,-2 3-8 16,-9-2-1-16,-9 2-1 16,-6 1-2-16,-12 0 2 15,-9 0-4-15,-15 0-7 16,-9 0-54-16,-9 0-163 16</inkml:trace>
+  <inkml:trace contextRef="#ctx0" brushRef="#br0" timeOffset="15442.38">26130 13104 528 0,'0'0'85'0,"0"0"-76"16,0 0-6-16,-123 108 13 15,79-62 26-15,-5 8-14 16,0 0-6-16,-2 1-8 15,-3 1-6-15,6-6 5 16,0-2-11-16,11-9-2 16,10-13-1-16,14-7-26 15,13-10-28-15,0-5-67 16,4-4-51-16</inkml:trace>
+  <inkml:trace contextRef="#ctx0" brushRef="#br0" timeOffset="15652.89">25734 13465 515 0,'0'0'91'0,"0"0"-91"16,0 0 4-16,0 0 4 16,0 0 15-16,0 0-6 15,91 88-11-15,-65-59-3 16,-1-6-3-16,0-1-1 15,0-5 0-15,1-14-28 16,3 0-37-16,5-3-25 0</inkml:trace>
+  <inkml:trace contextRef="#ctx0" brushRef="#br0" timeOffset="15946.74">26589 13198 543 0,'0'0'64'16,"0"0"-49"-16,0 0 17 15,0 0 16-15,0 0-26 16,0 0-17-16,-104 118-5 0,56-53 6 15,2-3-6-15,-1-3 2 16,5-8-2-16,11-13 3 16,10-14-3-16,10-10-18 15,9-10-15-15,0-1-54 16,2-3-64-16</inkml:trace>
+  <inkml:trace contextRef="#ctx0" brushRef="#br0" timeOffset="16160.86">26302 13307 563 0,'0'0'35'0,"0"0"-34"16,0 0-1-16,0 0 24 15,0 0 2-15,131 74-3 16,-96-47-14-16,-3 0-8 15,-1-3-1-15,-2 2 0 16,2 0-1-16,6-6-118 16,-14-10-434-16</inkml:trace>
+  <inkml:trace contextRef="#ctx0" brushRef="#br0" timeOffset="16756.77">26899 12861 597 0,'0'0'52'16,"0"0"-40"-16,0 0-4 16,0 0 1-16,0 0 3 15,0 0-12-15,24-5 4 16,19 10 11-16,1-1-9 16,0 0 5-16,-5-1-11 15,-8-2 2-15,-9 4-4 16,-8-4-9-16,-8 7-66 15,-6-4-108-15</inkml:trace>
+  <inkml:trace contextRef="#ctx0" brushRef="#br0" timeOffset="16936.06">26823 13120 606 0,'0'0'47'0,"0"0"-47"15,0 0-22-15,0 0 22 16,0 0 0-16,127 7-3 16,-69-16-8-16,5-9-58 15,3 1-30-15,-6-4-163 16</inkml:trace>
+  <inkml:trace contextRef="#ctx0" brushRef="#br0" timeOffset="17350.68">27799 12766 504 0,'0'0'77'0,"0"0"-68"16,0 0 11-16,0 0 24 15,7-107-3-15,-3 76-15 16,5-2-14-16,-2-3-1 16,0 4-2-16,-3-1 1 15,-4 7-7-15,0 6 2 0,0 6-3 16,0 8 4-16,0 5-6 16,0 1 5-16,0 0-5 15,0 0-1-15,0 0 0 16,0 19-5-16,0 12 6 15,0 8 0-15,7 7 2 16,1 7-3-16,0-2 2 16,0 4 0-16,-1-1-1 15,-1-1-3-15,-1-9 1 16,4-4-23-16,-2-8-31 0,-1-10-33 16,1-4-40-1,-7-11-175-15</inkml:trace>
+  <inkml:trace contextRef="#ctx0" brushRef="#br0" timeOffset="17557.97">27578 13102 548 0,'0'0'63'0,"0"0"-59"16,0 0-4-16,141-32 6 15,-94 26-6-15,-3 4 2 0,0-2-2 16,-3 2 2 0,-8 0-2-16,-1-5-24 15,-5 6-60-15,-3-4-105 0</inkml:trace>
+  <inkml:trace contextRef="#ctx0" brushRef="#br0" timeOffset="17984.04">27848 13343 436 0,'0'0'170'0,"0"0"-170"0,0 0-2 15,0 0 2 1,0 0 0-16,0 0 2 0,72 0 1 15,-57 0-2-15,-4 0 2 16,-4 6 5-16,-7 16-1 16,0 8 10-16,-7 12 6 15,-22 8-18-15,-5 3 4 16,1-2-6-16,-2-1 1 16,-1 0 1-16,-2 5-4 15,-5-1 12-15,4-4-2 16,7-6-7-16,10-11 5 15,13-12-6-15,9-4-1 16,0-8-2-16,0 0 0 0,0-1 0 16,11-7 0-1,12-1-4-15,1 0 3 0,8 0 1 16,5-21-8-16,10-8-21 16,6-1-48-16,7-5-100 15</inkml:trace>
+  <inkml:trace contextRef="#ctx0" brushRef="#br0" timeOffset="18331.25">28263 12721 294 0,'0'0'338'16,"0"0"-333"-16,0 0-5 15,0 0-15-15,0 0 15 16,0 0 7-16,4-2 0 15,30 2 10-15,1 3-2 16,5 4-3-16,3-3-7 16,5-4-4-16,4 0-2 15,2 0-2-15,-6-14-19 0,-5-2-34 16,-16 6-58-16,-14 4-68 16</inkml:trace>
+  <inkml:trace contextRef="#ctx0" brushRef="#br0" timeOffset="18716.93">28271 12811 495 0,'0'0'31'16,"0"0"-31"-16,0 0-1 15,0 0 1-15,0 0 1 16,0 0-1-16,114 57 16 16,-111-35 7-16,-3 4 14 15,-3 5 5-15,-21 4-25 16,-5 3 8-16,-7 2-11 16,1 8-9-16,-6 4 11 15,5 6 4-15,7-5 0 16,12-12-6-16,8-6-12 15,9-11 7-15,0-4-9 16,2-2 4-16,16 0-4 0,7-4 3 16,4-4-2-16,6-2-1 15,3-3-18-15,7-5-11 16,3 0-27-16,4-3-95 16,4-21-162-16</inkml:trace>
+  <inkml:trace contextRef="#ctx0" brushRef="#br0" timeOffset="19048.5">28989 12664 639 0,'0'0'59'0,"0"0"-52"16,0 0 14-16,0 0 7 15,0 0-4-15,0 0-24 16,-111 125 1-16,80-53-1 16,-3 4 13-16,5 3 0 15,5-5-10-15,7 2 1 16,9-8-1-16,8-8-3 15,0-3-6-15,13-13 4 16,16-12-25-16,9-10-21 16,7-16-21-16,8-6-71 0,3-2-286 15</inkml:trace>
+  <inkml:trace contextRef="#ctx0" brushRef="#br0" timeOffset="19314.04">29533 12709 632 0,'0'0'72'16,"0"0"-53"-16,0 0-11 16,0 0-3-16,0 0-2 0,-143 163-3 15,85-94 7-15,-3 6-7 16,2-2-1-16,1-4 1 15,7-2 0-15,9-14-1 16,13-10-4-16,8-15-34 16,15-13-1-16,4-15-7 15,2 0-14-15,0-27-25 16</inkml:trace>
+  <inkml:trace contextRef="#ctx0" brushRef="#br0" timeOffset="19682.89">29240 13041 591 0,'0'0'91'0,"0"0"-89"0,0 0 0 16,0 0-2-1,0 0 1-15,0 0 3 0,18 65 4 16,3-37-5-16,-2 2 10 16,4 0-12-16,-1-3 6 15,3-4-7-15,-1-6-19 16,1-7-22-16,1-10-50 15,1 0-29-15,2 0 51 16,0-17-14-16,-2 2 22 16,-3 1 33-16,-8 3 28 15,-5 8 48-15,-4 0 23 16,-7 3-38-16,0 0 3 16,0 0 13-16,0 14 4 15,0 12 16-15,-3 3-22 0,1 3-15 16,2-4-15-16,0-4-11 15,0-4-5-15,2-6 3 16,10-4-6-16,1-4 2 16,1-3-53-16,1-3-60 15</inkml:trace>
+  <inkml:trace contextRef="#ctx0" brushRef="#br0" timeOffset="19823.87">29595 13112 547 0,'0'0'140'16,"0"0"-123"0,0 0 2-16,0 0-12 0,0 0-7 15,0 0-29-15,0-21-47 16,29 19-120-16</inkml:trace>
+  <inkml:trace contextRef="#ctx0" brushRef="#br0" timeOffset="20066.87">30065 13034 517 0,'0'0'133'0,"0"0"-131"16,0 0 2-16,0 0 3 15,0 0 0-15,141-32-7 16,-97 20-2-16,1-2 1 16,5 0-12-16,2-2-49 15,-3 0-37-15</inkml:trace>
+  <inkml:trace contextRef="#ctx0" brushRef="#br0" timeOffset="20362.62">30816 12643 635 0,'0'0'85'16,"0"0"-76"-16,0 0 21 15,0 0-22-15,-128 116-6 16,76-54 8-16,-6 7 1 16,-3-1-3-16,1 2-6 15,7-8 2-15,11-8-3 16,13-15-1-16,15-18-10 0,14-11-12 16,0-8-11-1,0-2-37-15,18-9-39 0,9-21-82 16</inkml:trace>
+  <inkml:trace contextRef="#ctx0" brushRef="#br0" timeOffset="20552.45">30413 12928 559 0,'0'0'51'16,"0"0"-51"-16,0 0 0 15,0 0 21-15,0 0 13 16,0 0-13-16,88 116-13 15,-59-102-8-15,-4-4 1 16,2-6-1-16,-7-4-15 16,-5 0-61-16,-1 0-69 15,-7-4-279-15</inkml:trace>
+  <inkml:trace contextRef="#ctx0" brushRef="#br0" timeOffset="20749.41">30328 12733 693 0,'0'0'50'0,"0"0"-49"16,127-34-1-16,-65 20 6 16,-4 1-1-16,1 2-5 15,3 3 0-15,-6 2-4 16,-1 6-83-16,-15-2-239 0</inkml:trace>
+  <inkml:trace contextRef="#ctx0" brushRef="#br0" timeOffset="21215.93">31393 12627 701 0,'0'0'21'16,"0"0"-21"-16,0 0 0 15,67 110 5-15,-56-36 10 16,-11 15 11-16,-9 7-15 16,-29 4-8-16,-15 4 5 15,-7 1-3-15,4-7-4 16,11-8-1-16,16-12-69 16,14-27-116-16</inkml:trace>
+  <inkml:trace contextRef="#ctx0" brushRef="#br0" timeOffset="21811.75">31997 12478 624 0,'0'0'37'15,"0"0"-37"-15,0 0 7 16,0 0 12-16,-125 150 10 16,80-59-12-16,7 11-5 15,14-1-2-15,13-5 6 16,11-12-11-16,0-9 8 15,22-12-12-15,7-5 1 16,3-4-4-16,1-9 1 16,2-9-32-16,-1-14-17 15,1-12-64-15,-1-10-104 16</inkml:trace>
+  <inkml:trace contextRef="#ctx0" brushRef="#br0" timeOffset="22087.13">32389 12731 330 0,'0'0'265'0,"0"0"-203"15,0 0-41-15,0 0-6 16,-76 112 16-16,20-41-7 15,1 1-18-15,6-4 0 16,11-6 4-16,9-1-6 16,2-5-4-16,7-6 3 0,5-8-2 15,3-12-1-15,5-10-7 16,5-10-28-16,2-6-37 16,0-4-82-16</inkml:trace>
+  <inkml:trace contextRef="#ctx0" brushRef="#br0" timeOffset="22297.76">32082 12959 623 0,'0'0'35'0,"0"0"-35"0,0 0 0 15,0 0 7 1,0 0 9-16,89 117-13 0,-60-73-2 15,-1-2 1-15,-1-6-2 16,-2-4 0-16,-5-1-23 16,-3-9-55-16,-5-7-110 15</inkml:trace>
+  <inkml:trace contextRef="#ctx0" brushRef="#br0" timeOffset="24090.96">28180 11315 481 0,'0'0'17'0,"0"0"-17"16,0 0-9-16,0 0 3 15,0 0 6-15,0 0 4 16,-4-1-3-16,4 1 6 16,0 0 3-16,0 0 17 15,0 0 13-15,0 0-15 16,0 0-4-16,0 0-5 15,0 0-15-15,0 0-1 16,0 0 1-16,8 0 1 16,1 0-2-16,-2 0 2 15,2 0-2-15,-2 0 1 16,-1 0-1-16,4 0-34 0,-2 0-72 16,3 0-235-16</inkml:trace>
+  <inkml:trace contextRef="#ctx0" brushRef="#br0" timeOffset="24819.27">28220 11271 455 0,'0'0'81'16,"0"0"-46"-16,0 0-17 16,0 0 32-16,0 0-5 15,0 0-9-15,-15 0-29 16,15 0 2-16,6 0-9 16,10 0 0-16,6 0 3 15,7-2 2-15,0 1-3 16,2-3-1-16,-2-3 1 15,0 6 4-15,-6-2-6 16,-6 3-1-16,-5 0 1 0,-10 0 5 16,-2 0-4-1,0 0 8-15,0 0-9 0,-4 0 12 16,-15 0-12-16,-1 4 0 16,-4 3 0-16,-3-3 0 15,3-3 0-15,-3 1 0 16,2-2-4-16,4 0 3 15,0 0 1-15,5 2-9 16,7 0 1-16,3-2 0 16,4 4-11-16,2-2-35 15,0 2-26-15,0 3 0 16,11-6-64-16</inkml:trace>
+  <inkml:trace contextRef="#ctx0" brushRef="#br0" timeOffset="25337.71">28566 11253 327 0,'0'0'120'16,"0"0"-120"-16,0 0-25 16,0 0 25-16,0 0 5 0,0 0 20 15,17-14-7-15,-15 10-5 16,-2 0 23-16,5-6 4 16,2-2-8-16,4-4-13 15,0-5-15-15,3 6 14 16,-4-1-5-16,-3 3-1 15,-3 10 5-15,-2-1 2 16,-2 4-2-16,0 0-1 16,0 0-15-16,0 0 10 15,0 0-11-15,0 0-2 16,0 0 2-16,0 0 4 16,0 14-1-16,0 15 8 15,0 6-1-15,0 5 10 0,0 0-10 16,0-1-10-16,0-7 8 15,0-4-2-15,0-6-3 16,8-4-3-16,1-2 3 16,-1-4 1-16,2-2-4 15,-4 0-3-15,3-2 1 16,-5 0-33-16,0 4-35 16,-4-3-123-16</inkml:trace>
+  <inkml:trace contextRef="#ctx0" brushRef="#br0" timeOffset="26549.85">27494 13690 493 0,'0'0'110'15,"0"0"-91"-15,0 0-8 16,0 0 13-16,0 0 18 16,0 0-14-16,-6-49-9 15,6 45 1-15,0 3 11 16,0 1 2-16,0 0-12 15,0 0 9-15,0 0-13 16,0 0-15-16,0 17 0 0,0 14 4 16,-10 11-3-16,4 2 1 15,-1 2-2-15,5 2 7 16,2-8-8-16,0 0-1 16,0-4 0-16,0-8 4 15,6-6-4-15,-1-8 0 16,-1-3 2-16,0-5-2 15,-1-5 0-15,2-1-5 16,-1 0 5-16,0 0 2 16,7-15-2-16,5-21 1 15,4-11 4-15,7-3-5 16,-3 0 0-16,1 6-7 0,-2 4 4 16,-2 6 2-1,2 8 0-15,-5 3 1 0,-5 8-3 16,-5 5 3-16,-3 6 0 15,-2 4-7-15,-3 0 4 16,0 0 2-16,2 14-3 16,7 9 4-16,-1 11 0 15,1-1 2-15,1 7-2 16,-4 0-1-16,-2 4 1 16,1-1 1-16,-5-4 2 15,0-2-3-15,0-4 0 16,0-7 1-16,-2-9-1 15,-1-7-25-15,3-6-29 16,0-4-26-16,0 0-21 16,3-10-41-16,10-19-81 15</inkml:trace>
+  <inkml:trace contextRef="#ctx0" brushRef="#br0" timeOffset="26972.22">27877 13846 433 0,'0'0'191'15,"0"0"-180"-15,0 0-3 16,0 0 3-16,0 0 29 16,0 0-26-16,31 0-3 15,-4 0-10-15,0 0 11 16,2-5-3-16,-4 4-4 0,-6 0 2 15,-5-2 3-15,-10 3-6 16,-2 0-1-16,-2 0-1 16,0 0 5-16,0 0 6 15,0 0-3-15,0 0 3 16,-2 0-1-16,-9 0-7 16,-5 0-5-16,-2 0 3 15,-1 0-3-15,-4 4 0 16,5 0-3-16,9-2 3 15,5-2 2-15,4 0-2 16,0 1 0-16,0-1-3 0,0 0 1 16,4 0-1-16,10 0-3 15,6 0 6-15,4 0 0 16,3-3-9-16,4-8-27 16,5 2-40-16,-1-3-79 15</inkml:trace>
+  <inkml:trace contextRef="#ctx0" brushRef="#br0" timeOffset="27316.15">28345 13772 617 0,'0'0'51'0,"0"0"-47"0,0 0 15 16,0 0 8-16,0 0-17 15,0 0-10-15,22-90 2 16,-15 81-1-16,-3 5-1 16,-4 4-2-16,0 0 2 15,0 0 4-15,0 0 0 16,0 7 9-16,0 13-10 16,3 10 10-16,-1 4 2 15,3 2-6-15,-1 1 6 16,-2-2 5-16,2-3-7 15,1-8-8-15,-1-2-2 16,1-4 0-16,2 1-3 16,1-5-6-16,-1-3-39 15,7 5-48-15,-8-10-137 0</inkml:trace>
+  <inkml:trace contextRef="#ctx0" brushRef="#br0" timeOffset="29083.08">32429 13060 498 0,'0'0'81'0,"0"0"-66"16,0 0 15-16,0 0 6 15,0 0 7-15,0 0-4 16,-18-36-15-16,18 36-8 16,0 0 7-16,0 0-6 15,0 0-7-15,0 0-9 16,0 0 4-16,0 0-4 16,0 0-1-16,0 0-5 0,5 0 5 15,17 0 4-15,2 0-2 16,8 0-1-16,-1 0 3 15,2 0 1-15,0 0-5 16,-1 0-1-16,-8 0 1 16,-5 0 0-16,-15 0-7 15,-4 0-29-15,0 0-35 16,0 0-35-16,-16 12-82 16</inkml:trace>
+  <inkml:trace contextRef="#ctx0" brushRef="#br0" timeOffset="29585.11">32438 13284 510 0,'0'0'104'15,"0"0"-103"-15,0 0 4 16,0 0 0-16,0 0 24 15,0 111-3-15,0-77-13 0,0-2-2 16,0-2 1 0,0-2-1-16,0-6-8 0,0-4 2 15,0-6-5-15,0-1-4 16,0-4-29-16,4-5-75 16,3-2-147-16</inkml:trace>
+  <inkml:trace contextRef="#ctx0" brushRef="#br0" timeOffset="29782.35">32382 13307 677 0,'0'0'0'0,"0"0"-73"16,0 0 33-16,0 0 39 15,0 0 0-15,0 0-64 16,60-9-112-16</inkml:trace>
+  <inkml:trace contextRef="#ctx0" brushRef="#br0" timeOffset="30346.28">33345 12743 675 0,'0'0'48'15,"0"0"-39"-15,0 0-7 16,0 0 3-16,0 0 8 15,-123 129 6-15,70-64-5 0,-3 0 8 16,7-11-4 0,9-4-7-16,8-8-4 15,8-10-6-15,4-5 0 0,4-7-2 16,5-7-13-16,1 4-32 16,-2-5-61-16,10-9-148 15</inkml:trace>
+  <inkml:trace contextRef="#ctx0" brushRef="#br0" timeOffset="30562.13">32997 13058 636 0,'0'0'70'0,"0"0"-70"0,0 0-7 15,0 0 7-15,0 0 0 16,0 0 2-16,74 86 1 15,-39-68 2-15,1-6-5 16,-5-2-5-16,-2-8 3 16,-4 2-7-16,-8-4-29 15,-3 0-55-15,-5 0-116 16</inkml:trace>
+  <inkml:trace contextRef="#ctx0" brushRef="#br0" timeOffset="30801.86">33004 12745 467 0,'0'0'53'15,"0"0"-50"-15,0 0-2 16,0 0 0-16,0 0 11 15,131 30-7-15,-89-30-2 16,8 0-3-16,-4 0 3 16,-1-9-3-16,-7-4-8 15,-5-3-57-15</inkml:trace>
+  <inkml:trace contextRef="#ctx0" brushRef="#br0" timeOffset="31098.24">33632 12320 545 0,'0'0'31'0,"0"0"-29"16,0 0 11-16,141 61 10 15,-115 11 36-15,-4 14-22 16,-6 6 7-16,-7 2 6 16,0-4 12-16,0-2-27 0,-9-2-10 15,0-7-25-15,-18-3 0 16,-20 1-4-16,-20-1-31 16,-20-1-73-16,-11-10-160 15</inkml:trace>
+  <inkml:trace contextRef="#ctx0" brushRef="#br0" timeOffset="32424.1">26883 15502 528 0,'0'0'104'0,"0"0"-104"15,0 0-5-15,0 0 5 16,0 0 0-16,0 0 0 0,0 0 13 16,105 19 5-1,-72-17-1-15,4 2-6 0,-4-1-11 16,-4 1 7-16,0 0-7 15,-1 2-3-15,-3-2-3 16,-1 0-17-16,-5-4-44 16,-6 0-48-16,-11 5-328 15</inkml:trace>
+  <inkml:trace contextRef="#ctx0" brushRef="#br0" timeOffset="32615.89">26894 15848 585 0,'0'0'115'15,"0"0"-115"-15,0 0-28 16,0 0 28-16,0 0 1 16,0 0-1-16,129 21 0 15,-79-21-17-15,6-8-65 16,2-5-122-16</inkml:trace>
+  <inkml:trace contextRef="#ctx0" brushRef="#br0" timeOffset="33202.33">28409 15252 350 0,'0'0'259'0,"0"0"-221"16,0 0-37-16,0 0 39 15,0 0-7-15,-31-129-11 16,31 93-11-16,0-2-4 15,0-2-5-15,0-3 3 16,10 4-3-16,-2-7 13 16,1 8-15-16,0 6 2 15,-2 10 1-15,-1 7 0 16,-3 12-2-16,-3 3-2 0,0 0 3 16,0 0 5-1,0 23-3-15,0 17-2 0,2 17 4 16,2 3 5-16,3 4-10 15,2 0-1-15,-2-2 0 16,-1 1 3-16,-2-5-3 16,-4-4-17-16,0-8-17 15,0-4-10-15,0-5-32 16,0-1-52-16,-13-13-295 16</inkml:trace>
+  <inkml:trace contextRef="#ctx0" brushRef="#br0" timeOffset="33495.29">27899 15745 515 0,'0'0'129'15,"0"0"-127"-15,0 0 8 16,130-18 39-16,-54-5-21 16,8 0-14-16,15-3 0 15,7 0-6-15,4 2-8 16,-6 3 2-16,-8 8 2 16,-16 3-4-16,-17 6-4 0,-19 4-8 15,-17 0-29 1,-14 0-113-16,-13 9-57 0</inkml:trace>
+  <inkml:trace contextRef="#ctx0" brushRef="#br0" timeOffset="33965.72">28039 16043 380 0,'0'0'293'0,"0"0"-275"0,0 0-14 16,0 0-4-16,0 0 0 16,-21 136 2-16,21-84 10 15,0 1-5-15,0-3 9 16,0-1-10-16,2-14 10 15,7-6-16-15,-1-14-1 16,4-4 1-16,1-11 2 16,5 0-1-16,9-11-2 15,6-20 2-15,7-12 2 16,2 2-3-16,-5 5-4 16,-8 5 4-16,-8 13 1 0,-5 4 0 15,-5 10-2-15,-2 4 1 16,-4 0-2-16,-1 0 2 15,3 0-4-15,-1 14 4 16,5 4 7-16,-1 8-7 16,0-4 0-16,1 1 2 15,1-2-9-15,-1-6 0 16,0-1-41-16,-2-6-61 16,-2-4-43-16</inkml:trace>
+  <inkml:trace contextRef="#ctx0" brushRef="#br0" timeOffset="34146.69">28599 16293 425 0,'0'0'88'0,"0"0"-78"16,0 0-8-16,0 0 64 15,0 0-29-15,115-45-16 16,-88 37-20-16,-2-1 0 15,-2 8-2-15,3-3-58 16,-10 1-291-16</inkml:trace>
+  <inkml:trace contextRef="#ctx0" brushRef="#br0" timeOffset="34469.01">28978 16173 583 0,'0'0'65'0,"0"0"-63"16,0 0 53-16,0 0-10 16,0 0-8-16,0 0-31 15,-33-117-5-15,33 104-1 16,2 0 1-16,8 5-1 16,0 4 0-16,-3 4 0 15,-1 0 1-15,-2 0-1 16,5 8 1-16,3 14 10 15,3 6 2-15,3 6-11 16,-3 2 3-16,-1-1-5 0,-3-2 11 16,1-3-11-1,1-1-2-15,-3-4 1 0,4-6-15 16,-3-12-40-16,7-2-35 16,4-5-125-16</inkml:trace>
+  <inkml:trace contextRef="#ctx0" brushRef="#br0" timeOffset="35581.37">29348 14972 597 0,'0'0'77'16,"0"0"-76"-16,0 0 2 16,0 0 30-16,0 0-2 15,147-63-16-15,-60 53-2 16,17 4 18-16,10 0-1 15,-5-4-20-15,-13 4 0 16,-16 0-5-16,-22 6-5 16,-22-4 0-16,-21 4-6 0,-13 0-3 15,-2 0-35-15,-13 0-24 16,-25 7-75-16,-17 12-176 16</inkml:trace>
+  <inkml:trace contextRef="#ctx0" brushRef="#br0" timeOffset="35983.9">29546 14937 503 0,'0'0'89'16,"0"0"-78"-16,0 0-11 0,0 0 0 15,0 0 15-15,0 0 2 16,76 100-15-16,-30-82 8 15,10-2 0-15,2 0-6 16,-4 2-2-16,-8 0 1 16,-10 6 2-16,-7 2-2 15,-11 6-2-15,-12 6 7 16,-6 5 0-16,0 5-4 16,-37 14-4-16,-15 0 3 15,-15 10 2-15,-12 4-5 16,-2 3 0-16,1-3 0 15,11-8 7-15,19-10-4 16,22-18 2-16,19-13-2 0,9-9-3 16,14-13 0-1,23-2-8-15,7-3 8 0,4 0 4 16,0 0-4-16,1 0-1 16,5-3-4-16,4-6-17 15,7-4-50-15,1-6-165 16</inkml:trace>
+  <inkml:trace contextRef="#ctx0" brushRef="#br0" timeOffset="36306.81">30642 14834 736 0,'0'0'33'0,"0"0"-33"16,0 0 0-16,0 0 0 16,-78 155 2-16,38-61-2 15,-4 9-3-15,5-5 3 16,15-8 7-16,13-10-4 15,9-13 3-15,2-17-5 16,0-10 6-16,20-14-7 16,13-8-30-16,7-8-28 0,7-10-65 15,2 0-135 1</inkml:trace>
+  <inkml:trace contextRef="#ctx0" brushRef="#br0" timeOffset="36599.69">31139 14966 487 0,'0'0'60'0,"0"0"-48"0,-114 143 42 15,70-83 13 1,-3 5-31-16,2 3-20 0,1 0-12 15,4-2 6-15,6-12-10 16,7-6-3-16,10-20 3 16,5-11 0-16,8-12-6 15,4-5-11-15,0-1-22 16,0-29-26-16,0-15-79 16,10-9 29-16,13-4 70 15,4 1-94-15</inkml:trace>
+  <inkml:trace contextRef="#ctx0" brushRef="#br0" timeOffset="36765.81">30842 15249 340 0,'0'0'106'0,"0"0"-15"16,0 0-27-16,0 0-27 0,0 0-24 16,0 0 5-1,27 55 9-15,-9-22-18 0,-3 9 4 16,6-7-13-16,-1-3 1 16,5 2-1-16,3-2 0 15,6-6-8-15,0-3-56 16,-3-10-4-16,2-7-62 15</inkml:trace>
+  <inkml:trace contextRef="#ctx0" brushRef="#br0" timeOffset="36983.04">31344 15544 610 0,'0'0'119'0,"0"0"-118"16,0 0 2-16,0 0 2 16,0 0 6-16,0 0-10 15,44 133 6-15,-35-106-7 16,7 4-4-16,4-10-4 16,2-6-20-16,5-3-89 15,0-12-64-15</inkml:trace>
+  <inkml:trace contextRef="#ctx0" brushRef="#br0" timeOffset="37156.72">31417 15368 486 0,'0'0'245'15,"0"0"-217"-15,0 0-18 16,0 0-10-16,0 0-5 15,0 0 2-15,-24-8-49 16,24 18-102-16,0-1-92 16</inkml:trace>
+  <inkml:trace contextRef="#ctx0" brushRef="#br0" timeOffset="37416.91">31837 15280 683 0,'0'0'25'0,"0"0"-20"15,0 0-5-15,118-12 0 16,-87 12 2-16,-7 0-2 15,3 0 3-15,0 0-2 16,-5 0-2-16,-9 0-16 0,-3 0-37 16,-4 0-98-16</inkml:trace>
+  <inkml:trace contextRef="#ctx0" brushRef="#br0" timeOffset="37756.05">32676 14897 681 0,'0'0'87'0,"0"0"-87"16,0 0 4-16,-89 150-4 16,38-78 3-16,-4 5 3 15,3-1 14-15,10-2-13 16,13-2-5-16,4-10 1 16,9-8 0-16,8-9-3 15,3-18-5-15,5-9 1 16,0-9-24-16,5-9-60 15,17-9-92-15</inkml:trace>
+  <inkml:trace contextRef="#ctx0" brushRef="#br0" timeOffset="37944.06">32369 15268 481 0,'0'0'188'0,"0"0"-188"16,0 0-15-16,0 0 15 15,0 0 9-15,0 0 8 16,96 73-17-16,-70-58 1 16,-1-7-2-16,-2-2 0 15,-6-2-49-15,-6 1-59 16,-4-5-114-16</inkml:trace>
+  <inkml:trace contextRef="#ctx0" brushRef="#br0" timeOffset="38167.12">32166 14927 592 0,'0'0'22'16,"0"0"-22"-16,0 0 0 15,159-28 4-15,-113 24-1 16,-1 0-3-16,-1 0-2 0,-2-4-53 16,-3-3-101-1</inkml:trace>
+  <inkml:trace contextRef="#ctx0" brushRef="#br0" timeOffset="38416.78">32992 14627 416 0,'0'0'5'0,"0"0"13"16,108 103 65-16,-54-39-3 0,-12 10 6 16,-11 7-27-1,-20 9-14-15,-11 4-3 0,-29 13-21 16,-22 1-3-16,-9 2-18 15,-3-2-2-15,5-12-11 16,5-9-61-16,11-21-67 16,10-33-243-16</inkml:trace>
+  <inkml:trace contextRef="#ctx0" brushRef="#br0" timeOffset="38916.79">33086 14508 559 0,'0'0'38'16,"0"0"-15"-16,0 0 18 15,0 0-2-15,0 0-26 16,107-103-3-16,-71 95 3 16,-3 7-1-16,-6 1-1 0,-10 0-1 15,-3 0 8-15,-3 9 0 16,-7 16-9-16,-4 4 7 15,0 11 4-15,-2 2-17 16,-25 8 3-16,-4-5-4 16,0-1 15-16,5-6-3 15,8-4-9-15,9-12 4 16,9-2 0-16,0-3-8 16,0-4-1-16,13-3 1 15,8-3 6-15,8-5-7 16,10-2 1-16,17 0-1 15,11-19 0-15,6-7 0 16,-3-1-16-16,-10 4-23 16,-18 5-44-16,-24 6-151 0</inkml:trace>
+  <inkml:trace contextRef="#ctx0" brushRef="#br0" timeOffset="41615.71">25874 17704 110 0,'0'0'556'16,"0"0"-531"-16,-138-12-25 15,95 12 5-15,-7 0-2 16,-4 12 9-16,0 10-10 15,8 6 11-15,5 2-2 16,6 3-2-16,4 11 1 16,-1 6-9-16,3 12 5 15,5 0-6-15,6 7 0 16,12-4 0-16,6-3 0 16,0-7 3-16,11-15-6 0,20-6 4 15,11-11-2 1,9-8 1-16,7-11-2 0,7-4 2 15,4-15 0-15,1-16 2 16,-6-13-4-16,-4-1 4 16,-7-13-1-16,-6-3-1 15,-9-2-13-15,-13 1 5 16,-12 12 1-16,-11 6-2 16,-2 12 9-16,-2 2 0 15,-23 5 0-15,-1 0 0 16,-5 2-6-16,-2 2-2 15,0 2-5-15,5 1-10 0,6 8 17 16,4 2 5-16,7 4-1 16,2 4 2-16,7 0-2 15,2 0 2-15,0 0 0 16,0 0 2-16,0 0-4 16,0-4 0-16,19 2-1 15,10-6 3-15,13 0 4 16,10-3 8-16,10 9 0 15,7 2-4-15,3 0 5 16,3 0-5-16,2 0 2 16,-2-5-4-16,-2 1-6 15,-7-6 4-15,-9 0-2 16,-8-3 0-16,-9 5-4 0,-7-5 1 16,-6 7-25-1,-4-2-60-15,-5-1-122 0</inkml:trace>
+  <inkml:trace contextRef="#ctx0" brushRef="#br0" timeOffset="42199.08">26865 17231 528 0,'0'0'192'15,"0"0"-181"-15,0 0-11 16,0 0 1-16,0 0 1 16,0 0 13-16,-6-84-8 15,39 70-7-15,5 5 14 16,3 5 0-16,-4 4 0 16,-3 0-6-16,-8 0-7 15,-5 9 8-15,-4 9 3 0,-3 3-5 16,-5 8 5-16,-7 9-4 15,-2 4 8-15,0 6-10 16,-18 6-5-16,-8 4 3 16,-7 0-3-16,2-10 1 15,10-4-3-15,7-15 2 16,5-8 2-16,9-6-3 16,0-3-2-16,0-2 2 15,2-3 0-15,14 4 1 0,-1-3-1 16,4 2 1-1,2-6 4-15,4 5-5 16,0-9 2-16,-1 0-2 0,-1 0 0 16,-4 0 0-1,0 0-28-15,-2 0-59 0,-1 0-87 16,-10 0-363-16</inkml:trace>
+  <inkml:trace contextRef="#ctx0" brushRef="#br0" timeOffset="52964.75">24806 15356 535 0,'0'0'23'0,"0"0"-23"16,-148-15 4-16,105 15-2 16,3 0-2-16,9 0 3 15,8 0 15-15,13 2-11 16,5 1-4-16,5-3 13 16,0 0-11-16,-2 0 2 15,2 0-7-15,-2 6 2 16,-5 2 0-16,0 11 5 15,-6 2-5-15,1 3 2 0,2 0-4 16,3 1 7-16,5-4-7 16,2 1 2-16,0-4-1 15,4 0 2-15,23 4-2 16,9-3 1-16,6-1-1 16,5-2 8-16,7 4-9 15,-4 1 1-15,2 2-1 16,-6 2 2-16,-5 4-1 15,-4 3-1-15,-3-3 1 16,-5 4 3-16,-4 1-4 16,-6-2 0-16,-5-1 2 15,-6 1 2-15,-8-7-4 16,0 0 4-16,0-6-2 16,-20 0 10-16,-11-1 1 0,-7 0-12 15,-8-4-1-15,-3-8 2 16,2 2-2-16,2-8 0 15,10 0 0-15,6 0-2 16,6 0 1-16,8 0-11 16,9 0-5-16,2 0-3 15,4 0-8-15,0 0-74 16,19 0-12-16,10-4-138 16</inkml:trace>
+  <inkml:trace contextRef="#ctx0" brushRef="#br0" timeOffset="53466.7">25317 16092 336 0,'0'0'123'16,"0"0"-117"-16,0 0-4 0,0 0 9 15,0 0 26 1,0 0-14-16,-18 0-3 0,9 0 5 15,-4 0-14-15,-5 0 6 16,-1 1-7-16,-2 4 4 16,1 3-6-16,0-4 14 15,2 2 0-15,0 7-4 16,-2 0-8-16,0 9-7 16,3 0 5-16,5 0 6 15,6 0-6-15,6-2 3 0,0 1-3 16,0-4 2-1,4 1-8-15,12-3 1 0,1-7-3 16,8 1 7-16,4-4-6 16,2-5-2-16,7 0 1 15,2 0-5-15,0-10-35 16,7-12-61-16,-9-5-132 16</inkml:trace>
+  <inkml:trace contextRef="#ctx0" brushRef="#br0" timeOffset="56297.3">25107 14730 462 0,'0'0'27'0,"0"0"-27"0,0 0-18 16,0 0 18 0,0 0 34-16,0 0-24 0,7 0 0 15,2 0-2-15,2 0-1 16,0 0 14-16,3 0-7 16,1 10 1-16,3 4-5 15,5 3-10-15,2 2 13 16,-2 6 3-16,4 1-9 15,-2 4 9-15,0 8-1 16,-1-2-1-16,0 10-6 16,3 2 1-16,-5 10 5 15,1 4 3-15,1-3-17 16,-2 3 4-16,5-8-3 16,0-1 3-16,0 0-4 15,2-3 3-15,0 0 1 0,-4 3 2 16,-4-3-6-16,-3 2 2 15,-7 2-1-15,-4 1 4 16,-7-3-5-16,0 5 2 16,0-7 6-16,0 0-2 15,-11 3-5-15,0-5 5 16,-3-2-1-16,-3-2 4 16,1-4-8-16,-5-4 3 15,0 1-1-15,0-3 1 16,-3 2-3-16,0 0 0 0,1 0 0 15,-1 0 4 1,3-6-5-16,4-6 5 0,1 6-3 16,3-4 0-1,-3 6-2-15,1 8 0 0,-1-4 0 16,-1 0 4-16,-2-1-4 16,4-3 1-16,-1-5 0 15,3 4 0-15,-5-9 1 16,3 0-2-16,1-4 0 15,1-4 4-15,1 0-4 16,-1 2 0-16,-5 2 0 16,-1 4 0-16,0-2 0 15,4 2 0-15,4-10 0 16,2 2 3-16,5-5-3 16,-1 0 0-16,3-4 0 0,2-1 0 15,0 1 0-15,0-5-1 16,0 0 2-16,0 0 0 15,0 0-1-15,0 0-4 16,0 0 2-16,0 0-14 16,0 0-60-16,0 0-76 15</inkml:trace>
+  <inkml:trace contextRef="#ctx0" brushRef="#br0" timeOffset="70617.25">18459 710 225 0,'0'0'306'16,"0"0"-245"-16,0 0-32 16,0 0 0-16,0 0 5 15,0 0-16-15,0 0-5 16,0 0-11-16,-92 86 3 15,66-28 9-15,-10 12 20 16,-4 13-12-16,-4 5-13 16,1-2 10-16,1-8-2 15,4-4-16-15,2-6-1 16,5-6 1-16,5-4-5 0,1-5 0 16,7-8-32-1,5-6-16-15,7-7-21 0,6-6-61 16,0-12-101-16</inkml:trace>
+  <inkml:trace contextRef="#ctx0" brushRef="#br0" timeOffset="70920.08">17871 1163 129 0,'0'0'484'15,"0"0"-463"-15,0 0-13 16,0 0-8-16,0 0 3 16,0 0 28-16,120 119 19 15,-60-57-33-15,-2-1-4 16,0 0-6-16,0-11 7 15,-4-10-14-15,-3-8-2 16,-2-7-11-16,-5-12-21 16,-3-3-58-16,-19-10-271 15</inkml:trace>
+  <inkml:trace contextRef="#ctx0" brushRef="#br0" timeOffset="73332.35">19578 1526 476 0,'0'0'15'0,"0"0"-6"0,0 0 42 16,0 0-14-1,0 0-15-15,0 0 1 0,-45-40-7 16,43 30-4-16,-3 0 7 16,3 0-6-16,0-1 9 15,0-1-3-15,2 0-19 16,0-4 7-16,0-3-2 15,17-6-5-15,10 0 0 16,2-2 0-16,4 1 2 16,1 6-2-16,-5 6-6 0,-5 6 6 15,1 6 0 1,-2 2-3-16,2 0-1 0,2 12 2 16,5 8-1-16,-1 8 2 15,-2 2-6-15,2 4 7 16,-4 4 0-16,2-1-2 15,-2-1 2-15,-3 0 0 16,3-2 2-16,0-2-2 16,1-6-12-16,6-8-4 15,6-8-3-15,9-10-32 16,7 0-20-16,6-20-77 16</inkml:trace>
+  <inkml:trace contextRef="#ctx0" brushRef="#br0" timeOffset="73749.21">20959 794 453 0,'0'0'76'0,"0"0"-76"16,0 0-7-16,69 104 7 16,-49-24 18-16,-11 20 29 15,-9 18 0-15,0 9-31 16,-20 9 6-16,-20 3-1 15,-14-4 1-15,-4-8-18 16,5-10 0-16,8-23-4 16,16-21 3-16,16-29-3 15,8-23-2-15,5-17-12 16,0-4 0-16,3-6-9 16,17-28-2-16,4-16 19 15,1-12-11-15,0-5-43 16,-4-8-27-16,-2 7-88 0</inkml:trace>
+  <inkml:trace contextRef="#ctx0" brushRef="#br0" timeOffset="74219.1">20835 1052 252 0,'0'0'57'16,"-27"-135"-2"-16,21 87 11 15,6 11-31-15,0 15 0 16,0 12 2-16,0 8 5 15,0 2-12-15,0 0-28 16,0 10 3-16,0 22 6 16,10 18-2-16,15 17 4 15,6 6-9-15,9 5 8 16,6 1-5-16,6-5-6 0,4-8 1 16,-1-2 4-16,-2-7-5 15,-3-7-2 1,-8-4 2-16,-4-8-1 0,-7-1 0 15,-7-10-8-15,-6-4 8 16,-7-8-1-16,-7-7-3 16,-4-4 1-16,0-4 3 15,0 0 12-15,0-8 1 16,-12-22-11-16,-7-9 1 16,0-16 10-16,3-10-6 15,5-7 4-15,5-9-9 16,6 4 6-16,0-3-8 15,0 4 0-15,17 5 0 0,1 5 3 16,5 9-3-16,-2 5-1 16,4 1-5-16,2 9 5 15,-3 6-10-15,1 10-15 16,-3 12-6-16,-2 10-10 16,-2 4-59-16,4 0-16 15</inkml:trace>
+  <inkml:trace contextRef="#ctx0" brushRef="#br0" timeOffset="74581.94">21822 651 545 0,'0'0'45'0,"0"0"-11"16,0 0 5-16,0 0-1 16,0 0-15-16,0 0-23 15,-79 111 6-15,64-31 1 16,1 14-1-16,3 16 17 15,4 5-4-15,7-3-18 16,0-8-2-16,0-11 5 0,3-13-3 16,14-11-1-16,6-14-17 15,8-10 1-15,7-13-24 16,7-10-35-16,3-17-87 16</inkml:trace>
+  <inkml:trace contextRef="#ctx0" brushRef="#br0" timeOffset="76400.12">22429 812 214 0,'0'0'241'16,"0"0"-214"-16,0 0-17 16,0 0 10-16,0 0 39 15,0 0-10-15,0 0-34 16,-21-16-7-16,21 53 1 16,0 22 18-16,0 13 5 0,-8 10-15 15,-3 3 1-15,-7 3-1 16,-3 0-13-16,-6 0 1 15,-2-3 0-15,2-3-4 16,0-10-2-16,8-14 2 16,5-14 0-16,7-17-1 15,5-16-12-15,2-9 4 16,0-2-3-16,0 0-15 16,4 0 4-16,11-13 12 15,6-16 9-15,3-11 1 16,-1-10-18-16,1-4-4 15,-2-4 17-15,-6-4-11 16,-3-5 12-16,-6-3 0 0,-5-8 4 16,-2-2 0-16,0 1-4 15,-2 7 4-15,-7 12 2 16,5 16 1-16,2 16-1 16,0 13 0-16,2 9 9 15,-3 6-6-15,3 0-3 16,0 0-2-16,0 15 1 15,0 13 2-15,0 15-2 16,3 8 2-16,7 14 7 16,9 6-10-16,0-2 2 15,6 0-2-15,4-12 0 16,2-7-5-16,2-16 4 0,3-13 1 16,-3-13 1-16,-4-8-1 15,-2 0-3 1,0-25 3-16,-2-13 3 0,-1-13-3 15,-2-10 0-15,-2-3 0 16,-5 2 0-16,-5 10 0 16,-4 11-4-16,-6 16 4 15,0 15 7-15,0 7-5 16,3 3 6-16,1 0-6 16,8 25-1-16,3 7 10 15,5 4-9-15,2 6 5 16,2 2-5-16,3 2-2 15,2 0-1-15,2 1-19 0,5-9-35 16,2-13-128-16</inkml:trace>
+  <inkml:trace contextRef="#ctx0" brushRef="#br0" timeOffset="76606.75">23461 1317 559 0,'0'0'24'16,"0"0"-22"-16,0 0 1 15,-22 106-3-15,20-73 9 16,2 0-9-16,0-1-1 0,0-1-26 16,0-6-36-16,4 0 2 15,10-11-251-15</inkml:trace>
+  <inkml:trace contextRef="#ctx0" brushRef="#br0" timeOffset="77299.3">23891 890 595 0,'0'0'38'15,"0"0"-8"-15,0 0-16 16,0 0 26-16,0 0 22 16,0 0-27-16,-89-44-14 15,80 52-21-15,-4 26 4 16,0 12-4-16,3 12-8 0,10 5 8 16,0-1 0-16,7-4-4 15,19-4 3 1,5-10-10-16,8-8 9 0,-3-9-4 15,-1-12-11-15,-2-7 6 16,-6-8 7-16,-2 0-10 16,-2-10 10-16,-2-22 4 15,-5-10-4-15,-7-2 2 16,-9 0-21-16,0-4 23 16,-23 1-5-16,-8 1 4 15,-4 7-3-15,-1 3 4 16,5 13 5-16,4 5-2 15,7 5-1-15,11 3-2 0,5 3 6 16,4 3-6 0,0 2 0-16,4 2-8 0,23 0 8 15,11 0 0-15,5 0 2 16,5-4 1-16,-3 2 8 16,-1-4-9-16,-4 0 0 15,3-3-1-15,-1-6 4 16,10-4-5-16,1-4-6 15,10-5 2-15,-1-5-2 16,2-3-46-16,-3 5-82 16,-17-2-214-16</inkml:trace>
+  <inkml:trace contextRef="#ctx0" brushRef="#br0" timeOffset="78782.22">24780 451 436 0,'0'0'45'0,"0"0"-12"0,0 0 15 16,0 0 4-16,0 0-23 15,0 0-1 1,-13-34-11-16,13 31-3 0,0 3 1 15,0 0-10-15,0 0 3 16,0-3-6-16,0-2 0 16,6 0-2-16,12-2 1 15,-3 0 4-15,1 3-5 16,1 2 1-16,0 2-1 16,-1 0 0-16,-1 0-2 15,-6 14 2-15,-2 5 0 16,-3 11 0-16,-4 5 6 15,0 7-5-15,-4 8 7 0,-14 2 1 16,3-4-9-16,-4-3 8 16,7-12-4-16,2-6 0 15,3-5-4-15,5-1 3 16,2-8-3-16,0 1 0 16,0-6-1-16,0-2 1 15,7-2-3-15,5-4 3 16,3 0-8-16,7 0-11 15,5-12 2-15,6-16-44 16,5-8-121-16</inkml:trace>
+  <inkml:trace contextRef="#ctx0" brushRef="#br0" timeOffset="79130.78">25117 223 457 0,'0'0'96'15,"0"0"-71"-15,0 0-21 16,0 0-3-16,0 0 19 15,0 0 13-15,117 85 7 16,-72-8-15-16,2 17 10 0,-7 16 4 16,-6 11-9-16,-7 5-16 15,-12 2 5-15,-13 0-4 16,-2-3-15-16,-4-6 1 16,-23-17-1-16,-2-16 0 15,-5-16-14-15,5-16-30 16,2-14-19-16,-4-18-64 15</inkml:trace>
+  <inkml:trace contextRef="#ctx0" brushRef="#br0" timeOffset="81067.67">27006 1055 599 0,'0'0'12'0,"0"0"4"15,0 0 0-15,0 0 11 16,0 0 7-16,0 0 4 15,0 14-37-15,0 34 5 16,0 18 0-16,0 16 17 16,-11 8 0-16,-5 8 5 15,-9 5-14-15,-4-1 6 16,-2-2-9-16,-2-1-9 16,2-1 0-16,-3-2-1 15,5-8 1-15,2-7-2 16,1-15-10-16,6-20 9 0,6-12 0 15,8-16-15 1,4-14 4-16,2-4-18 0,0 0 1 16,2-12 7-16,20-24 6 15,7-15 14-15,5-6-3 16,-5-8-26-16,-2-1 24 16,-8-2 1-16,1-2 6 15,-1-2 0-15,-4 0 0 16,-4-5 0-16,-2-2 0 15,-7-8 0-15,-2-6 0 16,0-2 0-16,0 1 1 16,5 8-1-16,3 19 1 15,4 18-1-15,-5 23 0 16,-5 15 2-16,0 7-2 0,-2 4 4 16,0 0-1-16,0 0-3 15,0 13-4-15,4 18 4 16,3 18 1-16,4 15 2 15,0 22-3-15,0 9 1 16,3 4 0-16,-1-7-1 16,5-15 0-16,1-20 0 15,6-19 0-15,-2-14-1 16,1-13 0-16,1-11 2 16,-1 0 0-16,5-18-1 15,0-17 5-15,-2-7-5 16,0-8 0-16,-3-6-11 15,-4-3 6-15,-2-1-6 0,-5 1-2 16,-6 0 2-16,-7 9 4 16,0 12 7-16,0 15 2 15,0 12-1-15,0 11 13 16,0 0-4-16,-2 19-5 16,-5 18-2-16,2 7 6 15,5 6 10-15,0 3-1 16,0-3-2-16,7 2 3 15,11-2-9-15,5-2-3 16,4-2-7-16,6-6-3 16,2-4 3-16,1-4-20 15,4-6-37-15,-2-2-24 0,-6-12-229 16</inkml:trace>
+  <inkml:trace contextRef="#ctx0" brushRef="#br0" timeOffset="82881.97">28633 1383 635 0,'0'0'9'0,"0"0"3"16,0 0 8-16,0 0-2 0,0 0 34 15,0 0-18 1,0 0-34-16,-23-10 0 0,23 53 4 16,0 7 5-1,7-2-8-15,-3-4 4 0,6-10-3 16,-2-6-2-16,3-8-3 15,-1-6 3-15,-4-8 1 16,1-3-1-16,-3-3 0 16,8 0 0-16,3-5 1 15,5-17-1-15,4-10 0 16,1-6 0-16,1-4 0 16,-3 1-1-16,-4 3 1 15,0 9-2-15,-5 7 1 16,-4 11 1-16,-3 8-9 15,-3 3 8-15,8 0-1 0,-1 18-2 16,4 11 4-16,3 6 0 16,0 1 1-16,2 2-1 15,2-3-4-15,-1-2 4 16,5-7 1-16,-4-6-1 16,1-6 0-16,-5-4-9 15,-3-7 8-15,1-3-5 16,3 0-3-16,4-7 9 15,-3-15-1-15,-2-2-2 16,-7-4 2-16,-4 2-4 16,-3 4 5-16,-2 4 0 15,0 7-5-15,1 2 5 0,1 5 2 16,-2 4-2 0,0 0 0-16,10 0-12 0,3 0 12 15,8 0 0-15,1 8-5 16,1 4 5-16,-1 1 1 15,-2 2 1-15,1-3-4 16,-4-4 4-16,0-5 0 16,-5-3-2-16,-2 0 1 15,4 0-1-15,2-8 11 16,2-19-8-16,2-7-3 16,-2-4 2-16,-4 0 0 15,-5 0-2-15,-5 7-4 16,-6 6 4-16,0 6 3 15,0 9-2-15,0 8 6 0,0 2-2 16,0 0 8-16,-8 10-13 16,-4 14-5-16,3 8 5 15,1 0 8-15,6 1-7 16,2 0-2-16,0 2 4 16,0-2-5-16,0 4 2 15,8-3-25-15,15-6-31 16,8-6-23-16,13-8-92 15</inkml:trace>
+  <inkml:trace contextRef="#ctx0" brushRef="#br0" timeOffset="83550">30150 1279 509 0,'0'0'28'16,"0"0"13"-16,0 0 14 15,0 0-31-15,-125 15-2 16,94 14-20-16,4 11 4 16,4 6-2-16,8 4-4 15,7-1 11-15,5-5 2 0,3-2-12 16,0-10 0-1,18-1 4-15,7-11-1 0,1-5-4 16,6-7-7-16,1-6 7 16,0-2 2-16,1 0-1 15,-5-8-2-15,-3-16 2 16,3-6 0-16,-2-4-1 16,-3-2-5-16,-4 2 5 15,-7 4 0-15,-3 4-2 16,-8 5 2-16,-2 1 0 15,0 2-4-15,0-4 4 16,0-1-7-16,0-7 7 16,0 1 3-16,-4-3-3 15,-8-2-4-15,1-4 4 16,-2-4-1-16,-5-6 1 0,0-6-5 16,1-1 5-16,3 11 5 15,7 10-4-15,5 17 12 16,2 8-6-16,0 7 16 15,0 2-20-15,0 0-3 16,0 18-2-16,0 17 2 16,7 12 0-16,9 15 4 15,-1 13-3-15,-6 9 10 16,0 4 0-16,-5 0-10 16,3-10 5-16,-1-13 5 15,8-13-8-15,1-14-3 16,3-6 2-16,1-8 0 15,0-8-2-15,4-2-11 16,-1-8-1-16,0-6-8 0,3 0-35 16,1 0-45-16,6-11-123 15</inkml:trace>
+  <inkml:trace contextRef="#ctx0" brushRef="#br0" timeOffset="83728.63">30595 1530 462 0,'0'0'123'15,"0"0"-99"-15,0 0-8 16,0 0 14-16,0 0 6 16,0 0-25-16,-11 91-10 15,11-66 12-15,0-2-13 16,11-4-5-16,3-5-1 0,3-6-4 16,10-8-37-16,0 0-48 15,4-14-285 1</inkml:trace>
+  <inkml:trace contextRef="#ctx0" brushRef="#br0" timeOffset="83899.17">30634 1137 495 0,'0'0'183'0,"0"0"-166"15,0 0-15-15,0 0 10 16,0 0-12-16,0 0-46 15,-3-9-58-15,37 36 2 0</inkml:trace>
+  <inkml:trace contextRef="#ctx0" brushRef="#br0" timeOffset="84330.64">30968 1426 468 0,'0'0'44'0,"0"0"-8"16,0 0 35-16,0 0-43 15,-137-14-18-15,111 35 0 16,4 16-4-16,4 3-6 0,7 6 0 16,3-2 2-16,8-6 6 15,0-6-8-15,0-10-3 16,17-7 3-16,7-8 1 15,5-7 0-15,0 0-2 16,5-14-5-16,-5-15 3 16,-3-4-14-16,0-5 6 15,-7 0 8-15,-9 3 2 16,-5 7 1-16,-5 9 1 16,0 9 18-16,0 7 15 15,0 3-13-15,0 0-14 16,0 0-3-16,7 13 1 15,4 5 0-15,7-2 7 16,6 0-8-16,3-2 14 0,6-2-18 16,6 2-7-16,1-2 1 15,6 2-20-15,1-2-76 16,-11-6-266-16</inkml:trace>
+  <inkml:trace contextRef="#ctx0" brushRef="#br0" timeOffset="86001.21">27115 2761 467 0,'0'0'3'0,"0"0"9"16,0 0-12-16,-138 27 0 15,103-4 28-15,-1 10 23 16,0 2-20-16,4 12-8 16,9 4-13-16,4 5 13 15,11 7-11-15,8-3-7 16,0-3 4-16,17-6 3 15,14-11-10-15,12-6-2 16,3-13 3-16,4-11 4 0,6-10-7 16,-6 0-4-16,0-23 4 15,-8-10 2-15,-9-7-2 16,-13-9-7-16,-11-4-28 16,-9 3 15-16,-2 2-16 15,-25 4 6-15,-4 3 4 16,-2 2 1-16,-1 9 9 15,7 6 15-15,8 11 1 16,5 7 9-16,10 3-3 16,4 3-1-16,0 0-5 15,0 0 0-15,20 0 0 16,13 0 8-16,9 3-4 0,10-2 15 16,4-1-13-16,8 0-4 15,3 0-2-15,2 0 0 16,-2 0-34-16,-5 0-119 15</inkml:trace>
+  <inkml:trace contextRef="#ctx0" brushRef="#br0" timeOffset="86349.15">27862 2557 467 0,'0'0'2'0,"0"0"2"16,0 0 28-16,0 0 21 15,0 0-30-15,0 0-21 16,73-43 18-16,-64 61-1 16,0 2-8-16,-4 5 1 15,-5 0 14-15,0 10-9 16,0 7 6-16,-7 4-13 15,-11 6 9-15,-5 3-6 16,6-8-12-16,5-7 4 16,8-10-3-16,4-8-2 15,4-8-4-15,23-3-11 16,9-9 6-16,11-2-15 16,9 0-24-16,8-6-57 0,-4-15-177 15</inkml:trace>
+  <inkml:trace contextRef="#ctx0" brushRef="#br0" timeOffset="86849.86">28597 2895 612 0,'0'0'39'16,"0"0"-3"-16,0 0-33 16,0 0 5-16,0 0-5 0,0 0 8 15,7 144-11 1,12-79 1-16,8 0-1 16,6-6 6-16,4-9-4 0,-2-14-2 15,-1-12 0 1,-8-11 12-16,-4-12-1 0,-2-1-4 15,-3-10 12-15,-2-22 5 16,1-15-12-16,-3-7-10 16,0-5 2-16,-2-1 0 15,-2 2-4-15,4 8-12 16,3 6 0-16,4 11-8 16,4 13-61-16,3 12-23 15,6 8-69-15</inkml:trace>
+  <inkml:trace contextRef="#ctx0" brushRef="#br0" timeOffset="87265.15">29298 2952 482 0,'0'0'36'0,"0"0"2"15,0 0 0-15,-127 15-15 16,98 0-15-16,5 5 2 15,2 5-5-15,4 10-4 16,3 3-2-16,5 4 2 16,10-7 6-16,0-2-7 15,0-11-5-15,18-10 5 16,5-4 1-16,1-8-1 16,0 0 0-16,1-1 0 0,2-22 3 15,0-9-3-15,-2-1-5 16,-8-3 5-16,1 9 1 15,-9 9 0-15,-7 7-1 16,-2 10 12-16,0 1 50 16,0 0-25-16,0 0-37 15,2 0 2-15,2 16-5 16,8 4 3-16,1 0 0 16,5 0-4-16,-1 0-1 15,4 0-1-15,6 3-23 16,0-11-26-16,4-3-4 15,2-9-68-15,-2 0-26 16</inkml:trace>
+  <inkml:trace contextRef="#ctx0" brushRef="#br0" timeOffset="87532.72">29666 3066 381 0,'0'0'92'0,"0"0"-65"16,0 0-21-16,0 0-6 15,0 0 6-15,0 0 8 16,31 88 1-16,-13-58-10 15,-3-1 1-15,2-6-3 16,-4-5 12-16,-6-9-3 16,-3-6-2-16,-2-3 9 15,-2 0 5-15,0-7 24 16,0-18 13-16,-6-9-55 0,-8-2 14 16,1-5 3-16,9 6-6 15,4-1-2 1,0 4-9-16,2 1-6 0,31 4-4 15,16 0-30-15,21 5-18 16,13 0-74-16,2-2-335 16</inkml:trace>
+  <inkml:trace contextRef="#ctx0" brushRef="#br0" timeOffset="88748.27">30688 2827 718 0,'0'0'49'0,"0"0"-49"15,0 0-6 1,0 0 6-16,0 0 8 0,0 0-8 16,0 0-8-1,0 68 8-15,0-11 6 0,0 1-4 16,0-4 1-16,0-5-3 16,8-10 5-16,1-11-4 15,3-10-2-15,5-9 2 16,-2-7 2-16,5-2-3 15,5-5-4-15,-1-23 4 16,5-12 2-16,-3-6-2 16,-1-6-4-16,0-1 2 15,-3 1 0-15,3 7 2 16,-1 6-11-16,-2 15 2 0,-1 12 8 16,-8 10-5-16,-5 2 2 15,0 0 0 1,0 6 4-16,1 16 0 0,5 6-7 15,-1 8 7-15,-1 5 4 16,-4 0-4-16,-1 1 0 16,1-5 0-16,0-5 2 15,0-7-2-15,-1-8-7 16,2-9 7-16,-2-4-2 16,-1-4-3-16,1 0 1 15,4 0 3-15,3-6 1 16,1-4 0-16,1-4-20 15,-3 0-20-15,1-2 30 0,-1-4-20 16,1 0 3-16,-1-3 20 16,-3-1 7-16,0-2 0 15,-1 2-4-15,-1 4 4 16,-4 6 8-16,4 2-6 16,-4 6-2-16,1 3 2 15,-3 0 2-15,2 3-4 16,-2 0-9-16,0 0 9 15,3 0 0-15,-3 0 1 16,5 10 3-16,0 6 6 16,1 2 11-16,1 2-11 15,5 3-9-15,-1 2 1 16,5 0 5-16,-1-1-6 0,4-4 1 16,-1-4-1-16,-3-8 9 15,2-4 1-15,-2-4-8 16,-1 0 5-16,0 0 0 15,-1-2-8-15,3-14 0 16,0 1 2-16,-2-2 0 16,-1-1-2-16,-3 2-5 15,-4-5 5-15,1-1 0 16,-3 2 0-16,-1-4-1 16,0 3-11-16,-5 0-13 15,0 7-35-15,0 6-64 16,0 4-169-16</inkml:trace>
+  <inkml:trace contextRef="#ctx0" brushRef="#br0" timeOffset="89330.29">31868 2775 614 0,'0'0'62'0,"0"0"1"16,0 0-27-16,0 0 0 15,0 0-24-15,0 0-12 16,0 44 0-16,0-2 0 0,0 2 10 16,0-4-10-16,8-6-4 15,1-7 4-15,5-7 0 16,-3-10-2-16,5-4-2 15,3-6 0-15,4 0 4 16,6-22 0-16,2-15-10 16,2-2 3-16,1-2-8 15,-5 5-13-15,-5 10 16 16,-8 8 5-16,-5 10 5 16,-9 6 2-16,-2 2-12 15,0 0-1-15,0 14 3 16,0 8 7-16,0 5 2 15,3 2 2-15,5 1 3 0,4-2-4 16,1-3-1 0,5-7 1-16,2-7 1 0,2-7 1 15,5-4-3-15,2 0 2 16,0-15 6-16,2-14-7 16,-2-3-1-16,-5 0 1 15,-4 7 1-15,-9 10 4 16,-3 7 0-16,-8 6 21 15,0 2 5-15,0 0-19 16,0 6-12-16,0 20 0 16,2 5 16-16,4 2-12 15,3 4-4-15,3-4-16 16,3 0-52-16,-1-5-86 0</inkml:trace>
+  <inkml:trace contextRef="#ctx0" brushRef="#br0" timeOffset="92516.1">15442 3273 490 0,'0'0'24'15,"0"0"-13"-15,0 0-1 16,0 0 10-16,0 0 17 16,0 0-11-16,0 0-23 15,-17-19 3-15,17 19 0 16,0 0 5-16,-5 0 2 0,3 0-1 16,-3 0 9-16,-2 3-1 15,-1 13-2-15,-8 12 1 16,-4 12-7-16,-7 6 4 15,3 4-2-15,1 2-5 16,8 0 8-16,4-1-5 16,8 8-12-16,3-1 4 15,0 4-1-15,0-1-1 16,14-1-2-16,3-8-6 16,6-8 6-16,-1-6 0 15,3-13-25-15,2-8 2 16,-1-8-24-16,3-5-15 15,-2-4-65-15,-5 0-212 16</inkml:trace>
+  <inkml:trace contextRef="#ctx0" brushRef="#br0" timeOffset="92925.05">16088 3257 436 0,'0'0'76'0,"0"0"7"16,0 0-54-16,0 0 13 15,0 0 14-15,-86 134-22 16,41-77 0-16,-1 2-6 16,0 5-15-16,0 6 0 15,3 1-9-15,8-1-2 16,8-14-2-16,14-18-6 15,9-11 5-15,4-17-9 0,0-7-37 16,8-3-9-16,7 0 5 16,4-13-14-16,-1-17-137 15</inkml:trace>
+  <inkml:trace contextRef="#ctx0" brushRef="#br0" timeOffset="93178.45">15765 3404 661 0,'0'0'35'0,"0"0"-28"16,0 0-5 0,0 0 5-16,0 0 1 0,0 0 15 15,58 67-6-15,-29-33-15 16,3-1 3-16,-1-2-5 15,-2-4-4-15,-2-6-2 16,-4-4-5-16,-2-8-14 16,-3-4-26-16,-1-4-34 15,-5-1-68-15</inkml:trace>
+  <inkml:trace contextRef="#ctx0" brushRef="#br0" timeOffset="94267.43">16251 3909 394 0,'0'0'36'0,"0"0"-21"16,0 0 23-16,0 0 36 0,0 0-21 16,0 0-27-16,0 0-15 15,3-39-9-15,5 21 4 16,1-2-6-16,3 2 12 16,-4-3-11-16,3 4 2 15,-4-2 0-15,0 4 4 16,-3 2-7-16,-2 7 0 15,-2 6 2-15,0 0-1 16,0 0-1-16,2 9 2 16,1 11 7-16,3 1 13 15,-2 6-16-15,2 1 9 16,-2 0-13-16,-2 2 8 0,5-6-10 16,-5 2 1-1,2-5-1-15,0-4 0 16,0-3-4-16,0-6-13 0,-2-1-36 15,5-1-25-15,-1-6-98 16</inkml:trace>
+  <inkml:trace contextRef="#ctx0" brushRef="#br0" timeOffset="94523.99">16659 3796 484 0,'0'0'202'0,"0"0"-185"15,0 0-8-15,0 0-9 16,0 0 11-16,-2 121-8 16,2-88 0-16,0-3-2 15,0-3-1-15,0-8-3 16,0-3-11-16,0-4-6 15,0-6-40-15,0 0-69 16,0-6-102-16</inkml:trace>
+  <inkml:trace contextRef="#ctx0" brushRef="#br0" timeOffset="94754.9">16886 3821 503 0,'0'0'32'15,"0"0"-32"-15,0 0-25 16,0 0 12-16,0 0 13 16,0 0 0-16,78-54-9 15,-53 51-8-15,-6 1-6 16,-5 2 13-16,-3 0-41 15,-5 0-122-15</inkml:trace>
+  <inkml:trace contextRef="#ctx0" brushRef="#br0" timeOffset="94932.44">17229 3800 330 0,'0'0'62'15,"0"0"-34"-15,0 0-8 16,0 0-5-16,0 0-12 16,0 0-3-16,11 0-15 0,-2 0-21 15,9 4-119 1</inkml:trace>
+  <inkml:trace contextRef="#ctx0" brushRef="#br0" timeOffset="95159.66">17492 3756 478 0,'0'0'111'15,"0"0"-89"-15,0 0 9 16,0 0 36-16,0 0-21 16,-18 136-26-16,7-98-17 15,0-1 3-15,4 3-6 16,0-10-5-16,3-4-1 15,2-8-14-15,2-7-30 0,0-2-22 16,0-6-79 0,0-3-137-16</inkml:trace>
+  <inkml:trace contextRef="#ctx0" brushRef="#br0" timeOffset="95451.87">17818 3216 616 0,'0'0'60'0,"0"0"-53"16,0 0-2-16,0 0 5 15,-60 132 14-15,41-76-3 16,-1 5-9-16,3 3-10 15,-2 3 11-15,4 3-13 16,1-1 8-16,2-8-8 16,0-11-9-16,1-14 0 15,4-14-17-15,3-16-35 16,2-6-44-16,2 0-97 16</inkml:trace>
+  <inkml:trace contextRef="#ctx0" brushRef="#br0" timeOffset="95669.07">17590 3461 620 0,'0'0'33'0,"0"0"-17"16,0 0-12-16,0 0 7 16,0 0 14-16,0 0-7 15,91 60-8-15,-64-35-4 16,-2-2-5-16,-4-7-2 15,-2-6-8-15,-3-4 7 16,-8-2-13-16,-3-2-29 16,-3 0-23-16,-2-2-87 15</inkml:trace>
+  <inkml:trace contextRef="#ctx0" brushRef="#br0" timeOffset="95865.29">17686 3251 99 0,'0'0'580'0,"0"0"-557"15,0 0-23-15,0 0 0 16,0 0 17-16,0 0-17 16,134-27-2-16,-99 24-15 15,1 1-15-15,-5-1-39 16,-2 3-59-16</inkml:trace>
+  <inkml:trace contextRef="#ctx0" brushRef="#br0" timeOffset="96284.86">18109 3584 667 0,'0'0'13'16,"0"0"-13"-16,0 0 0 15,-18 114 2-15,16-86 16 0,2-6-17 16,0-10 0 0,0-8-1-16,0-4 8 0,14 0-7 15,1-12-1-15,5-19 5 16,1-6-5-16,0-6 0 15,4 5-11-15,-3 6 8 16,-4 10 2-16,-4 11-1 16,-10 7 0-16,0 1 4 15,-4 3 16-15,5 0-8 16,-1 3 0-16,3 12 10 16,2 7 0-16,-3 3-15 15,1 14-5-15,3 5 5 16,-4 6-5-16,3 0 0 15,-1-6-15-15,0-8-36 0,0-17-26 16,3-5-57-16,3-14-107 16</inkml:trace>
+  <inkml:trace contextRef="#ctx0" brushRef="#br0" timeOffset="96630.63">18537 2877 547 0,'0'0'30'16,"0"0"-21"-16,78 161-7 16,-44-93 34-16,4 8 37 15,-1 8-43-15,-3 10-10 16,-16 11 17-16,-16 14-3 16,-2 9-9-16,-27 4-22 15,-18-5-6-15,5-10-36 0,-16-19-97 16,-10-21-370-1</inkml:trace>
+  <inkml:trace contextRef="#ctx0" brushRef="#br0" timeOffset="105349.33">19375 3802 93 0,'0'0'84'0,"0"0"-39"15,0 0-1 1,0 0-16-16,0 0 11 0,0 0-2 16,0 0-20-16,0 0-10 15,-27-29-7 1,25 23-4-16,2 3-15 0,0-1 0 15,-3 0 15-15,3 4-1 16,0 0-1-16,-2 0 4 16,2 0 2-16,-4 0 5 15,0 0 12-15,2-3 5 16,-3 3 12-16,0-1 4 16,1-3-23-16,-1-1 1 15,3 4 14-15,0-3-9 16,-2 1 5-16,-1 3-4 15,3 0 4-15,-3-1-12 0,3-1-7 16,0-3 12-16,-1-1-6 16,1 2-2-16,0 0 5 15,0 4-10-15,0-1 6 16,2 1-4-16,0-3-6 16,0-4 7-16,0 0 2 15,0-6-8-15,0-2-3 16,0-3 2-16,0 1 1 15,8-4-3-15,6 1-4 16,1 2 4-16,2 0 3 16,0 4-3-16,-1 4 0 15,1 2-1-15,1 0 1 16,3 2 0-16,-2 2-6 16,-1 1 6-16,0 3 0 0,0 0-3 15,-3 0 1-15,1 9 2 16,-1 7 0-16,1 2 0 15,-3 2-4-15,3 3 4 16,-1-2 2-16,4-1-1 16,-3 0-2-16,-1-2 2 15,1 0 0-15,-1 0-1 16,5 0-4-16,0-1 4 16,0-2 3-16,5-1-3 15,-4-4 0-15,2 1 0 16,2-6 2-16,-3-2-2 0,-2-1-5 15,-2 0 5 1,-3-2 1-16,-1 0-1 0,-3 0-1 16,-2 0-6-16,2-8 6 15,-2 0-8-15,-1-6-28 16,4 4-20-16,-1-2-45 16,3 2-17-16</inkml:trace>
+  <inkml:trace contextRef="#ctx0" brushRef="#br0" timeOffset="106400.18">20700 3066 486 0,'0'0'21'16,"0"0"-17"-16,0 0 1 16,0 0 15-16,0 0 19 15,0 0 7-15,16 118-10 16,-13-48-22-16,-3 8 8 16,0 11-7-16,-5 17 22 15,-24 16-18-15,-12 15-13 16,-7 9 2-16,-12 3 1 15,-3-11-7-15,3-12-4 16,7-19 5-16,11-27-1 16,10-22-2-16,8-20-6 15,8-18 2-15,9-12 3 16,5-8-12-16,2 0-3 16,0-10 2-16,0-19 7 0,0-9-23 15,0-9 4-15,11-9 8 16,3-9-12-16,3-7-8 15,8-6 18-15,-1-2 7 16,1 2 12-16,0 1 1 16,-4 1-5-16,-2-3 5 15,1 0 3-15,-7-1-1 16,0 2-4-16,-4 3 5 16,-4 4 2-16,-1 1-5 15,-2 11 1-15,5 9 6 16,-7 14 12-16,2 9-4 15,-2 11 9-15,0 5-7 16,0 5 10-16,0 3-17 0,0 3-9 16,2 0-1-16,10 0 2 15,5 9-2-15,6 16 5 16,8 15-4-16,2 8 9 16,10 9-5-16,1 5-1 15,6 2 5-15,0 6-1 16,2 7-8-16,1-5 0 15,-2-2 3-15,3-7-1 16,-3-13-2-16,0-4-7 16,-4-11 7-16,-9-5 0 15,-7-5 0-15,-8-5-1 16,-10-9 0-16,-4-3-1 0,-9-4 2 16,0-4-8-16,0 0 8 15,-9-4 12 1,-20-22-10-16,-9-12-2 0,0-8 2 15,3-12 6-15,6-7 0 16,6-10-6-16,10-3 12 16,4 1 0-16,4 5-10 15,5 4-2-15,0-3 2 16,0 1-2-16,2-2-2 16,12 5-6-16,9 2 5 15,3 11 0-15,5 10-5 16,0 10-3-16,0 14-11 15,-2 10-13-15,-4 7-17 0,0 3-45 16,-7 4-107-16</inkml:trace>
+  <inkml:trace contextRef="#ctx0" brushRef="#br0" timeOffset="107230.95">21677 3194 439 0,'0'0'8'0,"0"0"13"15,0 0-1-15,0 0 12 16,0 0 39-16,0 0-30 16,-94-31-13-16,85 32-15 15,0 27-4-15,2 24-1 0,-1 20 0 16,6 21 11-1,2 21 6-15,0 20-10 0,8 9-1 16,13 5-10 0,-2-5 6-16,3-17-10 0,5-11-3 15,0-21 3-15,2-18-1 16,5-18-14-16,3-18-29 16,10-18-9-16,2-14-13 15,5-8-56-15</inkml:trace>
+  <inkml:trace contextRef="#ctx0" brushRef="#br0" timeOffset="108164.95">22381 3116 516 0,'0'0'9'0,"0"0"-6"16,-50 104 7-16,40-42 32 15,-4 15 6-15,-1 10-34 16,-8 13 9-16,-6 13-15 0,-11 5-7 16,-3-5 1-16,1-15 4 15,2-13-6-15,9-17 0 16,4-11 0-16,9-19 1 16,9-15-1-16,9-17-8 15,0-6-2-15,0-10 9 16,11-24-2-16,12-19 3 15,6-12 0-15,6-14-1 16,-3-5 1-16,-1-8-10 16,-2-3 9-16,-7 4 0 15,-1 6 1-15,-11 15-1 16,-3 8 2-16,-7 8 2 0,0 5-3 16,0 3 0-16,0 4 0 15,-7 4 4-15,-1 8-3 16,0 8-1-16,4 10 2 15,2 10 9-15,2 2-11 16,0 0 0-16,0 24-1 16,0 11 0-16,6 7 2 15,10 5-2-15,0 6 2 16,2 0 0-16,4 8-1 16,0-1-5-16,0 0 5 15,3-4 0-15,6-9 0 16,1-12-7-16,5-12 4 15,6-12 3-15,-1-8 0 0,4-3-6 16,-3-8 6-16,-3-21-2 16,-2-10 2-16,-9-7 0 15,-7-7-5-15,-9 2 4 16,-5-4-6-16,-8 5 1 16,0-1 6-16,-10 4 4 15,-7 4-4-15,3 14 5 16,1 10 1-16,9 11 17 15,2 8-6-15,-1 0-5 16,3 0-8-16,0 27-4 16,11 12 1-16,12 11-2 15,1 9 3-15,2-1 6 16,-1 2-3-16,0 0-5 0,-7 0 4 16,-1-3-1-16,-1-16-3 15,-5-8-1-15,2-17-12 16,-3-8 6-16,-4-6-17 15,-2-2-12-15,-4-9-11 16,0-17-33-16,0-14-172 16</inkml:trace>
+  <inkml:trace contextRef="#ctx0" brushRef="#br0" timeOffset="108680.45">22082 2895 396 0,'0'0'33'16,"0"0"4"-16,0 0-15 16,0 0 31-16,0 0 13 15,0 0-38-15,-102-32-15 16,100 32 4-16,-1-2 7 0,3 2-5 16,0-2 4-16,0 0-13 15,0 2 5-15,0-2-15 16,15 0 3-16,19-2-3 15,11-1 8-15,12-6-4 16,5-1-2-16,6 4 0 16,3 2 3-16,-6 1-5 15,3 2-5-15,-3 0 5 16,-9-2 0-16,-7-1 0 16,-18 2 0-16,-6 0-4 15,-12 2 0-15,-7 2 1 16,-1 0-15-16,-5-2 5 15,0 0 9-15,0-4-13 0,0 0-30 16,0-4-3 0,-2 0 5-16,-5-2-33 0,-1 0-78 15</inkml:trace>
+  <inkml:trace contextRef="#ctx0" brushRef="#br0" timeOffset="109164.91">22525 2639 275 0,'0'0'59'16,"0"0"3"-16,0 0-5 16,0 0-15-16,0 0-5 15,0 0 7-15,-57-38-3 16,54 36-18-16,1 2 6 16,-3 0-5-16,3 0 4 0,2 0-11 15,-2 0-8-15,2 0 1 16,0 0 2-16,0 0-10 15,0 0 0-15,0 0 1 16,0 0 0-16,4 0-3 16,19 0 2-16,4 5-2 15,10 5 9-15,5 3-6 16,1 1-2-16,-1-3 0 16,-4 1 5-16,-5-3-6 15,-2-1 1-15,-6-4-1 16,-2 0 2-16,-3-2 1 15,-7 3-6-15,-4 1 6 16,-2 5-2-16,-3-1-1 16,-4 2 0-16,0 2 2 0,0 4 6 15,0 0-6-15,-6-1-1 16,-10 2 3-16,-5-1 5 16,0-2-6-16,-2 0-2 15,1 1 0-15,2-6 2 16,2 2-2-16,5-4-2 15,1 3-6-15,6 7 1 16,6 2-60-16,0-2-105 16</inkml:trace>
+  <inkml:trace contextRef="#ctx0" brushRef="#br0" timeOffset="121597.7">23470 3788 532 0,'0'0'87'0,"0"0"-62"0,0 0 11 15,0 0 4-15,0 0 11 16,0 0-15-16,0 0-22 16,-11-2-3-16,11 2-4 15,0 0 8-15,-2 0 4 16,-2 3-15-16,-6 25 10 15,-3 9-5-15,-5 9-4 16,1 2-5-16,5-4 2 16,3-4 1-16,7-8-3 15,0-4-10-15,2-7 9 16,0-7-26-16,0-4-74 16,11-10-52-16,7 0-355 0</inkml:trace>
+  <inkml:trace contextRef="#ctx0" brushRef="#br0" timeOffset="123180.81">23666 2795 404 0,'0'0'49'0,"0"0"-23"15,0 0 12-15,0 0 23 0,0 0-20 16,0 0-4-16,0 0-9 16,-55-4 0-16,55 4-8 15,0 0-15-15,0 0 4 16,0 0-2-16,0 0-1 16,13 0-6-16,18 0 0 15,14-6 12-15,22-4 1 16,8-6-5-16,12-5 2 15,2 0 0-15,-6-1-7 16,-1 2-4-16,-10 3 2 16,-8 4 4-16,-11 5-5 15,-12 3-6-15,-12 4 6 16,-10-2 0-16,-5 3-3 0,-5 0 2 16,-5 0-8-16,-2 0 4 15,0 0-8-15,1 0-16 16,-1 0 3-16,1 0 0 15,-1 0-23-15,-2 0 16 16,0 0-23-16,0 0 5 16,0 0-5-16,-14 4-110 15</inkml:trace>
+  <inkml:trace contextRef="#ctx0" brushRef="#br0" timeOffset="124886.98">23528 2785 417 0,'0'0'30'0,"0"0"-4"15,0 0 6-15,0 0 20 16,0 0-7-16,0 0-32 16,-7 0-1-16,7 0 2 15,0 0-12-15,0 6 13 16,0 2 3-16,0 4 6 16,0 2-7-16,11 0-7 15,5 2 1-15,4 2 3 16,7 3-14-16,4-3 11 15,14-3-6-15,5 2 8 0,11-5-2 16,3-5-10-16,-1 1 8 16,-3-2 0-16,-4 2-5 15,-7 1-6-15,-7 0 5 16,-6 0 2-16,-5-1-5 16,-7-1 0-16,-1 4 0 15,-6-3 0-15,-1-2 2 16,-1-1-4-16,-3 0 4 15,-1-5 2-15,-5 2-4 16,2-2-5-16,-2 0 5 16,-1 0 1-16,1 0 1 15,-4 2-4-15,0 1 4 16,-2-3 1-16,0 1-3 16,0-1-5-16,0 0 5 0,0 1 2 15,0 1 0-15,0 7-4 16,0-1 4-16,3 6 3 15,-3 2-5-15,0 4 2 16,0 9-2-16,-7 6 5 16,-13 5 1-16,-6 7-5 15,-5 3 0-15,-6 4 10 16,-3 3-11-16,-4 4-3 16,-5 1 3-16,5 2 0 15,3-10 0-15,12-12 0 0,12-11 0 16,3-15 0-16,12-9 0 15,-3 0-14 1,3-5 12-16,2 2 0 0,0-2-10 16,0 1 12-16,0 2 0 15,-2-3 0-15,2 0 0 16,0-2-4-16,-2 0 4 16,2 0 1-16,-2 0 3 15,2 0-8-15,0 1 8 16,-2-1-1-16,2 0-3 15,0 3-4-15,0-3 4 16,0 0 5-16,0 1-1 16,0-1-8-16,0 0 8 15,0 0-1-15,0 0-3 16,0 0-3-16,0 0 3 0,0 0 0 16,0 0 4-1,0 0-8-15,0 0 8 16,0 0-2-16,0 0-2 0,0 0-10 15,2 0 10-15,20-1 2 16,9-13 2-16,11-4-6 16,5-3 4-16,6 2 5 15,-1 0-7-15,-4 7-5 16,-5 1 5-16,-3 4 0 16,-9 1 3-16,-2 1-6 15,-4 2 6-15,-2 0 0 16,-6 0-3-16,-3 0-5 0,-3 0 5 15,-1 1 0-15,0 2 2 16,-1 0-4-16,-3 0 4 16,-2 0-1-16,1 0-1 15,0 0-7-15,-3 0 7 16,2 0 1-16,1-2 1 16,-3 2-4-16,-2 0 4 15,0 0 3-15,0 0-5 16,0 0-1-16,0-3 1 15,0 0 4-15,0-1-2 16,0-2-4-16,0 1 4 16,0-4 2-16,0-1-4 15,0 0-3-15,0 0 3 16,0 0 1-16,0 2 1 0,0 2-4 16,0 3 4-16,-2-2 0 15,-3 1-2-15,1-2-5 16,2 2 5-16,2-2 1 15,-2 1 3-15,2 5-6 16,0-1 4-16,-3 1 7 16,3 0-9-16,0 0 0 15,0 0 0-15,0 0 0 16,0 0-4-16,0 14 4 16,0 6 0-16,9 4 10 15,0 10-10-15,0 2 1 0,0 2-1 16,-2 1 4-1,-1-3-1-15,1-2-5 16,4-6 4-16,-2-4 15 0,0-6-11 16,-3-5-2-16,2-6-3 15,-4-3 4-15,-2-4-4 16,0 0-2-16,0 0 2 16,-2 0 3-16,0 0-4 15,0 0-10-15,0-6 0 16,0-5-33-16,0 0-53 15,0 3-35-15,-6 0-148 16</inkml:trace>
+  <inkml:trace contextRef="#ctx0" brushRef="#br0" timeOffset="125900.65">24408 2507 285 0,'0'0'94'0,"0"0"-36"15,0 0-17 1,0 0-8-16,0 0 15 0,0 0-25 16,0-11 8-16,0 11-8 15,0 0 19-15,0 0-16 16,0 0-4-16,-3 0-3 16,3 0 3-16,0 0-21 15,0 11 4-15,0 10-5 16,0 11 21-16,10 9 0 15,5 4-17-15,3 4 14 16,0-5-2-16,-2-2-15 16,-6-6 6-16,0-4-4 15,-6-10 3-15,-2-5-6 16,1-10-4-16,-3-4 4 0,0-3 7 16,0 0-5-16,0 0 4 15,0-15 4-15,0-15 2 16,-5-8-12-16,-9-8 1 15,-1 0-1-15,-1 0 0 16,1 6-1-16,3 11-1 16,2 12 4-16,1 8 1 15,2 8-3-15,2-2-3 16,3 3 3-16,2 0 0 16,0 0 0-16,0 0-6 15,0 0-16-15,0 3 2 16,0 11-13-16,0 1-22 0,12 3-23 15,5 0 6-15,1-3-47 16,9-3-66 0</inkml:trace>
+  <inkml:trace contextRef="#ctx0" brushRef="#br0" timeOffset="126433.87">24847 2356 495 0,'0'0'42'0,"0"0"0"16,0 0-6-16,0 0-4 15,0 0 22-15,0 0-10 0,-16-29-29 16,16 38-15-1,4 19 8-15,19 12 0 0,6 14 16 16,0 16 10-16,0 12-5 16,-4 15-17-16,-6 11 12 15,-1 6 1-15,-9 9-21 16,-3 1 5-16,-6 2-6 16,0-3 8-16,0-2-11 15,-4-5-2-15,-9-14 2 16,-1-14 3-16,-3-12-2 15,-6-10-2-15,-1-7 2 16,-10-2 0-16,-1-8-1 16,2-7-27-16,4-8-30 0,4-12-74 15,1-22-172 1</inkml:trace>
+  <inkml:trace contextRef="#ctx0" brushRef="#br0" timeOffset="199813.33">1612 13880 248 0,'0'0'33'0,"0"0"-12"16,0 0-2-16,0 0 16 15,0 0-1-15,0 0-20 16,0 0 1-16,0 0-2 16,-2-20 2-16,2 16 3 15,-2 0-4-15,0 2 8 16,0-2-7-16,2 2-9 15,-3 2-4-15,3 0 3 16,-2 0-5-16,2 0 4 16,-2 0 7-16,0 0 12 0,0 0 1 15,-6 0-9-15,2 0-3 16,-5 0-1-16,-3 0-3 16,-1 0-2-16,-3 6-4 15,-4 10 4-15,-2 4-6 16,1 2-3-16,0 4 3 15,6 2 2-15,-1-1-2 16,5 5 0-16,1-2 0 16,6 2 0-16,1-1 0 15,5-4-3-15,0-9 3 16,0 0-1-16,3-6 0 16,13-2-1-16,1 0-1 15,6-3 2-15,6-4 1 16,0-3-4-16,0 0 4 0,-3 0 1 15,-4-16 0-15,-2-2-2 16,-1-2 2-16,-9-2 0 16,1 0-1-16,-1-2-3 15,-4 1 3-15,-4 1 0 16,1 3 0-16,-3 1-1 16,0 0 0-16,0 1-1 15,0 3 2-15,-9 0-9 16,-3 2-4-16,-3 5-20 15,-1-2 2-15,1 7 14 16,-1 2-10-16,3 0 19 0,4 0 4 16,4-4 3-1,3 2 1-15,2 0 2 0,0 0-1 16,0 0-2-16,0 0 1 16,9-2 0-16,9-6 0 15,4 0-1-15,1 3 1 16,2-2 2-16,0-1-2 15,2-2 0-15,0 0 0 16,-2 2 2-16,-3 2-2 16,-4 4-2-16,-2 4 2 15,-5 0-72-15,-1 0-88 16</inkml:trace>
+  <inkml:trace contextRef="#ctx0" brushRef="#br0" timeOffset="200132.29">1918 14043 160 0,'0'0'296'0,"0"0"-255"16,0 0-38-16,0 0 4 0,0 0 21 15,-18 118-2-15,4-80-23 16,-1 2 5-16,-1-4-8 16,1-6 1-16,-1-3-1 15,5-7 0-15,-1-8 0 16,4-3-29-16,-3-5-44 15,-5-2-161-15</inkml:trace>
+  <inkml:trace contextRef="#ctx0" brushRef="#br0" timeOffset="200346.41">1708 14231 441 0,'0'0'94'0,"0"0"-94"0,0 0-4 16,0 0 4-16,0 0 2 16,0 0-2-16,65 68 0 15,-45-52-2-15,-2-4 1 16,-1-2-14-16,-1 0-45 16,-3 2-54-16</inkml:trace>
+  <inkml:trace contextRef="#ctx0" brushRef="#br0" timeOffset="200570.5">1992 14323 282 0,'0'0'138'15,"0"0"-129"-15,0 0-8 16,0 0-1-16,0 0 6 15,0 0-4-15,44 73 1 16,-40-51 2-16,0 0-4 16,-1-4-1-16,0-4 1 15,-1-2-3-15,-2-3-28 16,0-5-108-16</inkml:trace>
+  <inkml:trace contextRef="#ctx0" brushRef="#br0" timeOffset="202012.94">1880 13508 402 0,'0'0'27'0,"0"0"-13"15,0 0-9-15,0 0 9 0,0 0 17 16,0 0-26-1,31-50-1-15,-15 39 3 0,-3 3 1 16,2 2 8-16,-3 2-9 16,1 4-2-16,-1 0 2 15,-2 0-4-15,3 18 9 16,-3 7 2-16,-1 6-9 16,-3 5 3-16,-4 2-3 15,-2-4 2-15,0-1-2 16,0-5-5-16,0-6 2 15,0 0 2-15,0 1-4 16,0-6 3-16,0-3 1 0,0-6 1 16,0-2-5-1,0-4 2-15,2 2-1 0,6-4 1 16,1 0 0-16,-1 0-2 16,8 0 1-16,-1 0 3 15,-1 0-4-15,-1-1-9 16,1 1-71-16,-5 0-145 15</inkml:trace>
+  <inkml:trace contextRef="#ctx0" brushRef="#br0" timeOffset="203246.45">2800 13933 422 0,'0'0'101'16,"0"0"-76"-16,0 0-22 16,0 0 5-16,0 0 29 15,0 0-13-15,-95-27-8 16,86 27-11-16,-1 4 1 0,0 14-6 15,-4 6 0-15,1 2 0 16,2 0 0-16,1 0 2 16,6 1-4-16,4-1 4 15,0-4-3-15,6 0 1 16,15-6-6-16,1-4 3 16,3-6 3-16,1-6-5 15,3 0 5-15,0 0 0 16,2-6 0-16,-2-14 0 15,-4-1-6-15,0-6-7 16,-10 1-10-16,-4-2-13 16,-8 2 8-16,-3-3 4 0,0 5 3 15,-9 3 17 1,-9 0-2-16,-5 5 6 0,2 0-1 16,0 4 0-16,3 0 1 15,7 6 1-15,9 0 2 16,2 2 4-16,0-2-1 15,2-2-1-15,19-2-5 16,5 0 2-16,3 0-2 16,2 0 5-16,0 2 0 15,5-2 2-15,2 2 1 16,0-3 1-16,-1 3-6 16,-3 3-2-16,-3 1-1 0,-9 2 0 15,-6 2-19-15,-3 0-59 16,0 0-126-1</inkml:trace>
+  <inkml:trace contextRef="#ctx0" brushRef="#br0" timeOffset="203666.17">3355 13990 450 0,'0'0'78'0,"0"0"-68"16,0 0-8-16,-76 111 10 16,45-67 7-16,3 4 2 15,-2-6-10-15,6-6 0 16,6-10-1-16,5-8 0 0,6-6-10 15,4-2 0-15,1-6-1 16,-2 1-5-16,-5-2-69 16,0-3-81-16</inkml:trace>
+  <inkml:trace contextRef="#ctx0" brushRef="#br0" timeOffset="203870.21">3135 14166 524 0,'0'0'56'0,"0"0"-47"16,0 0-3-16,0 0 15 0,0 0-21 15,0 0 0-15,46 11-1 16,-21 3-1-16,-3 3 1 16,-2-3-14-16,-2 3-23 15,-5-3-14-15,1 2-21 16,-6-2-95-16</inkml:trace>
+  <inkml:trace contextRef="#ctx0" brushRef="#br0" timeOffset="204070.5">3442 14293 448 0,'0'0'89'15,"0"0"-87"-15,0 0-2 0,0 0 0 16,0 0-2-16,0 0 2 16,29 93 0-16,-22-82-9 15,-5-3-14-15,0-4-23 16,-2 1-61-16</inkml:trace>
+  <inkml:trace contextRef="#ctx0" brushRef="#br0" timeOffset="204391.27">3769 14015 420 0,'0'0'81'0,"0"0"-73"15,-44 116-8-15,33-75 10 16,-3 3 13-16,6-7-20 16,1-3-2-16,3-6 4 15,-2-6-5-15,0-4 0 16,0-8 0-16,-1-2-4 0,-5-4 3 15,1-2-61-15,1-2-178 16</inkml:trace>
+  <inkml:trace contextRef="#ctx0" brushRef="#br0" timeOffset="204611.43">3580 14121 558 0,'0'0'44'16,"0"0"-42"-16,0 0-2 16,0 0-3-16,0 0 3 0,0 0 0 15,56 66 0-15,-32-42-2 16,3 0 1-16,-2-1-10 16,-4-6-43-16,2-3-14 15,-5-4-70-15</inkml:trace>
+  <inkml:trace contextRef="#ctx0" brushRef="#br0" timeOffset="204914.22">3850 14259 440 0,'0'0'67'0,"0"0"-58"15,0 0 3-15,0 0 51 0,0 0-9 16,0 0-50-16,8-20-4 15,4 20 1-15,-1 0 0 16,2 0-2-16,1 0 2 16,-8 8 1-16,3 6-2 15,-4 6 2-15,-3 2-1 16,-2 7 8-16,0 0-8 16,0 6 2-16,0-13-2 15,0-3 5-15,0-3-6 16,0-11-5-16,5 1 4 15,7-4 0-15,2-2-11 16,4 0-9-16,2-4-37 0,3-17-65 16</inkml:trace>
+  <inkml:trace contextRef="#ctx0" brushRef="#br0" timeOffset="205760.08">4371 14211 569 0,'0'0'32'0,"0"0"-13"16,0 0-3-16,0 0-16 16,0 0-1-16,0 0-6 15,4-8-6-15,17 8-20 16,0-4-46-16,4-2-20 15,2 2-68-15</inkml:trace>
+  <inkml:trace contextRef="#ctx0" brushRef="#br0" timeOffset="205909.15">4999 14119 26 0,'0'0'0'16</inkml:trace>
+  <inkml:trace contextRef="#ctx0" brushRef="#br0" timeOffset="206014.45">5198 14143 294 0,'0'0'23'0,"0"0"-19"15,0 0-4-15,0 0-15 16</inkml:trace>
+  <inkml:trace contextRef="#ctx0" brushRef="#br0" timeOffset="206764.31">5601 13797 616 0,'0'0'27'16,"0"0"-23"-16,0 0 5 15,0 0 14-15,0 0-11 16,0 0-12-16,-36 49-1 16,36-6 1-16,0-2 0 0,9 3-3 15,6-7 3-15,1-5 0 16,3-9-7-16,0-6 3 16,4-7-5-16,3-10-13 15,1 0-6-15,0-4-4 16,-3-23-21-16,-2-1 5 15,-3 1-2-15,-11-3 18 16,-3 1 22-16,-5 3 10 16,0-5 4-16,-3 8 20 15,-15-4 6-15,-3 6-1 16,-2-3-5-16,-2-2-15 16,1 0-9-16,4-2 3 15,4-1-3-15,5 10-2 16,9-2 2-16,2 10 4 0,0 7-1 15,0 1 0-15,2 3-3 16,11 0 20-16,6 0-1 16,5 0-5-16,7-7 0 15,11-7 2-15,16-8 2 16,16-9-6-16,6-1-7 16,3 0 12-16,-6 0-6 15,-14 8-4-15,-14 0-3 16,-13 6-1-16,-7 0-3 15,-9 4-5-15,-1 8-112 16</inkml:trace>
+  <inkml:trace contextRef="#ctx0" brushRef="#br0" timeOffset="207293.22">6368 14024 667 0,'0'0'13'0,"0"0"-5"16,0 0-8-16,0 0 0 16,-112 117 0-16,89-65 2 15,4-2 1-15,3-6-6 16,5-6 6-16,4-8-3 15,3-12 0-15,4-8-13 16,0-3-19-16,0-7-44 16,0 0-24-16,0-7-63 15</inkml:trace>
+  <inkml:trace contextRef="#ctx0" brushRef="#br0" timeOffset="207461.54">6196 14172 410 0,'0'0'81'0,"0"0"-35"0,0 0-25 15,0 0-4-15,0 0-7 16,0 0 6-16,66 11 1 16,-41 7-8-16,2 2-8 15,0 2 4-15,-3-1-5 16,0-4-30-16,-3-1-42 16,-1-4-51-16</inkml:trace>
+  <inkml:trace contextRef="#ctx0" brushRef="#br0" timeOffset="207647.34">6588 14302 453 0,'0'0'87'0,"0"0"-85"16,0 0-1-16,0 0 1 16,0 0 9-16,0 0-6 15,44 63-4-15,-40-42 2 16,0-4-3-16,-2-1-2 15,-2 1-71-15,0-13-171 16</inkml:trace>
+  <inkml:trace contextRef="#ctx0" brushRef="#br0" timeOffset="208060.26">6995 13858 161 0,'0'0'382'0,"0"0"-357"16,0 0-23-16,0 0 15 15,-55 128 37-15,31-70-24 16,-1 9-15-16,-2-6-5 15,3-4-6-15,3-7-2 16,6-14 1-16,4-10-3 16,4-12 0-16,3-10-16 15,-1-4-44-15,1 0-85 16</inkml:trace>
+  <inkml:trace contextRef="#ctx0" brushRef="#br0" timeOffset="208265.17">6735 14047 555 0,'0'0'16'0,"0"0"-16"16,0 0-2-16,0 0 2 16,0 0 10-16,86 108 0 15,-61-86-10-15,-5-4 1 16,3 1 1-16,-6-8-2 15,1 3-70-15,-2-4-107 16</inkml:trace>
+  <inkml:trace contextRef="#ctx0" brushRef="#br0" timeOffset="208665.02">7091 14189 518 0,'0'0'62'16,"0"0"-62"-16,0 0 0 15,0 0 2-15,0 0 16 16,0 0-12-16,47 63 6 16,-40-40 1-16,-1-7-7 15,-1-2-2-15,2-3 0 0,0-4-1 16,-3-3-3-1,0-4 2-15,3 0-2 0,4 0 0 16,2-11 0-16,4-6 0 16,-5 1-4-16,-1 8 4 15,-3 2 0-15,-6 6 0 16,4 0 0-16,3 0 6 16,5 14-2-16,-1 6 14 15,3 6-7-15,-5 3 2 16,-1 0-8-16,0 2-3 15,-3-3 1-15,-3 2-3 16,0-10-10-16,-4 0-60 0,0-6-120 16</inkml:trace>
+  <inkml:trace contextRef="#ctx0" brushRef="#br0" timeOffset="211662.95">1535 15159 456 0,'0'0'81'16,"0"0"-54"-16,0 0-14 15,0 0-2-15,0 0 15 16,0 0 10-16,0 0-19 16,-36-44-12-16,34 44 4 15,-3 0 6-15,1-2 4 16,-1 0-10-16,-1 2-7 16,-1 0 1-16,-7 0 4 15,-1 0-4-15,-5 12-3 16,-3 11 2-16,0 3 0 15,0 1-2-15,3 1-2 16,5-3 2-16,3-1 1 16,5-2-1-16,5 4-2 0,2 0 1 15,0 3 1 1,0-8 0-16,2 2-4 0,17-10-3 16,-2-1 5-16,5-2-9 15,1-6 4-15,-2-4-5 16,0 0 11-16,-1 0-5 15,-7 0-8-15,-1-8-6 16,-3-10-3-16,-5-8-28 16,-4 2 10-16,0-2 11 15,-4 0 6-15,-17 2 17 16,-4 0 3-16,-4 0-2 16,4 2 2-16,0 4 1 15,4 0 3-15,6 4 3 0,6 6 11 16,2 2 4-1,5 2 1-15,2 1-7 0,0 2 2 16,0-2-11-16,0 1-3 16,2-2 0-16,19 0 2 15,6-4 2-15,8-2-2 16,7-2 6-16,5-8 4 16,4-2 3-16,0-3-3 15,-1 4 1-15,-8 5-7 16,-9 10-5-16,-8 3-1 15,-8 3 0-15,-5 0 0 16,-6 15-10-16,-6 7-42 16,0 8-44-16</inkml:trace>
+  <inkml:trace contextRef="#ctx0" brushRef="#br0" timeOffset="212261.78">1784 15280 309 0,'0'0'87'0,"0"0"-77"15,0 0-5-15,0 0 25 16,0 0 18-16,0 0-24 16,-18 76-8-16,5-46 14 15,-1 7 5-15,1-2 0 16,0 5-22-16,1-8-3 16,4-1 2-16,1-8-12 15,1-1 0-15,1-4 0 16,-2-4 0-16,3-1-14 0,-3-9-61 15,-1-4-41-15</inkml:trace>
+  <inkml:trace contextRef="#ctx0" brushRef="#br0" timeOffset="212464.08">1608 15486 462 0,'0'0'106'16,"0"0"-96"-16,0 0-9 15,0 0 0-15,0 0 2 16,0 0-3-16,60 48 0 16,-33-21 0-16,0-1 3 15,-2 2-3-15,-2-6-8 0,-2-4-27 16,-3-5-29-16,-3-4-42 16,1-7-267-16</inkml:trace>
+  <inkml:trace contextRef="#ctx0" brushRef="#br0" timeOffset="212782.67">1913 15588 448 0,'0'0'92'0,"0"0"-81"16,0 0-9-1,0 0 2-15,0 0-4 0,0 0 0 16,34-27 1-16,-28 27 0 15,-1 4-1-15,0 11 2 16,-1 3 7-16,0 2 3 16,1-5-4-16,1-1-2 15,-1 1-1-15,2 4 7 16,1 4-10-16,1 0-1 16,-1-1 0-16,-2 4 4 15,-2-3-5-15,-1-6 0 16,-3-3 1-16,2-8 0 15,2-4-1-15,0-2-25 16,-2 0-13-16,6-4-26 16,1-14-65-16</inkml:trace>
+  <inkml:trace contextRef="#ctx0" brushRef="#br0" timeOffset="213086.5">2200 15304 473 0,'0'0'46'16,"0"0"-40"-16,0 0 13 0,0 0 17 15,0 0-26-15,0 0-6 16,0 96-2-16,-2-52 2 15,-4 6 11-15,4 0 2 16,-7-1-12-16,2-13-4 16,0-6 0-16,3-10 2 15,-1-8-3-15,3-8-13 16,-4-4-43-16,-8 0-36 16,3 0-180-16</inkml:trace>
+  <inkml:trace contextRef="#ctx0" brushRef="#br0" timeOffset="213257.34">2047 15408 345 0,'0'0'173'0,"0"0"-151"0,0 0-21 16,0 0-1-16,0 0-1 16,0 0 0-16,38 40-1 15,-11-22-2-15,-1 2-27 16,3 1-9-16,0-1-25 15,-2 10-70-15</inkml:trace>
+  <inkml:trace contextRef="#ctx0" brushRef="#br0" timeOffset="213534.31">2410 15627 279 0,'0'0'141'16,"0"0"-121"-16,0 0-3 15,0 0 36-15,0 0-23 16,0 0-27-16,18-48 0 16,-9 43-3-16,-1 2 0 15,2 3 0-15,1 0 4 16,3 8 11-16,3 10 19 16,-1 9-14-16,1 0-2 15,-1-1-12-15,-5-4-6 16,-2-5 1-16,-2-2 1 15,0-5-2-15,-3-2 0 16,0-8-2-16,-4 5-27 16,0-5-108-16</inkml:trace>
+  <inkml:trace contextRef="#ctx0" brushRef="#br0" timeOffset="-213798.76">3110 15087 378 0,'0'0'69'0,"0"0"-63"15,0 0 11-15,0 0 46 16,0 0-28-16,0 0-21 15,-44 0-9-15,34 0 4 16,-3 15 5-16,-3 2-5 16,-1 10-1-16,-1-4-3 15,3 7 3-15,1-3-7 16,5-5-1-16,9 0 0 16,0-2 1-16,9-2-1 15,20-2-1-15,4-3 1 16,5-2 0-16,5-3 0 15,-1-8 1-15,-5 0-1 16,2 0 1-16,-8 0 1 0,-4-15-4 16,-10 3 4-1,-6-1-2-15,-4-5 0 0,-7 4-1 16,0-2 1-16,0-4-1 16,-11-1-5-16,-4-2 3 15,-6 1 2-15,-1-6-1 16,0 6-4-16,2 1 2 15,4 6 4-15,5 6 0 16,4 1 2-16,3 4-1 16,2 2-1-16,2 2 4 15,0 0-1-15,0 0-3 16,0-2-3-16,8 0-4 16,19-2 6-16,7-6 1 15,10 2 0-15,7-2 2 0,5 4-1 16,2 4 0-16,-4 0 3 15,-3 2 5-15,-8 0-9 16,-6 0 3-16,-6 4-2 16,-6 4 1-16,-6 0-2 15,-2-3-5-15,-5 1-33 16,5 1-112-16</inkml:trace>
+  <inkml:trace contextRef="#ctx0" brushRef="#br0" timeOffset="-213431.56">3858 15290 556 0,'0'0'3'0,"0"0"-3"16,0 0 0-16,0 0 8 0,-56 112-1 15,43-73-6 1,-5 4 7-16,1 0 28 0,1-5-20 15,3-6-12-15,2-5-4 16,1-10 3-16,6-7-3 16,2-6-2-16,-2-4-18 15,-1 0-41-15,3 0-79 16</inkml:trace>
+  <inkml:trace contextRef="#ctx0" brushRef="#br0" timeOffset="-213239.26">3678 15466 463 0,'0'0'63'0,"0"0"-61"15,0 0 0-15,0 0-2 16,0 0 2-16,0 0 4 16,78 36-4-16,-60-17-2 15,4-2 1-15,-2-3-1 16,-1-5-3-16,0-4-63 15,-1 0-58-15</inkml:trace>
+  <inkml:trace contextRef="#ctx0" brushRef="#br0" timeOffset="-212900.95">3997 15524 321 0,'0'0'141'16,"0"0"-126"-16,0 0-13 16,0 0 7-16,0 0 0 15,0 0-3-15,56-26-2 16,-50 26 4-16,3 0 5 16,-1 4-5-16,0 6 12 15,-2 2 4-15,-1 4-3 16,-1 9-9-16,-2 7-7 15,-2 8 4-15,0 0-4 16,0-5-3-16,0-8 4 16,0-10-3-16,0-7-3 0,0-5 0 15,0-5-1-15,12 0-17 16,-3 0-27-16,4-15-46 16,5-10-201-16</inkml:trace>
+  <inkml:trace contextRef="#ctx0" brushRef="#br0" timeOffset="-212533.93">4001 14857 467 0,'0'0'69'16,"0"0"-63"-16,0 0-4 16,0 0-2-16,0 0 3 15,0 0 5-15,50 2 2 16,-35 22 1-16,-5 6 17 16,-2 6-1-16,-6 0-18 15,-2 0 7-15,0 4-2 16,0 4-3-16,0-8 2 15,0 5-3-15,0-14 5 16,0-2 1-16,0-7-6 0,0-8-6 16,0-2-1-1,7-2 1-15,5-6-4 0,7 0-9 16,3 0-25-16,12 0-91 16,-3 0-283-16</inkml:trace>
+  <inkml:trace contextRef="#ctx0" brushRef="#br0" timeOffset="-210900.35">4741 15286 439 0,'0'0'56'16,"0"0"-36"-16,0 0-12 16,0 0 22-16,0 0 15 0,0 0-12 15,-79-10-19-15,73 14-12 16,-3 14 0-16,3 4-2 15,-2 6-2-15,4 3 2 16,4-2 0-16,0 3 0 16,0-8-2-16,8 0 1 15,7 0 1-15,9-6 0 16,5-1-1-16,3-3 0 16,1-10 0-16,-2-4 0 15,-4 0-2-15,-5-3-5 16,-2-16 1-16,-4-8-1 15,-7-6-29-15,-9-2 2 16,0 1-30-16,-5 3 17 16,-22 4 30-16,-2 4 7 0,-4 0 11 15,6 4 0-15,3 8 2 16,8 1 29-16,7 3 8 16,9 6-14-16,0-3-7 15,0 4-15-15,5-9-1 16,17 3-2-16,5-5 2 15,4 1 4-15,4 1-3 16,2 4-2-16,2 2 0 16,-1 3 1-16,-5 0 1 15,1 0-3-15,-7 0 0 16,-5 0-2-16,-5 8-11 0,0 13-63 16,-4 3-117-1</inkml:trace>
+  <inkml:trace contextRef="#ctx0" brushRef="#br0" timeOffset="-210621.17">5327 15473 255 0,'0'0'270'0,"0"0"-254"16,0 0-15-16,0 0 1 0,-23 111-1 15,12-74 10-15,-2 3-8 16,0-2-1-16,0-6-2 16,1-7 1-16,3-2-1 15,1-9 0-15,0-9-17 16,0-5-49-16,3 0-97 15</inkml:trace>
+  <inkml:trace contextRef="#ctx0" brushRef="#br0" timeOffset="-210433.83">5204 15637 424 0,'0'0'126'0,"0"0"-118"15,0 0-7-15,0 0-1 16,0 0 3-16,0 0-2 15,76 64-2-15,-50-42 2 16,-1-2-2-16,-2-1-17 16,-8-2-44-16,-3-7-40 15,-8 0-37-15</inkml:trace>
+  <inkml:trace contextRef="#ctx0" brushRef="#br0" timeOffset="-210163.95">5449 15691 420 0,'0'0'43'0,"0"0"-35"16,0 0 12-16,0 0 22 15,0 0-36-15,0 0-4 16,38-36-1-16,-31 36 3 16,0 7 3-16,-3 14 1 15,-4 5 10-15,0 0-1 16,0 1-16-16,0 4 3 15,0-9-3-15,0-2 6 16,0-3-7-16,5-4 0 16,1-5 0-16,3-2 0 15,0-4-3-15,0-2-11 16,0 0-19-16,0 0-40 0,0-6-106 16</inkml:trace>
+  <inkml:trace contextRef="#ctx0" brushRef="#br0" timeOffset="-209880.29">5732 15462 505 0,'0'0'110'0,"0"0"-104"15,0 0-2-15,0 0 27 16,0 0-1-16,0 0-25 16,-15 68-2-16,5-27-3 0,0-1 0 15,1-6 0 1,5-2 2-16,-2-5-2 0,2-4-3 16,0-7 3-16,0-3 0 15,-1-7-46-15,-3 3-64 16,0-9-81-16</inkml:trace>
+  <inkml:trace contextRef="#ctx0" brushRef="#br0" timeOffset="-209691.98">5597 15557 363 0,'0'0'200'15,"0"0"-195"-15,0 0-1 16,0 0-4-16,0 0 0 15,0 0-2-15,69 81 2 16,-45-60 0-16,1-3-7 16,1-4-46-16,-4-1-52 15,-1-5-145-15</inkml:trace>
+  <inkml:trace contextRef="#ctx0" brushRef="#br0" timeOffset="-209281.28">5888 15691 455 0,'0'0'75'0,"0"0"-59"16,0 0 8-16,0 0 0 15,0 0-24-15,0 0 0 16,79-40 0 0,-55 40 2-16,-2 0-1 0,-4 0-2 15,-3 10 2-15,-7 6 6 16,-4 6 3-16,-4-3-9 15,0 8 1-15,0-6 3 16,-12 2-4-16,4-6-2 16,1 2 2-16,1-7 1 15,3-1-2-15,0-7-3 16,3-1 3-16,0-3 0 16,0 1-8-16,0 2 1 15,14-1 0-15,1-2 7 0,6 4 0 16,-5 0-4-1,-3 0 4-15,-5 2 2 0,-3 2-1 16,-5 1 3-16,0-3 3 16,0 5 2-16,0-1-5 15,0-2-4-15,0-2 0 16,-11-3-26-16,-6-1-49 16,-2-2-92-16</inkml:trace>
+  <inkml:trace contextRef="#ctx0" brushRef="#br0" timeOffset="-208882.82">6085 15424 452 0,'0'0'126'16,"0"0"-123"-16,0 0-3 15,0 0-3-15,0 0 1 16,0 0-3-16,69 5-18 16,-43-4-14-16,1 2 3 15,-3 0 8-15,-4 1-33 16,-1 6 0-16,-2 2 33 16,-3 3 18-16,3-4 8 0,4-1 0 15,-4-6-4 1,5-4 2-16,-1 0-7 0,-4 0-37 15,1 0 6-15,-1 0-59 16,4 0 80-16,-1 5 19 16,3 0 95-16,-4-5-33 15,-1 4 1-15,-2-4-15 16,-2 0-20-16,-6 5-17 16,3-5-4-16,-1 0-7 15,0 2-14-15,3-2-93 16</inkml:trace>
+  <inkml:trace contextRef="#ctx0" brushRef="#br0" timeOffset="-208383.52">6879 15298 577 0,'0'0'47'0,"0"0"-47"16,0 0 0-16,0 0 5 15,0 0-5-15,-93 143 0 16,84-86 0-16,5-3 3 0,4-5-3 16,0-7-3-1,0-8 3-15,0-12 3 0,11-9-3 16,9-9-5-16,0-4-4 15,4-7 8-15,1-23-7 16,-5-6-51-16,-7-2-11 16,-11-1-38-16,-2 3 4 15,-8 4 45-15,-23 0 59 16,-3 2 42-16,-1-2 2 16,4 7 13-16,4 2 18 15,8 8-11-15,9 4-8 16,3 5-15-16,7 2-11 15,0 4-15-15,2-4-15 16,27-2-4-16,11 0 4 16,7 4 2-16,8-7-1 0,3 7-2 15,-2 2 2 1,-2-1 1-16,-8 1-2 0,-10 0-5 16,-7 0 5-16,-11 0-29 15,-9 0-55-15,-2 12-131 16</inkml:trace>
+  <inkml:trace contextRef="#ctx0" brushRef="#br0" timeOffset="-208138.38">7207 15597 538 0,'0'0'8'0,"0"0"-3"15,0 0-5-15,-69 144 0 16,47-96 0-16,1-2 0 16,4-6 0-16,-1-10-1 15,5-16-54-15,4-6-91 16</inkml:trace>
+  <inkml:trace contextRef="#ctx0" brushRef="#br0" timeOffset="-207981.45">7080 15737 299 0,'0'0'288'16,"0"0"-281"-16,0 0-7 15,0 0 0-15,0 0 2 16,0 0-2-16,54 105-10 15,-34-82-57-15,-2-9-109 16</inkml:trace>
+  <inkml:trace contextRef="#ctx0" brushRef="#br0" timeOffset="-207693.83">7251 15771 539 0,'0'0'18'0,"0"0"-17"16,0 0 4-16,0 0 1 15,0 0-6-15,0 0 0 16,52-32 4-16,-46 42-4 16,0 12 4-16,-2 5 13 15,-2 4 13-15,-2 1-10 16,0 3-8-16,0-4 1 15,0 0-4-15,5-3-9 16,-1-6 0-16,7-8-6 16,0-2-25-16,0-6-53 0,3-6-53 15</inkml:trace>
+  <inkml:trace contextRef="#ctx0" brushRef="#br0" timeOffset="-207184.46">7753 15182 676 0,'0'0'17'0,"0"0"-17"16,0 0 0-16,-58 120 0 16,42-54 3-16,-7 7-3 15,-6 7-2-15,-3-4 2 16,3-12 3-16,9-16-2 15,9-20-2-15,7-16 0 16,4-12-1-16,0 0-29 0,0-22-50 16,0-18-17-1,0-6-43-15,0-2 65 0,0-5 54 16,0 7 22-16,0 6 19 16,0 9 27-16,-3 14 40 15,1 11-44-15,2 6-12 16,0 0-18-16,0 23 9 15,0 4-3-15,11 3-4 16,7 2-9-16,0-1-4 16,-1-3-1-16,-1-2 0 15,2-5-126-15</inkml:trace>
+  <inkml:trace contextRef="#ctx0" brushRef="#br0" timeOffset="-206868.24">7804 15552 597 0,'0'0'30'0,"0"0"-30"15,0 0 0-15,0 0 0 16,0 125 5-16,12-107-5 16,5-4 1-16,3-7 8 15,1-2 6-15,-4-5-6 16,6 0 0-16,-3-5-6 15,2-20 5-15,0-4-8 16,-4 0-4-16,0-2 4 16,-7 9-1-16,-2 8 2 0,-7 9-3 15,0 5 4-15,-2 0 12 16,5 1-6-16,1 21-8 16,4 9 9-16,-2 13-2 15,1 6-7-15,-3 0-14 16,2 12-59-16,-2-4-146 15</inkml:trace>
+  <inkml:trace contextRef="#ctx0" brushRef="#br0" timeOffset="-205971.56">3876 16248 9 0,'0'0'324'15,"0"0"-297"-15,0 0 13 16,0 0-1-16,0 0-6 16,0 0 13-16,96 2-14 0,-83 0-18 15,-1 0-10-15,-1 2-1 16,-1 5 0-16,2-5-3 15,-1 5 0-15,3 9-41 16,1-4-179-16</inkml:trace>
+  <inkml:trace contextRef="#ctx0" brushRef="#br0" timeOffset="-205768.5">4444 16543 445 0,'0'0'14'0,"0"0"-14"0,0 0-3 16,0 0 3-16,0 0 4 15,92 103-2-15,-66-86-2 16,1 1 0-16,-2-3-3 16,0-2 0-16,1 4-87 15</inkml:trace>
+  <inkml:trace contextRef="#ctx0" brushRef="#br0" timeOffset="-205588.12">5298 17048 449 0,'0'0'10'0,"0"0"-9"15,0 0 1-15,0 0-2 16,0 0 0-16,120 76 0 15,-91-63-2-15,-2 1-22 16,4-4-55-16,3-3-38 16</inkml:trace>
+  <inkml:trace contextRef="#ctx0" brushRef="#br0" timeOffset="-205380.43">5967 17405 281 0,'0'0'11'0,"0"0"-11"16,0 0 2-16,116 18-2 15,-95-10 40 1,0-2-7-16,-1 6-11 0,-5-6-4 16,3-2-6-16,2 0-7 15,4-4-5-15,1 4-3 16,4-4-149-16</inkml:trace>
+  <inkml:trace contextRef="#ctx0" brushRef="#br0" timeOffset="-204229.87">7031 17539 545 0,'0'0'46'0,"0"0"-43"16,0 0 5-16,0 0 21 0,0 0 5 15,-113-26-10-15,90 26-9 16,1 0-14-16,-1 0 10 16,-3 18-10-16,-3 5 8 15,3-1-7-15,5 4-2 16,6 1 2-16,5 8 0 15,8 5 0-15,2 4-4 16,0-2 4-16,2 2-1 16,21-11-1-16,8-8-5 15,5-6 3-15,5-7 0 16,0-10-3-16,-1-2 2 16,0 0-7-16,-6 0 6 0,0-19-15 15,-7 1-11-15,-6-3 7 16,-3-8-36-16,-7 8-2 15,-9-6 9-15,-2 10 29 16,0-6 20-16,-6 4 3 16,-12-2-1-16,0-3 1 15,-4-2 3-15,-3-4-3 16,4 6 3-16,0-2 5 16,8 8 8-16,4 4 10 15,6 9 3-15,3 1-14 16,0 4-11-16,0 0-4 15,5 0-1-15,19 4 1 16,12 5 3-16,5-7-3 0,7-2 0 16,10 0 2-1,9-2 21-15,7-14 0 0,1-3-4 16,-4 10-11-16,-10-4 10 16,-12 11-8-16,-14-2-8 15,-10 4 0-15,-10-3 0 16,-7 3-2-16,-8 0 0 15,0 0-68-15,0 0-126 16</inkml:trace>
+  <inkml:trace contextRef="#ctx0" brushRef="#br0" timeOffset="-203733.88">7673 17212 529 0,'0'0'134'0,"0"0"-128"15,0 0-6-15,0 0 7 16,0 0-3-16,0 0-2 16,27-17-2-16,6 17 6 15,-4 0 2-15,-2 0 6 16,-12 6-2-16,-1 10 11 15,-8 4-9-15,-1 10-5 16,-5 7 4-16,0 7 0 16,0 0-12-16,-2-9-1 15,-3 1 3-15,5-10-1 16,0-7-2-16,0-5-6 16,7-6 6-16,7 1 0 0,3-5-4 15,3 1-2-15,3-5-19 16,1 0-8-16,-4 0-50 15,3 0-110-15</inkml:trace>
+  <inkml:trace contextRef="#ctx0" brushRef="#br0" timeOffset="-203272.12">7629 17879 497 0,'0'0'179'0,"0"0"-158"15,0 0-5-15,0 0 7 16,0 0-17-16,0 0-4 15,-90 138 1-15,68-92-2 16,2-3-1-16,0 10 1 16,2-3 2-16,3 1-3 15,3-13-1-15,6-16 1 16,3-16 0-16,3-2-12 16,0-4-47-16,0 0-69 15,0-8-5-15</inkml:trace>
+  <inkml:trace contextRef="#ctx0" brushRef="#br0" timeOffset="-203015.02">7355 18009 541 0,'0'0'32'16,"0"0"-32"-16,0 0-16 0,0 0-24 15,0 0-77 1</inkml:trace>
+  <inkml:trace contextRef="#ctx0" brushRef="#br0" timeOffset="-202700.67">7355 18009 99 0,'-7'-22'477'16,"11"22"-426"-16,1 0-47 0,5 0 2 16,15 18 44-1,4 8-11-15,2 6-12 0,-2-2-7 16,-2 6 2-16,-4 0-6 16,-4 3-6-16,4-12-9 15,-6 2 0-15,1-13 2 16,-5-3-3-16,1-4 0 15,-5-5-12-15,3-4-15 16,-6 0-41-16,5 0-99 16,-5-9-198-16</inkml:trace>
+  <inkml:trace contextRef="#ctx0" brushRef="#br0" timeOffset="-202250.67">7820 18148 255 0,'0'0'229'15,"0"0"-218"-15,0 0-8 16,0 0 42-16,0 0-3 15,0 0 8-15,109 128-29 16,-95-92-6-16,-1-5 0 16,-4-4-7-16,0-14-7 0,-5-9-1 15,-4-4 1-15,2-4 8 16,3-36 2-16,4-14-11 16,8-12-1-16,6 2-3 15,4 11-10-15,-2 18-11 16,-6 9 22-16,-5 16 2 15,-5 10 1-15,-3 0-3 16,1 0 3-16,2 19 14 16,0 10 0-16,-3 7-1 15,1 7-10-15,-3 0 5 16,1 1-8-16,-3 0-1 16,-2-4 1-16,0-7 0 0,0-7-21 15,0 1-54-15,0-6-94 16</inkml:trace>
+  <inkml:trace contextRef="#ctx0" brushRef="#br0" timeOffset="-200801.81">641 13860 139 0,'0'0'95'0,"0"0"-43"0,0 0-24 16,0 0 33-1,0 0-13-15,0 0-16 0,-6 0-11 16,6 0-13-16,0 0-8 15,0 0 5-15,0 0-3 16,0 0 2-16,0 0 4 16,0 0 4-16,0 0-3 15,0 0-1-15,0 0-1 16,0 0 7-16,0 0 3 16,0 0 7-16,-5 0-7 15,2 6-7-15,-3 32-9 16,-3 20-1-16,1 24 1 15,6 27 9-15,2 23 7 16,0 26 4-16,8 43 10 16,21 42-6-16,11 35-5 0,14 25 2 15,17-5-12 1,9-21 8-16,10-14-7 0,-2-26-5 16,1-22 1-16,0-19-3 15,0-32-2-15,1-28-2 16,-5-35 2-16,-6-25-2 15,-5-26 1-15,-16-9 0 16,-11-15 0-16,-18-12-1 16,-15-4-1-16,-8-2-21 15,-4-8-35-15,-2 0-58 16,0-32-119-16</inkml:trace>
+  <inkml:trace contextRef="#ctx0" brushRef="#br0" timeOffset="-199867.47">7885 13800 437 0,'75'144'14'0,"-13"40"12"15,4 31 2-15,-4-5 4 16,-2-11 38-16,-5-6-17 16,-7-1-18-16,-17 12-12 15,-23-7 1-15,-8-4 9 16,0-6-6-16,-4-12-16 16,-7-6-1-16,-1 6-10 15,-9-6 0-15,-8 5-20 16,-12 10-57-16,-17-15-157 15</inkml:trace>
+  <inkml:trace contextRef="#ctx0" brushRef="#br0" timeOffset="-198011.61">2125 16351 543 0,'0'0'0'15,"0"0"-153"-15,0 0-143 16</inkml:trace>
+  <inkml:trace contextRef="#ctx0" brushRef="#br0" timeOffset="-197758.3">2194 16843 363 0,'0'0'161'15,"0"0"-147"-15,0 0-14 16,0 0-3-16,0 0 3 16,0 0 1-16,29 117 1 15,-17-91-1-15,-2 0 0 16,-1-4 3-16,3 0-3 16,-4-4 1-16,1 0-2 0,-2 1 0 15,-5 3-44-15,-2 13-117 16</inkml:trace>
+  <inkml:trace contextRef="#ctx0" brushRef="#br0" timeOffset="-197682.5">2272 17526 248 0,'0'0'0'0,"0"0"-172"16</inkml:trace>
+  <inkml:trace contextRef="#ctx0" brushRef="#br0" timeOffset="-197050.36">2002 17965 441 0,'0'0'36'16,"0"0"-8"-16,0 0 12 0,0 0 36 16,0 0-26-1,-122 22-25-15,109 0-10 0,1 8-10 16,6 10-2-16,1 6 6 15,5 6-4-15,0-2-2 16,0 3-2-16,9-11 1 16,7-6-2-16,4-11 0 15,6-6-1-15,3-4-1 16,5-13 2-16,1-2 1 16,4-13 0-16,-1-14 0 15,-9-13 0-15,-10 1-1 16,-7-1-9-16,-12-3 1 15,0 3 1-15,-5 6 1 16,-19-3 5-16,-5 2-6 16,-5 7 7-16,3-3 0 0,6 10 0 15,7 7-1 1,10 5-1-16,5 9 2 0,3 0 0 16,0 0-13-16,9 0 6 15,20 0 6-15,7 0 2 16,2 0 1-16,-2-3-2 15,-1 0 4-15,1-4-3 16,-3 3 0-16,5-2 0 16,-6-2-1-16,-4 8-3 15,-1 0-29-15,-11 0-89 16,-3 4-25-16</inkml:trace>
+  <inkml:trace contextRef="#ctx0" brushRef="#br0" timeOffset="-192415.85">2515 18005 277 0,'0'0'114'0,"0"0"-107"16,0 0 8-16,0 0 35 16,0 0-6-16,0 0-18 15,0 0-2-15,0-6-10 16,0 6-2-16,0 0 0 15,0 0 4-15,0 0-6 16,0 0-2-16,0 0 10 16,-2 0 7-16,-3 0-8 15,-6 0-4-15,-9 22-12 16,-4 11 2-16,-1 11-3 16,1 1 0-16,3-1 2 15,4 5 5-15,3-13-7 0,3-4 0 16,3-6 2-16,1-4 1 15,-5-4-3-15,4 8-4 16,-3-2 4-16,-1-2 1 16,6-4-1-16,1-9-1 15,1-2-15-15,2-4-28 16,-6 4-59-16,2-3-68 16</inkml:trace>
+  <inkml:trace contextRef="#ctx0" brushRef="#br0" timeOffset="-191817.29">2287 18093 371 0,'0'0'34'15,"0"0"-33"-15,0 0 6 16,0 0 1-16,0 0-4 15,0 0 1-15,0 0 2 16,0 0 6-16,0 0 18 16,0 0-1-16,0 0-5 0,3 0-8 15,8 18 4-15,7 0 4 16,0 4-5-16,7 4-8 16,-2-1 8-16,4-4-14 15,-2 1 4-15,-3-4-8 16,-1 0-2-16,-6-6 0 15,-6-1 3-15,0 1-3 16,-2-8 0-16,-3-2-3 16,0-2-9-16,1 0-84 15,-5 0-36-15</inkml:trace>
+  <inkml:trace contextRef="#ctx0" brushRef="#br0" timeOffset="-187678.53">2673 18093 229 0,'0'0'69'0,"0"0"-47"0,0 0 21 16,0 0 1-16,0 0-22 15,0 0-19-15,0 0 4 16,-6 0 4-16,6 0-1 16,0 0 3-16,0 0-7 15,0 0-1-15,-2 0 6 16,2 0 5-16,0 0 2 16,0 0 4-16,0 0-12 15,0 0 1-15,0 0-4 16,0 0 2-16,0 0-7 15,0 5 0-15,0 1 0 16,0 5 1-16,0-1-3 16,0 7 3-16,0-4 0 0,2 1 5 15,2 0 0-15,-2-2-8 16,1-2 4 0,-3-6-3-16,2 0 2 0,0 0-5 15,-2-4 4-15,0 0-2 16,0 0 0-16,0 0 0 15,0 0 0-15,0 3 0 16,0-3-2-16,0 0-1 16,0 0 0-16,0 0 2 15,0 0 0-15,0 2-5 16,0-2 6-16,0 0 0 16,0 0-2-16,2 0 2 15,0 0-6-15,0 0-3 0,0 0 0 16,3 0 1-16,-2 0 8 15,-1 0 0 1,-2 0-1-16,0 0 1 0,0 0 0 16,0 0 1-16,0 0-1 15,0-2-1-15,2-9 1 16,0-3 0-16,5-4-1 16,1-4 0-16,2 0 2 15,3 4-1-15,-4 4 0 16,-3-2-4-16,2 10 3 15,-4-6-1-15,5 6-7 0,-3-1 3 16,6 2 4 0,-6 1 1-16,1 4-2 0,1 0-8 15,-2 0 11-15,0 9 0 16,-2 12 4-16,-1 5 8 16,-1 2 0-16,-2-6 4 15,0 0-15-15,0 0 1 16,2-4 0-16,0-4 0 15,0 4-1-15,0-1-2 16,-2-3 2-16,3-1-1 16,-3-4 0-16,0-3-3 15,3-6-26-15,-3 0-69 16,0 0-212-16</inkml:trace>
+  <inkml:trace contextRef="#ctx0" brushRef="#br0" timeOffset="-187214.41">2963 17830 429 0,'0'0'122'0,"0"0"-96"16,0 0-22-16,0 0-4 16,0 0 4-16,0 0-2 15,-18 81-1-15,13-51 2 16,-1 2 7-16,-1-6 16 16,1 2-16-16,1-6-9 0,1-4 4 15,1-10-5-15,3 2 1 16,0-6-2-16,0 0-3 15,0-4-22-15,0 0-35 16,0 0-60-16,0 0-135 16</inkml:trace>
+  <inkml:trace contextRef="#ctx0" brushRef="#br0" timeOffset="-186950.95">2840 17955 449 0,'0'0'11'0,"0"0"-11"0,0 0-1 15,0 0 1-15,0 0 7 16,0 0 0-16,62 88 15 16,-46-66 35-16,0-8-13 15,-2 0-36-15,-4-1-2 16,3 3-5-16,1-9 2 15,1 1-3-15,1-2-5 16,3-6-49-16,-4 5-46 16,-2-5-129-16</inkml:trace>
+  <inkml:trace contextRef="#ctx0" brushRef="#br0" timeOffset="-186659.64">3148 17995 410 0,'0'0'50'0,"0"0"-48"16,0 0-2-16,0 0 0 15,0 0 5-15,0 0 9 16,16 4-5-16,-8 6 8 16,1-2 5-16,0 6 16 15,0 4-11-15,-2 0-11 16,1 0-9-16,0-2-6 0,2-2 0 15,-3 0 0 1,5-6 0-16,-6 6 1 0,-2-10-2 16,1 4 0-16,-3-6 2 15,-2 2-2-15,2-4-1 16,-2 0 0-16,0 0-40 16,0 4-135-16</inkml:trace>
+</inkml:ink>
+</file>
+
+<file path=ppt/ink/ink5.xml><?xml version="1.0" encoding="utf-8"?>
 <inkml:ink xmlns:inkml="http://www.w3.org/2003/InkML">
   <inkml:definitions>
     <inkml:context xml:id="ctx0">
@@ -601,22 +839,22 @@
   <inkml:trace contextRef="#ctx0" brushRef="#br0" timeOffset="61866.5">2601 12814 365 0,'-19'-6'23'0,"-4"-3"4"16,-28 1 11-16,42 6 2 15,7 0-9-15,0 2 2 16,2-2-8-16,-4 0-18 16,6 0-6-16,13 2 6 15,-1-2 0-15,-1 1-7 16,3-2-3-16,3 1 3 15,18-2 4-15,85-9-3 0,-104 9-2 16,0-3-7 0,-3 3-13-16,1 2-29 0,15-4-38 15,-4 4-14-15,19 4-83 16</inkml:trace>
   <inkml:trace contextRef="#ctx0" brushRef="#br0" timeOffset="62021.63">2684 12897 244 0,'-11'12'191'16,"-18"5"-157"-16,31-20-34 15,3 3-19-15,-3 0 14 16,0 0 5-16,8-1 0 16,1-2 4-16,53-4-8 0,-49 1-4 15,6 2-107-15</inkml:trace>
   <inkml:trace contextRef="#ctx0" brushRef="#br0" timeOffset="62366.46">3264 12286 446 0,'-19'-6'33'0,"-25"0"-16"0,44 15-17 15,-2 4-1-15,0 7-1 16,-2 5 4-16,-4 30 3 16,-16 182 4-16,19-187-7 15,1 2 4-15,2-2 0 16,0 2-6-16,4 48 0 15,4-3 4-15,54 158-4 16,-44-233 0-16,3-2-11 16,-2-6 7-16,-1 0-2 15,20 12-44-15,-1-10-19 16,79-9-141-16</inkml:trace>
-  <inkml:trace contextRef="#ctx0" brushRef="#br0" timeOffset="62998.79">3640 12519 86 0,'-13'-3'363'15,"7"2"-317"-15,-2 1-35 16,6 0 3-16,-7 0-6 16,7 10-6-16,4-2-2 15,3 3 2-15,-1 10 5 16,6 1 9-16,5 19-15 16,5 8 6-16,49 106-4 0,-56-137-2 15,-1-3-1-15,-2-1 0 16,-1-3 0-16,14 11 4 15,-5-11-2-15,28-6-2 16,-44-14 7-16,3-2 2 16,0-7-9-16,-1-3 4 15,3-16-3-15,6-100-1 16,-13 119 0-16,2 2 0 16,1 6 2-16,-1 4-1 15,-2-8-1-15,0 8-8 16,-5 18 6-16,8-4 0 15,1 0 2-15,0 4 3 16,1 0-2-16,6 8 0 0,3 4-1 16,34 40-11-16,-36-52-17 15,-2 0-50-15,1 0-26 16,3-1-62-16</inkml:trace>
-  <inkml:trace contextRef="#ctx0" brushRef="#br0" timeOffset="63161.29">4259 12832 386 0,'-2'0'50'0,"0"4"-41"15,0 1-7-15,4 6 2 16,18 51-2-16,-18-53-1 0,1 2 1 16,1-1-2-1,0-1 0-15,6 12-4 0,28 23 0 16,-34-38-74-16</inkml:trace>
+  <inkml:trace contextRef="#ctx0" brushRef="#br0" timeOffset="62998.78">3640 12519 86 0,'-13'-3'363'15,"7"2"-317"-15,-2 1-35 16,6 0 3-16,-7 0-6 16,7 10-6-16,4-2-2 15,3 3 2-15,-1 10 5 16,6 1 9-16,5 19-15 16,5 8 6-16,49 106-4 0,-56-137-2 15,-1-3-1-15,-2-1 0 16,-1-3 0-16,14 11 4 15,-5-11-2-15,28-6-2 16,-44-14 7-16,3-2 2 16,0-7-9-16,-1-3 4 15,3-16-3-15,6-100-1 16,-13 119 0-16,2 2 0 16,1 6 2-16,-1 4-1 15,-2-8-1-15,0 8-8 16,-5 18 6-16,8-4 0 15,1 0 2-15,0 4 3 16,1 0-2-16,6 8 0 0,3 4-1 16,34 40-11-16,-36-52-17 15,-2 0-50-15,1 0-26 16,3-1-62-16</inkml:trace>
+  <inkml:trace contextRef="#ctx0" brushRef="#br0" timeOffset="63161.28">4259 12832 386 0,'-2'0'50'0,"0"4"-41"15,0 1-7-15,4 6 2 16,18 51-2-16,-18-53-1 0,1 2 1 16,1-1-2-1,0-1 0-15,6 12-4 0,28 23 0 16,-34-38-74-16</inkml:trace>
   <inkml:trace contextRef="#ctx0" brushRef="#br0" timeOffset="63950.51">4623 12340 470 0,'-7'-12'27'0,"1"-10"10"15,-4 6-25-15,-7 15 3 16,15 3-3-16,2 9-10 16,2 9 21-16,2 4-8 15,3 26-8-15,1 15-4 16,31 169-2-16,-33-207 5 0,3 0-6 16,0-3 2-1,0-1-2-15,8 18 0 0,29 52 2 16,-38-86-4-16,-3 0-11 15,-3-1-1-15,2 2-61 16,3 6-74-16</inkml:trace>
   <inkml:trace contextRef="#ctx0" brushRef="#br0" timeOffset="64355.09">5113 12906 391 0,'-4'0'47'0,"4"0"-37"0,0-3-10 16,2 2 0-16,0-4 0 15,2 2-1-15,27-18-6 16,-19 17-4-16,-1 0-9 16,-2 3-30-16,2-4 7 15,9 2-17-15,33-1-36 16</inkml:trace>
   <inkml:trace contextRef="#ctx0" brushRef="#br0" timeOffset="64465.15">5431 12865 211 0,'10'0'0'0,"21"3"-98"0</inkml:trace>
-  <inkml:trace contextRef="#ctx0" brushRef="#br0" timeOffset="64804.26">5724 12296 525 0,'-5'-2'49'0,"1"-1"-21"15,4 6-14-15,0-1-14 16,-3 6 1-16,3 10 6 16,20 117 11-16,-11-99-11 15,-7 2-3-15,1 0-3 16,4 0 3-16,1 38-1 16,1-1-3-16,32 119-3 15,-35-174 1-15,3-8 1 16,-1-6-37-16,2-2-4 15,7 5-39-15,30-32-100 0</inkml:trace>
+  <inkml:trace contextRef="#ctx0" brushRef="#br0" timeOffset="64804.25">5724 12296 525 0,'-5'-2'49'0,"1"-1"-21"15,4 6-14-15,0-1-14 16,-3 6 1-16,3 10 6 16,20 117 11-16,-11-99-11 15,-7 2-3-15,1 0-3 16,4 0 3-16,1 38-1 16,1-1-3-16,32 119-3 15,-35-174 1-15,3-8 1 16,-1-6-37-16,2-2-4 15,7 5-39-15,30-32-100 0</inkml:trace>
   <inkml:trace contextRef="#ctx0" brushRef="#br0" timeOffset="65264.88">6062 12241 449 0,'-2'3'51'0,"4"3"-49"0,-2 6 2 16,0 12-3 0,2 10 0-16,21 130 10 0,-17-129 5 15,3-3-16-15,0-5 5 16,2 0-4-16,9 23 2 15,0-8-3-15,45 34 1 16,-53-74-1-16,-4-2 1 16,1-4 4-16,-1-2-5 15,11-6 8-15,32-75-8 16,-44 60 0-16,-1-3-15 16,1-1 15-16,-3 0 0 15,6-23 3-15,-6 9 4 16,-6-22 15-16,-3 70-9 15,5 0-12-15,0 0 2 16,0 5-1-16,3 10 2 0,-1 9-1 16,25 92-3-1,-21-100 2-15,3-1 0 0,-3-1-2 16,6 2-23-16,5 15-50 16,59 58-21-16,-60-84-72 15</inkml:trace>
   <inkml:trace contextRef="#ctx0" brushRef="#br0" timeOffset="65624.23">6694 12645 395 0,'-2'-2'83'16,"-8"4"-73"-16,10 0-9 0,2 2-1 16,-2 0 5-16,2 2-5 15,2 5 4-15,14 56 2 16,-15-50 1-16,1-4-4 15,-2-3 4-15,4 0-2 16,4 9 0-16,1-9-3 16,14 0 2-16,-23-17 0 15,2 1 10-15,0-1-13 16,1-5 6-16,6-6-7 16,-2-4 3-16,14-35-3 15,-23 53 4-15,2 2 1 16,0 0-5-16,0 2-7 15,0 2 7-15,17 20 3 0,-17-10-2 16,2 2 8 0,0-2-7-16,1 1-1 0,1 14-1 15,4 1-20-15,21 42-36 16,-27-65 0-16,0-4-58 16</inkml:trace>
   <inkml:trace contextRef="#ctx0" brushRef="#br0" timeOffset="65983.25">6911 11962 450 0,'0'-7'52'15,"2"-1"-44"-15,25 16-5 16,-13 2-1-16,1 1 14 16,3 8 26-16,-3 5-9 15,16 22-8-15,-2 15-9 16,38 196 11-16,-64-206 4 15,-3 4-24-15,0-5 3 16,-5 0-5-16,0 50-1 0,-5-8-4 16,-30 163-6-16,28-215 2 15,1 2-40-15,-3 2-139 16</inkml:trace>
   <inkml:trace contextRef="#ctx0" brushRef="#br0" timeOffset="70051.83">1332 14308 341 0,'-3'-5'22'0,"1"1"-5"15,0-6 6-15,0 4 0 16,0 2 22-16,0 4 13 0,0 0-32 16,2 2-21-1,-3 0-1-15,1 4 1 0,7 37 28 16,-3-20-6-16,2 5-9 15,0 11 6-15,-2 1 11 16,5 41-25-16,-2 17 2 16,6 250-10-16,-11-294 11 15,2-8-13-15,2-8-4 16,1-10 4-16,4 35 2 16,0-18-2-16,24 35-2 15,-28-67-17-15,1-9-11 16,-2 4-19-16,2-2-18 15,5 4-68-15,24 2-49 16</inkml:trace>
-  <inkml:trace contextRef="#ctx0" brushRef="#br0" timeOffset="70548.99">1595 14562 511 0,'0'-10'39'16,"-6"-1"-23"-16,-6 4-16 0,12 13-9 15,2 1 9-15,2 12 1 16,2 8 5-16,2 24-1 15,1 17-3-15,36 182-4 16,-39-227 4-16,3 0 2 16,0-10-4-16,-2-1-3 15,10 10 3-15,33-11 4 16,-44-19-4-16,3-7 13 16,3-3-13-16,-2-12 10 15,11-20-10-15,0-14-2 16,29-145 2-16,-46 193 3 0,-2 4 1 15,0 7-7 1,-2 0 6-16,0-2-1 16,0 7-2-16,-2 23-5 0,4-9 5 15,3 5 6-15,0-4-4 16,-1 1-4-16,7 18 4 16,33 51 2-16,-34-71-4 15,-2-4-6-15,1 4-13 16,1 2-66-16,9 8-53 15</inkml:trace>
+  <inkml:trace contextRef="#ctx0" brushRef="#br0" timeOffset="70548.98">1595 14562 511 0,'0'-10'39'16,"-6"-1"-23"-16,-6 4-16 0,12 13-9 15,2 1 9-15,2 12 1 16,2 8 5-16,2 24-1 15,1 17-3-15,36 182-4 16,-39-227 4-16,3 0 2 16,0-10-4-16,-2-1-3 15,10 10 3-15,33-11 4 16,-44-19-4-16,3-7 13 16,3-3-13-16,-2-12 10 15,11-20-10-15,0-14-2 16,29-145 2-16,-46 193 3 0,-2 4 1 15,0 7-7 1,-2 0 6-16,0-2-1 16,0 7-2-16,-2 23-5 0,4-9 5 15,3 5 6-15,0-4-4 16,-1 1-4-16,7 18 4 16,33 51 2-16,-34-71-4 15,-2-4-6-15,1 4-13 16,1 2-66-16,9 8-53 15</inkml:trace>
   <inkml:trace contextRef="#ctx0" brushRef="#br0" timeOffset="70997.86">2248 14872 424 0,'-5'0'42'16,"3"2"-10"-16,0 1-9 15,-5 1 5-15,4 3-18 16,1 46 3-16,2-36-12 15,0 0 16-15,5 3-9 16,-2-3-5-16,3 18 2 16,30 54-1-16,-30-79-3 15,-4-4-2-15,3-3-5 16,-3 5 1-16,5 1-55 16,0 1-100-16</inkml:trace>
   <inkml:trace contextRef="#ctx0" brushRef="#br0" timeOffset="71533.45">2482 14266 455 0,'-14'-14'67'0,"3"1"-32"16,-13-1-15-16,21 16 11 0,1 0-5 16,0 0-22-1,2 6-4-15,0 6 1 0,19 116 12 16,-15-90-1-16,0-1-3 15,2-2 5-15,1 0-6 16,7 37-3-16,3-4-10 16,43 118 10-16,-49-168-1 15,-1 1-4-15,-2-8-8 16,1 2 4-16,7 14-6 16,-3-6-22-16,14 17-33 15,-23-40-50-15,-2 2-65 16</inkml:trace>
   <inkml:trace contextRef="#ctx0" brushRef="#br0" timeOffset="71884.75">2996 14833 398 0,'-2'-3'0'0,"0"2"-46"15</inkml:trace>
   <inkml:trace contextRef="#ctx0" brushRef="#br0" timeOffset="72373.63">2896 14534 421 0,'-9'0'97'0,"-2"0"-33"16,0-6-37-16,4 2-13 15,9 2 5-15,3-2 7 16,3 2-12-16,4-2 3 15,10-9-15-15,79-20 10 0,-78 20-12 16,0 7 0 0,-3-1 3-16,0 3-3 0,21-10-21 15,-6 6-17-15,43-4-29 16,-67 15-31-16,-6 6-75 16</inkml:trace>
-  <inkml:trace contextRef="#ctx0" brushRef="#br0" timeOffset="72552.99">3000 14851 456 0,'-4'-4'83'15,"4"4"-67"-15,2-4-9 0,2 4-7 16,2-2 9 0,5-1-6-16,44-6 0 0,-42 4 8 15,6-1-10-15,-4-1-2 16,3-3-24-16,17-7-58 15,5-6-84-15</inkml:trace>
+  <inkml:trace contextRef="#ctx0" brushRef="#br0" timeOffset="72552.98">3000 14851 456 0,'-4'-4'83'15,"4"4"-67"-15,2-4-9 0,2 4-7 16,2-2 9 0,5-1-6-16,44-6 0 0,-42 4 8 15,6-1-10-15,-4-1-2 16,3-3-24-16,17-7-58 15,5-6-84-15</inkml:trace>
   <inkml:trace contextRef="#ctx0" brushRef="#br0" timeOffset="72916.42">3740 14472 459 0,'-2'-8'17'0,"-3"-3"-2"0,-1-6 1 16,6-67 14-1,0 69-9-15,0-7 6 0,2 4-14 16,-2 0-12-16,2-20 8 16,-4-52 11-16,4 80-8 15,-2 2-2-15,-2 3-8 16,2 5 0-16,0-4-2 15,-2 7-7-15,11 29 7 16,-5-14 12-16,6 4-7 16,-2 0 3-16,-1 2-7 15,9 22 14-15,1 6-10 16,39 111-2-16,-47-135-2 0,0-9 1 16,-2 2-2-1,1-4-1-15,8 19-24 0,22 51-58 16,-32-71-113-16</inkml:trace>
   <inkml:trace contextRef="#ctx0" brushRef="#br0" timeOffset="73817.75">1614 15879 79 0,'-4'-4'110'0,"-7"-6"-70"16,-16-26-40-16,25 32-3 15,0-5 3-15,0 8 2 16,0 1 17-16,-5-4 5 15,2-1 1-15,-14 5-11 16,16-2 23-16,1 2 7 16,-3-2-18-16,3-2 0 15,0-1-16-15,-3-3-5 16,-3-18 3-16,8 23-5 16,0 1 11-16,-2 2 21 0,2 0-14 15,-3-5 7-15,-3 1 2 16,3 2-6-16,3 2-7 15,-2 2-14-15,2 2 7 16,-2-4-10-16,2 7 3 16,11 66 2-16,-6-37 5 15,-3 1 3-15,0 3-4 16,-2-5-7-16,4 40 6 16,-2-7-8-16,12 85 2 15,-12-138-2-15,1 3 1 16,-1 0-1-16,0-4-8 15,4 13-26-15,19 31-35 0,-16-58-39 16,-1 0-86 0</inkml:trace>
   <inkml:trace contextRef="#ctx0" brushRef="#br0" timeOffset="75183.78">1927 15815 500 0,'-7'-16'21'15,"-4"-12"0"-15,-20-22 3 16,29 45 3-16,-1 5 10 16,1 0-10-16,0 0-7 15,-2 0-20-15,1 5-3 16,6 53 3-16,-1-22 3 15,2-3 0-15,3-2-3 16,-1 3-1-16,10 25 1 0,2-1 0 16,48 58-2-1,-56-110 2-15,-4-2-2 0,1 0-1 16,1-4-2-16,9 0 5 16,27-29 0-16,-35 10 1 15,0-6 1-15,-3 4-3 16,1-5 2-16,7-21-1 15,-3 0 0-15,11-83-2 16,-24 120 2-16,4 3 0 16,-2 6-2-16,2 1-2 15,-2-5-4-15,2 5 8 16,17 32-2-16,-13-22 6 0,3 3-3 16,5-2-1-1,-4 3 1-15,15 9-1 0,60 44 1 16,-74-54-1-16,0 1-21 15,3 0-101-15,1-5-33 16</inkml:trace>
@@ -625,11 +863,65 @@
   <inkml:trace contextRef="#ctx0" brushRef="#br0" timeOffset="81375.34">2758 15352 386 0,'-3'-4'44'0,"1"-3"-18"16,-4 3-20-16,3 8-4 0,6 1-1 15,-1 5 18-15,7 8 7 16,2 12 11-16,6 14-17 16,57 149-10-16,-61-157 10 15,3-4 12-15,0 4-24 16,-3-2 8-16,14 39-9 15,-5-7 4-15,30 132-11 16,-50-168 2-16,0-3-2 16,0-4 2-16,0 4-2 15,2 17-14-15,10 50-33 16,-9-87-30-16,-1-7-40 16,0 0-91-16</inkml:trace>
   <inkml:trace contextRef="#ctx0" brushRef="#br0" timeOffset="81960.38">3455 15659 564 0,'-6'-4'47'0,"-21"-22"-38"16,27 24 10-16,2 2 2 16,0 0-17-16,2 0-2 15,6-3-1-15,7 3 16 16,91-6-17-16,-84 6 0 15,0 0 0-15,-1 0 1 16,1 0-1-16,20-3-22 16,75-7-64-16,-105 7-57 0</inkml:trace>
   <inkml:trace contextRef="#ctx0" brushRef="#br0" timeOffset="82131.53">3640 15905 470 0,'-11'0'158'0,"7"0"-141"16,4 0-17-16,2 0-4 15,-2 4 1-15,54-8 3 16,-39-3-2-16,5 1-11 16,4-3-54-16,3-1-84 15</inkml:trace>
-  <inkml:trace contextRef="#ctx0" brushRef="#br0" timeOffset="82466.71">4353 15473 481 0,'-5'-15'30'15,"3"1"-19"-15,2 0-3 16,-2-2 9-16,-2-11 17 15,4 2-17-15,6-27 0 16,-6 52-14-16,0 0 7 16,0 2-10-16,2 2 0 15,3 6 0-15,4 7 21 0,42 102-16 16,-39-91 5 0,-1 6-1-16,-1-1 10 0,0 3-5 15,12 26-14-15,36 102 3 16,-49-150 1-16,0 1-4 15,-1-8-2-15,1-1-7 16,7 8-7-16,-1-6-48 16,41-22-81-16,-42 0-210 15</inkml:trace>
+  <inkml:trace contextRef="#ctx0" brushRef="#br0" timeOffset="82466.7">4353 15473 481 0,'-5'-15'30'15,"3"1"-19"-15,2 0-3 16,-2-2 9-16,-2-11 17 15,4 2-17-15,6-27 0 16,-6 52-14-16,0 0 7 16,0 2-10-16,2 2 0 15,3 6 0-15,4 7 21 0,42 102-16 16,-39-91 5 0,-1 6-1-16,-1-1 10 0,0 3-5 15,12 26-14-15,36 102 3 16,-49-150 1-16,0 1-4 15,-1-8-2-15,1-1-7 16,7 8-7-16,-1-6-48 16,41-22-81-16,-42 0-210 15</inkml:trace>
 </inkml:ink>
 </file>
 
-<file path=ppt/ink/ink5.xml><?xml version="1.0" encoding="utf-8"?>
+<file path=ppt/ink/ink6.xml><?xml version="1.0" encoding="utf-8"?>
+<inkml:ink xmlns:inkml="http://www.w3.org/2003/InkML">
+  <inkml:definitions>
+    <inkml:context xml:id="ctx0">
+      <inkml:inkSource xml:id="inkSrc0">
+        <inkml:traceFormat>
+          <inkml:channel name="X" type="integer" max="32767" units="cm"/>
+          <inkml:channel name="Y" type="integer" max="32767" units="cm"/>
+          <inkml:channel name="F" type="integer" max="1023" units="deg"/>
+          <inkml:channel name="T" type="integer" max="2.14748E9" units="dev"/>
+        </inkml:traceFormat>
+        <inkml:channelProperties>
+          <inkml:channelProperty channel="X" name="resolution" value="2155.72363" units="1/cm"/>
+          <inkml:channelProperty channel="Y" name="resolution" value="3449.15796" units="1/cm"/>
+          <inkml:channelProperty channel="F" name="resolution" value="2.84167" units="1/deg"/>
+          <inkml:channelProperty channel="T" name="resolution" value="1" units="1/dev"/>
+        </inkml:channelProperties>
+      </inkml:inkSource>
+      <inkml:timestamp xml:id="ts0" timeString="2022-12-13T08:25:14.590"/>
+    </inkml:context>
+    <inkml:brush xml:id="br0">
+      <inkml:brushProperty name="width" value="0.05292" units="cm"/>
+      <inkml:brushProperty name="height" value="0.05292" units="cm"/>
+      <inkml:brushProperty name="color" value="#FF0000"/>
+    </inkml:brush>
+  </inkml:definitions>
+  <inkml:trace contextRef="#ctx0" brushRef="#br0">12545 14024 275 0,'0'0'45'15,"0"0"-29"-15,0 0 5 16,0 0 27-16,0 0-14 16,0 0 8-16,0 0-1 15,0 0-5-15,0-20-12 16,0 18-7-16,0-3-10 15,0 1 1-15,0 1-1 16,0-1-5-16,0 2 9 16,0-2-2-16,-2 1-2 15,-2-6 9-15,-3 3-12 16,1-6 2-16,-4 2-2 0,0 0-3 16,1-2 7-16,-5 0 2 15,3 2-9-15,0-3 4 16,-5 0-2-16,-1 1-1 15,-3 0-1-15,-7 5 0 16,-2 2 10-16,-7 5-1 16,-6 0-4-16,2 0-2 15,0 6-2-15,2 12-1 16,7 1-1-16,2 2-1 16,2 3 1-16,2 6 0 15,1 8 0-15,-3 6 0 0,1 6 1 16,-3 7 0-1,-2-5-1-15,2 2 0 0,4-2 0 16,7-4 0-16,9 1 0 16,3-5-1-16,6-2 1 15,0-2 0-15,15-2-1 16,18-2-2-16,6-3 3 16,3-6 0-16,7-3-1 15,2-8 1-15,2 0 0 16,1-10 1-16,-1-2-1 15,-2 1-2-15,-3-5 2 16,-6 0 0-16,-3 0-2 16,-3 0 1-16,-5-15 1 0,-4-1 1 15,-2-1-1 1,2-4-3-16,-1-4 3 0,-1-4 0 16,-1-1 0-16,-2-5 0 15,-1-7 1-15,-4-2-1 16,-1-1 0-16,-7-8-2 15,-5 3 2-15,-4 3 0 16,0 0 2-16,0 8-2 16,-8 8 0-16,-5-1 2 15,-4 7-1-15,5 2 1 16,-5 5 0-16,5-3 0 16,-7 6 0-16,-3 1-1 15,0-1 1-15,-5 3-2 16,-4 0 0-16,2-2-2 0,0 4 2 15,4 2 0-15,1 0-6 16,0 8-5-16,1 0-34 16,1 0-53-16,-7 19-58 15</inkml:trace>
+  <inkml:trace contextRef="#ctx0" brushRef="#br0" timeOffset="1487.89">10665 14030 374 0,'0'0'55'0,"0"0"-22"16,0 0 5-16,0 0 18 15,0 0-12-15,0 0-12 16,-87-68 0-16,74 56-7 16,-5 10-8-16,0 2 4 0,-2 0-11 15,-5 0-10-15,-4 14 4 16,-2 7-2-16,-7 11 1 15,3 8-3-15,0 6 0 16,1-2 0-16,9 2 0 16,10-2 1-16,8 0-2 15,7-2 2-15,0 2-1 16,0 5 0-16,10-4-2 16,9 4 2-16,6-4 0 15,6 2 0-15,2-3-2 0,5-2 4 16,5-6-3-1,-1-4 1-15,3-6-3 0,-3-5 3 16,-2-7 0-16,-2-5-1 16,-4-4-1-16,1-5 2 15,-2 0 0-15,1-11 0 16,-1-13 1-16,-2 1 0 16,0-9 1-16,-2 1-1 15,-6 2-1-15,-1 0 0 16,-4-5 2-16,-2-3-2 15,-5-8-3-15,-3 1 3 16,1-3 0-16,-4 3 1 16,-3 4-1-16,-2 6 0 0,0 6 1 15,0 2-1 1,0 4-1-16,0 2 1 0,-9-1 0 16,-4 0 1-16,0-2-1 15,-7 0 0-15,-3-4 2 16,0 0-2-16,2 1-1 15,0 2 1-15,3-1 1 16,1 7 1-16,-1 4-2 16,0 5 1-16,0 4 2 15,-4 3-3-15,-4 2-3 16,-9 0 3-16,0 0 0 16,-1 13 1-16,5-4-2 15,9-1 2-15,9-5 2 16,6-3-3-16,7 0-4 0,0 0 3 15,0 0-19-15,0 5-48 16,0 1-30-16,0 7 25 16,0-1-30-16</inkml:trace>
+  <inkml:trace contextRef="#ctx0" brushRef="#br0" timeOffset="5836.76">21699 1365 300 0,'0'0'9'15,"0"0"-3"-15,0 0 6 16,19-102 21-16,-12 80 12 0,-2-2-20 15,2 3 11-15,-3 4-4 16,-2-1-10-16,0 8 19 16,1 4-4-16,-3 5-17 15,0 1 3-15,0 0-9 16,0 0 8-16,0 25-9 16,-25 29-12-16,-17 30-1 15,-14 30 6-15,-11 17-4 16,-4 5-1-16,-1 4 0 15,6-5 9-15,1-7-6 16,7-12-2-16,14-19-2 16,11-24 6-16,12-20-6 15,15-26 0-15,6-20-3 0,0-7 3 16,0 0-1-16,0-4-9 16,8-14 10-16,11-20 0 15,12-22 0-15,4-22-7 16,5-14-4-16,-2-7 4 15,-2 1-6-15,-8 4-15 16,1 8 12-16,-4 7 6 16,-5 7-12-16,-5 4 13 15,-3 1 1-15,-7 8 0 16,-3 6 7-16,-2 15-4 16,0 10 5-16,0 10 13 15,0 11-12-15,0 5 6 0,0 3-4 16,0 3 15-1,0 0-18-15,0 22-12 0,0 16 12 16,8 18 4-16,11 10-2 16,5 5-4-16,8 1 4 15,5 0 1-15,3-4-3 16,0-5-1-16,-2-7 1 16,-4-4 4-16,-3 4-3 15,-9 2-2-15,-4-2 2 16,-7-2 3-16,-8-11-4 15,-3-10 1-15,0-2-1 16,-6-6 9-16,-17-3-9 0,-9-4 6 16,-13-3-5-1,-13-8 8-15,-6-4-3 16,-5-3-5-16,4 0 10 0,5-10 12 16,13-5-16-16,11 0 1 15,14 2-8-15,11 3 5 16,11 5-5-16,0 5-41 15,0 0-80-15,21 0-78 16</inkml:trace>
+  <inkml:trace contextRef="#ctx0" brushRef="#br0" timeOffset="6348.41">22001 1778 678 0,'0'0'19'0,"0"0"-8"16,0 0-10 0,0 0 9-16,0 0-10 15,0 0-2-15,70 77 2 16,-21-13 6-16,-2 8-3 0,-1 6-2 16,-5 1-1-16,-6-7 9 15,-1-16-9-15,-7-12-3 16,-4-14 3-16,-2-11 3 15,-11-12-2-15,-2-7-2 16,-6 0 2-16,-2-5 11 16,0-34 32-16,0-27-41 15,7-24-2-15,3-11 3 16,0 5-4-16,1 12 0 16,2 17 0-16,1 15 2 15,3 16-2-15,-1 9-11 0,4 10-4 16,0 9-13-1,7 8-60-15,-1 0-36 0,3 4-25 16</inkml:trace>
+  <inkml:trace contextRef="#ctx0" brushRef="#br0" timeOffset="6641.13">23285 1702 664 0,'0'0'29'0,"0"0"-29"16,0 0 4-16,0 0-8 15,0 0 8-15,133-10-2 16,-79 10-2-16,-2 0-5 16,-4 0 4-16,-11 0-15 15,-8 0-41-15,-14 0-56 16,-11 0-61-16</inkml:trace>
+  <inkml:trace contextRef="#ctx0" brushRef="#br0" timeOffset="6831.18">23220 2005 402 0,'0'0'121'0,"0"0"-121"15,0 0 0-15,0 0 5 16,0 0 30-16,0 0-12 16,159 41-22-16,-106-41 3 15,3-13-4-15,-5-9 0 16,-2-1-6-16,1-4-51 15,0-2-83-15</inkml:trace>
+  <inkml:trace contextRef="#ctx0" brushRef="#br0" timeOffset="7600.39">24107 1095 544 0,'0'0'8'16,"0"0"16"-16,0 0-8 15,0 0 13-15,0 0 16 16,0 0-15-16,-11-76-18 16,25 94-11-16,21 28 3 15,15 20 9-15,4 14-5 16,12 14 4-16,1 6-5 15,4 4-3-15,4 3 1 16,-5 3 5-16,-10-3-10 16,-10-3 0-16,-16-10 0 15,-7-16 4-15,-9-17-4 0,-5-16-4 16,-7-12 4-16,0-13 5 16,-4-10-5-16,-2-6-1 15,0-4 1-15,0 0 8 16,0 0 0-16,-8-14-5 15,-11-8-2-15,-8-10 1 16,0-2-2-16,-2-7-3 16,2-1-8-16,0-4 11 15,4-2-3-15,-2-2-3 16,0 0 6-16,5 2 3 16,3 2-2-16,1 3-2 15,3 5 2-15,2 6 1 16,1 8-2-16,4 8-4 0,-1 8 4 15,5 6 4-15,0 2-2 16,0 0-4-16,0 0 3 16,-4 0-3-16,-4 0 2 15,-11 18-4-15,-8 14 4 16,-4 12 0-16,-5 12 1 16,-2 11-3-16,3 3 4 15,2 2 2-15,7-6-4 16,6-7-5-16,6-12 5 15,9-4 0-15,7-10-24 16,0-4-84-16,2-17-107 16</inkml:trace>
+  <inkml:trace contextRef="#ctx0" brushRef="#br0" timeOffset="9369.46">24972 1560 179 0,'0'0'156'0,"0"0"-128"0,0 0 5 16,0 0 2-16,0 0-1 16,0 0 8-16,-40-94 22 15,37 84-34-15,3 2 1 16,0 4 6-16,-2 1-13 16,2 3 2-16,0 0-18 15,0 0 2-15,0 7-10 16,0 22-1-16,16 14 1 15,11 13 7-15,4 8-4 16,2 9-4-16,3 8 4 16,-5 6 6-16,0 3-9 15,0-2 0-15,0-9 0 0,1-11 3 16,-6-10-1-16,1-12-4 16,-4-10 4-16,-6-12 0 15,1-10-2-15,-5-8-3 16,-1-6 3-16,-3 0 10 15,-1-4-7-15,3-30 9 16,7-20-11-16,5-17 8 16,-2-12-9-16,4-9-1 15,-4 5 1-15,-3 5 4 16,-3 9-3-16,-2 7-2 16,1 8 2-16,1 8 3 15,-3 10-4-15,-2 10-6 0,-3 12 6 16,-5 6 1-16,3 6-1 15,-5 3-2-15,0 3-12 16,0 0 2-16,0 5-65 16,0 17-81-16,0 6 46 15</inkml:trace>
+  <inkml:trace contextRef="#ctx0" brushRef="#br0" timeOffset="12348.36">20790 2719 247 0,'0'0'1'0,"0"0"4"15,0 0-5-15,0 0 20 16,0 0 53-16,0 0-19 16,-63-23-39-16,63 22-1 15,-2 0-10-15,2 1 19 16,0 0 1-16,0 0-17 15,0 0 1-15,0 0-6 16,0 7-1-16,0 9-2 16,13 5 2-16,7-4 7 15,7-1 2-15,2 1 0 16,5-3 2-16,1 3 7 16,-2-1-13-16,-1 0 0 15,-1 0-6-15,-6-6 9 16,-1 1-9-16,-4-5 0 15,-2-5 0-15,0-1 8 0,2 0-7 16,2 0 6-16,3-13-6 16,2-8 8-16,0 1-9 15,-6 4-3-15,2 2 3 16,-5 4 2-16,-3 3-1 16,3-2-2-16,2 3 2 15,2 2 2-15,3 4-3 16,2 0-6-16,2 6 6 15,-6 14 0-15,0 4 3 16,-3 2-6-16,-2-1 6 16,-7-2 2-16,0-1-5 15,-2 1-3-15,-5-5 3 0,4-3 6 16,-4-3-4-16,-2-5-4 16,0-5 4-16,-2-2 1 15,0 0-3-15,0 0 1 16,5 0-1-16,6-6 5 15,4-13-4-15,10-5-2 16,4-2 2-16,2 1 2 16,-2 0-3-16,3 7-5 15,-6 2 5-15,0 6 2 16,-1 2 1-16,-7 4-6 16,-3 0 6-16,1 0-3 15,-5 0 0-15,3 1-6 0,-1 2 0 16,1 1 1-16,-1 0-35 15,0 0-47-15,-1 0-44 16</inkml:trace>
+  <inkml:trace contextRef="#ctx0" brushRef="#br0" timeOffset="15497.56">21469 3439 314 0,'0'0'22'16,"0"0"13"-16,0 0-14 16,0 0 14-16,0 0 21 15,0 0-22-15,-23-66 19 16,21 57-21-16,2 5-15 0,-2 1 7 16,0 3-9-16,2 0 7 15,0 0-21-15,0 12 0 16,0 15-1-16,0 16 8 15,0 6-7-15,0 1-2 16,0-3 4-16,0-9-1 16,0-6-2-16,0-5-4 15,0-14 4-15,2-5 2 16,0-5-1-16,-2-3-2 16,2 0 2-16,-2 0 2 15,6-15-1-15,0-17 1 0,3-8-3 16,4-6 0-1,3 2 0-15,-1 6-3 0,3 8-2 16,-5 10 5-16,-1 10 0 16,-1 8-5-16,-7 2 3 15,4 0 1-15,0 10-1 16,3 12 1-16,1 2 2 16,-6 2 3-16,3-2-4 15,-5 0-4-15,0-4 4 16,4-4 0-16,-6 0-2 15,2-6-7-15,1 1-23 16,1 0-6-16,6-1-39 0,-3-6-24 16,8-4-80-1</inkml:trace>
+  <inkml:trace contextRef="#ctx0" brushRef="#br0" timeOffset="15759.22">21982 3409 356 0,'0'0'74'0,"0"0"-33"15,0 0-11-15,0 0 9 16,0 0-9-16,0 0-12 16,-10 20-15-16,-7 14-2 15,-8 5-1-15,3 4 4 16,0-3-2-16,4-6-4 15,3-4 5-15,1-10-3 0,3-5 0 16,5-8-12-16,0-3-5 16,4-4-15-16,-4 0-66 15,-1 0 61-15,1-6-306 16</inkml:trace>
+  <inkml:trace contextRef="#ctx0" brushRef="#br0" timeOffset="15970.93">21739 3542 374 0,'0'0'28'0,"0"0"-20"0,0 0 1 15,0 0-6-15,0 0 5 16,0 0 1-16,20 29-8 16,-5-12 5-16,-2-6-4 15,1-1-1-15,-1-2-2 16,-1-4-4-16,-1-2-1 15,0-2-23-15,-2 0-52 16,4 0-136-16</inkml:trace>
+  <inkml:trace contextRef="#ctx0" brushRef="#br0" timeOffset="16565.46">21999 3414 411 0,'0'0'34'0,"0"0"-8"0,0 0-9 15,0 0 5-15,0 0 4 16,0 0-18-16,0 25-6 16,0-3 0-16,4 8 0 15,6 0 10-15,-1 4-5 16,-3 0-6-16,4-8 3 16,-2-7 4-16,-1-12-7 15,1-3 4-15,0-1-4 16,-4-3 8-16,1 0-3 15,1-3-6-15,5-19 11 16,5-6-7-16,2-8-2 16,2 2-4-16,-4 2 4 0,-3 8-2 15,1 3 0-15,-4 8-6 16,-1 3 6-16,-3 6 1 16,0 1 1-16,-4 3-4 15,0 0-7-15,2 0 9 16,1 14 0-16,1 0-5 15,1 3 5-15,0-1 2 16,2 3 0-16,-3 0-4 16,-2-2 4-16,1-9-2 15,-2-4 0-15,-1-4-5 16,0 0 4-16,5 0 1 16,1-7-4-16,6-13 2 15,1-4 4-15,1 2 0 16,-3 6-2-16,-6 5-3 0,-3 11 3 15,-4 0 0-15,0 0-7 16,0 5 2-16,2 11 5 16,1 6 0-16,0 4 0 15,-3 1-4-15,2 2 4 16,0-1 1-16,2 0-1 16,5-6-4-16,3-5-52 15,1-12-7-15,5-5-53 16</inkml:trace>
+  <inkml:trace contextRef="#ctx0" brushRef="#br0" timeOffset="19915.27">22842 3346 39 0,'0'0'96'0,"0"0"-36"0,0 0-26 16,0 0-3-16,0 0-10 15,0 0-4-15,0-1-17 16,0 1 0-16,0 0-19 16,0 0-5-16,0 0 10 15,0 0 14-15,0 0 0 16,0 0 0-16,0 0 21 15,0 0 14-15,0 0-12 16,0 0 1-16,0-3-1 0,0 2-2 16,0-2-11-1,0 2 6-15,0-2-5 0,0 1-7 16,0 2 7-16,0 0 1 16,0 0-5-16,0 0 4 15,0 0-8-15,0 0 10 16,0 0 2-16,0 0-13 15,0 0 5-15,0 0-2 16,0 5-4-16,0 12 6 16,-2 6-4-16,-3 4 6 15,0 4-1-15,-1-1-7 16,-3 1 5-16,3 4-1 16,-2-1-3-16,2-3-2 0,1-8 2 15,1-4-2 1,2-12 0-16,2-7 2 0,0 0-1 15,0 0 10-15,0-4 15 16,0-14-9-16,4-9-15 16,5-2 0-16,3 1-2 15,-2-2-1-15,-3 2 1 16,2-1-1-16,-2 2 1 16,2 3-1-16,-1 4-1 15,2 8 2-15,-4 6 0 16,-1 6-4-16,-3 0 3 15,2 0-3-15,0 1 2 16,3 20 0-16,0 1 4 16,-2 3 3-16,-1 4-5 15,-2-1 0-15,0 0 0 0,0-4 1 16,-2-4 0-16,0-8-1 16,0-6 0-16,0-3 0 15,0-3 0-15,3 0-1 16,1 0 1-16,3-13 5 15,4-11-3-15,0-4-2 16,3 0-1-16,-1 6 1 16,-4 6 0-16,-2 4-5 15,-3 4 5-15,1 2-1 16,-3-5 1-16,2 4 0 16,6-2-3-16,-4 3 3 15,1 6 0-15,-3 0-5 0,0 0 5 16,-2 12 0-1,0 13 4-15,-2 5-4 0,0 0 3 16,0-2-2-16,0 0-1 16,0-6-3-16,0-4 2 15,0-2-2-15,0-4-27 16,0-4-39-16,0-3-38 16,12-5-166-16</inkml:trace>
+  <inkml:trace contextRef="#ctx0" brushRef="#br0" timeOffset="22245.95">23459 3338 303 0,'0'0'84'0,"0"0"-41"15,0 0-4-15,0 0-2 0,0 0 18 16,0 0-20-16,0 0-14 16,-14-18-1-16,12 18-7 15,-2 0 5-15,-5 0-4 16,-5 11-13-16,-7 15 2 16,-4 9-2-16,-4 5 0 15,2 1-1-15,7-5 2 16,2-6-1-16,4-8-1 15,8-12-1-15,4-4 0 16,2-1-1-16,0-5-13 0,0 2-29 16,0-2-53-1,2 0-19-15</inkml:trace>
+  <inkml:trace contextRef="#ctx0" brushRef="#br0" timeOffset="22479.79">23332 3357 482 0,'0'0'51'15,"0"0"-33"-15,0 0-10 16,0 0 0-16,0 0-7 16,0 0 3-16,34 35-4 15,-19-18 1-15,1-1-1 16,-1-4 0-16,1-4-4 15,-3 1-4-15,1 0-25 0,-6-3 5 16,1 0-26-16,0-4-51 16</inkml:trace>
+  <inkml:trace contextRef="#ctx0" brushRef="#br0" timeOffset="23082.23">23686 3418 307 0,'0'0'42'16,"0"0"-33"-16,0 0 22 15,0 0 21-15,0 0 2 16,0 0-12-16,-13 0-2 16,13-9-17-16,0-4 5 15,0-1-9-15,0-1-12 0,0-6 6 16,0-2-1-16,0-2-2 15,0-3-4-15,7 4-6 16,1 4 7-16,1 7-5 16,-4 0 3-16,-1 5-4 15,1 4 5-15,-5 2-3 16,2 2-3-16,-2 0 2 16,0 0-2-16,4 0 0 15,3 0 0-15,7 0 0 16,-1 21 5-16,3 6-1 15,-1 8 1-15,-1 3-5 16,-1 6 7-16,-7 3-1 16,-2-2-4-16,2-7 0 15,-6-10 3-15,0-6-3 0,2-8-2 16,-2-2-2-16,2-6 2 16,0-4 0-16,0-2-4 15,0 0-3-15,3 0-23 16,3 0-34-16,6 0-65 15,6-2-125-15</inkml:trace>
+  <inkml:trace contextRef="#ctx0" brushRef="#br0" timeOffset="46248.12">21997 3446 239 0,'0'0'52'16,"0"0"-48"-16,0 0-2 0,0 0 11 15,0 0 29-15,0 0-13 16,0 0-12-16,0 0 9 16,-2-1-2-16,2-1-2 15,0 2-2-15,0-2 7 16,0 0-2-16,0 2-6 15,0 0 6-15,0 0 0 16,0 0-17-16,0 0 7 16,0 0-7-16,0 0 5 15,0 0-5-15,0 0-6 16,0 0 3-16,0 0 6 16,0 0-7-16,0 0 4 0,0 0 0 15,0 0 8 1,0 0-7-16,0 4-4 0,0 7 8 15,6 10 2-15,6 6-7 16,-3 10 2-16,-1 12-3 16,-2 4 10-16,2 5-8 15,-1 3-1-15,1-9-1 16,4-5 2-16,-1-14-9 16,0-11 0-16,-4-8 3 15,0-8 3-15,-5-4-6 16,-2-2 2-16,0 0-2 15,0 0 11-15,0 0 0 16,0-10 0-16,0-10-10 16,0-6 9-16,-2 0-10 15,2 1-2-15,0 2 2 0,0-1 2 16,0-2 0-16,2-3-4 16,11 0 4-16,3 2-2 15,1-3 0-15,1 4-5 16,1 0 5-16,-4 4 1 15,1 1 1-15,-1 6-4 16,5-3 4-16,2 1 0 16,5-2-2-16,-1 1-7 15,1 4 7-15,-2 4 0 16,-6 7 0-16,0 3-2 16,-1 0-2-16,-5 14 2 15,1 9 2-15,-3 1-2 0,2 0 2 16,-2-3 3-16,-2 0-2 15,2 2-2-15,-2-6 2 16,0 5 2-16,-5 2-3 16,-2 0 1-16,-2 6-1 15,0 0 4-15,0-6-3 16,0-6-2-16,0-7 2 16,0-9 3-16,0-2-4 15,0 0-3-15,0 0 3 16,0 0 5-16,0 0-4 15,0 0-2-15,-2 0 2 16,2 0 0-16,-2-7-1 16,-2-8 0-16,-3-4 0 0,2-1 0 15,-1-1 0-15,-3-4-2 16,0-1 1-16,0 4-2 16,0 4 3-16,-2-1-3 15,2 4 3-15,-2 1 0 16,0-3-2-16,-1 6 1 15,-1-1 0-15,3 4 1 16,0 2 0-16,-3 4-6 16,1 0 6-16,-3-1 0 15,-3 3-3-15,1-1 3 16,-4-2-8-16,4 3 7 16,3 0 0-16,1 0-7 0,1 0 7 15,6 0 0 1,-1 7-5-16,-1 9 5 0,0 5 1 15,0 6 0-15,-1 0 0 16,1 4-5-16,-4 1 5 16,-1-3 1-16,-1-1-1 15,3-10 0-15,5-4 0 16,3-9 0-16,3-2 0 16,0-3-7-16,0 0 7 15,0 0 0-15,0 0-2 16,0 0-13-16,0 0-28 15,0 0 15-15,0 0-10 16,0 0-2-16,0 0 11 0,0 0-1 16,0-8-67-1,0-14-25-15</inkml:trace>
+  <inkml:trace contextRef="#ctx0" brushRef="#br0" timeOffset="47139.79">21409 3392 122 0,'0'0'180'0,"0"0"-138"0,0 0-27 16,0 0 0-16,0 0 19 16,0 0-22-16,-7-14 1 15,5 13 3-15,0-2-3 16,2 2 7-16,-2-1 5 15,2 0-17-15,0 2-8 16,0 0 0-16,0 0-1 16,0 0-10-16,0 0-11 15,0 0-9-15,0 0-21 16,0 0-57-16</inkml:trace>
+  <inkml:trace contextRef="#ctx0" brushRef="#br0" timeOffset="52063.76">22813 3463 232 0,'0'0'16'15,"0"0"-9"-15,0 0 26 16,0 0-5-16,0 0 1 16,0 0 6-16,0 0-3 15,0-26-15-15,0 18 11 16,0-3-10-16,0 6 4 0,0-1 1 16,0 1 7-16,0 4-8 15,0-2-12-15,0 1 3 16,0 1 4-16,0 1-10 15,0-3 10-15,0 3-3 16,0 0 4-16,0-1 2 16,0 1-6-16,0 0 3 15,0 0-1-15,0 0-11 16,0 0 3-16,0 0-3 16,0 0 2-16,0 0-4 15,0 0 0-15,0 0-3 0,0 1 7 16,6 16-7-16,5 6 7 15,-1 10-2-15,-4 3 6 16,-1 2-5-16,-1-2-5 16,0-2 0-16,-2 0 7 15,3-1-8-15,-5-6 0 16,0-3 0-16,3-5 6 16,-3-8-6-16,0-6 0 15,0-5 0-15,0 0 7 16,2 0-7-16,-2 0 7 15,0 0-1-15,0-6 14 16,0-11-4-16,0-5-16 16,0-6 2-16,-2-4 0 15,2 1-2-15,0-4 0 0,0 3 0 16,4 2 3-16,16-3-3 16,4 2-4-16,1-2 4 15,0 3 1-15,2 6-1 16,-6 9 0-16,-3 4 0 15,-5 7 1-15,-1 4-1 16,-3 0-7-16,1 0 7 16,4 0 0-16,2 3 0 15,0 10-1-15,-1 5 1 16,-1 4 0-16,-4 6 0 16,-5 15-5-16,-5 16 5 15,0 10 6-15,-15 5-3 16,-6-5-5-16,6-17 4 15,6-10 3-15,4-16-5 0,3-12 0 16,0-10 0-16,2-4 5 16,0 0-3-16,0 0-2 15,0 0 0-15,0 0 7 16,0-11-6-16,-4-3 1 16,-3-7-2-16,2-3 2 15,0-4-2-15,1-2 0 16,4 0 0-16,0-1 0 15,0 2 0-15,0 1-7 16,0-1 7-16,0 4 0 16,0 4-1-16,0 3 1 0,0 4-2 15,0 0 2 1,0-1 0-16,0 1-6 0,0-1 6 16,0-1 0-16,0 4 0 15,0-1 0-15,0 6 0 16,0 3 3-16,0 0-3 15,0 1-6-15,-2 3 6 16,2 0-1-16,-2 0-2 16,2 0-1-16,-2 0-6 15,-3 0 9-15,1 0-9 0,-6 0-11 16,4 0-2 0,-3 0-9-16,1 0-35 0,-4 0-21 15,-1 0-61-15,-1 9-136 16</inkml:trace>
+  <inkml:trace contextRef="#ctx0" brushRef="#br0" timeOffset="55065.81">24372 3050 415 0,'0'0'14'0,"0"0"7"15,0 0 6-15,0 0-6 16,0 0 18-16,0 0-5 16,0 0-10-16,70 0 2 15,-30-21-7-15,2-1 4 16,3 0-12-16,-3 8-10 16,1 9 6-16,7 5-3 15,6-4-2-15,13-6-4 16,7-7 3-16,2 3-1 15,-2 10 0-15,-14 4-4 16,-11 6 4-16,-16 20 0 16,-12 4 2-16,-9-2-3 0,-10 3 3 15,-4-7 3-15,0-4-2 16,0-2-2-16,0-8 2 16,0-6 1-16,0-4-3 15,0 0-1-15,0 0 2 16,0 0 2-16,0 0-4 15,17-8 0-15,12-10 2 16,5-8 0-16,7 3 1 16,-2 5-6-16,1 9 6 15,5 7-3-15,2-1 0 16,4-1-6-16,-7 3 5 16,-5 1-9-16,-8 0-14 0,-9 5-15 15,-6 15-10-15,-10-1-47 16,-6 5-92-16</inkml:trace>
+  <inkml:trace contextRef="#ctx0" brushRef="#br0" timeOffset="55815.59">25041 3519 562 0,'0'0'32'16,"0"0"-27"-16,0 0-1 15,0 0 9-15,0 0 21 16,-36 113-18-16,36-68-4 16,0-2-2-16,0-7-5 15,0 1 4-15,0-2 8 16,2 1-14-16,0-8 1 16,-2-7-4-16,3-10 4 15,-3-7-4-15,0-4 3 16,0 0-3-16,0 0 5 15,0 0 4-15,0-12 23 16,0-10-13-16,0-6-10 16,0-6-5-16,0-5-4 0,0-1 0 15,0-1 0 1,10-2-1-16,13 6 0 0,2 4-2 16,2 7 3-16,2 5 0 15,-3 7-1-15,-2 3 1 16,-1 7 0-16,-5 4-1 15,-1 0 0-15,1 11-6 16,-2 14 7-16,-3 8 0 16,-4 9-2-16,-7 6 2 15,-2 4 1-15,0 0 2 16,0-6-3-16,-2-12 1 16,0-12-1-16,2-12 0 15,0-4-21-15,0-1-35 0,0-1-44 16,0-4-62-16</inkml:trace>
+  <inkml:trace contextRef="#ctx0" brushRef="#br0" timeOffset="56132.29">25836 3535 507 0,'0'0'79'15,"0"0"-70"-15,0 0 33 0,0 0-4 16,0 0 6-16,-131 110-22 16,96-67-16-16,-2-2 1 15,2 7-2-15,-3 3-3 16,5-6-2-16,10-9 1 15,10-19-1-15,11-17 0 16,2 0-11-16,0-5-11 16,0-10-21-16,0 3-18 15,-12-4-123-15,1-6-204 16</inkml:trace>
+  <inkml:trace contextRef="#ctx0" brushRef="#br0" timeOffset="56333.27">25520 3609 476 0,'0'0'71'0,"0"0"-60"16,0 0 32-16,0 0-7 15,0 0 0-15,0 0-6 16,82 68-4-16,-62-39-21 16,3 0 2-16,-4 2-6 15,2-4 2-15,3 1-3 16,1-7-14-16,4-7-30 15,2-11-62-15,3-3-27 16</inkml:trace>
+  <inkml:trace contextRef="#ctx0" brushRef="#br0" timeOffset="56681.48">26057 3792 175 0,'0'0'427'15,"0"0"-404"-15,0 0 6 16,60-119 7-16,-27 69-3 16,1 6-10-16,-3 7-21 15,-9 10 12-15,-1 3-5 16,-8 8-7-16,-5 8 5 16,-3 6-2-16,-2 2 2 0,-3 0-2 15,2 19-4-15,0 12 11 16,2 11 3-16,1 6-10 15,1 2 5-15,3 4 2 16,3-3 1-16,0-7 0 16,2-8-12-16,-1-6 5 15,-2-4-6-15,1-2 1 16,-6 2-1-16,1-2 0 16,2-4-9-16,-6-6-29 15,-3 5-99-15,0-4-70 16</inkml:trace>
+</inkml:ink>
+</file>
+
+<file path=ppt/ink/ink7.xml><?xml version="1.0" encoding="utf-8"?>
 <inkml:ink xmlns:inkml="http://www.w3.org/2003/InkML">
   <inkml:definitions>
     <inkml:context xml:id="ctx0">
@@ -668,7 +960,7 @@
   <inkml:trace contextRef="#ctx0" brushRef="#br0" timeOffset="29443.73">27083 1946 184 0,'4'3'33'0,"-4"-3"-4"0,0 2 14 16,2-1-7 0,-2-1-8-16,2 6-17 0,-4-6-7 15,0 0-4-15,4 0 7 16,-2 3-4-16,0-1-2 15,11 4 1-15,-11-6 3 16,2 0-4-16,0 2 7 16,4 0 9-16,8-4 3 15,6 0-10-15,85-30-3 16,-76 27 5-16,4 0-1 16,9 3-6-16,10 0 1 15,41-4-2-15,16 2 6 16,254-4-10-16,-300 10 1 15,-3-2-1-15,-4-2 7 16,0-2-7-16,55-1 1 16,204-31 1-16,-269 28 2 0,-3 1-4 15,-3-1-2-15,-3 2 2 16,42-6 1-16,-8 3 0 16,129 1-2-16,-169 7 2 15,0 1 2-15,3 0-3 16,-2-3 0-16,32-1 0 15,-2 1 7-15,107-15-6 16,-144 11 2-16,-5 1-2 16,-2 1 3-16,0-2-4 15,20-1-3-15,53-11 3 16,-80 18 2-16,0 1-2 0,0 1-1 16,0-1 1-16,9 3 4 15,1 1-4-15,12 1 0 16,-31-10 1-16,0 3 8 15,-2 2-5-15,0 0 6 16,0-2 2-16,0 4 6 16,-4 5-18-16,4-7-1 15,0 1 1-15,0 1 10 16,0 0-10-16,2 6 1 16,16 30 1-16,-13-28 2 15,-1 3-2-15,-2-1 1 16,0 2-3-16,5 10 3 15,-5 2-3-15,5 42-1 16,-10-64-10-16,1-2-7 16,0 2-50-16,-4 0-30 0</inkml:trace>
   <inkml:trace contextRef="#ctx0" brushRef="#br0" timeOffset="30160.04">28980 1267 481 0,'-2'2'38'0,"0"6"-37"16,4-6-1-1,-2 7 0-15,0 4 0 0,-2 3 6 16,0 13 1-16,-1 8-7 16,-6 76 1-16,9-99-1 15,-2-3 3-15,2 0-2 16,-3-4-1-16,1 10 1 15,0-7 12-15,-2-10 10 16,4-4 3-16,-4-6-12 16,1-3-2-16,1-2-6 15,-2-13-6-15,6-101 0 16,2 106-4-16,3 0 3 16,-1 3-6-16,3 2 5 15,7-19 1-15,4 6 0 0,60-39-1 16,-60 64 3-16,-2 2-2 15,0 6 1-15,-2 0-7 16,17 5 7-16,-4 10 0 16,36 66-4-16,-65-66 4 15,-8-1 0-15,-2 0 7 16,-5 0-7-16,-14 14-1 16,-110 55 1-16,110-75 2 15,2-1-2-15,0 2-30 16,1-4-38-16,-30 13-27 15,0-1-172-15</inkml:trace>
   <inkml:trace contextRef="#ctx0" brushRef="#br0" timeOffset="31553.12">27135 2079 214 0,'0'0'42'0,"0"0"-42"16,0 0 4-16,-2 3 5 16,-5 6-4-16,7-6 3 15,-2-2-4-15,2 0 1 16,2 4 1-16,-2-1-2 15,0 0 4-15,9 13-4 16,-11-17-3-16,2-3 2 16,0 3 4-16,0 0 10 15,0 0-1-15,2 7-10 16,-4-10 1-16,2 3-3 0,0 0-3 16,-2 0-2-1,2 0-6-15,-2 3-6 0,2 2-1 16,0-10 0-16,0 1-5 15,2 4-17-15,0-3-40 16,0 1-36-16</inkml:trace>
-  <inkml:trace contextRef="#ctx0" brushRef="#br0" timeOffset="37408.19">27316 2256 339 0,'-9'0'8'0,"-1"1"-8"0,-9 4-6 15,7-1 6-15,-25 18 4 16,30-18 5-16,3-4-6 16,2 2 10-16,0 0 13 15,-6 2-7-15,-7 3-7 16,11 0-7-16,-1-2 7 15,0 2-7-15,-1 0-2 16,-7 10 9-16,-3 4 1 16,-29 66-7-16,41-71-1 15,2-4-4-15,4-2 9 16,0 1-5-16,3 6-3 16,3 0 6-16,39 23 5 0,-36-39-9 15,3 1-3-15,-1-2-1 16,0-2 4-16,14-2 6 15,45-28-9-15,-63 20 0 16,-3 1-1-16,-2-2-10 16,-2-3-8-16,3-9-15 15,-10-4 13-15,-32-51 12 16,28 68 5-16,1 0 3 16,0-3 2-16,2 6-1 15,-5-11 2-15,-1 4 8 16,3-4 5-16,9 20-13 15,0-3-3-15,0 3 0 0,0 0 1 16,3 0 1 0,23 3-2-16,-19-2 2 0,5-1 3 15,-2 0 3-15,3-1-1 16,12 1 1-16,6-3 0 16,77-11-8-16,-89 8 0 15,2 2-4-15,-3 2-1 16,-3-1-23-16,18-5-49 15</inkml:trace>
+  <inkml:trace contextRef="#ctx0" brushRef="#br0" timeOffset="37408.18">27316 2256 339 0,'-9'0'8'0,"-1"1"-8"0,-9 4-6 15,7-1 6-15,-25 18 4 16,30-18 5-16,3-4-6 16,2 2 10-16,0 0 13 15,-6 2-7-15,-7 3-7 16,11 0-7-16,-1-2 7 15,0 2-7-15,-1 0-2 16,-7 10 9-16,-3 4 1 16,-29 66-7-16,41-71-1 15,2-4-4-15,4-2 9 16,0 1-5-16,3 6-3 16,3 0 6-16,39 23 5 0,-36-39-9 15,3 1-3-15,-1-2-1 16,0-2 4-16,14-2 6 15,45-28-9-15,-63 20 0 16,-3 1-1-16,-2-2-10 16,-2-3-8-16,3-9-15 15,-10-4 13-15,-32-51 12 16,28 68 5-16,1 0 3 16,0-3 2-16,2 6-1 15,-5-11 2-15,-1 4 8 16,3-4 5-16,9 20-13 15,0-3-3-15,0 3 0 0,0 0 1 16,3 0 1 0,23 3-2-16,-19-2 2 0,5-1 3 15,-2 0 3-15,3-1-1 16,12 1 1-16,6-3 0 16,77-11-8-16,-89 8 0 15,2 2-4-15,-3 2-1 16,-3-1-23-16,18-5-49 15</inkml:trace>
   <inkml:trace contextRef="#ctx0" brushRef="#br0" timeOffset="37790.68">27777 2055 403 0,'-2'-3'44'0,"2"2"-35"15,0-1-2-15,2-1-2 16,-2 3 10-16,2-1-6 16,7-3-8-16,-11 7 3 15,4-2-4-15,-2 3 0 16,2 4 1-16,-2 6 11 15,0 6-2-15,-20 69-7 0,11-75 4 16,2-1-4-16,1 1 6 16,-1-2-5-16,-4 12-3 15,4-2 2-15,-6 20 1 16,11-37-3-16,2-4-2 16,0 4-2-16,0-4 3 15,0 8-7-15,11 3-9 16,-9-12-10-16,2 0-11 15,-2-2-45-15,6 0-229 16</inkml:trace>
   <inkml:trace contextRef="#ctx0" brushRef="#br0" timeOffset="38278.86">27547 2554 383 0,'-2'3'93'16,"2"-3"-53"-16,0 0-14 15,-2 3 4-15,6 3-5 16,-4 1-17-16,3 2 10 0,-3 4-14 16,2-1-1-1,-2 9-3-15,2 5 0 0,-4 47-12 16,2-62-47-16,2-5-143 15</inkml:trace>
   <inkml:trace contextRef="#ctx0" brushRef="#br0" timeOffset="42891.7">27282 2957 53 0,'0'0'89'0,"0"0"-40"16,-2 0-15-16,0 0 3 0,0 2-14 15,-6 1 1-15,4-3-6 16,4 0-9-16,0 0 1 16,0 0 0-16,-2 0-8 15,2 0 4-15,-7 0-1 16,7 1 3-16,-2 2-4 16,0-3-3-16,2 1 4 15,-4 3 7-15,-19 10-10 16,19-14 4-16,0 3-2 15,2-2 5-15,-1 2-4 16,-4 1-3-16,3-1 4 16,-14 12 2-16,13-9-7 15,-4-3 4-15,5 3-5 16,-2-2 5-16,-3 7-5 16,-3-1 1-16,-12 24-1 0,21-28 6 15,1 2-4-15,0-2-1 16,2 0-1-16,0 7 8 15,7 24-8-15,-2-30-2 16,-3-1 2-16,2 1 4 16,-2-3-2-16,7 6 2 15,0 1-2-15,27 4 1 16,-32-15-2-16,5-3 1 16,0 2-2-16,0 0 3 15,9-5-2-15,0 0-2 16,44-25 2-16,-55 24 1 15,-3 2-2-15,0-1-3 0,1 0 3 16,2-6 2-16,8-20-2 16,-17 24 0-16,2 2 0 15,-2 0 0-15,2 0 0 16,-2-7-6-16,0 0 6 16,-12-20 0-16,11 27-12 15,-3 1 8-15,4-1 1 16,-2 2 3-16,-3-4 0 15,3 2-2-15,-6-6 2 16,10 9 2-16,-2 3-1 16,0 0-1-16,2 0 0 15,0-2 4-15,2 2-4 16,0-4-6-16,2 4 6 0,2 3 6 16,0-3-5-16,7-3 1 15,5 3-1-15,49-1 5 16,-47-3-6-16,-4 1-1 15,0 3 1-15,-1 0 2 16,16 0-1-16,-6 3-2 16,39 5 2-16,-60-7 0 15,3 1-1-15,-3 1-8 16,2-3 7-16,2 3 0 16,9 1-7-16,-17-4 3 15,4-1-9-15,-4 1-11 16,2-3-83-16</inkml:trace>
@@ -677,7 +969,7 @@
   <inkml:trace contextRef="#ctx0" brushRef="#br0" timeOffset="46296.6">27264 3828 207 0,'0'-2'85'0,"-2"2"-44"16,2-3-16-16,-2 1 13 16,-5 2-4-16,3 0 5 15,0 0-18-15,2 0-8 16,-6-1-1-16,-1 2-6 16,-24 7-5-16,27-5-2 15,1 1 3-15,0 0-1 16,1 0-1-16,-5 4-4 0,3 4 4 15,-23 34 3-15,26-35-3 16,-1 0 0-16,2-3 0 16,0 0 0-16,-1 8 0 15,3-4-1-15,11 21 1 16,-8-29 2-16,-1-1 0 16,2-1-2-16,3 0 4 15,2 2-1-15,29-8-3 16,-30 0 0-16,-1-2 0 15,-3 3 2-15,2-1-1 16,6-7-2-16,-3 3 2 16,16-22 1-16,-21 24-2 15,0 0-3-15,0-2 3 16,-2 2 2-16,4-8-2 16,-4 3-2-16,0-26 1 0,-4 37 1 15,2-2 0 1,0-3-8-16,-2 0 8 0,0-1 0 15,-2-10 0-15,4 13-3 16,2 2-9-16,0 1 7 16,2-2 3-16,3-1-3 15,4 1 5-15,44-3 1 16,-45 5 1-16,5-4-4 16,1 2 4-16,4-2-1 15,15-2-1-15,4-5-3 16,74-16 3-16,-101 22 0 15,-6 5-13-15,0-1-33 0,-3 1-62 16</inkml:trace>
   <inkml:trace contextRef="#ctx0" brushRef="#br0" timeOffset="46760.91">27514 3934 356 0,'-3'0'51'16,"3"0"-37"-16,-4 2-1 0,4-2-6 15,0 8 6 1,-2-8-13-16,0 4 2 0,2 2-2 16,0 0 3-16,0 8-1 15,0 2-4-15,0 36 4 16,2-43-3-16,-2-3 1 16,2 0-10-16,-2-3-10 15,4 5-45-15,15-5-63 16</inkml:trace>
   <inkml:trace contextRef="#ctx0" brushRef="#br0" timeOffset="47157.53">27746 3938 276 0,'-2'2'28'0,"4"2"-25"15,-4 12-3-15,-1-10 0 16,-1 4 7-16,2-2 15 16,-3 2-2-16,-2 12-7 15,-1 4-4-15,-13 67 16 16,19-83-11-16,2-2-12 16,-2 0 0-16,0-2 3 15,0 8-4-15,2-6-2 16,-3 6 3-16,3-14 1 15,0 0-3-15,3-2 0 0,-3 2 0 16,2-3 4-16,-4 3-3 16,-1-2-2-16,1 1-2 15,0 1 1-15,2-3-5 16,0 2-7-16,-2-4 2 16,6-6 6-16,-4 9-9 15,0 2 8-15,-2-5-10 16,2 4-2-16,0-3 7 15,0-2-79-15</inkml:trace>
-  <inkml:trace contextRef="#ctx0" brushRef="#br0" timeOffset="47248.79">27692 4063 96 0,'-2'-6'0'15</inkml:trace>
+  <inkml:trace contextRef="#ctx0" brushRef="#br0" timeOffset="47248.78">27692 4063 96 0,'-2'-6'0'15</inkml:trace>
   <inkml:trace contextRef="#ctx0" brushRef="#br0" timeOffset="47592.35">27686 4030 75 0,'0'-6'13'16,"2"-5"3"-16,2-1 8 16,14-26 22-16,-13 29 17 15,-3 5-24-15,0 0-10 16,0 0-20-16,7-4-4 16,24-23-4-16,-28 24 0 15,2 1 0-15,-1 2 2 16,1 0-3-16,7-5 0 15,-1 2 1-15,26-5 5 16,-33 14-6-16,-4-2 3 0,2 3-1 16,-4 1 12-16,4 3 1 15,-1 3-10-15,-8 38 1 16,1-40 6-16,2-2-4 16,-6 0 0-16,4 0-7 15,-7 6 10-15,-24 16-1 16,25-28-4-16,6 2 4 15,-3 0-2-15,1 1-7 16,-5-1-2-16,2-1 0 16,-11-7-3-16,20 0-18 15,-2 0-40-15,4 2-111 16</inkml:trace>
   <inkml:trace contextRef="#ctx0" brushRef="#br0" timeOffset="51225.55">28475 2927 286 0,'-10'-1'67'0,"1"-4"-57"16,-22-15 5-16,27 17 9 15,-3 0-6-15,0 2-2 0,1 1-10 16,-5-3 3-16,-29 11 0 16,30-4-9-16,2 0 6 15,1 2-3-15,-5 0 2 16,-5 8-3-16,-1 2-2 16,-30 49 5-16,40-53 0 15,4 4-3-15,-1-1-1 16,3-1 3-16,-2 17 0 15,4-6-2-15,23 36 0 16,-17-57 4-16,0 0 2 16,3-2-7-16,1 0 5 15,9 2-1-15,53-12-3 16,-61 2-2-16,0-2 2 0,3 2-2 16,-4-1 0-16,13-12-11 15,-4-1 7-15,16-46-8 16,-39 54 9-16,0-1-3 15,0 1-5-15,-3 2 7 16,-1-11-3-16,-2 1 3 16,-7-24 4-16,17 41 0 15,0 3-1-15,2 0-24 16,2 0 25-16,7-2 2 16,39 1 0-16,-40-2 0 15,2 3 0-15,1-2 4 16,1 0 0-16,12 0 0 0,5-2-3 15,74-15 4 1,-87 14-7-16,-2 4 0 0,-6 1 0 16,2-3-9-16,12 3-8 15,-6 3-29-15,20 4-97 16</inkml:trace>
   <inkml:trace contextRef="#ctx0" brushRef="#br0" timeOffset="51816.9">28893 2738 462 0,'-2'-7'52'0,"2"1"-38"0,2 2 7 16,-2-6-13-16,22-16-2 16,-19 23-6-16,-1 3 2 15,-2 0-2-15,2 3 0 16,0-1-1-16,0 5 1 16,8 30 8-16,-10-27-2 15,2-2-1-15,0 0-2 16,3 0 0-16,-1 8-2 15,2-2 4-15,15 14-5 16,-17-26 1-16,-4 2 2 16,0-1-3-16,2-2-6 15,0 5 6-15,-6 12 1 16,4-16 0-16,-2 0 2 0,0 0-2 16,2 0 0-1,-2 4-1-15,-1-1-5 0,8 10 3 16,-5-12-2-16,2-2-13 15,0 3 0-15,0-2-6 16,2 4-13-16,3-4-30 16,18-10-272-16</inkml:trace>
@@ -713,14 +1005,14 @@
   <inkml:trace contextRef="#ctx0" brushRef="#br0" timeOffset="129781.15">9154 14299 235 0,'3'9'73'0,"1"-1"-65"16,1 8 1-16,4 7 3 15,-1 8-1-15,24 80 4 16,-28-90-4-16,-2 0 2 0,3-4-2 16,0 1-3-16,1 12 15 15,-2-5-2-15,3 10-12 16,-7-37 7-16,0 0 6 16,0 2 13-16,-2 0-3 15,0-6-32-15,-21-26 0 16,17 20-1-16,1-7 1 15,1 4 0-15,-3-8-4 16,-4-14-11-16,2-11 1 16,5-111-5-16,8 135 19 15,5 5-1-15,0 2 3 16,-2 3-4-16,8-18 4 16,1 10 2-16,28-24-4 0,-36 42-7 15,0-3 7-15,-1 4 0 16,3 1-3-16,11-2-7 15,52 22 10-15,-63-6 14 16,-6 2-10-16,0-4-2 16,-2 2 2-16,3 12 9 15,-10 2-13-15,-39 54 4 16,35-72-4-16,0-2 7 16,-2 2-7-16,-1-4-3 15,-5 6 2-15,-1-2-4 16,-24 2-41-16,36-11-27 15,0-4-65-15</inkml:trace>
   <inkml:trace contextRef="#ctx0" brushRef="#br0" timeOffset="136174.26">7196 12421 335 0,'-16'-17'11'0,"-23"-27"-6"16,34 34 18-16,-2 4 6 15,0-1-8-15,1 0 0 16,-7-7-4-16,-1 0-1 16,-28-26-9-16,33 31 8 15,-2 6 0-15,2 0 6 0,-2 3-20 16,-9-3 1 0,-5 3 2-16,-48 20-4 0,57-12 0 15,-1 4 2 1,3 1-2-16,-4 4 0 0,-13 10-2 15,-65 68 2-15,81-78 3 16,-4 1-2-16,2 1-2 16,1-1 3-16,-15 18-1 15,2-2-1-15,-47 65-1 16,68-81 1-16,-2 1 3 16,2 0-2-16,-1 0-2 15,-5 20 4-15,1 2-3 16,-3 71 0-16,16-97-2 15,4 2 2-15,-1-2 4 0,2 2-4 16,3 14 0-16,32 57 4 16,-28-74-3-16,-1 5-1 15,-3 4 1-15,4-3-1 16,10 24 2-16,2 0-2 16,57 80 0-16,-66-106 2 15,1-4 0-15,1 0-2 16,0 0 3-16,16 13-2 15,0-2 2-15,61 45-2 16,-80-58-1-16,-1-2 3 16,0 3-3-16,0-4 0 15,14 14-3-15,55 29 2 16,-66-50 1-16,1 2 9 0,4 0-4 16,-1-4-3-1,20 1 5-15,0 2-7 0,88-6 0 16,-111 3 0-16,-1 3 4 15,-1-1-4-15,1 0 0 16,15 3 0-16,3-3 0 16,72 6 0-16,-85-10 0 15,1 1 0-15,4-1 0 16,1-2 0-16,25-4-1 16,116-19 3-16,-143 24-2 15,-2 3 0-15,-1-3-1 16,0 1 1-16,23-1 3 0,-1-4-3 15,95-11 0-15,-108 17 2 16,-2-8-2-16,2 3 0 16,-2 3-1-16,31-10 1 15,0-1 4-15,116-27-4 16,-154 30 0-16,1 1 2 16,-2 2-2-16,2 1 0 15,22-10 0-15,76-29 0 16,-104 38 4-16,1-2-4 15,-3 3 0-15,3-2 4 16,16-9-4-16,-3-2 0 16,60-54 1-16,-76 52-1 15,-1 8 6-15,-1-3-5 16,-1 2 2-16,12-20 0 16,-6 5 5-16,28-77 7 0,-43 93-11 15,-3-5 0 1,0 2 3-16,-3 4 0 0,1-19 1 15,-20-61-7-15,13 78 11 16,5 0-7-16,-3-3-1 16,3 0-3-16,-10-16 6 15,3 0-2-15,-33-66-5 16,36 84 6-16,0 2-5 16,-3 0 5-16,-1-1-3 15,-7-8 2-15,-8-1-2 16,-64-37-2-16,68 54 5 15,4-1 0-15,-6-1-5 0,0 2-1 16,-22-8 3-16,-113-29-3 16,133 38 2-16,1-2-1 15,-1 0-1-15,5 2 0 16,-28-7 0-16,6 0 0 16,-68-17 1-16,95 29-1 15,-3-4 3-15,-1 3-1 16,2-2-2-16,-24 0-1 15,-1 0 1-15,-119-6 0 16,130 8 0-16,-1 2 0 16,3-2 3-16,-1-1-3 15,-28 2 0-15,-104-4 0 16,146 5 0-16,0-2 0 0,2 2 1 16,3-3-1-16,-18 3 2 15,4 0-2-15,-35 3 0 16,51-3-1-16,1 1 1 15,-3 0 0-15,3 4 0 16,-13-1 0-16,3 0 1 16,-41 2-1-16,57-6 0 15,-2 0-2-15,1 0 2 16,1 0 0-16,-3 2-8 16,-2 0-8-16,7-4-18 15,2 2-12-15,2 0 4 16,0 0-23-16,0 2 1 0,6 0-28 15,23 16-76 1</inkml:trace>
   <inkml:trace contextRef="#ctx0" brushRef="#br0" timeOffset="137890.93">11980 11953 127 0,'-2'-6'5'0,"0"2"-2"15,-3-2-3-15,1-15 0 16,1 19 21-16,3-1-3 0,-2 1-4 16,-1 2-3-16,-1-4-2 15,0 4-3-15,-19-4 9 16,19 2 14-16,2 0 7 15,-3 0 6-15,5-2-29 16,-4 0-7-16,4 0-1 16,0-7 2-16,0 10 4 15,-2-1 3-15,2 2 12 16,-2 0 6-16,-2-3-12 16,-8 9-6-16,7-7-7 15,1 1-1-15,-4 5-6 16,-2 4 1-16,-10 7 4 0,0 12 3 15,-51 116 2 1,59-98 11-16,4 8 0 0,1 5-3 16,3 0-11-16,-8 58-5 15,8 9 9-15,18 272 0 16,-6-336-11-16,1 4 8 16,3 4-5-16,-1-2 1 15,13 62-4-15,54 214-1 16,-62-308 1-16,1 0 0 15,-3-4 2-15,-1 0-2 16,12 37 1-16,-3-7 2 16,16 110-3-16,-32-155-8 15,1-2 4-15,2-3-6 16,-2-3-21-16,8 10-8 16,-3-7 0-16,19 7-6 0,-29-24-14 15,0 5-174-15</inkml:trace>
-  <inkml:trace contextRef="#ctx0" brushRef="#br0" timeOffset="140006.45">12474 11590 368 0,'-8'-10'15'15,"-6"-6"5"-15,3 3-8 16,-7-1 11-16,16 10-5 15,2 5 8-15,0-1-17 0,0 3-9 16,2 0 0-16,18 47 10 16,-13-28 10-16,4 0-5 15,-2 11-9-15,2 0 6 16,14 32-2-16,1 7 0 16,66 153-7-16,-77-194-1 15,-1 2 1-15,1-7 1 16,-3-5 1-16,15 26-4 15,-8-9-1-15,26 30 7 16,-45-64-7-16,2 0 0 16,-2-1 0-16,2-1 0 15,-2 0 4-15,3 4-4 16,-10-9 0-16,3-2 6 16,-6-4-6-16,4 1-5 0,-9-8 5 15,-4-4 2-15,-54-66-2 16,61 68-2-1,2 2 2-15,-2 0 4 0,1 2-4 16,-6-14 1-16,-1 2-1 16,-22-33 0-16,32 51 2 15,4-4-4-15,0 4 4 16,-1 2 1-16,-3-7-3 16,-10 3-10-16,18 13 10 15,-3 3 0-15,3 6 1 16,0 7-3-16,-2 12 4 0,0 14 2 15,-2 119-4 1,-1-138-3-16,3-2 3 0,-1-4 0 16,1-2 2-16,0 20-4 15,2-6 4-15,7 30-4 16,-7-57-1-16,2-4-38 16,3 2-22-16,1-1 23 15,3 2-61-15</inkml:trace>
+  <inkml:trace contextRef="#ctx0" brushRef="#br0" timeOffset="140006.44">12474 11590 368 0,'-8'-10'15'15,"-6"-6"5"-15,3 3-8 16,-7-1 11-16,16 10-5 15,2 5 8-15,0-1-17 0,0 3-9 16,2 0 0-16,18 47 10 16,-13-28 10-16,4 0-5 15,-2 11-9-15,2 0 6 16,14 32-2-16,1 7 0 16,66 153-7-16,-77-194-1 15,-1 2 1-15,1-7 1 16,-3-5 1-16,15 26-4 15,-8-9-1-15,26 30 7 16,-45-64-7-16,2 0 0 16,-2-1 0-16,2-1 0 15,-2 0 4-15,3 4-4 16,-10-9 0-16,3-2 6 16,-6-4-6-16,4 1-5 0,-9-8 5 15,-4-4 2-15,-54-66-2 16,61 68-2-1,2 2 2-15,-2 0 4 0,1 2-4 16,-6-14 1-16,-1 2-1 16,-22-33 0-16,32 51 2 15,4-4-4-15,0 4 4 16,-1 2 1-16,-3-7-3 16,-10 3-10-16,18 13 10 15,-3 3 0-15,3 6 1 16,0 7-3-16,-2 12 4 0,0 14 2 15,-2 119-4 1,-1-138-3-16,3-2 3 0,-1-4 0 16,1-2 2-16,0 20-4 15,2-6 4-15,7 30-4 16,-7-57-1-16,2-4-38 16,3 2-22-16,1-1 23 15,3 2-61-15</inkml:trace>
   <inkml:trace contextRef="#ctx0" brushRef="#br0" timeOffset="141466.15">13011 12294 345 0,'0'-3'54'0,"-2"2"-29"16,0 2-23-16,4 8 20 15,-4 1 34-15,-1 0-17 16,1 0-12-16,0 14-15 0,-2 0 2 15,6 55-14 1,-2-70 0-16,2 2 0 0,0-4 0 16,0 3-1-16,3 8-31 15,2 1-41-15,22 28-22 16</inkml:trace>
   <inkml:trace contextRef="#ctx0" brushRef="#br0" timeOffset="142259.15">13933 12272 452 0,'-13'-85'21'16,"11"84"14"-16,2 2-25 16,0-1-6-16,2 3-4 15,5 7 0-15,36 60 4 16,-28-43-2-16,1 6 13 16,-3-1-14-16,3 0 8 15,12 32-2-15,-1 0 4 0,38 101-11 16,-58-147 0-16,2-4 0 15,-5-2 4-15,0-4-2 16,6 9-3-16,-6-9 2 16,-6-11 12-16,-8-2-13 15,4-2-1-15,-5-3 1 16,-3-2 3-16,-7-10-3 16,-56-64 0-16,67 74 0 15,-2 4 2-15,3 0-2 16,1 1-4-16,-9-5 4 0,5 6 0 15,-13 5-2 1,23 7 0-16,-3 1 2 0,1 4 3 16,2 1-3-16,-6 9-5 15,4 4 5-15,-2 57 2 16,3-70-2-16,6 0 0 16,-3 0-23-16,2-2-26 15,0 12-28-15,16 37-23 16</inkml:trace>
-  <inkml:trace contextRef="#ctx0" brushRef="#br0" timeOffset="142590.85">14342 12691 415 0,'2'-2'7'0,"7"-2"-6"15,13 2-1-15,-17 2 0 16,-1 0 19-16,2 2 3 16,-1 0-22-16,6 4 14 15,-2 2 4-15,11 32-4 16,-22-29 7-16,0 1-2 16,-3 2 7-16,3 1-12 15,-7 17-13-15,-2 4 12 16,-30 83 6-16,35-102-17 15,4-4-1-15,2-1 2 0,4-4 0 16,0 12-3-16,39 6-15 16,-30-26-3-16,1 0-24 15,1-2-28-15,4 0-51 16</inkml:trace>
+  <inkml:trace contextRef="#ctx0" brushRef="#br0" timeOffset="142590.84">14342 12691 415 0,'2'-2'7'0,"7"-2"-6"15,13 2-1-15,-17 2 0 16,-1 0 19-16,2 2 3 16,-1 0-22-16,6 4 14 15,-2 2 4-15,11 32-4 16,-22-29 7-16,0 1-2 16,-3 2 7-16,3 1-12 15,-7 17-13-15,-2 4 12 16,-30 83 6-16,35-102-17 15,4-4-1-15,2-1 2 0,4-4 0 16,0 12-3-16,39 6-15 16,-30-26-3-16,1 0-24 15,1-2-28-15,4 0-51 16</inkml:trace>
   <inkml:trace contextRef="#ctx0" brushRef="#br0" timeOffset="142826.03">14881 13150 326 0,'4'3'13'0,"0"-2"-7"16,-1 5-4-16,6 2-1 15,-5 2 2-15,17 26-1 16,-15-28-4-16,1-3 4 15,-3-2 2-15,2 0-4 16,8 4-5-16,-1 0-7 16,37 21-30-16,-42-23-25 15</inkml:trace>
   <inkml:trace contextRef="#ctx0" brushRef="#br0" timeOffset="142941.1">15228 13455 221 0,'22'6'17'15,"34"32"4"-15,-49-34-17 16,1 4-4-16,0-3-5 16</inkml:trace>
   <inkml:trace contextRef="#ctx0" brushRef="#br0" timeOffset="143706.51">15685 13128 441 0,'-2'-4'27'0,"4"2"-19"16,2 0-5 0,72 30-3-16,-53-18 11 0,-1 4 27 15,0 4-4-15,1 4-29 16,16 19 8-16,-1 4 1 16,34 106-13-16,-70-125 1 15,-2-4-1-15,0 0 6 16,-2-2-7-16,0 18-14 15,0-6 11-15,-8 31 2 16,10-59-7-16,0-4 7 16,0 0 1-16,0 0 3 15,0 0-3-15,2-12-1 16,-4 3-5-16,0 1-7 0,0 1-3 16,0-4 16-1,-3-4 0-15,1-3 4 0,-19-35-4 16,19 45-4-1,-2 0 4-15,0 0 4 0,0 0-2 16,-3-6-4-16,1 4 4 16,-13-6-3-16,19 17 1 15,0-1-2-15,2 7 2 16,-4 3 9-16,-3 12-7 16,-22 81 5-16,22-80-3 15,0-2 11-15,3 1-13 16,0-3 1-16,-5 22-3 15,4-5 5-15,5 54-5 16,3-84-11-16,1 5-22 0,0-4-18 16,1 1-66-16</inkml:trace>
-  <inkml:trace contextRef="#ctx0" brushRef="#br0" timeOffset="144241.82">16349 13726 409 0,'13'6'7'0,"26"32"1"0,-33-25-6 15,3-5 2-15,-3 7 8 16,1-3 22-16,2 14-21 15,9 58-1-15,-18-68-4 16,0-2 9-16,-2 0-10 16,2-3-7-16,0 10 3 15,-3-4 6-15,3-4-8 16,0-13 15-16,-4-4 1 16,2-4-7-16,0-2-9 15,0-12-1-15,-3-10 0 16,-2-100-5-16,5 103 2 15,2 6 2-15,-3 1 2 0,3 0-4 16,0-18 3-16,17-64-11 16,-13 93 11-16,0 5-3 15,3 2 5-15,-3-2-4 16,8-1 4-16,-4 1 1 16,24 6-3-16,-26 1-6 15,2 1 6-15,-2 4 12 16,-2 0-11-16,5 8 11 15,-5 4-2-15,-21 62 9 16,5-66-16-16,-1 2 0 16,0-1-3-16,-3-1 6 15,-11 10-5-15,-54 26-2 16,65-50-26-16,3 0-21 0,-4-6-46 16,5 0-117-1</inkml:trace>
+  <inkml:trace contextRef="#ctx0" brushRef="#br0" timeOffset="144241.81">16349 13726 409 0,'13'6'7'0,"26"32"1"0,-33-25-6 15,3-5 2-15,-3 7 8 16,1-3 22-16,2 14-21 15,9 58-1-15,-18-68-4 16,0-2 9-16,-2 0-10 16,2-3-7-16,0 10 3 15,-3-4 6-15,3-4-8 16,0-13 15-16,-4-4 1 16,2-4-7-16,0-2-9 15,0-12-1-15,-3-10 0 16,-2-100-5-16,5 103 2 15,2 6 2-15,-3 1 2 0,3 0-4 16,0-18 3-16,17-64-11 16,-13 93 11-16,0 5-3 15,3 2 5-15,-3-2-4 16,8-1 4-16,-4 1 1 16,24 6-3-16,-26 1-6 15,2 1 6-15,-2 4 12 16,-2 0-11-16,5 8 11 15,-5 4-2-15,-21 62 9 16,5-66-16-16,-1 2 0 16,0-1-3-16,-3-1 6 15,-11 10-5-15,-54 26-2 16,65-50-26-16,3 0-21 0,-4-6-46 16,5 0-117-1</inkml:trace>
   <inkml:trace contextRef="#ctx0" brushRef="#br0" timeOffset="144757.26">15549 11953 408 0,'-16'-22'53'0,"-28"-48"-30"16,44 73-15-16,2-2-4 16,-2 5 5-16,0 8 20 15,2 16 0-15,17 152-12 16,-11-139-7-16,7-5 5 15,4-7-12-15,1-1 0 16,20 28-2-16,4-8 5 16,119 67-4-16,-136-106-4 15,2-3 4-15,-1-2 4 16,-3-5-6-16,29 6-4 16,-7-10 4-16,57-52 7 0,-95 28-5 15,-5-2-4 1,-4-4 4-16,-2-3 3 0,-4-34-5 15,-79-153-4-15,61 189 4 16,-3 5 13-16,-4 2-12 16,0 4-1-16,-32-24 2 15,-1 12-7-15,-144 0 5 16,168 45-30-16,-2 8-26 16,2 8-39-16,-3 5-124 15</inkml:trace>
   <inkml:trace contextRef="#ctx0" brushRef="#br0" timeOffset="145306.31">12958 13579 399 0,'-12'7'10'16,"-5"7"1"-16,-1 0-7 16,-9 62 23-16,29-58-11 15,8 1 6-15,1 6 29 16,5 1-16-16,13 20-22 16,119 84 4-16,-115-120-13 15,4-2 7-15,-4-3-11 16,1-4 3-16,34-1-3 0,1-7 6 15,126-73-4 1,-166 53-4-16,-5-4 4 0,-4-6 5 16,-5-1-7-16,14-34-1 15,-17-3 1-15,-66-143 8 16,25 189-7-16,-2 4 9 16,2 7-10-16,2 4 16 15,-29-16-16-15,-86 1-7 16,124 35 2-16,3 5-19 15,3 4-34-15,6 3-27 16,-7 18-55-16</inkml:trace>
   <inkml:trace contextRef="#ctx0" brushRef="#br0" timeOffset="146174.26">16485 11315 394 0,'0'-12'5'0,"2"-6"0"15,0 1-4-15,18-2 7 16,-15 26 1-16,3 6 31 16,6 11-9-16,-1 6 13 15,16 30-19-15,108 247 7 16,-106-228-12-16,0 5 18 15,2 6-22-15,1 6-11 16,26 93 8-16,0 7 10 16,69 406-9-16,-129-501 8 15,-6 5-17-15,-6-8 18 16,-3-7-11-16,-12 90-11 16,-6-18 3-16,-54 198-1 0,78-333 0 15,3-2-6-15,-4-4 1 16,6-4-4-16,-12 19-20 15,-31 34-56-15,39-63-65 16</inkml:trace>
@@ -730,21 +1022,21 @@
   <inkml:trace contextRef="#ctx0" brushRef="#br0" timeOffset="149741.59">14421 10659 480 0,'-6'-3'30'15,"4"0"-13"-15,0 1 9 16,2 4-17-16,0 1-6 15,6 4 13-15,50 56 19 16,-36-40-19-16,-2 0 1 16,0-1-16-16,-3-2 14 15,18 22-15-15,57 64 1 16,-76-92-1-16,-4 0 3 0,1-1 0 16,-3-1-6-1,9 12 6-15,-5-4 0 0,-4 22-3 16,-12-36 2-16,0-4-2 15,-6 0 6-15,4 1-3 16,-7-3-6-16,-4-5 6 16,-43-31 0-16,54 24-3 15,-3-2-11-15,2 1 11 16,0 3 2-16,-4-11 0 16,-15-14-4-16,23 35 4 15,1 0-1-15,2 0-1 16,-2 4-8-16,0 5 8 0,0 7 5 15,-6 74-2 1,8-76-6-16,0 3 6 0,0-4-2 16,3 1-1-16,4 16-16 15,-1-4-12-15,39 41-6 16,-34-62-48-16,0-3-2 16,3-2-110-16</inkml:trace>
   <inkml:trace contextRef="#ctx0" brushRef="#br0" timeOffset="150039.65">14918 11059 393 0,'8'-8'46'0,"5"-9"-32"16,1 0-12-16,45-28 5 0,-50 45 1 15,-2-4 1-15,-1 7 6 16,1-2-2-16,5 3 0 15,7 41 27-15,-23-32-18 16,-3 4 3-16,1 1-9 16,-3 0-11-16,-5 16 4 15,1-2 8-15,-9 60-13 16,20-81-1-16,4-5 1 16,0 0 2-16,0-1-6 15,4 5-13-15,6-4 1 0,32 1-16 16,-28-16-63-1,0 1-51-15</inkml:trace>
   <inkml:trace contextRef="#ctx0" brushRef="#br0" timeOffset="150439.69">15284 10659 451 0,'-5'-9'45'0,"3"1"1"15,0-6-41-15,27-14 1 16,-14 25 1-16,3 6 21 0,3 0-6 16,5 3-13-16,20 9 1 15,6 5 2-15,108 70-9 16,-137-75 3-1,-1-2-2-15,-2 1 3 0,-3 0-6 16,16 14 3-16,-8-2 2 16,10 52 10-16,-33-68-13 15,-2 1 10-15,-2 0-10 16,0-1 17-16,-10 10-7 16,-51 35-11-16,52-50 10 15,1-1 0-15,3 1-11 16,2-3-2-16,-9 7-1 0,3-6-3 15,1 5-22-15,14-2-29 16,4 0-18-16,6 0-53 16</inkml:trace>
-  <inkml:trace contextRef="#ctx0" brushRef="#br0" timeOffset="150923.98">16175 11064 494 0,'-2'-5'73'15,"-7"-13"-58"-15,7 20-9 16,2-2 0-16,0 0-6 16,2 0-8-16,3 0 8 15,5 0-5-15,44 0 4 16,-43 0-42-16,3-2 14 16,-1 2 0-16,1-2-13 15,10 0-3-15,-2-1 7 16,36 8 2-16,-46-10-2 15,-6 5 18-15,1-2 10 16,1 2 10-16,6 0 10 0,26 12 9 16,-38-12-13-16,3 3 21 15,1-2 8-15,1 2-1 16,9-1 17-16,6 0-13 16,58-10-32-16,-62 4-4 15,-2 0 3-15,-3-1-10 16,-2 2 4-16,13-2-61 15,-5 4-28-15,23 7-89 16</inkml:trace>
+  <inkml:trace contextRef="#ctx0" brushRef="#br0" timeOffset="150923.97">16175 11064 494 0,'-2'-5'73'15,"-7"-13"-58"-15,7 20-9 16,2-2 0-16,0 0-6 16,2 0-8-16,3 0 8 15,5 0-5-15,44 0 4 16,-43 0-42-16,3-2 14 16,-1 2 0-16,1-2-13 15,10 0-3-15,-2-1 7 16,36 8 2-16,-46-10-2 15,-6 5 18-15,1-2 10 16,1 2 10-16,6 0 10 0,26 12 9 16,-38-12-13-16,3 3 21 15,1-2 8-15,1 2-1 16,9-1 17-16,6 0-13 16,58-10-32-16,-62 4-4 15,-2 0 3-15,-3-1-10 16,-2 2 4-16,13-2-61 15,-5 4-28-15,23 7-89 16</inkml:trace>
   <inkml:trace contextRef="#ctx0" brushRef="#br0" timeOffset="151523.99">17430 10553 519 0,'-7'-11'34'0,"3"-7"-6"15,-4-3-11-15,20-17-3 16,-12 35 6-16,2 0-5 16,5 6-12-16,4 3 11 15,9 5 4-15,74 81-15 16,-74-70 18-16,-1 0-5 15,0 0-11-15,1-2 0 16,18 22 0-16,-3-7 2 16,54 71-7-16,-80-88 2 15,-2 0-2-15,-2 0 4 16,-1 0-3-16,7 16-2 0,-5-5 4 16,-1 27-1-16,-5-56-2 15,0 0-6-15,0-3 6 16,2 1 0-16,-2 0-10 15,5-21 3-15,-5 19-8 16,-2 0 13-16,2 1 2 16,-3 2-18-16,-1-4 7 15,-1 3-13-15,-3-5-9 16,8 7 28-16,0-3-18 16,0 2-23-16,0-2-20 15,0 2-5-15,0-2 21 16,-5-3-17-16,1 5-156 15</inkml:trace>
   <inkml:trace contextRef="#ctx0" brushRef="#br0" timeOffset="151889.81">17826 10912 348 0,'-4'-2'33'0,"-10"-2"4"15,3 4 16-15,-15-2-11 16,19 2-10-16,-3 2-21 15,4 0 13-15,-5 0 6 16,-7 5-12-16,-6-2 1 16,-65 34-11-16,69-32-7 15,-1 3-1-15,0 1 4 16,0-1-3-16,-19 12-1 16,-76 41-11-16,106-56-4 15,4-3-24-15,8-4-70 16,4 2 4-16</inkml:trace>
   <inkml:trace contextRef="#ctx0" brushRef="#br0" timeOffset="152708.67">18276 10297 528 0,'-11'-10'35'16,"2"2"-17"-16,-4-6-16 15,4 3-2-15,13 39 3 16,6-3 17-16,1 2 9 16,6 4-23-16,1 1 15 15,18 33-8-15,95 130-13 16,-117-168 6-16,-1-2 1 0,-2 0-6 16,0-6-1-16,14 24 3 15,-8-9-3-15,14 36 0 16,-31-67 0-16,0 0 0 15,-2-3 2-15,2 2 0 16,-4-4-2-16,-7-1-2 16,-56-42 2-16,47 31 0 15,0 0-3-15,0 2 3 16,-2 1 1-16,-16-7 1 16,-65-11-2-16,90 31 2 15,2 6-2-15,-3 2 0 16,1 3 0-16,-14 12 0 0,3 7 3 15,-32 79-3 1,54-97 0-16,2 1-11 0,2 2-3 16,0-3-40-16,8 13-86 15,3 0-97-15</inkml:trace>
   <inkml:trace contextRef="#ctx0" brushRef="#br0" timeOffset="153208.78">18784 10896 361 0,'7'10'26'16,"5"5"11"-16,3 7 5 16,3 6-10-16,33 68 25 0,-47-85-21 15,-2 6-28-15,1-3 2 16,-3-1-4-16,0 14 3 15,-22 36-2-15,17-63-5 16,5 2 7-16,-2-2-4 16,2 0-2-16,-5-2 8 15,3-5-8-15,-11-39-1 16,6 28-2-16,3-2-3 16,-3-4-3-16,0-4 1 15,-6-29-21-15,1-5 21 16,-1-131 0-16,18 179 4 15,5-5 0-15,2 4 0 0,3 2 1 16,14-14 0 0,79-27 1-16,-93 52-1 0,1 1 0 15,-1 4 2-15,-1 1-2 16,10 9 5-16,-2 6 3 16,5 92 5-16,-35-91-12 15,-6-1 10-15,1 2-1 16,-1-3 1-16,-14 16-7 15,-1-4 1-15,-72 44 0 16,86-63-5-16,-4-1-3 16,2-2-7-16,1 0-30 15,-17 9-91-15</inkml:trace>
-  <inkml:trace contextRef="#ctx0" brushRef="#br0" timeOffset="156723.98">17855 11604 153 0,'-4'-14'181'0,"-3"4"-171"15,-4-12 4-15,-29-3 6 16,30 26-6-16,0 4-5 15,-1 2 6-15,-1 3 0 16,-7 10 5-16,1 5 4 16,-27 111 7-16,38-97-8 0,0 11-8 15,1 7 17 1,2 9-6-16,-7 64-17 0,-1 23 6 16,-10 388-4-1,17-438 2-15,3-3-8 0,4 13-2 16,6-9 1-16,5 98-4 15,85 319 1-15,-74-465-1 16,3-7 0-16,0-13-3 16,-3-4-7-16,27 34-18 15,-1-18-25-15,83 24-29 16,-117-76-47-16</inkml:trace>
+  <inkml:trace contextRef="#ctx0" brushRef="#br0" timeOffset="156723.97">17855 11604 153 0,'-4'-14'181'0,"-3"4"-171"15,-4-12 4-15,-29-3 6 16,30 26-6-16,0 4-5 15,-1 2 6-15,-1 3 0 16,-7 10 5-16,1 5 4 16,-27 111 7-16,38-97-8 0,0 11-8 15,1 7 17 1,2 9-6-16,-7 64-17 0,-1 23 6 16,-10 388-4-1,17-438 2-15,3-3-8 0,4 13-2 16,6-9 1-16,5 98-4 15,85 319 1-15,-74-465-1 16,3-7 0-16,0-13-3 16,-3-4-7-16,27 34-18 15,-1-18-25-15,83 24-29 16,-117-76-47-16</inkml:trace>
   <inkml:trace contextRef="#ctx0" brushRef="#br0" timeOffset="157923.94">18065 12571 358 0,'0'-6'20'15,"0"3"3"-15,0 0-10 16,0 1-3-16,0-7 11 15,-5-5 8-15,3 13-23 16,-1-1 5-16,1-2 2 16,0 4-3-16,-2-5 2 15,0 2-3-15,-15-1 4 16,19 4 1-16,-2 0-13 16,2 4 6-16,-2 2-4 15,-2 8 1-15,-1 9 1 16,-17 110 7-16,18-101 0 15,1 2-6-15,3 4-4 0,-2 0 5 16,2 41-6-16,11 176 0 16,1-219-1-16,-4-3 0 15,5-2 3-15,1-8-3 16,13 30-2-16,2-11 2 16,73 28 0-16,-82-74 1 15,0-4-1-15,0-4 1 16,0-2-1-16,16-16-5 15,-4-14-5-15,32-132 10 16,-60 145-3-16,-4 5 2 0,-2-2 1 16,0 4 0-1,-2-26 3-15,-17-76-3 0,19 109-1 16,-2 4 1 0,0 0 0-16,0 2 0 0,-2-10 0 15,0 6 2-15,-7-3-1 16,10 15-1-16,0 6-8 15,3 0 8-15,0 5 0 16,-2 11 2-16,2 9-2 16,0 98 2-16,8-106 1 15,-2 0-3-15,3 2 2 16,1-2-2-16,11 22 0 16,70 75 2-16,-75-106-2 15,2 5 1-15,0-2-1 16,-1-1-13-16,14 13-51 15,3-2-27-15,40 40-123 0</inkml:trace>
   <inkml:trace contextRef="#ctx0" brushRef="#br0" timeOffset="158318.66">19090 13243 434 0,'4'5'84'15,"5"18"-55"-15,-7 11-9 16,-29 133 5-16,25-136-11 15,0-7-12-15,4-2 1 16,3 0-3-16,4 26-2 0,41 95-74 16,-42-119-163-16</inkml:trace>
-  <inkml:trace contextRef="#ctx0" brushRef="#br0" timeOffset="161923.95">19771 12486 487 0,'-10'-5'13'0,"2"2"9"15,4 3-11-15,2 0-10 16,-5 0-1-16,5 8 0 16,0 68 8-16,2-43 7 15,2 3-10-15,0 2 9 16,0 2-1-16,5 40 2 16,24 172-15-16,-21-210 5 15,0-5-4-15,1-3-1 16,3-4-1-16,11 26 1 0,-1-12 2 15,42 23 5-15,-56-71-6 16,-2-2 2-16,1-10 4 16,3-4-7-16,7-16 2 15,2-12-2-15,37-137 0 16,-52 152 2-16,1 0-2 16,-3-3-3-16,-4-2 3 15,5-35 0-15,-25-151-1 16,18 194 1-16,-3 12 3 15,1 10-1-15,2 2-2 16,-1-9-6-16,1 24 6 16,13 103 4-16,-6-74 2 0,-1-3-5 15,5 5 2 1,0-5 1-16,9 38-4 0,4-5 2 16,49 127-2-16,-55-164 0 15,-3 0-7-15,1 1-3 16,1 0-19-16,14 27-39 15,58 94-35-15,-72-143-101 16</inkml:trace>
+  <inkml:trace contextRef="#ctx0" brushRef="#br0" timeOffset="161923.94">19771 12486 487 0,'-10'-5'13'0,"2"2"9"15,4 3-11-15,2 0-10 16,-5 0-1-16,5 8 0 16,0 68 8-16,2-43 7 15,2 3-10-15,0 2 9 16,0 2-1-16,5 40 2 16,24 172-15-16,-21-210 5 15,0-5-4-15,1-3-1 16,3-4-1-16,11 26 1 0,-1-12 2 15,42 23 5-15,-56-71-6 16,-2-2 2-16,1-10 4 16,3-4-7-16,7-16 2 15,2-12-2-15,37-137 0 16,-52 152 2-16,1 0-2 16,-3-3-3-16,-4-2 3 15,5-35 0-15,-25-151-1 16,18 194 1-16,-3 12 3 15,1 10-1-15,2 2-2 16,-1-9-6-16,1 24 6 16,13 103 4-16,-6-74 2 0,-1-3-5 15,5 5 2 1,0-5 1-16,9 38-4 0,4-5 2 16,49 127-2-16,-55-164 0 15,-3 0-7-15,1 1-3 16,1 0-19-16,14 27-39 15,58 94-35-15,-72-143-101 16</inkml:trace>
   <inkml:trace contextRef="#ctx0" brushRef="#br0" timeOffset="162225.69">20607 13302 456 0,'-2'-19'18'0,"2"5"3"15,4-1-18-15,0 1 12 16,8-15 2-16,34-36-12 16,-39 59 1-16,0 2-5 15,-2 2 1-15,-1 4-1 16,7 2 1-16,-4 10 22 16,-3 72 1-16,-11-57-24 15,-2 3 13-15,1 0-1 16,-1-1 1-16,-7 26-9 15,1-3-1-15,-3 79 1 16,18-122-5-16,4 2 2 16,2-5-5-16,2-1 1 15,5 10-15-15,60 9-26 0,-55-26-57 16,5 0-137-16</inkml:trace>
   <inkml:trace contextRef="#ctx0" brushRef="#br0" timeOffset="163132.78">21527 13546 551 0,'31'1'29'16,"-20"-9"-29"-16,-3 12-70 15,4 0 24-15,-1 1-47 16</inkml:trace>
   <inkml:trace contextRef="#ctx0" brushRef="#br0" timeOffset="163328.75">22450 13487 427 0,'4'4'10'0,"7"0"-6"15,3-2 2-15,1-2-4 16,12 5 2-16,4-4-3 16,64 5-1-16,-76-7-11 0,1 1-82 15</inkml:trace>
   <inkml:trace contextRef="#ctx0" brushRef="#br0" timeOffset="164023.4">23212 12705 536 0,'-12'-12'17'15,"10"6"11"-15,0 0-13 0,2 2 8 16,-5-2-23 0,14 22-1-16,-1 6 1 0,0 10 5 15,3 2-2-15,3 5-3 16,15 30 2-16,4 4-2 16,101 125 0-16,-112-175 1 15,-2-4-1-15,0-3 2 16,0 0 0-16,18 17-2 15,0-11 0-15,53 26 0 16,-80-54 0-16,1-3 2 16,-2-6-2-16,4-8 1 15,15-19 2-15,73-148-3 16,-86 154 0-16,-5 6 0 0,-6 0 8 16,-1 2-8-16,2-29 22 15,-8 7-8-15,-33-72-4 16,26 110-10-16,3 3-4 15,-2 6 2-15,4-1-5 16,-5-2-33-16,3 2-14 16,10 14 13-16,0-6 30 15,-4 2-16-15,0-4 1 16,3 2 21-16,-1 2 3 16,6 4-1-16,-8-10 3 15,-2 0 5-15,2 0 6 16,-2 0 3-16,0 0-11 15,0 2 11-15,2 21 9 16,0-12-7-16,2 3 5 0,4 3 0 16,4 2-2-16,5 17 0 15,3 9-12-15,47 101 10 16,-57-117-12-16,-1-2-2 16,3-2-4-16,-2 4 1 15,13 28-17-15,50 117-71 16,-49-154-59-16</inkml:trace>
   <inkml:trace contextRef="#ctx0" brushRef="#br0" timeOffset="164858.57">24361 13345 578 0,'-8'-4'30'0,"3"2"-17"16,5 2-11-1,-5 0-2-15,27 50 4 16,-17-30 4-16,4 6 10 0,0 3-10 16,2-4 4-16,7 29-8 15,1 3 12-15,33 103-9 16,-45-131-3-16,2-6-4 15,-5-2 3-15,-1-4 1 16,3 22-4-16,-6-12 4 16,-11 19-1-16,11-50 4 15,-2 3-4-15,-5-6-1 16,-2-2 0-16,-6-10 0 16,-61-113-2-16,61 82-12 15,3-6 7-15,3-2 0 16,3-3-7-16,-6-51 12 0,5 2 0 15,30-144 3 1,-10 231-3-16,7 4-4 0,1 5 4 16,2-1 0-16,23-13-2 15,7 6 1-15,101-2 1 16,-139 32 0-16,-3 8 0 16,-6 6 0-16,-1 4 0 15,-1 22 5-15,-64 146-2 16,37-158 5-16,0-3 1 15,-2-8-2-15,2 0-7 16,-17 20 4-16,7-9-4 16,-27 9 0-16,58-45-15 0,2-1-14 15,-2-4-58 1,-2-5-66-16,0-6-237 0</inkml:trace>
-  <inkml:trace contextRef="#ctx0" brushRef="#br0" timeOffset="165123.85">24564 12270 435 0,'13'-67'60'0,"14"4"-13"16,113-52 6-16,-109 119-29 15,8 13-4-15,-2 12-5 0,3 11 13 16,43 36 14-16,191 298-14 16,-238-286 14-16,-12 6-16 15,-19 6-13-15,-12 17-13 16,-7 109-1-16,-34 11-14 16,-222 463-76-16,235-619-102 15</inkml:trace>
+  <inkml:trace contextRef="#ctx0" brushRef="#br0" timeOffset="165123.84">24564 12270 435 0,'13'-67'60'0,"14"4"-13"16,113-52 6-16,-109 119-29 15,8 13-4-15,-2 12-5 0,3 11 13 16,43 36 14-16,191 298-14 16,-238-286 14-16,-12 6-16 15,-19 6-13-15,-12 17-13 16,-7 109-1-16,-34 11-14 16,-222 463-76-16,235-619-102 15</inkml:trace>
   <inkml:trace contextRef="#ctx0" brushRef="#br0" timeOffset="212005.36">12483 148 298 0,'-4'-6'72'16,"4"2"-45"-16,-2-7 0 15,2 4-15-15,6-5 8 16,-6 10-5-16,0 2-9 0,-2 0-3 16,2 2 5-16,-2-2-2 15,2 5-4-15,4 12 3 16,-2-9 35-16,3 8-23 15,0 6 2-15,-1 10-5 16,7 30 16-16,22 247-20 16,-33-239 7-16,2 2-9 15,-2 7 5-15,3 1-1 16,4 73-8-16,-1-3 2 16,28 263 6-16,-32-361-9 15,0-6-2-15,0 0 0 16,-2-2 6-16,0 49-7 15,-4-1 2-15,-42 183-2 16,36-242 3-16,4-8-3 16,1-7 0-16,3-11-4 0,-4 18-2 15,10-25-9-15,-2-8-4 16,0-4-14-16,3 0-25 16,-3-2-26-16,6-13-42 15</inkml:trace>
   <inkml:trace contextRef="#ctx0" brushRef="#br0" timeOffset="212656.55">11109 1751 429 0,'9'1'48'0,"-9"-1"-43"15,4-1 0-15,4-2 8 0,4 1 23 16,13-4-8-16,15 0-8 16,169-15-14-16,-154 15 9 15,9-3-6-15,5 1-3 16,8 2 2-16,79-7-3 15,388-14-2-15,-451 25-3 16,-1 2 0-16,-1 2 9 16,1-2-3-16,99 0-6 15,2 0 7-15,416-24 3 16,-515 18-8-16,-7 0-2 0,-9 2 1 16,-9 0 5-16,73-4-6 15,-22 4-1-15,152 2 1 16,-245 4 4-16,-2-2-3 15,-3 0-2-15,-2-2 2 16,23 2 5-16,59-12-6 16,-89 7-1-16,-1 2 1 15,-6-1 2-15,3 2-1 16,7-4-2-16,-3 0 0 16,5-12-2-16,-18 15-4 15,0-3-39-15,-2 4-13 16,-2-5-4-16,-4-7-66 15</inkml:trace>
   <inkml:trace contextRef="#ctx0" brushRef="#br0" timeOffset="213090.66">14484 1183 426 0,'-4'-2'19'0,"1"0"-5"16,3 0 15-16,-2-2 15 0,7 0-18 16,-5 4-21-1,2 2-4-15,4 2 13 0,4 2 1 16,9 4 15-16,8 6-23 15,105 46 8-15,-104-52-3 16,3 0-12-16,4 2 2 16,0-2 3-16,32 12-5 15,2-2 0-15,103 43 0 16,-157-52 3-16,-3 3-3 16,-6-3 0-16,-4-1 8 15,3 16 6-15,-61 68-10 16,31-80-1-16,6 3-2 15,-2-4 4-15,-1 1-5 16,-16 12-4-16,2-2-3 0,-57 22-17 16,86-40-33-16,-2-4-17 15,2 0-48-15</inkml:trace>
@@ -770,12 +1062,12 @@
   <inkml:trace contextRef="#ctx0" brushRef="#br0" timeOffset="-174959.95">9995 663 347 0,'2'-10'61'0,"0"2"-28"16,1-1 8-16,-1-6 3 15,2 3-24-15,2-8-13 16,1 19-7-16,-2-8 1 16,2 5-1-16,4 0 0 15,9-8 0-15,57-22-8 16,-65 26-2-16,-3 2 1 15,-1-3 3-15,2 3-2 0,9-5-2 16,-5-1-5-16,10-16-17 16,-33 24 3-16,1 0-35 15,-1 4 46-15,-3 0 18 16,-7 2 3-16,1 3 5 16,-24 6 13-16,42-10 9 15,0 1-10-15,0-2-10 16,0 0-7-16,4 3-3 15,29 1 0-15,-20 0 13 16,3 2 8-16,-3-2-12 16,3 0-8-16,11 5 0 15,-1 0 0-15,24 35 4 16,-48-37 5-16,0 0 3 16,0 1-6-16,0-2-2 0,3 7-4 15,0 0 0-15,4 19-2 16,-9-25-33-16,2-3-53 15,-2-1-122-15</inkml:trace>
   <inkml:trace contextRef="#ctx0" brushRef="#br0" timeOffset="-174338.94">10638 984 273 0,'-11'6'129'0,"11"-8"-108"16,2 0-11-16,3-1 34 16,-1-2-27-16,4-4-16 15,2-3 1-15,26-26 0 16,-34 36 5-16,-2 5 2 16,0-3-1-16,0 4 1 15,0-1-7-15,-6 34 30 16,6-23-16-16,0 4-2 15,-3-1-3-15,3-4-4 0,0 18-5 16,0-5 3-16,7 32-5 16,-3-53 3-16,-2 0-4 15,4-1 2-15,-2-1 4 16,2 6-5-16,1-3 0 16,13 8-1-16,-15-18 2 15,-1 4 3-15,0-2-4 16,5 0-27-16,5-8-52 15,50-60-98-15</inkml:trace>
   <inkml:trace contextRef="#ctx0" brushRef="#br0" timeOffset="-164507.52">10984 6 330 0,'-18'-3'14'16,"3"2"-12"-16,3 1-2 16,3-2 11-16,-13 2 11 15,5 0 15-15,-31 0-11 16,38 0-5-16,0 0 4 16,-1 0-11-16,0 0 1 15,-11 0 1-15,-65 0-7 16,67 0-8-16,2 0 0 15,0 0 3-15,-1 0-1 16,-20 0-1-16,-3 0 9 0,-89 16 2 16,110-10-13-1,2-1 5-15,3 4-4 0,1-3 8 16,-20 10-9-16,6 3-2 16,-57 60 2-16,68-61 2 15,3 0-1-15,-5 3-2 16,1-1 2-16,-16 20 3 15,-76 83-4-15,97-100-4 16,-1-1 4-16,-1 0 3 16,3 3-2-16,-16 25-2 15,-2 1 2-15,-77 126 3 16,93-160-4-16,1 6-6 0,6-3 6 16,-1 0 0-16,-7 18 0 15,7 4-2-15,5 89 2 16,8-110 0-16,1 3 0 15,3-2-6-15,4-1 2 16,5 17 4-16,60 62 2 16,-62-84-2-16,1-2 4 15,1 2 1-15,-1-1-5 16,15 17 1-16,3 1-1 16,61 74 2-16,-79-90 0 15,-3-2-4-15,6-1-6 16,-2-5 4-16,18 16 1 15,6-7 6-15,101 16 1 16,-117-34-3-16,4 0-1 16,-2 0 0-16,0 0 3 0,23-2 6 15,106-4-9 1,-133 4 1-16,-1-2-1 0,1 2 3 16,-2 0-3-16,24-7 0 15,4 2 0-15,102-24 4 16,-128 25-4-16,0 5-4 15,-4-1 4-15,1-2 3 16,18-2-2-16,-3 2-2 16,62 0 2-16,-86 4 2 15,4 0-3-15,-1 2-6 16,-1 0 6-16,18 2 3 16,77 14-3-16,-89-12-1 15,-3-2 1-15,4 2 1 16,-2 0-1-16,19 6-5 0,0-2 5 15,69 30 2-15,-90-37 0 16,-3-1-4-16,2 3 4 16,-1-1 1-16,15 4-3 15,0 0-4-15,61 15 4 16,-73-18 3-16,5 4-2 16,1-6-2-16,-1 3 2 15,21 4-1-15,86 12 0 16,-111-22-3-16,-1 2 3 15,-1 0 2-15,-1 0-2 16,19 5-2-16,-3 4 2 0,74 48 3 16,-88-49-3-16,2 0-4 15,1 0 4-15,-1-2 3 16,19 11-2-16,1-2-2 16,71 21 2-16,-91-36 3 15,-2 0-3-15,1 2 1 16,-3-2-2-16,24 7 4 15,81 24-1-15,-102-27-6 16,-5 2 6-16,5 1 0 16,-2-4-3-16,15 9-3 15,-2-2 3-15,46 12 2 16,-61-22-1-16,1 4-2 0,1-4 2 16,2 2 1-1,17 2-2-15,4 1-4 0,80 2 4 16,-96-12 1-16,2 1-1 15,-3-1-2-15,3 2 2 16,23-8 1-16,102-23-1 16,-123 22 0-16,-3 2 0 15,0 0 2-15,1 1-1 16,22-6-2-16,-5 1 2 16,72-30 3-16,-95 30-4 15,4 0-4-15,4 0 4 16,0-2 4-16,28-14 0 15,0-1-5-15,113-69 2 0,-151 87 10 16,-1-6 4 0,-3 3-7-16,-1 0 7 0,13-14 2 15,21-60-15-15,-42 74 4 16,3-3-4-16,-2 2 8 16,2-3-10-16,3-16-3 15,4 0 3-15,24-60 3 16,-36 77-3-16,2-2 0 15,1 5 0-15,-1-1 7 16,3-17-7-16,0 2-4 16,4-52 4-16,-11 66 6 15,-2 3-6-15,2-7 0 16,0 3 1-16,0-17 3 16,-3-68-4-16,1 94-7 0,0-5 7 15,-2 1 6 1,-1 1-6-16,-6-9 3 0,-4-3 0 15,-60-37 2-15,52 56-4 16,-2-2-1-16,-2 0 3 16,2 2 8-16,-24-4-10 15,3 1 3-15,-81-6-3 16,106 11 10-16,-1-1-6 16,0 2-3-16,-4 0 1 15,-28-6 3-15,-138-13-1 16,155 14-8-16,3 0 6 15,1 0 3-15,-3-1-6 16,-35-4-5-16,-5-3 5 16,-178-19 6-16,209 29-5 15,6 0-2-15,0 2 2 0,3-2 6 16,-32-3-6-16,10-4 2 16,-78-41-3-16,116 36 3 15,-3 1 2-15,6-8-10 16,-1 3 10-16,-18-18-5 15,-49-76 0-15,77 100-3 16,1 2 3-16,-2 0 5 16,-2-2-3-16,-10-13-4 15,-2 4 4-15,-69-47 1 16,72 56-3-16,2-1-3 0,-2 1 3 16,-2-3 4-1,-22-19-4-15,1 7 0 0,-84-23 0 16,106 52 5-16,2 0-5 15,-4 0-13-15,3 0 13 16,-24 0-2-16,-90 0 4 16,112 0-4-16,-1 0 4 15,4 0 0-15,-1 0-2 16,-18 0-4-16,1 0 4 16,-71 0 2-16,83 0-1 15,-2 0-2-15,0 0 2 16,4 0 1-16,-25 0-2 15,4 0-20-15,-65 0 5 16,91 0 8-16,2 2-5 16,1 6 10-16,1-2-7 0,-15 5 8 15,-44 42-29-15,67-47-18 16,-6 4-4-16,3 0-44 16,1 3-55-16</inkml:trace>
-  <inkml:trace contextRef="#ctx0" brushRef="#br0" timeOffset="-161774.73">10044 1325 209 0,'0'-2'51'0,"0"0"-10"15,-5 4-5-15,3-4 1 16,2 2-5-16,0 0-6 16,-2 0-10-16,2 0-5 15,0 0 1-15,-2 0 11 16,2-2-14-16,0 2 3 15,-2 0-6-15,2 0 7 16,0 0-2-16,0 0-7 16,-3 4 5-16,-2-4 1 15,5 0-8-15,-2 2 4 16,0-2-5-16,-5 4 6 16,-26 20-7-16,27-22 0 0,-1 2 0 15,0 0 0-15,2 0 1 16,-8 6-2-16,2-1 2 15,-21 28 2-15,28-30-3 16,0-1-3-16,-1-1 3 16,1-1 1-16,-4 10 1 15,-4-2-4-15,-24 38 4 16,30-44 2-16,1 3-4 16,-2-1-1-16,3 2 1 15,-7 6 5-15,-20 34-4 16,24-40-2-16,1 4 2 15,-2 0 3-15,2 2-4 16,-9 12 1-16,-1 4-1 16,-28 57 5-16,34-74-2 0,3 2-1 15,1-1-1-15,0 0 9 16,-11 16-10-16,2 6 1 16,-43 110-1-16,42-115 9 15,5-5-7-15,5 0-2 16,-4-2 1-16,-7 28 7 15,-10 93-8-15,23-120 3 16,2-1-3-16,0 2 4 16,-1-2-2-16,1 27-4 15,-3-2 4-15,5 102 3 16,-4-129-5-16,2 2-3 0,-1-2 3 16,3-1 3-1,0 22-3-15,0 1 0 0,14 79 0 16,-7-107 3-16,-1 0-3 15,1-2-1-15,1 3 1 16,8 16 0-16,45 63-3 16,-48-87 3-16,-4-1 1 15,4-1 5-15,-2 5-6 16,14 11-2-16,-3 2 2 16,47 68 1-16,-57-77 0 15,-1-2-2-15,-1 2 2 16,4 0-2-16,11 15 1 15,1 0-6-15,63 51 6 0,-75-74 6 16,1-1-5 0,1 1-2-16,-1-3 2 0,14 10-3 15,48 23-2-15,-67-40 4 16,1 1 2-16,1 4 2 16,-3-3-2-16,13 5-4 15,-5 0 4-15,41 11 2 16,-51-18-4-16,0 0-10 15,0 0 10-15,-1 0 7 16,3 0-5-16,1 0-4 16,-2 0 4-16,-10 2 2 15,2 0-4-15,-2-2 0 16,2 0 0-16,0 2 3 16,0-4-3-16,0 2 0 0,0 0 0 15,0 0 3 1,2 0-3-16,-2 0-6 0,0 2 6 15,17 22 0-15,-15-18 0 16,4 2-1-16,-4-2 2 16,0 1 3-16,2 4-4 15,1 1-4-15,13 16 4 16,-16-23 3-16,-2 0-2 16,0-2-2-16,2 4 2 15,0 5-1-15,5 32 0 16,-7-33-2-16,0-4 2 15,0 2 2-15,0-2 0 16,2 10-4-16,0-2 4 0,2 46 1 16,-6-54-3-1,2 2-4-15,0-1 4 0,0-3 2 16,-2 12 0-16,2-5-4 16,0 14 4-16,0-25 1 15,2 2-3-15,-2 0-7 16,2 4 7-16,1 1 2 15,13 25-1-15,-18-28-2 16,4-1 2-16,-2-2 3 16,2 0-4-16,-2 4-5 15,0-2 5-15,-2 9 3 16,0-11 0-16,2 0-6 0,-3 4 6 16,3 1-1-16,-2 5-2 15,0 3-4-15,-5 38 4 16,4-47 2-16,1 4-1 15,0-2-2-15,-2 2 2 16,-5 11 3-16,-28 52-4 16,23-57-2-16,1 1 2 15,1 3 12-15,-1 0-11 16,-14 22 4-16,-2 3-3 16,-75 123 9-16,88-146-11 15,1-2 1-15,3-2-1 16,3 0 2-16,-13 16-2 15,2 0 0-15,-31 70 0 0,38-78 5 16,-1-2-5-16,3 0-1 16,-1 1 1-16,-12 23 4 15,-43 84-3-15,54-112-2 16,2 0 2-16,-3 0 3 16,-1 0-4-16,-12 16-4 15,-2-5 4-15,-49 36 5 16,67-63-5-16,-2 0 0 15,-3 1 0-15,3-1 6 16,-12-1-6-16,1-1-8 16,-32-20 8-16,54 10 0 15,2 2 1-15,0-2-2 16,0 1-6-16,-3-10 2 16,8-37-3-16,-7 46-17 0,2 2 20 15,-3-2-3-15,1 2-6 16,0-4 10-16,-4-2-13 15,-26-17-2-15,28 22-17 16,-3-3-1-16,0 2 25 16,1 2 8-16,-5-5 8 15,-1 3-1-15,-5 8 8 16,12 1 3-16,2 1-10 16,1 3-4-16,-2 4 2 15,-3 5 4-15,-22 61-2 16,23-60-2-16,0 5 2 15,-6 2 6-15,1 3-7 16,-12 23-1-16,1 4 7 0,-35 104 13 16,57-142-17-1,4 0-3-15,0-4 0 0,5 0 2 16,5 6-2-16,3-5 1 16,56-24 5-16,-54 7 0 15,1-2-7-15,-1 2-2 16,0 1 3-16,18-7 1 15,73-18-3-15,-93 23-3 16,1 0 3-16,3 0 2 16,-4-3-2-16,19-6-62 15,2-4-50-15,60-34-199 16</inkml:trace>
-  <inkml:trace contextRef="#ctx0" brushRef="#br0" timeOffset="-150041.24">10177 6130 141 0,'0'-4'38'0,"0"4"-13"0,0-3-18 16,0 2-3-16,0-2 4 15,3 1-5-15,-1 1 3 16,-2-1-5-16,0 2 0 15,0-3-1-15,0 3 9 16,0-1 6-16,2 0-4 16,-2-2-2-16,0 1 5 15,0 2-4-15,0 0-6 16,0-2 7-16,0 2 5 16,0 0-8-16,0-2 3 15,0-1-4-15,0 2 5 16,0-2-6-16,2 2-5 15,-2-1 3-15,9-6 0 0,-11 8 2 16,2 0-1-16,0 0-3 16,0 0 5-16,2-3 0 15,0-7-2-15,-2 8 2 16,5 1-1-16,-5-4-6 16,2 4 5-16,0-5-1 15,3-2 7-15,4-13-3 16,-9 18-7-16,2-2 1 15,-2 4 7-15,0-4-7 16,2-3 1-16,0-2 1 0,14-24 4 16,-13 24-6-16,-1 2-2 15,0 1 5 1,2-2 1-16,3-7-5 0,15-34 0 16,-18 46-1-16,1-4 6 15,-1 0-2-15,0 0-2 16,4-6 3-16,1-2 5 15,15-14-9-15,-24 22 2 16,5 0-1-16,-3 4 2 16,2-5-3-16,5-4 0 15,0-1 0-15,31-26 2 16,-38 28-2-16,3 6-2 16,1-3 2-16,1 3 1 15,4-9-2-15,31-34-1 16,-32 39 1-16,-2 2 1 0,1-2 0 15,1 2-2-15,7-8 2 16,3-1 2-16,38-32-3 16,-49 39-4-16,-3 0 4 15,3 2 3-15,3-4-2 16,10-10-2-16,0-4 2 16,52-57 0-16,-63 72-1 15,2-1-3-15,-1 2 3 16,1-3 1-16,11-7 1 15,49-25-4-15,-63 39 4 16,-4 1-1-16,5 1-1 16,-1 0-3-16,9-4 3 0,0 0 2 15,41-16-2-15,-49 18 0 16,-3 0 0-16,4-2 4 16,-1 1-4-16,9-4-4 15,3-1 4-15,39-16 2 16,-56 26-2-16,1-1 0 15,-3 3 0-15,1-1 2 16,4 0-2-16,11-5-3 16,-16 3 3-16,-2 1 2 15,3 0-1-15,0-2-2 16,3 0 2-16,1-2 1 16,16-9-2-16,-21 12-2 15,0 0 2-15,-2 2 1 16,-2 0 0-16,6-2-2 0,-4 3 0 15,-16-2 0-15,12 0-32 16,-5 0-28-16,-3 2-14 16,-2 0-15-16,-5 0-75 15</inkml:trace>
+  <inkml:trace contextRef="#ctx0" brushRef="#br0" timeOffset="-161774.74">10044 1325 209 0,'0'-2'51'0,"0"0"-10"15,-5 4-5-15,3-4 1 16,2 2-5-16,0 0-6 16,-2 0-10-16,2 0-5 15,0 0 1-15,-2 0 11 16,2-2-14-16,0 2 3 15,-2 0-6-15,2 0 7 16,0 0-2-16,0 0-7 16,-3 4 5-16,-2-4 1 15,5 0-8-15,-2 2 4 16,0-2-5-16,-5 4 6 16,-26 20-7-16,27-22 0 0,-1 2 0 15,0 0 0-15,2 0 1 16,-8 6-2-16,2-1 2 15,-21 28 2-15,28-30-3 16,0-1-3-16,-1-1 3 16,1-1 1-16,-4 10 1 15,-4-2-4-15,-24 38 4 16,30-44 2-16,1 3-4 16,-2-1-1-16,3 2 1 15,-7 6 5-15,-20 34-4 16,24-40-2-16,1 4 2 15,-2 0 3-15,2 2-4 16,-9 12 1-16,-1 4-1 16,-28 57 5-16,34-74-2 0,3 2-1 15,1-1-1-15,0 0 9 16,-11 16-10-16,2 6 1 16,-43 110-1-16,42-115 9 15,5-5-7-15,5 0-2 16,-4-2 1-16,-7 28 7 15,-10 93-8-15,23-120 3 16,2-1-3-16,0 2 4 16,-1-2-2-16,1 27-4 15,-3-2 4-15,5 102 3 16,-4-129-5-16,2 2-3 0,-1-2 3 16,3-1 3-1,0 22-3-15,0 1 0 0,14 79 0 16,-7-107 3-16,-1 0-3 15,1-2-1-15,1 3 1 16,8 16 0-16,45 63-3 16,-48-87 3-16,-4-1 1 15,4-1 5-15,-2 5-6 16,14 11-2-16,-3 2 2 16,47 68 1-16,-57-77 0 15,-1-2-2-15,-1 2 2 16,4 0-2-16,11 15 1 15,1 0-6-15,63 51 6 0,-75-74 6 16,1-1-5 0,1 1-2-16,-1-3 2 0,14 10-3 15,48 23-2-15,-67-40 4 16,1 1 2-16,1 4 2 16,-3-3-2-16,13 5-4 15,-5 0 4-15,41 11 2 16,-51-18-4-16,0 0-10 15,0 0 10-15,-1 0 7 16,3 0-5-16,1 0-4 16,-2 0 4-16,-10 2 2 15,2 0-4-15,-2-2 0 16,2 0 0-16,0 2 3 16,0-4-3-16,0 2 0 0,0 0 0 15,0 0 3 1,2 0-3-16,-2 0-6 0,0 2 6 15,17 22 0-15,-15-18 0 16,4 2-1-16,-4-2 2 16,0 1 3-16,2 4-4 15,1 1-4-15,13 16 4 16,-16-23 3-16,-2 0-2 16,0-2-2-16,2 4 2 15,0 5-1-15,5 32 0 16,-7-33-2-16,0-4 2 15,0 2 2-15,0-2 0 16,2 10-4-16,0-2 4 0,2 46 1 16,-6-54-3-1,2 2-4-15,0-1 4 0,0-3 2 16,-2 12 0-16,2-5-4 16,0 14 4-16,0-25 1 15,2 2-3-15,-2 0-7 16,2 4 7-16,1 1 2 15,13 25-1-15,-18-28-2 16,4-1 2-16,-2-2 3 16,2 0-4-16,-2 4-5 15,0-2 5-15,-2 9 3 16,0-11 0-16,2 0-6 0,-3 4 6 16,3 1-1-16,-2 5-2 15,0 3-4-15,-5 38 4 16,4-47 2-16,1 4-1 15,0-2-2-15,-2 2 2 16,-5 11 3-16,-28 52-4 16,23-57-2-16,1 1 2 15,1 3 12-15,-1 0-11 16,-14 22 4-16,-2 3-3 16,-75 123 9-16,88-146-11 15,1-2 1-15,3-2-1 16,3 0 2-16,-13 16-2 15,2 0 0-15,-31 70 0 0,38-78 5 16,-1-2-5-16,3 0-1 16,-1 1 1-16,-12 23 4 15,-43 84-3-15,54-112-2 16,2 0 2-16,-3 0 3 16,-1 0-4-16,-12 16-4 15,-2-5 4-15,-49 36 5 16,67-63-5-16,-2 0 0 15,-3 1 0-15,3-1 6 16,-12-1-6-16,1-1-8 16,-32-20 8-16,54 10 0 15,2 2 1-15,0-2-2 16,0 1-6-16,-3-10 2 16,8-37-3-16,-7 46-17 0,2 2 20 15,-3-2-3-15,1 2-6 16,0-4 10-16,-4-2-13 15,-26-17-2-15,28 22-17 16,-3-3-1-16,0 2 25 16,1 2 8-16,-5-5 8 15,-1 3-1-15,-5 8 8 16,12 1 3-16,2 1-10 16,1 3-4-16,-2 4 2 15,-3 5 4-15,-22 61-2 16,23-60-2-16,0 5 2 15,-6 2 6-15,1 3-7 16,-12 23-1-16,1 4 7 0,-35 104 13 16,57-142-17-1,4 0-3-15,0-4 0 0,5 0 2 16,5 6-2-16,3-5 1 16,56-24 5-16,-54 7 0 15,1-2-7-15,-1 2-2 16,0 1 3-16,18-7 1 15,73-18-3-15,-93 23-3 16,1 0 3-16,3 0 2 16,-4-3-2-16,19-6-62 15,2-4-50-15,60-34-199 16</inkml:trace>
+  <inkml:trace contextRef="#ctx0" brushRef="#br0" timeOffset="-150041.25">10177 6130 141 0,'0'-4'38'0,"0"4"-13"0,0-3-18 16,0 2-3-16,0-2 4 15,3 1-5-15,-1 1 3 16,-2-1-5-16,0 2 0 15,0-3-1-15,0 3 9 16,0-1 6-16,2 0-4 16,-2-2-2-16,0 1 5 15,0 2-4-15,0 0-6 16,0-2 7-16,0 2 5 16,0 0-8-16,0-2 3 15,0-1-4-15,0 2 5 16,0-2-6-16,2 2-5 15,-2-1 3-15,9-6 0 0,-11 8 2 16,2 0-1-16,0 0-3 16,0 0 5-16,2-3 0 15,0-7-2-15,-2 8 2 16,5 1-1-16,-5-4-6 16,2 4 5-16,0-5-1 15,3-2 7-15,4-13-3 16,-9 18-7-16,2-2 1 15,-2 4 7-15,0-4-7 16,2-3 1-16,0-2 1 0,14-24 4 16,-13 24-6-16,-1 2-2 15,0 1 5 1,2-2 1-16,3-7-5 0,15-34 0 16,-18 46-1-16,1-4 6 15,-1 0-2-15,0 0-2 16,4-6 3-16,1-2 5 15,15-14-9-15,-24 22 2 16,5 0-1-16,-3 4 2 16,2-5-3-16,5-4 0 15,0-1 0-15,31-26 2 16,-38 28-2-16,3 6-2 16,1-3 2-16,1 3 1 15,4-9-2-15,31-34-1 16,-32 39 1-16,-2 2 1 0,1-2 0 15,1 2-2-15,7-8 2 16,3-1 2-16,38-32-3 16,-49 39-4-16,-3 0 4 15,3 2 3-15,3-4-2 16,10-10-2-16,0-4 2 16,52-57 0-16,-63 72-1 15,2-1-3-15,-1 2 3 16,1-3 1-16,11-7 1 15,49-25-4-15,-63 39 4 16,-4 1-1-16,5 1-1 16,-1 0-3-16,9-4 3 0,0 0 2 15,41-16-2-15,-49 18 0 16,-3 0 0-16,4-2 4 16,-1 1-4-16,9-4-4 15,3-1 4-15,39-16 2 16,-56 26-2-16,1-1 0 15,-3 3 0-15,1-1 2 16,4 0-2-16,11-5-3 16,-16 3 3-16,-2 1 2 15,3 0-1-15,0-2-2 16,3 0 2-16,1-2 1 16,16-9-2-16,-21 12-2 15,0 0 2-15,-2 2 1 16,-2 0 0-16,6-2-2 0,-4 3 0 15,-16-2 0-15,12 0-32 16,-5 0-28-16,-3 2-14 16,-2 0-15-16,-5 0-75 15</inkml:trace>
   <inkml:trace contextRef="#ctx0" brushRef="#br0" timeOffset="-149356.08">10970 4984 226 0,'-2'0'23'0,"0"0"-2"0,0 0 19 16,0 0-4-16,0 0-12 16,2 0-7-16,0 0-4 15,0 0-6-15,0 0 8 16,0 0-3-16,0-3 2 15,6 6-8-15,-6-6-5 16,2 3 6-16,2 3 8 16,4-2-12-16,3 0 7 15,-1 2-4-15,36 0 6 16,-40-3-4-16,1 0-6 16,1-1 8-16,2 1 2 15,7-2-8-15,45-3 1 16,-50 0-5-16,1 3 8 0,-2-2-8 15,3 0 1-15,15-2-1 16,-2 0 2-16,54-10-1 16,-69 16-2-16,-3 0 2 15,2 0 2-15,-4-2-3 16,8-1-3-16,1 2 3 16,2-2 2-16,-14 2-1 15,-2-1-2-15,0 2 2 16,1 0 2-16,2 0-3 15,-5 2-3-15,4-2 3 16,0 0 2-16,-2 1-1 16,3-1-2-16,1 0 2 0,2 3 1 15,9 7-2-15,-15-10-5 16,-2 0 5-16,2 2 4 16,-2 2-2-16,2 2 0 15,-4 4 5-15,-27 48 6 16,21-42-7-16,-3 4-5 15,-3-2 5-15,3-2 4 16,-12 17-7-16,-29 45 0 16,44-75-2-16,8 1 4 15,0-4-5-15,0 3-5 16,0-2 5-16,0 2 0 16,5 0-7-16,-2 0-6 15,-1-3-18-15,-2 3-60 0,2 2-90 16</inkml:trace>
   <inkml:trace contextRef="#ctx0" brushRef="#br0" timeOffset="-133906.09">12666 3817 296 0,'-5'0'16'15,"-1"0"0"-15,4 0 12 16,-7 0 7-16,0-7-11 16,9 3-6-16,0 4 1 15,0 0-13-15,-3-2-1 16,3-2-4-16,0 4 8 16,-2-4 0-16,2 4-6 15,-2 0 7-15,2 2 3 0,0 0-10 16,-2 4 3-1,-2 4-4-15,-23 64 2 0,16-50 1 16,1 2-2-16,4 5 5 16,-3 5 7-16,-7 30-11 15,-15 190 3-15,33-200 3 16,-4 4 4-16,4 9-2 16,-2 1-1-16,0 62 1 15,0 3 0-15,21 221-7 16,-13-310 1-16,4 3-6 15,-1-5 2-15,0-6-2 16,13 37-4-16,3-20 3 16,69 29 0-16,-76-84-56 0,3-3-52 15,-6-4-188 1</inkml:trace>
   <inkml:trace contextRef="#ctx0" brushRef="#br0" timeOffset="-132232.03">13129 3860 83 0,'0'-1'62'15,"0"1"-18"-15,2 0-7 16,-2 0-18-16,0-3-11 16,8-5 6-16,-8 4 16 15,0 0-14-15,0 0 0 16,0 2 10-16,-2-6-10 15,-12-11 3-15,9 18-7 16,1-1-2-16,0-2-1 16,2 0-7-16,-8 0 8 15,4-2 7-15,-15-9-2 0,19 11 5 16,-2 4-6 0,-1 0 2-16,1 0-3 0,-5 0-11 15,-5 6 1-15,-41 35 4 16,42-27-6-16,2 0-1 15,1 7 0-15,2 0 2 16,-7 21-2-16,-31 114-4 16,46-129 4-16,0-5 0 15,5 0-1-15,-1-2 1 16,8 18-2-16,5-7 2 16,57 38-1-16,-57-65 0 15,2-4 1-15,-2 0 5 0,3 0-5 16,16-4 3-1,-1-4-2-15,64-30-1 0,-92 26 0 16,1 4 1-16,-1-2-1 16,0-2 1-16,4-10 0 15,4-52-1-15,-21 60 0 16,1-1 2-16,-1 4-2 16,-1-3-4-16,-11-15 4 15,0 3 0-15,-47-46-6 16,52 60 3-16,-1 2 2 15,4 2 1-15,-3 1 0 16,-10-10-2-16,1 5 2 16,-27-24 0-16,44 30-1 15,5 2 1-15,-2-1-3 16,2 4 1-16,-2-7-1 0,20-8-1 16,-14 10 4-16,5 0 2 15,0 2 0-15,4-2-2 16,12-6 1-16,6-1 1 15,83-12-2-15,-94 19 1 16,-2 1-1-16,1 0 0 16,2-2 1-16,18-3-1 15,0 2 1-15,57-16 0 16,-88 23-1-16,1-2 0 16,-2 3 0-16,-2-1 0 15,6 1-60-15,-3 1-20 0,-14 2-226 16</inkml:trace>
-  <inkml:trace contextRef="#ctx0" brushRef="#br0" timeOffset="-131440.11">13651 3519 241 0,'-7'-4'136'0,"3"2"-110"16,0-4-9-16,-3-3 16 15,2 0 9-15,17-28-26 16,-10 30-11-16,4-1 7 15,3 0 0-15,0 2-3 16,6-6 1-16,6 2-4 16,41-2-2-16,-55 14 0 15,-1 3-4-15,1 0 8 16,0 1 1-16,6 8-6 0,18 49 7 16,-31-51-7-16,0 5 8 15,-2-1 1-15,-2 1-9 16,-3 21 6-16,-7-1-3 15,-44 88-5-15,48-101 2 16,1-8 0-16,1-4-1 16,6-3-2-16,-4 12-3 15,4-7 3-15,18 8 0 16,-12-19-1-16,3-3 1 16,-1 0 6-16,0 0-4 0,11-1 1 15,43-15 0 1,-52 10-6-16,4 0-1 0,-1 0-40 15,-2 0-26-15,11-6-55 16,-5 2-236-16</inkml:trace>
+  <inkml:trace contextRef="#ctx0" brushRef="#br0" timeOffset="-131440.12">13651 3519 241 0,'-7'-4'136'0,"3"2"-110"16,0-4-9-16,-3-3 16 15,2 0 9-15,17-28-26 16,-10 30-11-16,4-1 7 15,3 0 0-15,0 2-3 16,6-6 1-16,6 2-4 16,41-2-2-16,-55 14 0 15,-1 3-4-15,1 0 8 16,0 1 1-16,6 8-6 0,18 49 7 16,-31-51-7-16,0 5 8 15,-2-1 1-15,-2 1-9 16,-3 21 6-16,-7-1-3 15,-44 88-5-15,48-101 2 16,1-8 0-16,1-4-1 16,6-3-2-16,-4 12-3 15,4-7 3-15,18 8 0 16,-12-19-1-16,3-3 1 16,-1 0 6-16,0 0-4 0,11-1 1 15,43-15 0 1,-52 10-6-16,4 0-1 0,-1 0-40 15,-2 0-26-15,11-6-55 16,-5 2-236-16</inkml:trace>
   <inkml:trace contextRef="#ctx0" brushRef="#br0" timeOffset="-129531.27">13994 4376 295 0,'0'-17'50'0,"0"0"-12"16,2-10-16-16,-2 21 8 15,0 2 25-15,0 0-25 0,3 1-12 16,-3-3 4-16,0 0-2 15,4-5-9-15,-4 9-8 16,2 0-2-16,-2 2-2 16,3 0-4-16,3-2-40 15,29 6-44-15,-28-4-40 16</inkml:trace>
   <inkml:trace contextRef="#ctx0" brushRef="#br0" timeOffset="-129341.7">14181 4405 84 0,'11'6'188'0,"-4"-1"-169"16,9 5-6-16,-12-10 3 15,1 2 4-15,1-1-11 16,1-1-8-16,7 5 0 0,34 10 1 16,-41-8-1-16,2-2-1 15,-3 1-3-15,5 0-7 16,10 6-53-16</inkml:trace>
   <inkml:trace contextRef="#ctx0" brushRef="#br0" timeOffset="-129201.54">14704 4648 302 0,'-4'48'23'16,"6"-37"-16"-16,0-4-7 0,4-1-3 15,0 0-3-15,5 8-73 16</inkml:trace>
@@ -790,7 +1082,7 @@
   <inkml:trace contextRef="#ctx0" brushRef="#br0" timeOffset="-124708.77">16652 3788 161 0,'-9'-75'291'15,"27"-92"-265"-15,-7 176-21 16,9 9 28-16,9 20 9 16,2 14-12-16,32 45 13 15,15 31-9-15,218 385 8 16,-247-411-17-16,-22 4 10 16,-18-8-5-16,-9-7-26 15,8 96-2-15,-108 320-4 16,90-446-3-16,-2-14-95 0,5-6-128 15</inkml:trace>
   <inkml:trace contextRef="#ctx0" brushRef="#br0" timeOffset="-123623.02">18122 3421 363 0,'-8'-12'32'15,"-3"1"-8"-15,-16 5-22 0,23 6 28 16,1 6-2-16,-1 3-18 16,-1 2 23-16,-2 23-2 15,-1 27-4-15,-11 318 8 16,19-277-11-16,0 7-6 15,0 3-2-15,0-2-13 16,0 97 5-16,36 320-4 16,-13-479-1-16,-3 2-3 15,0-1 1-15,4-7-3 16,23 39-5-16,7-10-51 16,126 61-87-16,-149-128-212 15</inkml:trace>
   <inkml:trace contextRef="#ctx0" brushRef="#br0" timeOffset="-122466.61">18423 4070 290 0,'-19'-42'37'0,"17"37"-7"16,-2 0 5-16,2 0-2 16,0 1-3-16,-4-2-3 15,-3-3-12-15,7 9-5 16,2 0-7-16,0 2-2 16,0 3 8-16,0 7-2 15,2 9 1-15,-2 109 4 16,0-93 5-16,0 1-6 15,2 4 1-15,3-2-9 16,1 42 4-16,6-1-5 16,45 139 1-16,-41-196-3 0,-1-4 0 15,5-4 1 1,-1 0-1-16,16 13 1 0,65 9 2 16,-86-43 5-16,1-3-7 15,1-3 5-15,-3-3-1 16,12-15-3-16,0-9-2 15,21-120 2-15,-42 128-2 16,-2-1 0-16,-2 6 1 16,3-1-1-16,-1-25 0 15,-2 6 1-15,-7-72-1 16,3 104-1-16,2 2 1 16,0 3 0-16,-1 2-16 15,1-8-10-15,-2 2-36 16,4 12-12-16,0 1-14 0,2 4-151 15</inkml:trace>
-  <inkml:trace contextRef="#ctx0" brushRef="#br0" timeOffset="-121384.62">19101 4654 232 0,'6'5'158'0,"-4"-4"-107"15,-2 3-40-15,0 4 18 16,0 6 0-16,-15 57-15 16,15-62-8-16,0 1-3 15,0 0-3-15,0-2 4 16,2 9-4-16,0 0-50 16,5 26-119-16</inkml:trace>
+  <inkml:trace contextRef="#ctx0" brushRef="#br0" timeOffset="-121384.63">19101 4654 232 0,'6'5'158'0,"-4"-4"-107"15,-2 3-40-15,0 4 18 16,0 6 0-16,-15 57-15 16,15-62-8-16,0 1-3 15,0 0-3-15,0-2 4 16,2 9-4-16,0 0-50 16,5 26-119-16</inkml:trace>
   <inkml:trace contextRef="#ctx0" brushRef="#br0" timeOffset="-117908.84">18425 3429 60 0,'-4'0'4'0,"0"2"-3"15,2-2 5-15,12-8 39 16,-10 6-22-16,-2-2-23 15,2 1-8-15,-2 3 4 16,-2-3 1-16,-23-1 3 16,23 1 0-16,-3 1 16 15,3 1 49-15,-2-4 2 16,-2 1-25-16,1-1-11 16,-1-5 1-16,6 7-4 15,2 3-9-15,0 0 1 0,2 0-4 16,-2-1 5-1,0 1-5-15,2-2 5 0,-4 4 4 16,0-2-7-16,2 0-13 16,0 1 2-16,-3 3-2 15,-2 32 10-15,1-15-2 16,-3-2-4-16,5 2 3 16,-2 0-1-16,0 21-10 15,1-3-1-15,8 79 2 16,-5-97 2-16,2-5-4 15,-2-2-1-15,2 0 1 16,0 10 2-16,-2-6-1 16,4 6-2-16,-4-22 2 0,0-1 0 15,3-1-1-15,-1 3-5 16,2 3 5-16,29 27 7 16,-21-28-6-16,3 1 0 15,4-4 1-15,3 2 5 16,22 0 1-16,16-4-7 15,177-28 5-15,-184 16 3 16,5 0-7-16,4 1-4 16,3 2 4-16,59-9 3 15,6 2-5-15,251-24-4 16,-327 37 4-16,2-1 3 16,-8 0-1-16,1 3-4 15,47-6 4-15,160-14 2 16,-211 13-4-16,-3-1-4 0,2-1 4 15,-1 0 0-15,42-10 1 16,-3 0-2-16,157-32 2 16,-204 46 1-16,1 2-2 15,-3 2-4-15,1 0 4 16,29-2 2-16,-11 2-2 16,62 4 0-16,-107 2 0 15,1-2 2-15,-2-2-2 16,0 2-3-16,5 2 3 15,20 7 2-15,-27-14-1 16,4 3-2-16,-2-2 2 16,1-2 2-16,6-4-2 0,1-5 2 15,21-50-2-15,-35 47 2 16,0-3-1-16,-2 2-4 16,0-3 4-16,0-16 2 15,-3 0-4-15,5-58-2 16,3 81 2-16,-1 1 4 15,2 0-3-15,0 2-2 16,3-10 2-16,11-22 3 16,-18 42 1-16,-4 2-2 15,2 0 9-15,-3 0-3 16,-7 2-6-16,-3 0-2 16,-49 14 0-16,52-16 5 15,1-1-6-15,-3-1-3 0,4 3 3 16,-19 3 3-1,-5 0-1-15,-115 28-4 0,100-22 4 16,-9 2 0-16,2 0-2 16,-4 0-2-16,-58 13 2 15,-267 43 1-15,336-66 1 16,1 0-4-16,4-2 4 16,0 0-1-16,-45 0-1 15,6-1-4-15,-139-2 4 16,186 1 2-16,3-2-1 15,4 2-2-15,-2-2 2 16,-30 0 1-16,3-2-2 0,-114 0-4 16,141 5 4-1,2 3 1-15,-4 1-1 0,4 0 0 16,-32 5 0-16,-88 20 1 16,140-27-1-16,1-1-3 15,4-2 3-15,-1 2 0 16,-2-2-17-16,5 0-2 15,4-2 2-15,-2 2 13 16,0 0-1-16,-2 0-4 16,-3 0 9-16,-1 2-4 15,-3 0-1-15,-22 5-3 16,24-7-5-16,7 0 9 16,0-2-1-16,0 1-16 15,-5-3 19-15,-3-19 1 16,3 22 1-16,1-3 0 0,0 2 0 15,-2 0 4-15,-2-3-4 16,1 3-12-16,1 2-35 16,6 2-58-16,4 5 57 15,3-4-59-15</inkml:trace>
   <inkml:trace contextRef="#ctx0" brushRef="#br0" timeOffset="-117510.06">19707 3314 290 0,'0'0'22'15,"2"0"-13"-15,-2 0 17 16,0 0 19-16,2 6-6 16,-4-7-10-16,2 1-1 15,0 0 10-15,0 0-3 16,0 0-13-16,2 1-16 16,0-1-3-16,0 3 1 15,3-2-3-15,-1 3-2 0,1 2 3 16,4 2 2-1,0 2-4-15,18 20 0 0,-25-25 0 16,0-3 2-16,-2 0-1 16,2-1-1-16,0 3 0 15,2 9 1-15,0-15-1 16,-8-1-36-16,4 3-62 16,-2 0-112-16</inkml:trace>
   <inkml:trace contextRef="#ctx0" brushRef="#br0" timeOffset="-116973.45">20072 3314 395 0,'-2'-5'54'16,"-2"5"-17"-16,1 0 25 16,1 0-11-16,-1-2-21 15,-1 4-30-15,11 12 3 16,-2-6-3-16,-3 7 8 16,0 8-7-16,0 3 0 0,5 18 3 15,24 101 2 1,-22-126-6-16,2-1 2 0,-4-1-2 15,-3-6 0-15,9 13 1 16,-3-8-1-16,-4-3 1 16,-4-17 1-16,-4-6 6 15,4-7 4-15,-2-3-8 16,0-18 0-16,-2-10-3 16,-6-113-1-16,5 139 0 15,3 11 5-15,-3 7-2 16,1 4-3-16,-4-4 0 15,-5 42-3-15,17-28 6 16,-1 4-3-16,-3-2 0 16,4-3 5-16,6 14-3 0,1-3-1 15,18 29 2 1,-31-46-1-16,2-2 0 0,-2 2-2 16,-2-2 0-16,2 5-11 15,-6 1-34-15,-50 29-44 16,29-35-118-16</inkml:trace>
@@ -6735,8 +7027,8 @@
           </a:prstGeom>
         </p:spPr>
       </p:pic>
-      <mc:AlternateContent xmlns:mc="http://schemas.openxmlformats.org/markup-compatibility/2006">
-        <mc:Choice xmlns:p14="http://schemas.microsoft.com/office/powerpoint/2010/main" Requires="p14">
+      <mc:AlternateContent xmlns:mc="http://schemas.openxmlformats.org/markup-compatibility/2006" xmlns:p14="http://schemas.microsoft.com/office/powerpoint/2010/main">
+        <mc:Choice Requires="p14">
           <p:contentPart p14:bwMode="auto" r:id="rId4">
             <p14:nvContentPartPr>
               <p14:cNvPr id="2" name="Entrada de lápiz 1">
@@ -6755,7 +7047,7 @@
             </p14:xfrm>
           </p:contentPart>
         </mc:Choice>
-        <mc:Fallback>
+        <mc:Fallback xmlns="">
           <p:pic>
             <p:nvPicPr>
               <p:cNvPr id="2" name="Entrada de lápiz 1">
@@ -7229,8 +7521,8 @@
           </a:prstGeom>
         </p:spPr>
       </p:pic>
-      <mc:AlternateContent xmlns:mc="http://schemas.openxmlformats.org/markup-compatibility/2006">
-        <mc:Choice xmlns:p14="http://schemas.microsoft.com/office/powerpoint/2010/main" Requires="p14">
+      <mc:AlternateContent xmlns:mc="http://schemas.openxmlformats.org/markup-compatibility/2006" xmlns:p14="http://schemas.microsoft.com/office/powerpoint/2010/main">
+        <mc:Choice Requires="p14">
           <p:contentPart p14:bwMode="auto" r:id="rId4">
             <p14:nvContentPartPr>
               <p14:cNvPr id="2" name="Entrada de lápiz 1">
@@ -7249,7 +7541,7 @@
             </p14:xfrm>
           </p:contentPart>
         </mc:Choice>
-        <mc:Fallback>
+        <mc:Fallback xmlns="">
           <p:pic>
             <p:nvPicPr>
               <p:cNvPr id="2" name="Entrada de lápiz 1">
@@ -7592,8 +7884,8 @@
           </a:extLst>
         </p:spPr>
       </p:pic>
-      <mc:AlternateContent xmlns:mc="http://schemas.openxmlformats.org/markup-compatibility/2006">
-        <mc:Choice xmlns:p14="http://schemas.microsoft.com/office/powerpoint/2010/main" Requires="p14">
+      <mc:AlternateContent xmlns:mc="http://schemas.openxmlformats.org/markup-compatibility/2006" xmlns:p14="http://schemas.microsoft.com/office/powerpoint/2010/main">
+        <mc:Choice Requires="p14">
           <p:contentPart p14:bwMode="auto" r:id="rId4">
             <p14:nvContentPartPr>
               <p14:cNvPr id="2" name="Entrada de lápiz 1">
@@ -7612,7 +7904,7 @@
             </p14:xfrm>
           </p:contentPart>
         </mc:Choice>
-        <mc:Fallback>
+        <mc:Fallback xmlns="">
           <p:pic>
             <p:nvPicPr>
               <p:cNvPr id="2" name="Entrada de lápiz 1">
@@ -8068,6 +8360,57 @@
           </a:prstGeom>
         </p:spPr>
       </p:pic>
+      <mc:AlternateContent xmlns:mc="http://schemas.openxmlformats.org/markup-compatibility/2006">
+        <mc:Choice xmlns:p14="http://schemas.microsoft.com/office/powerpoint/2010/main" Requires="p14">
+          <p:contentPart p14:bwMode="auto" r:id="rId4">
+            <p14:nvContentPartPr>
+              <p14:cNvPr id="2" name="Entrada de lápiz 1">
+                <a:extLst>
+                  <a:ext uri="{FF2B5EF4-FFF2-40B4-BE49-F238E27FC236}">
+                    <a16:creationId xmlns:a16="http://schemas.microsoft.com/office/drawing/2014/main" id="{9FA249E2-7EA1-71A3-4D04-5C9D32BFDA9C}"/>
+                  </a:ext>
+                </a:extLst>
+              </p14:cNvPr>
+              <p14:cNvContentPartPr/>
+              <p14:nvPr/>
+            </p14:nvContentPartPr>
+            <p14:xfrm>
+              <a:off x="216720" y="80280"/>
+              <a:ext cx="11974680" cy="6576480"/>
+            </p14:xfrm>
+          </p:contentPart>
+        </mc:Choice>
+        <mc:Fallback>
+          <p:pic>
+            <p:nvPicPr>
+              <p:cNvPr id="2" name="Entrada de lápiz 1">
+                <a:extLst>
+                  <a:ext uri="{FF2B5EF4-FFF2-40B4-BE49-F238E27FC236}">
+                    <a16:creationId xmlns:a16="http://schemas.microsoft.com/office/drawing/2014/main" id="{9FA249E2-7EA1-71A3-4D04-5C9D32BFDA9C}"/>
+                  </a:ext>
+                </a:extLst>
+              </p:cNvPr>
+              <p:cNvPicPr/>
+              <p:nvPr/>
+            </p:nvPicPr>
+            <p:blipFill>
+              <a:blip r:embed="rId5"/>
+              <a:stretch>
+                <a:fillRect/>
+              </a:stretch>
+            </p:blipFill>
+            <p:spPr>
+              <a:xfrm>
+                <a:off x="207360" y="70920"/>
+                <a:ext cx="11993400" cy="6595200"/>
+              </a:xfrm>
+              <a:prstGeom prst="rect">
+                <a:avLst/>
+              </a:prstGeom>
+            </p:spPr>
+          </p:pic>
+        </mc:Fallback>
+      </mc:AlternateContent>
     </p:spTree>
     <p:extLst>
       <p:ext uri="{BB962C8B-B14F-4D97-AF65-F5344CB8AC3E}">
@@ -8680,8 +9023,8 @@
           </a:prstGeom>
         </p:spPr>
       </p:pic>
-      <mc:AlternateContent xmlns:mc="http://schemas.openxmlformats.org/markup-compatibility/2006">
-        <mc:Choice xmlns:p14="http://schemas.microsoft.com/office/powerpoint/2010/main" Requires="p14">
+      <mc:AlternateContent xmlns:mc="http://schemas.openxmlformats.org/markup-compatibility/2006" xmlns:p14="http://schemas.microsoft.com/office/powerpoint/2010/main">
+        <mc:Choice Requires="p14">
           <p:contentPart p14:bwMode="auto" r:id="rId6">
             <p14:nvContentPartPr>
               <p14:cNvPr id="2" name="Entrada de lápiz 1">
@@ -8700,7 +9043,7 @@
             </p14:xfrm>
           </p:contentPart>
         </mc:Choice>
-        <mc:Fallback>
+        <mc:Fallback xmlns="">
           <p:pic>
             <p:nvPicPr>
               <p:cNvPr id="2" name="Entrada de lápiz 1">
@@ -8723,6 +9066,57 @@
               <a:xfrm>
                 <a:off x="462960" y="2334600"/>
                 <a:ext cx="10178640" cy="3587400"/>
+              </a:xfrm>
+              <a:prstGeom prst="rect">
+                <a:avLst/>
+              </a:prstGeom>
+            </p:spPr>
+          </p:pic>
+        </mc:Fallback>
+      </mc:AlternateContent>
+      <mc:AlternateContent xmlns:mc="http://schemas.openxmlformats.org/markup-compatibility/2006">
+        <mc:Choice xmlns:p14="http://schemas.microsoft.com/office/powerpoint/2010/main" Requires="p14">
+          <p:contentPart p14:bwMode="auto" r:id="rId8">
+            <p14:nvContentPartPr>
+              <p14:cNvPr id="4" name="Entrada de lápiz 3">
+                <a:extLst>
+                  <a:ext uri="{FF2B5EF4-FFF2-40B4-BE49-F238E27FC236}">
+                    <a16:creationId xmlns:a16="http://schemas.microsoft.com/office/drawing/2014/main" id="{EB6FB50D-71A8-36EC-2074-56CCD03AC92A}"/>
+                  </a:ext>
+                </a:extLst>
+              </p14:cNvPr>
+              <p14:cNvContentPartPr/>
+              <p14:nvPr/>
+            </p14:nvContentPartPr>
+            <p14:xfrm>
+              <a:off x="3684600" y="366840"/>
+              <a:ext cx="5824800" cy="4971960"/>
+            </p14:xfrm>
+          </p:contentPart>
+        </mc:Choice>
+        <mc:Fallback>
+          <p:pic>
+            <p:nvPicPr>
+              <p:cNvPr id="4" name="Entrada de lápiz 3">
+                <a:extLst>
+                  <a:ext uri="{FF2B5EF4-FFF2-40B4-BE49-F238E27FC236}">
+                    <a16:creationId xmlns:a16="http://schemas.microsoft.com/office/drawing/2014/main" id="{EB6FB50D-71A8-36EC-2074-56CCD03AC92A}"/>
+                  </a:ext>
+                </a:extLst>
+              </p:cNvPr>
+              <p:cNvPicPr/>
+              <p:nvPr/>
+            </p:nvPicPr>
+            <p:blipFill>
+              <a:blip r:embed="rId9"/>
+              <a:stretch>
+                <a:fillRect/>
+              </a:stretch>
+            </p:blipFill>
+            <p:spPr>
+              <a:xfrm>
+                <a:off x="3675240" y="357480"/>
+                <a:ext cx="5843520" cy="4990680"/>
               </a:xfrm>
               <a:prstGeom prst="rect">
                 <a:avLst/>
@@ -9587,8 +9981,8 @@
           </a:prstGeom>
         </p:spPr>
       </p:pic>
-      <mc:AlternateContent xmlns:mc="http://schemas.openxmlformats.org/markup-compatibility/2006">
-        <mc:Choice xmlns:p14="http://schemas.microsoft.com/office/powerpoint/2010/main" Requires="p14">
+      <mc:AlternateContent xmlns:mc="http://schemas.openxmlformats.org/markup-compatibility/2006" xmlns:p14="http://schemas.microsoft.com/office/powerpoint/2010/main">
+        <mc:Choice Requires="p14">
           <p:contentPart p14:bwMode="auto" r:id="rId6">
             <p14:nvContentPartPr>
               <p14:cNvPr id="2" name="Entrada de lápiz 1">
@@ -9607,7 +10001,7 @@
             </p14:xfrm>
           </p:contentPart>
         </mc:Choice>
-        <mc:Fallback>
+        <mc:Fallback xmlns="">
           <p:pic>
             <p:nvPicPr>
               <p:cNvPr id="2" name="Entrada de lápiz 1">
